--- a/発表資料_vol1.pptx
+++ b/発表資料_vol1.pptx
@@ -5,21 +5,23 @@
     <p:sldMasterId id="2147483648" r:id="rId1"/>
   </p:sldMasterIdLst>
   <p:notesMasterIdLst>
-    <p:notesMasterId r:id="rId14"/>
+    <p:notesMasterId r:id="rId16"/>
   </p:notesMasterIdLst>
   <p:sldIdLst>
     <p:sldId id="256" r:id="rId2"/>
-    <p:sldId id="257" r:id="rId3"/>
-    <p:sldId id="266" r:id="rId4"/>
-    <p:sldId id="267" r:id="rId5"/>
-    <p:sldId id="268" r:id="rId6"/>
-    <p:sldId id="258" r:id="rId7"/>
-    <p:sldId id="269" r:id="rId8"/>
-    <p:sldId id="272" r:id="rId9"/>
-    <p:sldId id="259" r:id="rId10"/>
-    <p:sldId id="260" r:id="rId11"/>
-    <p:sldId id="265" r:id="rId12"/>
-    <p:sldId id="262" r:id="rId13"/>
+    <p:sldId id="273" r:id="rId3"/>
+    <p:sldId id="267" r:id="rId4"/>
+    <p:sldId id="268" r:id="rId5"/>
+    <p:sldId id="258" r:id="rId6"/>
+    <p:sldId id="266" r:id="rId7"/>
+    <p:sldId id="274" r:id="rId8"/>
+    <p:sldId id="259" r:id="rId9"/>
+    <p:sldId id="260" r:id="rId10"/>
+    <p:sldId id="265" r:id="rId11"/>
+    <p:sldId id="262" r:id="rId12"/>
+    <p:sldId id="257" r:id="rId13"/>
+    <p:sldId id="269" r:id="rId14"/>
+    <p:sldId id="272" r:id="rId15"/>
   </p:sldIdLst>
   <p:sldSz cx="12192000" cy="6858000"/>
   <p:notesSz cx="6858000" cy="9144000"/>
@@ -118,6 +120,11 @@
       </a:defRPr>
     </a:lvl9pPr>
   </p:defaultTextStyle>
+  <p:extLst>
+    <p:ext uri="{EFAFB233-063F-42B5-8137-9DF3F51BA10A}">
+      <p15:sldGuideLst xmlns:p15="http://schemas.microsoft.com/office/powerpoint/2012/main"/>
+    </p:ext>
+  </p:extLst>
 </p:presentation>
 </file>
 
@@ -203,7 +210,7 @@
           <a:p>
             <a:fld id="{E497D1ED-7691-478C-88B7-4474B83A77F1}" type="datetimeFigureOut">
               <a:rPr kumimoji="1" lang="ja-JP" altLang="en-US" smtClean="0"/>
-              <a:t>2024/8/17</a:t>
+              <a:t>2024/8/23</a:t>
             </a:fld>
             <a:endParaRPr kumimoji="1" lang="ja-JP" altLang="en-US"/>
           </a:p>
@@ -548,7 +555,7 @@
           <a:p>
             <a:r>
               <a:rPr kumimoji="1" lang="ja-JP" altLang="en-US" dirty="0"/>
-              <a:t>我が身を抓って人の痛さを知れ、私たちは炎上系</a:t>
+              <a:t>こんにちは！今日、雷落ちました。です。私たちは、炎上系</a:t>
             </a:r>
             <a:r>
               <a:rPr kumimoji="1" lang="en-US" altLang="ja-JP" dirty="0"/>
@@ -556,7 +563,7 @@
             </a:r>
             <a:r>
               <a:rPr kumimoji="1" lang="ja-JP" altLang="en-US" dirty="0"/>
-              <a:t>によって青少年の情報リテラシーを向上させ、より良い青春を過ごせるようにします。</a:t>
+              <a:t>、ホネットを開発しました。</a:t>
             </a:r>
             <a:endParaRPr kumimoji="1" lang="en-US" altLang="ja-JP" dirty="0"/>
           </a:p>
@@ -579,7 +586,120 @@
           <a:p>
             <a:fld id="{273D5BA0-642B-4D78-9229-CC8AB7061245}" type="slidenum">
               <a:rPr kumimoji="1" lang="ja-JP" altLang="en-US" smtClean="0"/>
-              <a:t>11</a:t>
+              <a:t>1</a:t>
+            </a:fld>
+            <a:endParaRPr kumimoji="1" lang="ja-JP" altLang="en-US"/>
+          </a:p>
+        </p:txBody>
+      </p:sp>
+    </p:spTree>
+    <p:extLst>
+      <p:ext uri="{BB962C8B-B14F-4D97-AF65-F5344CB8AC3E}">
+        <p14:creationId xmlns:p14="http://schemas.microsoft.com/office/powerpoint/2010/main" val="2334139355"/>
+      </p:ext>
+    </p:extLst>
+  </p:cSld>
+  <p:clrMapOvr>
+    <a:masterClrMapping/>
+  </p:clrMapOvr>
+</p:notes>
+</file>
+
+<file path=ppt/notesSlides/notesSlide10.xml><?xml version="1.0" encoding="utf-8"?>
+<p:notes xmlns:a="http://schemas.openxmlformats.org/drawingml/2006/main" xmlns:r="http://schemas.openxmlformats.org/officeDocument/2006/relationships" xmlns:p="http://schemas.openxmlformats.org/presentationml/2006/main">
+  <p:cSld>
+    <p:spTree>
+      <p:nvGrpSpPr>
+        <p:cNvPr id="1" name=""/>
+        <p:cNvGrpSpPr/>
+        <p:nvPr/>
+      </p:nvGrpSpPr>
+      <p:grpSpPr>
+        <a:xfrm>
+          <a:off x="0" y="0"/>
+          <a:ext cx="0" cy="0"/>
+          <a:chOff x="0" y="0"/>
+          <a:chExt cx="0" cy="0"/>
+        </a:xfrm>
+      </p:grpSpPr>
+      <p:sp>
+        <p:nvSpPr>
+          <p:cNvPr id="2" name="スライド イメージ プレースホルダー 1"/>
+          <p:cNvSpPr>
+            <a:spLocks noGrp="1" noRot="1" noChangeAspect="1"/>
+          </p:cNvSpPr>
+          <p:nvPr>
+            <p:ph type="sldImg"/>
+          </p:nvPr>
+        </p:nvSpPr>
+        <p:spPr/>
+      </p:sp>
+      <p:sp>
+        <p:nvSpPr>
+          <p:cNvPr id="3" name="ノート プレースホルダー 2"/>
+          <p:cNvSpPr>
+            <a:spLocks noGrp="1"/>
+          </p:cNvSpPr>
+          <p:nvPr>
+            <p:ph type="body" idx="1"/>
+          </p:nvPr>
+        </p:nvSpPr>
+        <p:spPr/>
+        <p:txBody>
+          <a:bodyPr/>
+          <a:lstStyle/>
+          <a:p>
+            <a:r>
+              <a:rPr kumimoji="1" lang="ja-JP" altLang="en-US" dirty="0"/>
+              <a:t>我が身を抓って人の痛さを知れ、私たちは炎上系</a:t>
+            </a:r>
+            <a:r>
+              <a:rPr kumimoji="1" lang="en-US" altLang="ja-JP" dirty="0"/>
+              <a:t>SNS</a:t>
+            </a:r>
+            <a:r>
+              <a:rPr kumimoji="1" lang="ja-JP" altLang="en-US" dirty="0"/>
+              <a:t>によって青少年の情報リテラシーを向上させ、より良い青春を過ごせるようにします。</a:t>
+            </a:r>
+            <a:br>
+              <a:rPr kumimoji="1" lang="en-US" altLang="ja-JP" dirty="0"/>
+            </a:br>
+            <a:br>
+              <a:rPr kumimoji="1" lang="en-US" altLang="ja-JP" dirty="0"/>
+            </a:br>
+            <a:r>
+              <a:rPr kumimoji="1" lang="en-US" altLang="ja-JP" dirty="0"/>
+              <a:t>(</a:t>
+            </a:r>
+            <a:r>
+              <a:rPr kumimoji="1" lang="ja-JP" altLang="en-US" dirty="0"/>
+              <a:t>これいる？</a:t>
+            </a:r>
+            <a:r>
+              <a:rPr kumimoji="1" lang="en-US" altLang="ja-JP" dirty="0"/>
+              <a:t>)</a:t>
+            </a:r>
+          </a:p>
+        </p:txBody>
+      </p:sp>
+      <p:sp>
+        <p:nvSpPr>
+          <p:cNvPr id="4" name="スライド番号プレースホルダー 3"/>
+          <p:cNvSpPr>
+            <a:spLocks noGrp="1"/>
+          </p:cNvSpPr>
+          <p:nvPr>
+            <p:ph type="sldNum" sz="quarter" idx="5"/>
+          </p:nvPr>
+        </p:nvSpPr>
+        <p:spPr/>
+        <p:txBody>
+          <a:bodyPr/>
+          <a:lstStyle/>
+          <a:p>
+            <a:fld id="{273D5BA0-642B-4D78-9229-CC8AB7061245}" type="slidenum">
+              <a:rPr kumimoji="1" lang="ja-JP" altLang="en-US" smtClean="0"/>
+              <a:t>10</a:t>
             </a:fld>
             <a:endParaRPr kumimoji="1" lang="ja-JP" altLang="en-US"/>
           </a:p>
@@ -589,6 +709,919 @@
     <p:extLst>
       <p:ext uri="{BB962C8B-B14F-4D97-AF65-F5344CB8AC3E}">
         <p14:creationId xmlns:p14="http://schemas.microsoft.com/office/powerpoint/2010/main" val="2118938895"/>
+      </p:ext>
+    </p:extLst>
+  </p:cSld>
+  <p:clrMapOvr>
+    <a:masterClrMapping/>
+  </p:clrMapOvr>
+</p:notes>
+</file>
+
+<file path=ppt/notesSlides/notesSlide2.xml><?xml version="1.0" encoding="utf-8"?>
+<p:notes xmlns:a="http://schemas.openxmlformats.org/drawingml/2006/main" xmlns:r="http://schemas.openxmlformats.org/officeDocument/2006/relationships" xmlns:p="http://schemas.openxmlformats.org/presentationml/2006/main">
+  <p:cSld>
+    <p:spTree>
+      <p:nvGrpSpPr>
+        <p:cNvPr id="1" name=""/>
+        <p:cNvGrpSpPr/>
+        <p:nvPr/>
+      </p:nvGrpSpPr>
+      <p:grpSpPr>
+        <a:xfrm>
+          <a:off x="0" y="0"/>
+          <a:ext cx="0" cy="0"/>
+          <a:chOff x="0" y="0"/>
+          <a:chExt cx="0" cy="0"/>
+        </a:xfrm>
+      </p:grpSpPr>
+      <p:sp>
+        <p:nvSpPr>
+          <p:cNvPr id="2" name="スライド イメージ プレースホルダー 1"/>
+          <p:cNvSpPr>
+            <a:spLocks noGrp="1" noRot="1" noChangeAspect="1"/>
+          </p:cNvSpPr>
+          <p:nvPr>
+            <p:ph type="sldImg"/>
+          </p:nvPr>
+        </p:nvSpPr>
+        <p:spPr/>
+      </p:sp>
+      <p:sp>
+        <p:nvSpPr>
+          <p:cNvPr id="3" name="ノート プレースホルダー 2"/>
+          <p:cNvSpPr>
+            <a:spLocks noGrp="1"/>
+          </p:cNvSpPr>
+          <p:nvPr>
+            <p:ph type="body" idx="1"/>
+          </p:nvPr>
+        </p:nvSpPr>
+        <p:spPr/>
+        <p:txBody>
+          <a:bodyPr/>
+          <a:lstStyle/>
+          <a:p>
+            <a:r>
+              <a:rPr kumimoji="1" lang="ja-JP" altLang="en-US" dirty="0"/>
+              <a:t>突然ですが皆さん。ネットで誹謗中傷したことありますか？</a:t>
+            </a:r>
+            <a:r>
+              <a:rPr kumimoji="1" lang="en-US" altLang="ja-JP" dirty="0"/>
+              <a:t>100</a:t>
+            </a:r>
+            <a:r>
+              <a:rPr kumimoji="1" lang="ja-JP" altLang="en-US" dirty="0"/>
+              <a:t>人くらいいらっしゃいますから、ここの会場にも、ネットで誰かに誹謗中傷した人がいるかもしれません。</a:t>
+            </a:r>
+          </a:p>
+        </p:txBody>
+      </p:sp>
+      <p:sp>
+        <p:nvSpPr>
+          <p:cNvPr id="4" name="スライド番号プレースホルダー 3"/>
+          <p:cNvSpPr>
+            <a:spLocks noGrp="1"/>
+          </p:cNvSpPr>
+          <p:nvPr>
+            <p:ph type="sldNum" sz="quarter" idx="5"/>
+          </p:nvPr>
+        </p:nvSpPr>
+        <p:spPr/>
+        <p:txBody>
+          <a:bodyPr/>
+          <a:lstStyle/>
+          <a:p>
+            <a:fld id="{273D5BA0-642B-4D78-9229-CC8AB7061245}" type="slidenum">
+              <a:rPr kumimoji="1" lang="ja-JP" altLang="en-US" smtClean="0"/>
+              <a:t>2</a:t>
+            </a:fld>
+            <a:endParaRPr kumimoji="1" lang="ja-JP" altLang="en-US"/>
+          </a:p>
+        </p:txBody>
+      </p:sp>
+    </p:spTree>
+    <p:extLst>
+      <p:ext uri="{BB962C8B-B14F-4D97-AF65-F5344CB8AC3E}">
+        <p14:creationId xmlns:p14="http://schemas.microsoft.com/office/powerpoint/2010/main" val="3107328036"/>
+      </p:ext>
+    </p:extLst>
+  </p:cSld>
+  <p:clrMapOvr>
+    <a:masterClrMapping/>
+  </p:clrMapOvr>
+</p:notes>
+</file>
+
+<file path=ppt/notesSlides/notesSlide3.xml><?xml version="1.0" encoding="utf-8"?>
+<p:notes xmlns:a="http://schemas.openxmlformats.org/drawingml/2006/main" xmlns:r="http://schemas.openxmlformats.org/officeDocument/2006/relationships" xmlns:p="http://schemas.openxmlformats.org/presentationml/2006/main">
+  <p:cSld>
+    <p:spTree>
+      <p:nvGrpSpPr>
+        <p:cNvPr id="1" name=""/>
+        <p:cNvGrpSpPr/>
+        <p:nvPr/>
+      </p:nvGrpSpPr>
+      <p:grpSpPr>
+        <a:xfrm>
+          <a:off x="0" y="0"/>
+          <a:ext cx="0" cy="0"/>
+          <a:chOff x="0" y="0"/>
+          <a:chExt cx="0" cy="0"/>
+        </a:xfrm>
+      </p:grpSpPr>
+      <p:sp>
+        <p:nvSpPr>
+          <p:cNvPr id="2" name="スライド イメージ プレースホルダー 1"/>
+          <p:cNvSpPr>
+            <a:spLocks noGrp="1" noRot="1" noChangeAspect="1"/>
+          </p:cNvSpPr>
+          <p:nvPr>
+            <p:ph type="sldImg"/>
+          </p:nvPr>
+        </p:nvSpPr>
+        <p:spPr/>
+      </p:sp>
+      <p:sp>
+        <p:nvSpPr>
+          <p:cNvPr id="3" name="ノート プレースホルダー 2"/>
+          <p:cNvSpPr>
+            <a:spLocks noGrp="1"/>
+          </p:cNvSpPr>
+          <p:nvPr>
+            <p:ph type="body" idx="1"/>
+          </p:nvPr>
+        </p:nvSpPr>
+        <p:spPr/>
+        <p:txBody>
+          <a:bodyPr/>
+          <a:lstStyle/>
+          <a:p>
+            <a:r>
+              <a:rPr kumimoji="1" lang="ja-JP" altLang="en-US" dirty="0"/>
+              <a:t>誹謗中傷などの不適切投稿を防ぐため、高校生へのアンケート結果では、家庭、学校での</a:t>
+            </a:r>
+            <a:r>
+              <a:rPr kumimoji="1" lang="en-US" altLang="ja-JP" dirty="0"/>
+              <a:t>SNS</a:t>
+            </a:r>
+            <a:r>
+              <a:rPr kumimoji="1" lang="ja-JP" altLang="en-US" dirty="0"/>
+              <a:t>ルールが「ある」と答えた人は</a:t>
+            </a:r>
+            <a:r>
+              <a:rPr kumimoji="1" lang="en-US" altLang="ja-JP" dirty="0"/>
+              <a:t>44%</a:t>
+            </a:r>
+            <a:r>
+              <a:rPr kumimoji="1" lang="ja-JP" altLang="en-US" dirty="0"/>
+              <a:t>、また、</a:t>
+            </a:r>
+            <a:r>
+              <a:rPr kumimoji="1" lang="en-US" altLang="ja-JP" dirty="0"/>
+              <a:t>70%</a:t>
+            </a:r>
+            <a:r>
+              <a:rPr kumimoji="1" lang="ja-JP" altLang="en-US" dirty="0"/>
+              <a:t>の高校で、不適切投稿防止の取り組みが行われています。</a:t>
+            </a:r>
+            <a:endParaRPr kumimoji="1" lang="en-US" altLang="ja-JP" dirty="0"/>
+          </a:p>
+        </p:txBody>
+      </p:sp>
+      <p:sp>
+        <p:nvSpPr>
+          <p:cNvPr id="4" name="スライド番号プレースホルダー 3"/>
+          <p:cNvSpPr>
+            <a:spLocks noGrp="1"/>
+          </p:cNvSpPr>
+          <p:nvPr>
+            <p:ph type="sldNum" sz="quarter" idx="5"/>
+          </p:nvPr>
+        </p:nvSpPr>
+        <p:spPr/>
+        <p:txBody>
+          <a:bodyPr/>
+          <a:lstStyle/>
+          <a:p>
+            <a:fld id="{273D5BA0-642B-4D78-9229-CC8AB7061245}" type="slidenum">
+              <a:rPr kumimoji="1" lang="ja-JP" altLang="en-US" smtClean="0"/>
+              <a:t>3</a:t>
+            </a:fld>
+            <a:endParaRPr kumimoji="1" lang="ja-JP" altLang="en-US"/>
+          </a:p>
+        </p:txBody>
+      </p:sp>
+    </p:spTree>
+    <p:extLst>
+      <p:ext uri="{BB962C8B-B14F-4D97-AF65-F5344CB8AC3E}">
+        <p14:creationId xmlns:p14="http://schemas.microsoft.com/office/powerpoint/2010/main" val="3663514038"/>
+      </p:ext>
+    </p:extLst>
+  </p:cSld>
+  <p:clrMapOvr>
+    <a:masterClrMapping/>
+  </p:clrMapOvr>
+</p:notes>
+</file>
+
+<file path=ppt/notesSlides/notesSlide4.xml><?xml version="1.0" encoding="utf-8"?>
+<p:notes xmlns:a="http://schemas.openxmlformats.org/drawingml/2006/main" xmlns:r="http://schemas.openxmlformats.org/officeDocument/2006/relationships" xmlns:p="http://schemas.openxmlformats.org/presentationml/2006/main">
+  <p:cSld>
+    <p:spTree>
+      <p:nvGrpSpPr>
+        <p:cNvPr id="1" name=""/>
+        <p:cNvGrpSpPr/>
+        <p:nvPr/>
+      </p:nvGrpSpPr>
+      <p:grpSpPr>
+        <a:xfrm>
+          <a:off x="0" y="0"/>
+          <a:ext cx="0" cy="0"/>
+          <a:chOff x="0" y="0"/>
+          <a:chExt cx="0" cy="0"/>
+        </a:xfrm>
+      </p:grpSpPr>
+      <p:sp>
+        <p:nvSpPr>
+          <p:cNvPr id="2" name="スライド イメージ プレースホルダー 1"/>
+          <p:cNvSpPr>
+            <a:spLocks noGrp="1" noRot="1" noChangeAspect="1"/>
+          </p:cNvSpPr>
+          <p:nvPr>
+            <p:ph type="sldImg"/>
+          </p:nvPr>
+        </p:nvSpPr>
+        <p:spPr/>
+      </p:sp>
+      <p:sp>
+        <p:nvSpPr>
+          <p:cNvPr id="3" name="ノート プレースホルダー 2"/>
+          <p:cNvSpPr>
+            <a:spLocks noGrp="1"/>
+          </p:cNvSpPr>
+          <p:nvPr>
+            <p:ph type="body" idx="1"/>
+          </p:nvPr>
+        </p:nvSpPr>
+        <p:spPr/>
+        <p:txBody>
+          <a:bodyPr/>
+          <a:lstStyle/>
+          <a:p>
+            <a:r>
+              <a:rPr kumimoji="1" lang="ja-JP" altLang="en-US" dirty="0"/>
+              <a:t>しかし、世代を問わず、炎上しているのを</a:t>
+            </a:r>
+            <a:r>
+              <a:rPr kumimoji="1" lang="en-US" altLang="ja-JP" dirty="0"/>
+              <a:t>SNS</a:t>
+            </a:r>
+            <a:r>
+              <a:rPr kumimoji="1" lang="ja-JP" altLang="en-US" dirty="0"/>
+              <a:t>上でよく見かけます。具体的な事例は避けますが、皆さんも見たことがあるかと思います。</a:t>
+            </a:r>
+            <a:endParaRPr kumimoji="1" lang="en-US" altLang="ja-JP" dirty="0"/>
+          </a:p>
+        </p:txBody>
+      </p:sp>
+      <p:sp>
+        <p:nvSpPr>
+          <p:cNvPr id="4" name="スライド番号プレースホルダー 3"/>
+          <p:cNvSpPr>
+            <a:spLocks noGrp="1"/>
+          </p:cNvSpPr>
+          <p:nvPr>
+            <p:ph type="sldNum" sz="quarter" idx="5"/>
+          </p:nvPr>
+        </p:nvSpPr>
+        <p:spPr/>
+        <p:txBody>
+          <a:bodyPr/>
+          <a:lstStyle/>
+          <a:p>
+            <a:fld id="{273D5BA0-642B-4D78-9229-CC8AB7061245}" type="slidenum">
+              <a:rPr kumimoji="1" lang="ja-JP" altLang="en-US" smtClean="0"/>
+              <a:t>4</a:t>
+            </a:fld>
+            <a:endParaRPr kumimoji="1" lang="ja-JP" altLang="en-US"/>
+          </a:p>
+        </p:txBody>
+      </p:sp>
+    </p:spTree>
+    <p:extLst>
+      <p:ext uri="{BB962C8B-B14F-4D97-AF65-F5344CB8AC3E}">
+        <p14:creationId xmlns:p14="http://schemas.microsoft.com/office/powerpoint/2010/main" val="3697869025"/>
+      </p:ext>
+    </p:extLst>
+  </p:cSld>
+  <p:clrMapOvr>
+    <a:masterClrMapping/>
+  </p:clrMapOvr>
+</p:notes>
+</file>
+
+<file path=ppt/notesSlides/notesSlide5.xml><?xml version="1.0" encoding="utf-8"?>
+<p:notes xmlns:a="http://schemas.openxmlformats.org/drawingml/2006/main" xmlns:r="http://schemas.openxmlformats.org/officeDocument/2006/relationships" xmlns:p="http://schemas.openxmlformats.org/presentationml/2006/main">
+  <p:cSld>
+    <p:spTree>
+      <p:nvGrpSpPr>
+        <p:cNvPr id="1" name=""/>
+        <p:cNvGrpSpPr/>
+        <p:nvPr/>
+      </p:nvGrpSpPr>
+      <p:grpSpPr>
+        <a:xfrm>
+          <a:off x="0" y="0"/>
+          <a:ext cx="0" cy="0"/>
+          <a:chOff x="0" y="0"/>
+          <a:chExt cx="0" cy="0"/>
+        </a:xfrm>
+      </p:grpSpPr>
+      <p:sp>
+        <p:nvSpPr>
+          <p:cNvPr id="2" name="スライド イメージ プレースホルダー 1"/>
+          <p:cNvSpPr>
+            <a:spLocks noGrp="1" noRot="1" noChangeAspect="1"/>
+          </p:cNvSpPr>
+          <p:nvPr>
+            <p:ph type="sldImg"/>
+          </p:nvPr>
+        </p:nvSpPr>
+        <p:spPr/>
+      </p:sp>
+      <p:sp>
+        <p:nvSpPr>
+          <p:cNvPr id="3" name="ノート プレースホルダー 2"/>
+          <p:cNvSpPr>
+            <a:spLocks noGrp="1"/>
+          </p:cNvSpPr>
+          <p:nvPr>
+            <p:ph type="body" idx="1"/>
+          </p:nvPr>
+        </p:nvSpPr>
+        <p:spPr/>
+        <p:txBody>
+          <a:bodyPr/>
+          <a:lstStyle/>
+          <a:p>
+            <a:r>
+              <a:rPr kumimoji="1" lang="ja-JP" altLang="en-US" dirty="0"/>
+              <a:t>そこで、私たちは青少年のデジタルタトゥーを抑止し、リテラシー向上を目的に、</a:t>
+            </a:r>
+            <a:r>
+              <a:rPr kumimoji="1" lang="en-US" altLang="ja-JP" dirty="0"/>
+              <a:t>web</a:t>
+            </a:r>
+            <a:r>
+              <a:rPr kumimoji="1" lang="ja-JP" altLang="en-US" dirty="0"/>
+              <a:t>アプリ開発をしようと考えました。</a:t>
+            </a:r>
+          </a:p>
+        </p:txBody>
+      </p:sp>
+      <p:sp>
+        <p:nvSpPr>
+          <p:cNvPr id="4" name="スライド番号プレースホルダー 3"/>
+          <p:cNvSpPr>
+            <a:spLocks noGrp="1"/>
+          </p:cNvSpPr>
+          <p:nvPr>
+            <p:ph type="sldNum" sz="quarter" idx="5"/>
+          </p:nvPr>
+        </p:nvSpPr>
+        <p:spPr/>
+        <p:txBody>
+          <a:bodyPr/>
+          <a:lstStyle/>
+          <a:p>
+            <a:fld id="{273D5BA0-642B-4D78-9229-CC8AB7061245}" type="slidenum">
+              <a:rPr kumimoji="1" lang="ja-JP" altLang="en-US" smtClean="0"/>
+              <a:t>5</a:t>
+            </a:fld>
+            <a:endParaRPr kumimoji="1" lang="ja-JP" altLang="en-US"/>
+          </a:p>
+        </p:txBody>
+      </p:sp>
+    </p:spTree>
+    <p:extLst>
+      <p:ext uri="{BB962C8B-B14F-4D97-AF65-F5344CB8AC3E}">
+        <p14:creationId xmlns:p14="http://schemas.microsoft.com/office/powerpoint/2010/main" val="3256341768"/>
+      </p:ext>
+    </p:extLst>
+  </p:cSld>
+  <p:clrMapOvr>
+    <a:masterClrMapping/>
+  </p:clrMapOvr>
+</p:notes>
+</file>
+
+<file path=ppt/notesSlides/notesSlide6.xml><?xml version="1.0" encoding="utf-8"?>
+<p:notes xmlns:a="http://schemas.openxmlformats.org/drawingml/2006/main" xmlns:r="http://schemas.openxmlformats.org/officeDocument/2006/relationships" xmlns:p="http://schemas.openxmlformats.org/presentationml/2006/main">
+  <p:cSld>
+    <p:spTree>
+      <p:nvGrpSpPr>
+        <p:cNvPr id="1" name=""/>
+        <p:cNvGrpSpPr/>
+        <p:nvPr/>
+      </p:nvGrpSpPr>
+      <p:grpSpPr>
+        <a:xfrm>
+          <a:off x="0" y="0"/>
+          <a:ext cx="0" cy="0"/>
+          <a:chOff x="0" y="0"/>
+          <a:chExt cx="0" cy="0"/>
+        </a:xfrm>
+      </p:grpSpPr>
+      <p:sp>
+        <p:nvSpPr>
+          <p:cNvPr id="2" name="スライド イメージ プレースホルダー 1"/>
+          <p:cNvSpPr>
+            <a:spLocks noGrp="1" noRot="1" noChangeAspect="1"/>
+          </p:cNvSpPr>
+          <p:nvPr>
+            <p:ph type="sldImg"/>
+          </p:nvPr>
+        </p:nvSpPr>
+        <p:spPr/>
+      </p:sp>
+      <p:sp>
+        <p:nvSpPr>
+          <p:cNvPr id="3" name="ノート プレースホルダー 2"/>
+          <p:cNvSpPr>
+            <a:spLocks noGrp="1"/>
+          </p:cNvSpPr>
+          <p:nvPr>
+            <p:ph type="body" idx="1"/>
+          </p:nvPr>
+        </p:nvSpPr>
+        <p:spPr/>
+        <p:txBody>
+          <a:bodyPr/>
+          <a:lstStyle/>
+          <a:p>
+            <a:r>
+              <a:rPr kumimoji="1" lang="ja-JP" altLang="en-US" dirty="0"/>
+              <a:t>その目的のもと、私たちが開発したのが、炎上系</a:t>
+            </a:r>
+            <a:r>
+              <a:rPr kumimoji="1" lang="en-US" altLang="ja-JP" dirty="0"/>
+              <a:t>SNS</a:t>
+            </a:r>
+            <a:r>
+              <a:rPr kumimoji="1" lang="ja-JP" altLang="en-US" dirty="0"/>
+              <a:t>「ホネット」です。ホネットは、様々なシナリオで、炎上した人になってみる。という、炎上体験ができる</a:t>
+            </a:r>
+            <a:r>
+              <a:rPr kumimoji="1" lang="en-US" altLang="ja-JP" dirty="0"/>
+              <a:t>web</a:t>
+            </a:r>
+            <a:r>
+              <a:rPr kumimoji="1" lang="ja-JP" altLang="en-US" dirty="0"/>
+              <a:t>アプリです。</a:t>
+            </a:r>
+            <a:endParaRPr kumimoji="1" lang="en-US" altLang="ja-JP" dirty="0"/>
+          </a:p>
+          <a:p>
+            <a:endParaRPr kumimoji="1" lang="en-US" altLang="ja-JP" dirty="0"/>
+          </a:p>
+          <a:p>
+            <a:r>
+              <a:rPr kumimoji="1" lang="ja-JP" altLang="en-US" dirty="0"/>
+              <a:t>ユーザはどの投稿をするか？などの選択をし、シナリオを進めていきます。シナリオを進めていくにつれてユーザがした投稿が炎上し、ユーザは炎上を体験できます。</a:t>
+            </a:r>
+            <a:endParaRPr kumimoji="1" lang="en-US" altLang="ja-JP" dirty="0"/>
+          </a:p>
+        </p:txBody>
+      </p:sp>
+      <p:sp>
+        <p:nvSpPr>
+          <p:cNvPr id="4" name="スライド番号プレースホルダー 3"/>
+          <p:cNvSpPr>
+            <a:spLocks noGrp="1"/>
+          </p:cNvSpPr>
+          <p:nvPr>
+            <p:ph type="sldNum" sz="quarter" idx="5"/>
+          </p:nvPr>
+        </p:nvSpPr>
+        <p:spPr/>
+        <p:txBody>
+          <a:bodyPr/>
+          <a:lstStyle/>
+          <a:p>
+            <a:fld id="{273D5BA0-642B-4D78-9229-CC8AB7061245}" type="slidenum">
+              <a:rPr kumimoji="1" lang="ja-JP" altLang="en-US" smtClean="0"/>
+              <a:t>6</a:t>
+            </a:fld>
+            <a:endParaRPr kumimoji="1" lang="ja-JP" altLang="en-US"/>
+          </a:p>
+        </p:txBody>
+      </p:sp>
+    </p:spTree>
+    <p:extLst>
+      <p:ext uri="{BB962C8B-B14F-4D97-AF65-F5344CB8AC3E}">
+        <p14:creationId xmlns:p14="http://schemas.microsoft.com/office/powerpoint/2010/main" val="2988587270"/>
+      </p:ext>
+    </p:extLst>
+  </p:cSld>
+  <p:clrMapOvr>
+    <a:masterClrMapping/>
+  </p:clrMapOvr>
+</p:notes>
+</file>
+
+<file path=ppt/notesSlides/notesSlide7.xml><?xml version="1.0" encoding="utf-8"?>
+<p:notes xmlns:a="http://schemas.openxmlformats.org/drawingml/2006/main" xmlns:r="http://schemas.openxmlformats.org/officeDocument/2006/relationships" xmlns:p="http://schemas.openxmlformats.org/presentationml/2006/main">
+  <p:cSld>
+    <p:spTree>
+      <p:nvGrpSpPr>
+        <p:cNvPr id="1" name=""/>
+        <p:cNvGrpSpPr/>
+        <p:nvPr/>
+      </p:nvGrpSpPr>
+      <p:grpSpPr>
+        <a:xfrm>
+          <a:off x="0" y="0"/>
+          <a:ext cx="0" cy="0"/>
+          <a:chOff x="0" y="0"/>
+          <a:chExt cx="0" cy="0"/>
+        </a:xfrm>
+      </p:grpSpPr>
+      <p:sp>
+        <p:nvSpPr>
+          <p:cNvPr id="2" name="スライド イメージ プレースホルダー 1"/>
+          <p:cNvSpPr>
+            <a:spLocks noGrp="1" noRot="1" noChangeAspect="1"/>
+          </p:cNvSpPr>
+          <p:nvPr>
+            <p:ph type="sldImg"/>
+          </p:nvPr>
+        </p:nvSpPr>
+        <p:spPr/>
+      </p:sp>
+      <p:sp>
+        <p:nvSpPr>
+          <p:cNvPr id="3" name="ノート プレースホルダー 2"/>
+          <p:cNvSpPr>
+            <a:spLocks noGrp="1"/>
+          </p:cNvSpPr>
+          <p:nvPr>
+            <p:ph type="body" idx="1"/>
+          </p:nvPr>
+        </p:nvSpPr>
+        <p:spPr/>
+        <p:txBody>
+          <a:bodyPr/>
+          <a:lstStyle/>
+          <a:p>
+            <a:r>
+              <a:rPr kumimoji="1" lang="ja-JP" altLang="en-US" dirty="0"/>
+              <a:t>このようにホネットでは、炎上したらどうなるかをユーザに体験させ、リテラシー向上につなげます。また、</a:t>
+            </a:r>
+            <a:r>
+              <a:rPr kumimoji="1" lang="en-US" altLang="ja-JP" dirty="0"/>
+              <a:t>SNS</a:t>
+            </a:r>
+            <a:r>
+              <a:rPr kumimoji="1" lang="ja-JP" altLang="en-US" dirty="0"/>
+              <a:t>の不適切投稿、デジタルタトゥー防止ができます。</a:t>
+            </a:r>
+          </a:p>
+        </p:txBody>
+      </p:sp>
+      <p:sp>
+        <p:nvSpPr>
+          <p:cNvPr id="4" name="スライド番号プレースホルダー 3"/>
+          <p:cNvSpPr>
+            <a:spLocks noGrp="1"/>
+          </p:cNvSpPr>
+          <p:nvPr>
+            <p:ph type="sldNum" sz="quarter" idx="5"/>
+          </p:nvPr>
+        </p:nvSpPr>
+        <p:spPr/>
+        <p:txBody>
+          <a:bodyPr/>
+          <a:lstStyle/>
+          <a:p>
+            <a:fld id="{273D5BA0-642B-4D78-9229-CC8AB7061245}" type="slidenum">
+              <a:rPr kumimoji="1" lang="ja-JP" altLang="en-US" smtClean="0"/>
+              <a:t>7</a:t>
+            </a:fld>
+            <a:endParaRPr kumimoji="1" lang="ja-JP" altLang="en-US"/>
+          </a:p>
+        </p:txBody>
+      </p:sp>
+    </p:spTree>
+    <p:extLst>
+      <p:ext uri="{BB962C8B-B14F-4D97-AF65-F5344CB8AC3E}">
+        <p14:creationId xmlns:p14="http://schemas.microsoft.com/office/powerpoint/2010/main" val="1693627958"/>
+      </p:ext>
+    </p:extLst>
+  </p:cSld>
+  <p:clrMapOvr>
+    <a:masterClrMapping/>
+  </p:clrMapOvr>
+</p:notes>
+</file>
+
+<file path=ppt/notesSlides/notesSlide8.xml><?xml version="1.0" encoding="utf-8"?>
+<p:notes xmlns:a="http://schemas.openxmlformats.org/drawingml/2006/main" xmlns:r="http://schemas.openxmlformats.org/officeDocument/2006/relationships" xmlns:p="http://schemas.openxmlformats.org/presentationml/2006/main">
+  <p:cSld>
+    <p:spTree>
+      <p:nvGrpSpPr>
+        <p:cNvPr id="1" name=""/>
+        <p:cNvGrpSpPr/>
+        <p:nvPr/>
+      </p:nvGrpSpPr>
+      <p:grpSpPr>
+        <a:xfrm>
+          <a:off x="0" y="0"/>
+          <a:ext cx="0" cy="0"/>
+          <a:chOff x="0" y="0"/>
+          <a:chExt cx="0" cy="0"/>
+        </a:xfrm>
+      </p:grpSpPr>
+      <p:sp>
+        <p:nvSpPr>
+          <p:cNvPr id="2" name="スライド イメージ プレースホルダー 1"/>
+          <p:cNvSpPr>
+            <a:spLocks noGrp="1" noRot="1" noChangeAspect="1"/>
+          </p:cNvSpPr>
+          <p:nvPr>
+            <p:ph type="sldImg"/>
+          </p:nvPr>
+        </p:nvSpPr>
+        <p:spPr/>
+      </p:sp>
+      <p:sp>
+        <p:nvSpPr>
+          <p:cNvPr id="3" name="ノート プレースホルダー 2"/>
+          <p:cNvSpPr>
+            <a:spLocks noGrp="1"/>
+          </p:cNvSpPr>
+          <p:nvPr>
+            <p:ph type="body" idx="1"/>
+          </p:nvPr>
+        </p:nvSpPr>
+        <p:spPr/>
+        <p:txBody>
+          <a:bodyPr/>
+          <a:lstStyle/>
+          <a:p>
+            <a:r>
+              <a:rPr kumimoji="1" lang="ja-JP" altLang="en-US" dirty="0"/>
+              <a:t>技術構成は以下の通りです。</a:t>
+            </a:r>
+            <a:br>
+              <a:rPr kumimoji="1" lang="en-US" altLang="ja-JP" dirty="0"/>
+            </a:br>
+            <a:r>
+              <a:rPr kumimoji="1" lang="ja-JP" altLang="en-US" dirty="0"/>
+              <a:t>フロントエンドでゲームの進行と描画、バックエンドでログイン情報などの管理などをしています。</a:t>
+            </a:r>
+            <a:br>
+              <a:rPr kumimoji="1" lang="en-US" altLang="ja-JP" dirty="0"/>
+            </a:br>
+            <a:br>
+              <a:rPr kumimoji="1" lang="en-US" altLang="ja-JP" dirty="0"/>
+            </a:br>
+            <a:r>
+              <a:rPr kumimoji="1" lang="en-US" altLang="ja-JP" dirty="0"/>
+              <a:t>HTML</a:t>
+            </a:r>
+            <a:r>
+              <a:rPr kumimoji="1" lang="ja-JP" altLang="en-US" dirty="0"/>
+              <a:t>ロゴ利用規約</a:t>
+            </a:r>
+            <a:br>
+              <a:rPr kumimoji="1" lang="en-US" altLang="ja-JP" dirty="0"/>
+            </a:br>
+            <a:r>
+              <a:rPr kumimoji="1" lang="en-US" altLang="ja-JP" dirty="0"/>
+              <a:t>https://www.w3.org/html/logo/#downloads</a:t>
+            </a:r>
+          </a:p>
+          <a:p>
+            <a:r>
+              <a:rPr kumimoji="1" lang="en-US" altLang="ja-JP" dirty="0"/>
+              <a:t>CSS</a:t>
+            </a:r>
+            <a:r>
+              <a:rPr kumimoji="1" lang="ja-JP" altLang="en-US" dirty="0"/>
+              <a:t>ロゴ利用規約</a:t>
+            </a:r>
+            <a:endParaRPr kumimoji="1" lang="en-US" altLang="ja-JP" dirty="0"/>
+          </a:p>
+          <a:p>
+            <a:r>
+              <a:rPr kumimoji="1" lang="en-US" altLang="ja-JP" dirty="0"/>
+              <a:t>https://icon-icons.com/ja/%E3%82%A2%E3%82%A4%E3%82%B3%E3%83%B3/css3-%E5%B9%B3%E9%87%8E-%E3%83%AD%E3%82%B4/146573</a:t>
+            </a:r>
+            <a:br>
+              <a:rPr kumimoji="1" lang="en-US" altLang="ja-JP" dirty="0"/>
+            </a:br>
+            <a:r>
+              <a:rPr kumimoji="1" lang="en-US" altLang="ja-JP" dirty="0"/>
+              <a:t>JS</a:t>
+            </a:r>
+            <a:r>
+              <a:rPr kumimoji="1" lang="ja-JP" altLang="en-US" dirty="0"/>
+              <a:t>ロゴ非公式</a:t>
+            </a:r>
+            <a:endParaRPr kumimoji="1" lang="en-US" altLang="ja-JP" dirty="0"/>
+          </a:p>
+          <a:p>
+            <a:r>
+              <a:rPr kumimoji="1" lang="en-US" altLang="ja-JP" dirty="0"/>
+              <a:t>https://github.com/voodootikigod/logo.js/blob/master/js.png</a:t>
+            </a:r>
+          </a:p>
+          <a:p>
+            <a:r>
+              <a:rPr kumimoji="1" lang="en-US" altLang="ja-JP" dirty="0"/>
+              <a:t>PHP</a:t>
+            </a:r>
+            <a:r>
+              <a:rPr kumimoji="1" lang="ja-JP" altLang="en-US" dirty="0"/>
+              <a:t>ロゴ利用規約</a:t>
+            </a:r>
+            <a:br>
+              <a:rPr kumimoji="1" lang="en-US" altLang="ja-JP" dirty="0"/>
+            </a:br>
+            <a:r>
+              <a:rPr kumimoji="1" lang="en-US" altLang="ja-JP" dirty="0"/>
+              <a:t>https://www.php.net/download-logos.php</a:t>
+            </a:r>
+          </a:p>
+          <a:p>
+            <a:r>
+              <a:rPr kumimoji="1" lang="en-US" altLang="ja-JP" dirty="0"/>
+              <a:t>MariaDB</a:t>
+            </a:r>
+            <a:r>
+              <a:rPr kumimoji="1" lang="ja-JP" altLang="en-US" dirty="0"/>
+              <a:t>ロゴ利用規約</a:t>
+            </a:r>
+            <a:br>
+              <a:rPr kumimoji="1" lang="en-US" altLang="ja-JP" dirty="0"/>
+            </a:br>
+            <a:r>
+              <a:rPr kumimoji="1" lang="en-US" altLang="ja-JP" dirty="0"/>
+              <a:t>https://mariadb.com/about-us/logos/</a:t>
+            </a:r>
+            <a:br>
+              <a:rPr kumimoji="1" lang="en-US" altLang="ja-JP" dirty="0"/>
+            </a:br>
+            <a:br>
+              <a:rPr kumimoji="1" lang="en-US" altLang="ja-JP" dirty="0"/>
+            </a:br>
+            <a:r>
+              <a:rPr kumimoji="1" lang="ja-JP" altLang="en-US" dirty="0"/>
+              <a:t>便利なやつ。</a:t>
+            </a:r>
+            <a:br>
+              <a:rPr kumimoji="1" lang="en-US" altLang="ja-JP" dirty="0"/>
+            </a:br>
+            <a:r>
+              <a:rPr kumimoji="1" lang="en-US" altLang="ja-JP" dirty="0"/>
+              <a:t>https://qiita.com/Ry0xi/items/857687c892f783955fe1</a:t>
+            </a:r>
+            <a:endParaRPr kumimoji="1" lang="ja-JP" altLang="en-US" dirty="0"/>
+          </a:p>
+        </p:txBody>
+      </p:sp>
+      <p:sp>
+        <p:nvSpPr>
+          <p:cNvPr id="4" name="スライド番号プレースホルダー 3"/>
+          <p:cNvSpPr>
+            <a:spLocks noGrp="1"/>
+          </p:cNvSpPr>
+          <p:nvPr>
+            <p:ph type="sldNum" sz="quarter" idx="5"/>
+          </p:nvPr>
+        </p:nvSpPr>
+        <p:spPr/>
+        <p:txBody>
+          <a:bodyPr/>
+          <a:lstStyle/>
+          <a:p>
+            <a:fld id="{273D5BA0-642B-4D78-9229-CC8AB7061245}" type="slidenum">
+              <a:rPr kumimoji="1" lang="ja-JP" altLang="en-US" smtClean="0"/>
+              <a:t>8</a:t>
+            </a:fld>
+            <a:endParaRPr kumimoji="1" lang="ja-JP" altLang="en-US"/>
+          </a:p>
+        </p:txBody>
+      </p:sp>
+    </p:spTree>
+    <p:extLst>
+      <p:ext uri="{BB962C8B-B14F-4D97-AF65-F5344CB8AC3E}">
+        <p14:creationId xmlns:p14="http://schemas.microsoft.com/office/powerpoint/2010/main" val="1100095749"/>
+      </p:ext>
+    </p:extLst>
+  </p:cSld>
+  <p:clrMapOvr>
+    <a:masterClrMapping/>
+  </p:clrMapOvr>
+</p:notes>
+</file>
+
+<file path=ppt/notesSlides/notesSlide9.xml><?xml version="1.0" encoding="utf-8"?>
+<p:notes xmlns:a="http://schemas.openxmlformats.org/drawingml/2006/main" xmlns:r="http://schemas.openxmlformats.org/officeDocument/2006/relationships" xmlns:p="http://schemas.openxmlformats.org/presentationml/2006/main">
+  <p:cSld>
+    <p:spTree>
+      <p:nvGrpSpPr>
+        <p:cNvPr id="1" name=""/>
+        <p:cNvGrpSpPr/>
+        <p:nvPr/>
+      </p:nvGrpSpPr>
+      <p:grpSpPr>
+        <a:xfrm>
+          <a:off x="0" y="0"/>
+          <a:ext cx="0" cy="0"/>
+          <a:chOff x="0" y="0"/>
+          <a:chExt cx="0" cy="0"/>
+        </a:xfrm>
+      </p:grpSpPr>
+      <p:sp>
+        <p:nvSpPr>
+          <p:cNvPr id="2" name="スライド イメージ プレースホルダー 1"/>
+          <p:cNvSpPr>
+            <a:spLocks noGrp="1" noRot="1" noChangeAspect="1"/>
+          </p:cNvSpPr>
+          <p:nvPr>
+            <p:ph type="sldImg"/>
+          </p:nvPr>
+        </p:nvSpPr>
+        <p:spPr/>
+      </p:sp>
+      <p:sp>
+        <p:nvSpPr>
+          <p:cNvPr id="3" name="ノート プレースホルダー 2"/>
+          <p:cNvSpPr>
+            <a:spLocks noGrp="1"/>
+          </p:cNvSpPr>
+          <p:nvPr>
+            <p:ph type="body" idx="1"/>
+          </p:nvPr>
+        </p:nvSpPr>
+        <p:spPr/>
+        <p:txBody>
+          <a:bodyPr/>
+          <a:lstStyle/>
+          <a:p>
+            <a:r>
+              <a:rPr kumimoji="1" lang="ja-JP" altLang="en-US" dirty="0"/>
+              <a:t>今回私たちは</a:t>
+            </a:r>
+            <a:r>
+              <a:rPr kumimoji="1" lang="en-US" altLang="ja-JP" dirty="0"/>
+              <a:t>web</a:t>
+            </a:r>
+            <a:r>
+              <a:rPr kumimoji="1" lang="ja-JP" altLang="en-US" dirty="0"/>
+              <a:t>にホネットをデプロイしました。こちらの</a:t>
+            </a:r>
+            <a:r>
+              <a:rPr kumimoji="1" lang="en-US" altLang="ja-JP" dirty="0"/>
+              <a:t>QR</a:t>
+            </a:r>
+            <a:r>
+              <a:rPr kumimoji="1" lang="ja-JP" altLang="en-US" dirty="0"/>
+              <a:t>コードを読み込み、新規登録、ログインをすると遊べるので、遊んでみてください。</a:t>
+            </a:r>
+            <a:endParaRPr kumimoji="1" lang="en-US" altLang="ja-JP" dirty="0"/>
+          </a:p>
+        </p:txBody>
+      </p:sp>
+      <p:sp>
+        <p:nvSpPr>
+          <p:cNvPr id="4" name="スライド番号プレースホルダー 3"/>
+          <p:cNvSpPr>
+            <a:spLocks noGrp="1"/>
+          </p:cNvSpPr>
+          <p:nvPr>
+            <p:ph type="sldNum" sz="quarter" idx="5"/>
+          </p:nvPr>
+        </p:nvSpPr>
+        <p:spPr/>
+        <p:txBody>
+          <a:bodyPr/>
+          <a:lstStyle/>
+          <a:p>
+            <a:fld id="{273D5BA0-642B-4D78-9229-CC8AB7061245}" type="slidenum">
+              <a:rPr kumimoji="1" lang="ja-JP" altLang="en-US" smtClean="0"/>
+              <a:t>9</a:t>
+            </a:fld>
+            <a:endParaRPr kumimoji="1" lang="ja-JP" altLang="en-US"/>
+          </a:p>
+        </p:txBody>
+      </p:sp>
+    </p:spTree>
+    <p:extLst>
+      <p:ext uri="{BB962C8B-B14F-4D97-AF65-F5344CB8AC3E}">
+        <p14:creationId xmlns:p14="http://schemas.microsoft.com/office/powerpoint/2010/main" val="53305224"/>
       </p:ext>
     </p:extLst>
   </p:cSld>
@@ -745,7 +1778,7 @@
           <a:p>
             <a:fld id="{3136D0B9-A312-46E8-AB5D-EEF67B3DD833}" type="datetimeFigureOut">
               <a:rPr kumimoji="1" lang="ja-JP" altLang="en-US" smtClean="0"/>
-              <a:t>2024/8/16</a:t>
+              <a:t>2024/8/23</a:t>
             </a:fld>
             <a:endParaRPr kumimoji="1" lang="ja-JP" altLang="en-US"/>
           </a:p>
@@ -975,7 +2008,7 @@
           <a:p>
             <a:fld id="{3136D0B9-A312-46E8-AB5D-EEF67B3DD833}" type="datetimeFigureOut">
               <a:rPr kumimoji="1" lang="ja-JP" altLang="en-US" smtClean="0"/>
-              <a:t>2024/8/16</a:t>
+              <a:t>2024/8/23</a:t>
             </a:fld>
             <a:endParaRPr kumimoji="1" lang="ja-JP" altLang="en-US"/>
           </a:p>
@@ -1215,7 +2248,7 @@
           <a:p>
             <a:fld id="{3136D0B9-A312-46E8-AB5D-EEF67B3DD833}" type="datetimeFigureOut">
               <a:rPr kumimoji="1" lang="ja-JP" altLang="en-US" smtClean="0"/>
-              <a:t>2024/8/16</a:t>
+              <a:t>2024/8/23</a:t>
             </a:fld>
             <a:endParaRPr kumimoji="1" lang="ja-JP" altLang="en-US"/>
           </a:p>
@@ -1445,7 +2478,7 @@
           <a:p>
             <a:fld id="{3136D0B9-A312-46E8-AB5D-EEF67B3DD833}" type="datetimeFigureOut">
               <a:rPr kumimoji="1" lang="ja-JP" altLang="en-US" smtClean="0"/>
-              <a:t>2024/8/16</a:t>
+              <a:t>2024/8/23</a:t>
             </a:fld>
             <a:endParaRPr kumimoji="1" lang="ja-JP" altLang="en-US"/>
           </a:p>
@@ -1720,7 +2753,7 @@
           <a:p>
             <a:fld id="{3136D0B9-A312-46E8-AB5D-EEF67B3DD833}" type="datetimeFigureOut">
               <a:rPr kumimoji="1" lang="ja-JP" altLang="en-US" smtClean="0"/>
-              <a:t>2024/8/16</a:t>
+              <a:t>2024/8/23</a:t>
             </a:fld>
             <a:endParaRPr kumimoji="1" lang="ja-JP" altLang="en-US"/>
           </a:p>
@@ -2049,7 +3082,7 @@
           <a:p>
             <a:fld id="{3136D0B9-A312-46E8-AB5D-EEF67B3DD833}" type="datetimeFigureOut">
               <a:rPr kumimoji="1" lang="ja-JP" altLang="en-US" smtClean="0"/>
-              <a:t>2024/8/16</a:t>
+              <a:t>2024/8/23</a:t>
             </a:fld>
             <a:endParaRPr kumimoji="1" lang="ja-JP" altLang="en-US"/>
           </a:p>
@@ -2525,7 +3558,7 @@
           <a:p>
             <a:fld id="{3136D0B9-A312-46E8-AB5D-EEF67B3DD833}" type="datetimeFigureOut">
               <a:rPr kumimoji="1" lang="ja-JP" altLang="en-US" smtClean="0"/>
-              <a:t>2024/8/16</a:t>
+              <a:t>2024/8/23</a:t>
             </a:fld>
             <a:endParaRPr kumimoji="1" lang="ja-JP" altLang="en-US"/>
           </a:p>
@@ -2666,7 +3699,7 @@
           <a:p>
             <a:fld id="{3136D0B9-A312-46E8-AB5D-EEF67B3DD833}" type="datetimeFigureOut">
               <a:rPr kumimoji="1" lang="ja-JP" altLang="en-US" smtClean="0"/>
-              <a:t>2024/8/16</a:t>
+              <a:t>2024/8/23</a:t>
             </a:fld>
             <a:endParaRPr kumimoji="1" lang="ja-JP" altLang="en-US"/>
           </a:p>
@@ -2779,7 +3812,7 @@
           <a:p>
             <a:fld id="{3136D0B9-A312-46E8-AB5D-EEF67B3DD833}" type="datetimeFigureOut">
               <a:rPr kumimoji="1" lang="ja-JP" altLang="en-US" smtClean="0"/>
-              <a:t>2024/8/16</a:t>
+              <a:t>2024/8/23</a:t>
             </a:fld>
             <a:endParaRPr kumimoji="1" lang="ja-JP" altLang="en-US"/>
           </a:p>
@@ -3122,7 +4155,7 @@
           <a:p>
             <a:fld id="{3136D0B9-A312-46E8-AB5D-EEF67B3DD833}" type="datetimeFigureOut">
               <a:rPr kumimoji="1" lang="ja-JP" altLang="en-US" smtClean="0"/>
-              <a:t>2024/8/16</a:t>
+              <a:t>2024/8/23</a:t>
             </a:fld>
             <a:endParaRPr kumimoji="1" lang="ja-JP" altLang="en-US"/>
           </a:p>
@@ -3410,7 +4443,7 @@
           <a:p>
             <a:fld id="{3136D0B9-A312-46E8-AB5D-EEF67B3DD833}" type="datetimeFigureOut">
               <a:rPr kumimoji="1" lang="ja-JP" altLang="en-US" smtClean="0"/>
-              <a:t>2024/8/16</a:t>
+              <a:t>2024/8/23</a:t>
             </a:fld>
             <a:endParaRPr kumimoji="1" lang="ja-JP" altLang="en-US"/>
           </a:p>
@@ -3683,7 +4716,7 @@
           <a:p>
             <a:fld id="{3136D0B9-A312-46E8-AB5D-EEF67B3DD833}" type="datetimeFigureOut">
               <a:rPr kumimoji="1" lang="ja-JP" altLang="en-US" smtClean="0"/>
-              <a:t>2024/8/16</a:t>
+              <a:t>2024/8/23</a:t>
             </a:fld>
             <a:endParaRPr kumimoji="1" lang="ja-JP" altLang="en-US"/>
           </a:p>
@@ -4222,6 +5255,49 @@
           <a:chExt cx="0" cy="0"/>
         </a:xfrm>
       </p:grpSpPr>
+      <p:cxnSp>
+        <p:nvCxnSpPr>
+          <p:cNvPr id="4" name="直線コネクタ 3">
+            <a:extLst>
+              <a:ext uri="{FF2B5EF4-FFF2-40B4-BE49-F238E27FC236}">
+                <a16:creationId xmlns:a16="http://schemas.microsoft.com/office/drawing/2014/main" id="{31AFCFC9-C202-9051-0E3F-A9E20191B047}"/>
+              </a:ext>
+            </a:extLst>
+          </p:cNvPr>
+          <p:cNvCxnSpPr>
+            <a:cxnSpLocks/>
+          </p:cNvCxnSpPr>
+          <p:nvPr/>
+        </p:nvCxnSpPr>
+        <p:spPr>
+          <a:xfrm>
+            <a:off x="283464" y="1316736"/>
+            <a:ext cx="11649456" cy="0"/>
+          </a:xfrm>
+          <a:prstGeom prst="line">
+            <a:avLst/>
+          </a:prstGeom>
+          <a:ln w="69850">
+            <a:solidFill>
+              <a:srgbClr val="FF0000"/>
+            </a:solidFill>
+          </a:ln>
+        </p:spPr>
+        <p:style>
+          <a:lnRef idx="1">
+            <a:schemeClr val="accent1"/>
+          </a:lnRef>
+          <a:fillRef idx="0">
+            <a:schemeClr val="accent1"/>
+          </a:fillRef>
+          <a:effectRef idx="0">
+            <a:schemeClr val="accent1"/>
+          </a:effectRef>
+          <a:fontRef idx="minor">
+            <a:schemeClr val="tx1"/>
+          </a:fontRef>
+        </p:style>
+      </p:cxnSp>
       <p:sp>
         <p:nvSpPr>
           <p:cNvPr id="7" name="テキスト ボックス 6">
@@ -4236,8 +5312,8 @@
         </p:nvSpPr>
         <p:spPr>
           <a:xfrm>
-            <a:off x="56769" y="181832"/>
-            <a:ext cx="2954655" cy="923330"/>
+            <a:off x="10927080" y="929116"/>
+            <a:ext cx="1107996" cy="369332"/>
           </a:xfrm>
           <a:prstGeom prst="rect">
             <a:avLst/>
@@ -4251,7 +5327,7 @@
           <a:lstStyle/>
           <a:p>
             <a:r>
-              <a:rPr kumimoji="1" lang="ja-JP" altLang="en-US" sz="5400" dirty="0">
+              <a:rPr kumimoji="1" lang="ja-JP" altLang="en-US" dirty="0">
                 <a:solidFill>
                   <a:srgbClr val="FF0000"/>
                 </a:solidFill>
@@ -4266,60 +5342,10 @@
       </p:sp>
       <p:sp>
         <p:nvSpPr>
-          <p:cNvPr id="2" name="正方形/長方形 1">
-            <a:extLst>
-              <a:ext uri="{FF2B5EF4-FFF2-40B4-BE49-F238E27FC236}">
-                <a16:creationId xmlns:a16="http://schemas.microsoft.com/office/drawing/2014/main" id="{D874FFA8-4686-D2BD-B3AF-FBF2FF777185}"/>
-              </a:ext>
-            </a:extLst>
-          </p:cNvPr>
-          <p:cNvSpPr/>
-          <p:nvPr/>
-        </p:nvSpPr>
-        <p:spPr>
-          <a:xfrm>
-            <a:off x="3011424" y="181832"/>
-            <a:ext cx="6169152" cy="5693417"/>
-          </a:xfrm>
-          <a:prstGeom prst="rect">
-            <a:avLst/>
-          </a:prstGeom>
-        </p:spPr>
-        <p:style>
-          <a:lnRef idx="2">
-            <a:schemeClr val="accent1">
-              <a:shade val="15000"/>
-            </a:schemeClr>
-          </a:lnRef>
-          <a:fillRef idx="1">
-            <a:schemeClr val="accent1"/>
-          </a:fillRef>
-          <a:effectRef idx="0">
-            <a:schemeClr val="accent1"/>
-          </a:effectRef>
-          <a:fontRef idx="minor">
-            <a:schemeClr val="lt1"/>
-          </a:fontRef>
-        </p:style>
-        <p:txBody>
-          <a:bodyPr rtlCol="0" anchor="ctr"/>
-          <a:lstStyle/>
-          <a:p>
-            <a:pPr algn="ctr"/>
-            <a:r>
-              <a:rPr lang="en-US" altLang="ja-JP" dirty="0"/>
-              <a:t>QR</a:t>
-            </a:r>
-            <a:endParaRPr kumimoji="1" lang="ja-JP" altLang="en-US" dirty="0"/>
-          </a:p>
-        </p:txBody>
-      </p:sp>
-      <p:sp>
-        <p:nvSpPr>
-          <p:cNvPr id="3" name="テキスト ボックス 2">
-            <a:extLst>
-              <a:ext uri="{FF2B5EF4-FFF2-40B4-BE49-F238E27FC236}">
-                <a16:creationId xmlns:a16="http://schemas.microsoft.com/office/drawing/2014/main" id="{A56470E7-7877-FB48-BE1B-9289B7465DBE}"/>
+          <p:cNvPr id="2" name="テキスト ボックス 1">
+            <a:extLst>
+              <a:ext uri="{FF2B5EF4-FFF2-40B4-BE49-F238E27FC236}">
+                <a16:creationId xmlns:a16="http://schemas.microsoft.com/office/drawing/2014/main" id="{75587F4C-B13D-2784-6DBF-5A12E33B7140}"/>
               </a:ext>
             </a:extLst>
           </p:cNvPr>
@@ -4328,8 +5354,8 @@
         </p:nvSpPr>
         <p:spPr>
           <a:xfrm>
-            <a:off x="3962243" y="6029837"/>
-            <a:ext cx="4267515" cy="646331"/>
+            <a:off x="120904" y="3429000"/>
+            <a:ext cx="12071096" cy="1107996"/>
           </a:xfrm>
           <a:prstGeom prst="rect">
             <a:avLst/>
@@ -4337,24 +5363,27 @@
           <a:noFill/>
         </p:spPr>
         <p:txBody>
-          <a:bodyPr wrap="none" rtlCol="0">
+          <a:bodyPr wrap="square">
             <a:spAutoFit/>
           </a:bodyPr>
           <a:lstStyle/>
           <a:p>
-            <a:pPr algn="just"/>
-            <a:r>
-              <a:rPr lang="en-US" altLang="ja-JP" sz="3600" dirty="0"/>
-              <a:t>https://honetto.me</a:t>
-            </a:r>
-            <a:endParaRPr kumimoji="1" lang="ja-JP" altLang="en-US" sz="3600" dirty="0"/>
+            <a:r>
+              <a:rPr lang="ja-JP" altLang="en-US" sz="6600" dirty="0">
+                <a:latin typeface="HG創英角ｺﾞｼｯｸUB" panose="020B0909000000000000" pitchFamily="49" charset="-128"/>
+                <a:ea typeface="HG創英角ｺﾞｼｯｸUB" panose="020B0909000000000000" pitchFamily="49" charset="-128"/>
+                <a:cs typeface="ADLaM Display" panose="020F0502020204030204" pitchFamily="2" charset="0"/>
+              </a:rPr>
+              <a:t>我が身を抓って人の痛さを知れ</a:t>
+            </a:r>
+            <a:endParaRPr lang="ja-JP" altLang="en-US" sz="6600" dirty="0"/>
           </a:p>
         </p:txBody>
       </p:sp>
     </p:spTree>
     <p:extLst>
       <p:ext uri="{BB962C8B-B14F-4D97-AF65-F5344CB8AC3E}">
-        <p14:creationId xmlns:p14="http://schemas.microsoft.com/office/powerpoint/2010/main" val="1139338333"/>
+        <p14:creationId xmlns:p14="http://schemas.microsoft.com/office/powerpoint/2010/main" val="885519559"/>
       </p:ext>
     </p:extLst>
   </p:cSld>
@@ -4365,7 +5394,7 @@
 </file>
 
 <file path=ppt/slides/slide11.xml><?xml version="1.0" encoding="utf-8"?>
-<p:sld xmlns:a="http://schemas.openxmlformats.org/drawingml/2006/main" xmlns:r="http://schemas.openxmlformats.org/officeDocument/2006/relationships" xmlns:p="http://schemas.openxmlformats.org/presentationml/2006/main">
+<p:sld xmlns:a="http://schemas.openxmlformats.org/drawingml/2006/main" xmlns:r="http://schemas.openxmlformats.org/officeDocument/2006/relationships" xmlns:p="http://schemas.openxmlformats.org/presentationml/2006/main" show="0">
   <p:cSld>
     <p:spTree>
       <p:nvGrpSpPr>
@@ -4466,50 +5495,10 @@
           </a:p>
         </p:txBody>
       </p:sp>
-      <p:sp>
-        <p:nvSpPr>
-          <p:cNvPr id="2" name="テキスト ボックス 1">
-            <a:extLst>
-              <a:ext uri="{FF2B5EF4-FFF2-40B4-BE49-F238E27FC236}">
-                <a16:creationId xmlns:a16="http://schemas.microsoft.com/office/drawing/2014/main" id="{75587F4C-B13D-2784-6DBF-5A12E33B7140}"/>
-              </a:ext>
-            </a:extLst>
-          </p:cNvPr>
-          <p:cNvSpPr txBox="1"/>
-          <p:nvPr/>
-        </p:nvSpPr>
-        <p:spPr>
-          <a:xfrm>
-            <a:off x="120904" y="3429000"/>
-            <a:ext cx="12071096" cy="1107996"/>
-          </a:xfrm>
-          <a:prstGeom prst="rect">
-            <a:avLst/>
-          </a:prstGeom>
-          <a:noFill/>
-        </p:spPr>
-        <p:txBody>
-          <a:bodyPr wrap="square">
-            <a:spAutoFit/>
-          </a:bodyPr>
-          <a:lstStyle/>
-          <a:p>
-            <a:r>
-              <a:rPr lang="ja-JP" altLang="en-US" sz="6600" dirty="0">
-                <a:latin typeface="HG創英角ｺﾞｼｯｸUB" panose="020B0909000000000000" pitchFamily="49" charset="-128"/>
-                <a:ea typeface="HG創英角ｺﾞｼｯｸUB" panose="020B0909000000000000" pitchFamily="49" charset="-128"/>
-                <a:cs typeface="ADLaM Display" panose="020F0502020204030204" pitchFamily="2" charset="0"/>
-              </a:rPr>
-              <a:t>我が身を抓って人の痛さを知れ</a:t>
-            </a:r>
-            <a:endParaRPr lang="ja-JP" altLang="en-US" sz="6600" dirty="0"/>
-          </a:p>
-        </p:txBody>
-      </p:sp>
     </p:spTree>
     <p:extLst>
       <p:ext uri="{BB962C8B-B14F-4D97-AF65-F5344CB8AC3E}">
-        <p14:creationId xmlns:p14="http://schemas.microsoft.com/office/powerpoint/2010/main" val="885519559"/>
+        <p14:creationId xmlns:p14="http://schemas.microsoft.com/office/powerpoint/2010/main" val="1455849473"/>
       </p:ext>
     </p:extLst>
   </p:cSld>
@@ -4621,10 +5610,170 @@
           </a:p>
         </p:txBody>
       </p:sp>
+      <p:sp>
+        <p:nvSpPr>
+          <p:cNvPr id="11" name="テキスト ボックス 10">
+            <a:extLst>
+              <a:ext uri="{FF2B5EF4-FFF2-40B4-BE49-F238E27FC236}">
+                <a16:creationId xmlns:a16="http://schemas.microsoft.com/office/drawing/2014/main" id="{7ACE9048-F3BD-4B14-8DED-C4504E34B1DF}"/>
+              </a:ext>
+            </a:extLst>
+          </p:cNvPr>
+          <p:cNvSpPr txBox="1"/>
+          <p:nvPr/>
+        </p:nvSpPr>
+        <p:spPr>
+          <a:xfrm>
+            <a:off x="283464" y="153663"/>
+            <a:ext cx="5812536" cy="1107996"/>
+          </a:xfrm>
+          <a:prstGeom prst="rect">
+            <a:avLst/>
+          </a:prstGeom>
+          <a:noFill/>
+        </p:spPr>
+        <p:txBody>
+          <a:bodyPr wrap="square">
+            <a:spAutoFit/>
+          </a:bodyPr>
+          <a:lstStyle/>
+          <a:p>
+            <a:r>
+              <a:rPr kumimoji="1" lang="ja-JP" altLang="en-US" sz="6600" dirty="0">
+                <a:latin typeface="HG創英角ｺﾞｼｯｸUB" panose="020B0909000000000000" pitchFamily="49" charset="-128"/>
+                <a:ea typeface="HG創英角ｺﾞｼｯｸUB" panose="020B0909000000000000" pitchFamily="49" charset="-128"/>
+                <a:cs typeface="ADLaM Display" panose="020F0502020204030204" pitchFamily="2" charset="0"/>
+              </a:rPr>
+              <a:t>炎上系</a:t>
+            </a:r>
+            <a:r>
+              <a:rPr kumimoji="1" lang="en-US" altLang="ja-JP" sz="6600" dirty="0">
+                <a:latin typeface="HG創英角ｺﾞｼｯｸUB" panose="020B0909000000000000" pitchFamily="49" charset="-128"/>
+                <a:ea typeface="HG創英角ｺﾞｼｯｸUB" panose="020B0909000000000000" pitchFamily="49" charset="-128"/>
+                <a:cs typeface="ADLaM Display" panose="020F0502020204030204" pitchFamily="2" charset="0"/>
+              </a:rPr>
+              <a:t>SNS</a:t>
+            </a:r>
+            <a:r>
+              <a:rPr kumimoji="1" lang="ja-JP" altLang="en-US" sz="6600" dirty="0">
+                <a:latin typeface="HG創英角ｺﾞｼｯｸUB" panose="020B0909000000000000" pitchFamily="49" charset="-128"/>
+                <a:ea typeface="HG創英角ｺﾞｼｯｸUB" panose="020B0909000000000000" pitchFamily="49" charset="-128"/>
+                <a:cs typeface="ADLaM Display" panose="020F0502020204030204" pitchFamily="2" charset="0"/>
+              </a:rPr>
+              <a:t>とは</a:t>
+            </a:r>
+            <a:endParaRPr lang="ja-JP" altLang="en-US" sz="6600" dirty="0"/>
+          </a:p>
+        </p:txBody>
+      </p:sp>
+      <p:sp>
+        <p:nvSpPr>
+          <p:cNvPr id="12" name="テキスト ボックス 11">
+            <a:extLst>
+              <a:ext uri="{FF2B5EF4-FFF2-40B4-BE49-F238E27FC236}">
+                <a16:creationId xmlns:a16="http://schemas.microsoft.com/office/drawing/2014/main" id="{B462F254-0D07-0C55-3DC2-5BC67C553764}"/>
+              </a:ext>
+            </a:extLst>
+          </p:cNvPr>
+          <p:cNvSpPr txBox="1"/>
+          <p:nvPr/>
+        </p:nvSpPr>
+        <p:spPr>
+          <a:xfrm>
+            <a:off x="283464" y="2482335"/>
+            <a:ext cx="9665208" cy="1107996"/>
+          </a:xfrm>
+          <a:prstGeom prst="rect">
+            <a:avLst/>
+          </a:prstGeom>
+          <a:noFill/>
+        </p:spPr>
+        <p:txBody>
+          <a:bodyPr wrap="square">
+            <a:spAutoFit/>
+          </a:bodyPr>
+          <a:lstStyle/>
+          <a:p>
+            <a:r>
+              <a:rPr kumimoji="1" lang="ja-JP" altLang="en-US" sz="6600" dirty="0">
+                <a:latin typeface="HG創英角ｺﾞｼｯｸUB" panose="020B0909000000000000" pitchFamily="49" charset="-128"/>
+                <a:ea typeface="HG創英角ｺﾞｼｯｸUB" panose="020B0909000000000000" pitchFamily="49" charset="-128"/>
+                <a:cs typeface="ADLaM Display" panose="020F0502020204030204" pitchFamily="2" charset="0"/>
+              </a:rPr>
+              <a:t>・「炎上</a:t>
+            </a:r>
+            <a:r>
+              <a:rPr lang="ja-JP" altLang="en-US" sz="6600" dirty="0">
+                <a:latin typeface="HG創英角ｺﾞｼｯｸUB" panose="020B0909000000000000" pitchFamily="49" charset="-128"/>
+                <a:ea typeface="HG創英角ｺﾞｼｯｸUB" panose="020B0909000000000000" pitchFamily="49" charset="-128"/>
+                <a:cs typeface="ADLaM Display" panose="020F0502020204030204" pitchFamily="2" charset="0"/>
+              </a:rPr>
+              <a:t>」を実際に体感</a:t>
+            </a:r>
+            <a:endParaRPr lang="ja-JP" altLang="en-US" sz="6600" dirty="0"/>
+          </a:p>
+        </p:txBody>
+      </p:sp>
+      <p:sp>
+        <p:nvSpPr>
+          <p:cNvPr id="13" name="テキスト ボックス 12">
+            <a:extLst>
+              <a:ext uri="{FF2B5EF4-FFF2-40B4-BE49-F238E27FC236}">
+                <a16:creationId xmlns:a16="http://schemas.microsoft.com/office/drawing/2014/main" id="{89C33A3A-B6D8-DDBE-036A-F99D87D9781E}"/>
+              </a:ext>
+            </a:extLst>
+          </p:cNvPr>
+          <p:cNvSpPr txBox="1"/>
+          <p:nvPr/>
+        </p:nvSpPr>
+        <p:spPr>
+          <a:xfrm>
+            <a:off x="283464" y="4201931"/>
+            <a:ext cx="8735568" cy="1107996"/>
+          </a:xfrm>
+          <a:prstGeom prst="rect">
+            <a:avLst/>
+          </a:prstGeom>
+          <a:noFill/>
+        </p:spPr>
+        <p:txBody>
+          <a:bodyPr wrap="square">
+            <a:spAutoFit/>
+          </a:bodyPr>
+          <a:lstStyle/>
+          <a:p>
+            <a:r>
+              <a:rPr lang="ja-JP" altLang="en-US" sz="6600" dirty="0">
+                <a:latin typeface="HG創英角ｺﾞｼｯｸUB" panose="020B0909000000000000" pitchFamily="49" charset="-128"/>
+                <a:ea typeface="HG創英角ｺﾞｼｯｸUB" panose="020B0909000000000000" pitchFamily="49" charset="-128"/>
+                <a:cs typeface="ADLaM Display" panose="020F0502020204030204" pitchFamily="2" charset="0"/>
+              </a:rPr>
+              <a:t>・</a:t>
+            </a:r>
+            <a:r>
+              <a:rPr lang="en-US" altLang="ja-JP" sz="6600" dirty="0">
+                <a:latin typeface="HG創英角ｺﾞｼｯｸUB" panose="020B0909000000000000" pitchFamily="49" charset="-128"/>
+                <a:ea typeface="HG創英角ｺﾞｼｯｸUB" panose="020B0909000000000000" pitchFamily="49" charset="-128"/>
+                <a:cs typeface="ADLaM Display" panose="020F0502020204030204" pitchFamily="2" charset="0"/>
+              </a:rPr>
+              <a:t>Web</a:t>
+            </a:r>
+            <a:r>
+              <a:rPr lang="ja-JP" altLang="en-US" sz="6600" dirty="0">
+                <a:latin typeface="HG創英角ｺﾞｼｯｸUB" panose="020B0909000000000000" pitchFamily="49" charset="-128"/>
+                <a:ea typeface="HG創英角ｺﾞｼｯｸUB" panose="020B0909000000000000" pitchFamily="49" charset="-128"/>
+                <a:cs typeface="ADLaM Display" panose="020F0502020204030204" pitchFamily="2" charset="0"/>
+              </a:rPr>
+              <a:t>ゲーム</a:t>
+            </a:r>
+            <a:endParaRPr lang="ja-JP" altLang="en-US" sz="6600" dirty="0"/>
+          </a:p>
+        </p:txBody>
+      </p:sp>
     </p:spTree>
     <p:extLst>
       <p:ext uri="{BB962C8B-B14F-4D97-AF65-F5344CB8AC3E}">
-        <p14:creationId xmlns:p14="http://schemas.microsoft.com/office/powerpoint/2010/main" val="1455849473"/>
+        <p14:creationId xmlns:p14="http://schemas.microsoft.com/office/powerpoint/2010/main" val="1010781126"/>
       </p:ext>
     </p:extLst>
   </p:cSld>
@@ -4634,7 +5783,7 @@
 </p:sld>
 </file>
 
-<file path=ppt/slides/slide2.xml><?xml version="1.0" encoding="utf-8"?>
+<file path=ppt/slides/slide13.xml><?xml version="1.0" encoding="utf-8"?>
 <p:sld xmlns:a="http://schemas.openxmlformats.org/drawingml/2006/main" xmlns:r="http://schemas.openxmlformats.org/officeDocument/2006/relationships" xmlns:p="http://schemas.openxmlformats.org/presentationml/2006/main" show="0">
   <p:cSld>
     <p:spTree>
@@ -4738,10 +5887,10 @@
       </p:sp>
       <p:sp>
         <p:nvSpPr>
-          <p:cNvPr id="11" name="テキスト ボックス 10">
-            <a:extLst>
-              <a:ext uri="{FF2B5EF4-FFF2-40B4-BE49-F238E27FC236}">
-                <a16:creationId xmlns:a16="http://schemas.microsoft.com/office/drawing/2014/main" id="{7ACE9048-F3BD-4B14-8DED-C4504E34B1DF}"/>
+          <p:cNvPr id="2" name="テキスト ボックス 1">
+            <a:extLst>
+              <a:ext uri="{FF2B5EF4-FFF2-40B4-BE49-F238E27FC236}">
+                <a16:creationId xmlns:a16="http://schemas.microsoft.com/office/drawing/2014/main" id="{38FBF9F5-4228-58A4-A265-E439175CE7D1}"/>
               </a:ext>
             </a:extLst>
           </p:cNvPr>
@@ -4751,7 +5900,7 @@
         <p:spPr>
           <a:xfrm>
             <a:off x="283464" y="153663"/>
-            <a:ext cx="5812536" cy="1107996"/>
+            <a:ext cx="9023096" cy="1107996"/>
           </a:xfrm>
           <a:prstGeom prst="rect">
             <a:avLst/>
@@ -4765,7 +5914,321 @@
           <a:lstStyle/>
           <a:p>
             <a:r>
-              <a:rPr kumimoji="1" lang="ja-JP" altLang="en-US" sz="6600" dirty="0">
+              <a:rPr lang="ja-JP" altLang="en-US" sz="6600" dirty="0">
+                <a:latin typeface="HG創英角ｺﾞｼｯｸUB" panose="020B0909000000000000" pitchFamily="49" charset="-128"/>
+                <a:ea typeface="HG創英角ｺﾞｼｯｸUB" panose="020B0909000000000000" pitchFamily="49" charset="-128"/>
+                <a:cs typeface="ADLaM Display" panose="020F0502020204030204" pitchFamily="2" charset="0"/>
+              </a:rPr>
+              <a:t>そこで</a:t>
+            </a:r>
+            <a:r>
+              <a:rPr lang="en-US" altLang="ja-JP" sz="6600" dirty="0">
+                <a:latin typeface="HG創英角ｺﾞｼｯｸUB" panose="020B0909000000000000" pitchFamily="49" charset="-128"/>
+                <a:ea typeface="HG創英角ｺﾞｼｯｸUB" panose="020B0909000000000000" pitchFamily="49" charset="-128"/>
+                <a:cs typeface="ADLaM Display" panose="020F0502020204030204" pitchFamily="2" charset="0"/>
+              </a:rPr>
+              <a:t>…</a:t>
+            </a:r>
+          </a:p>
+        </p:txBody>
+      </p:sp>
+      <p:sp>
+        <p:nvSpPr>
+          <p:cNvPr id="8" name="正方形/長方形 7">
+            <a:extLst>
+              <a:ext uri="{FF2B5EF4-FFF2-40B4-BE49-F238E27FC236}">
+                <a16:creationId xmlns:a16="http://schemas.microsoft.com/office/drawing/2014/main" id="{B525B007-959B-CBCA-6F9F-75237F88025B}"/>
+              </a:ext>
+            </a:extLst>
+          </p:cNvPr>
+          <p:cNvSpPr/>
+          <p:nvPr/>
+        </p:nvSpPr>
+        <p:spPr>
+          <a:xfrm>
+            <a:off x="566928" y="1570983"/>
+            <a:ext cx="4764024" cy="5067562"/>
+          </a:xfrm>
+          <a:prstGeom prst="rect">
+            <a:avLst/>
+          </a:prstGeom>
+        </p:spPr>
+        <p:style>
+          <a:lnRef idx="2">
+            <a:schemeClr val="accent1">
+              <a:shade val="15000"/>
+            </a:schemeClr>
+          </a:lnRef>
+          <a:fillRef idx="1">
+            <a:schemeClr val="accent1"/>
+          </a:fillRef>
+          <a:effectRef idx="0">
+            <a:schemeClr val="accent1"/>
+          </a:effectRef>
+          <a:fontRef idx="minor">
+            <a:schemeClr val="lt1"/>
+          </a:fontRef>
+        </p:style>
+        <p:txBody>
+          <a:bodyPr rtlCol="0" anchor="ctr"/>
+          <a:lstStyle/>
+          <a:p>
+            <a:pPr algn="ctr"/>
+            <a:r>
+              <a:rPr kumimoji="1" lang="en-US" altLang="ja-JP" dirty="0"/>
+              <a:t>Figma</a:t>
+            </a:r>
+            <a:r>
+              <a:rPr kumimoji="1" lang="ja-JP" altLang="en-US" dirty="0"/>
+              <a:t>ろごなど</a:t>
+            </a:r>
+          </a:p>
+        </p:txBody>
+      </p:sp>
+      <p:sp>
+        <p:nvSpPr>
+          <p:cNvPr id="9" name="テキスト ボックス 8">
+            <a:extLst>
+              <a:ext uri="{FF2B5EF4-FFF2-40B4-BE49-F238E27FC236}">
+                <a16:creationId xmlns:a16="http://schemas.microsoft.com/office/drawing/2014/main" id="{88169F51-2546-7E76-E36F-A35CD050DCB6}"/>
+              </a:ext>
+            </a:extLst>
+          </p:cNvPr>
+          <p:cNvSpPr txBox="1"/>
+          <p:nvPr/>
+        </p:nvSpPr>
+        <p:spPr>
+          <a:xfrm>
+            <a:off x="6096000" y="2062700"/>
+            <a:ext cx="5812536" cy="1107996"/>
+          </a:xfrm>
+          <a:prstGeom prst="rect">
+            <a:avLst/>
+          </a:prstGeom>
+          <a:noFill/>
+        </p:spPr>
+        <p:txBody>
+          <a:bodyPr wrap="square">
+            <a:spAutoFit/>
+          </a:bodyPr>
+          <a:lstStyle/>
+          <a:p>
+            <a:r>
+              <a:rPr lang="ja-JP" altLang="en-US" sz="6600" dirty="0">
+                <a:latin typeface="HG創英角ｺﾞｼｯｸUB" panose="020B0909000000000000" pitchFamily="49" charset="-128"/>
+                <a:ea typeface="HG創英角ｺﾞｼｯｸUB" panose="020B0909000000000000" pitchFamily="49" charset="-128"/>
+                <a:cs typeface="ADLaM Display" panose="020F0502020204030204" pitchFamily="2" charset="0"/>
+              </a:rPr>
+              <a:t>「ホネット」</a:t>
+            </a:r>
+            <a:endParaRPr lang="en-US" altLang="ja-JP" sz="6600" dirty="0">
+              <a:latin typeface="HG創英角ｺﾞｼｯｸUB" panose="020B0909000000000000" pitchFamily="49" charset="-128"/>
+              <a:ea typeface="HG創英角ｺﾞｼｯｸUB" panose="020B0909000000000000" pitchFamily="49" charset="-128"/>
+              <a:cs typeface="ADLaM Display" panose="020F0502020204030204" pitchFamily="2" charset="0"/>
+            </a:endParaRPr>
+          </a:p>
+        </p:txBody>
+      </p:sp>
+      <p:sp>
+        <p:nvSpPr>
+          <p:cNvPr id="10" name="テキスト ボックス 9">
+            <a:extLst>
+              <a:ext uri="{FF2B5EF4-FFF2-40B4-BE49-F238E27FC236}">
+                <a16:creationId xmlns:a16="http://schemas.microsoft.com/office/drawing/2014/main" id="{1E8ED778-C9E3-CCF2-1B5F-4C6C0FC0D460}"/>
+              </a:ext>
+            </a:extLst>
+          </p:cNvPr>
+          <p:cNvSpPr txBox="1"/>
+          <p:nvPr/>
+        </p:nvSpPr>
+        <p:spPr>
+          <a:xfrm>
+            <a:off x="6024880" y="3687305"/>
+            <a:ext cx="5812536" cy="2123658"/>
+          </a:xfrm>
+          <a:prstGeom prst="rect">
+            <a:avLst/>
+          </a:prstGeom>
+          <a:noFill/>
+        </p:spPr>
+        <p:txBody>
+          <a:bodyPr wrap="square">
+            <a:spAutoFit/>
+          </a:bodyPr>
+          <a:lstStyle/>
+          <a:p>
+            <a:r>
+              <a:rPr lang="ja-JP" altLang="en-US" sz="6600" dirty="0">
+                <a:latin typeface="HG創英角ｺﾞｼｯｸUB" panose="020B0909000000000000" pitchFamily="49" charset="-128"/>
+                <a:ea typeface="HG創英角ｺﾞｼｯｸUB" panose="020B0909000000000000" pitchFamily="49" charset="-128"/>
+                <a:cs typeface="ADLaM Display" panose="020F0502020204030204" pitchFamily="2" charset="0"/>
+              </a:rPr>
+              <a:t>様々な</a:t>
+            </a:r>
+            <a:endParaRPr lang="en-US" altLang="ja-JP" sz="6600" dirty="0">
+              <a:latin typeface="HG創英角ｺﾞｼｯｸUB" panose="020B0909000000000000" pitchFamily="49" charset="-128"/>
+              <a:ea typeface="HG創英角ｺﾞｼｯｸUB" panose="020B0909000000000000" pitchFamily="49" charset="-128"/>
+              <a:cs typeface="ADLaM Display" panose="020F0502020204030204" pitchFamily="2" charset="0"/>
+            </a:endParaRPr>
+          </a:p>
+          <a:p>
+            <a:r>
+              <a:rPr lang="ja-JP" altLang="en-US" sz="6600" dirty="0">
+                <a:latin typeface="HG創英角ｺﾞｼｯｸUB" panose="020B0909000000000000" pitchFamily="49" charset="-128"/>
+                <a:ea typeface="HG創英角ｺﾞｼｯｸUB" panose="020B0909000000000000" pitchFamily="49" charset="-128"/>
+                <a:cs typeface="ADLaM Display" panose="020F0502020204030204" pitchFamily="2" charset="0"/>
+              </a:rPr>
+              <a:t>炎上シナリオ</a:t>
+            </a:r>
+            <a:endParaRPr lang="ja-JP" altLang="en-US" sz="6600" dirty="0"/>
+          </a:p>
+        </p:txBody>
+      </p:sp>
+    </p:spTree>
+    <p:extLst>
+      <p:ext uri="{BB962C8B-B14F-4D97-AF65-F5344CB8AC3E}">
+        <p14:creationId xmlns:p14="http://schemas.microsoft.com/office/powerpoint/2010/main" val="381811190"/>
+      </p:ext>
+    </p:extLst>
+  </p:cSld>
+  <p:clrMapOvr>
+    <a:masterClrMapping/>
+  </p:clrMapOvr>
+</p:sld>
+</file>
+
+<file path=ppt/slides/slide14.xml><?xml version="1.0" encoding="utf-8"?>
+<p:sld xmlns:a="http://schemas.openxmlformats.org/drawingml/2006/main" xmlns:r="http://schemas.openxmlformats.org/officeDocument/2006/relationships" xmlns:p="http://schemas.openxmlformats.org/presentationml/2006/main" show="0">
+  <p:cSld>
+    <p:spTree>
+      <p:nvGrpSpPr>
+        <p:cNvPr id="1" name=""/>
+        <p:cNvGrpSpPr/>
+        <p:nvPr/>
+      </p:nvGrpSpPr>
+      <p:grpSpPr>
+        <a:xfrm>
+          <a:off x="0" y="0"/>
+          <a:ext cx="0" cy="0"/>
+          <a:chOff x="0" y="0"/>
+          <a:chExt cx="0" cy="0"/>
+        </a:xfrm>
+      </p:grpSpPr>
+      <p:cxnSp>
+        <p:nvCxnSpPr>
+          <p:cNvPr id="4" name="直線コネクタ 3">
+            <a:extLst>
+              <a:ext uri="{FF2B5EF4-FFF2-40B4-BE49-F238E27FC236}">
+                <a16:creationId xmlns:a16="http://schemas.microsoft.com/office/drawing/2014/main" id="{31AFCFC9-C202-9051-0E3F-A9E20191B047}"/>
+              </a:ext>
+            </a:extLst>
+          </p:cNvPr>
+          <p:cNvCxnSpPr>
+            <a:cxnSpLocks/>
+          </p:cNvCxnSpPr>
+          <p:nvPr/>
+        </p:nvCxnSpPr>
+        <p:spPr>
+          <a:xfrm>
+            <a:off x="283464" y="1316736"/>
+            <a:ext cx="11649456" cy="0"/>
+          </a:xfrm>
+          <a:prstGeom prst="line">
+            <a:avLst/>
+          </a:prstGeom>
+          <a:ln w="69850">
+            <a:solidFill>
+              <a:srgbClr val="FF0000"/>
+            </a:solidFill>
+          </a:ln>
+        </p:spPr>
+        <p:style>
+          <a:lnRef idx="1">
+            <a:schemeClr val="accent1"/>
+          </a:lnRef>
+          <a:fillRef idx="0">
+            <a:schemeClr val="accent1"/>
+          </a:fillRef>
+          <a:effectRef idx="0">
+            <a:schemeClr val="accent1"/>
+          </a:effectRef>
+          <a:fontRef idx="minor">
+            <a:schemeClr val="tx1"/>
+          </a:fontRef>
+        </p:style>
+      </p:cxnSp>
+      <p:sp>
+        <p:nvSpPr>
+          <p:cNvPr id="7" name="テキスト ボックス 6">
+            <a:extLst>
+              <a:ext uri="{FF2B5EF4-FFF2-40B4-BE49-F238E27FC236}">
+                <a16:creationId xmlns:a16="http://schemas.microsoft.com/office/drawing/2014/main" id="{C6C5EB3A-FB63-FB5A-8B3F-738C6106B5DC}"/>
+              </a:ext>
+            </a:extLst>
+          </p:cNvPr>
+          <p:cNvSpPr txBox="1"/>
+          <p:nvPr/>
+        </p:nvSpPr>
+        <p:spPr>
+          <a:xfrm>
+            <a:off x="10927080" y="929116"/>
+            <a:ext cx="1107996" cy="369332"/>
+          </a:xfrm>
+          <a:prstGeom prst="rect">
+            <a:avLst/>
+          </a:prstGeom>
+          <a:noFill/>
+        </p:spPr>
+        <p:txBody>
+          <a:bodyPr wrap="none" rtlCol="0">
+            <a:spAutoFit/>
+          </a:bodyPr>
+          <a:lstStyle/>
+          <a:p>
+            <a:r>
+              <a:rPr kumimoji="1" lang="ja-JP" altLang="en-US" dirty="0">
+                <a:solidFill>
+                  <a:srgbClr val="FF0000"/>
+                </a:solidFill>
+                <a:latin typeface="HG創英角ｺﾞｼｯｸUB" panose="020B0909000000000000" pitchFamily="49" charset="-128"/>
+                <a:ea typeface="HG創英角ｺﾞｼｯｸUB" panose="020B0909000000000000" pitchFamily="49" charset="-128"/>
+                <a:cs typeface="ADLaM Display" panose="020F0502020204030204" pitchFamily="2" charset="0"/>
+              </a:rPr>
+              <a:t>ホネット</a:t>
+            </a:r>
+          </a:p>
+        </p:txBody>
+      </p:sp>
+      <p:sp>
+        <p:nvSpPr>
+          <p:cNvPr id="2" name="テキスト ボックス 1">
+            <a:extLst>
+              <a:ext uri="{FF2B5EF4-FFF2-40B4-BE49-F238E27FC236}">
+                <a16:creationId xmlns:a16="http://schemas.microsoft.com/office/drawing/2014/main" id="{38FBF9F5-4228-58A4-A265-E439175CE7D1}"/>
+              </a:ext>
+            </a:extLst>
+          </p:cNvPr>
+          <p:cNvSpPr txBox="1"/>
+          <p:nvPr/>
+        </p:nvSpPr>
+        <p:spPr>
+          <a:xfrm>
+            <a:off x="283464" y="153663"/>
+            <a:ext cx="9023096" cy="1107996"/>
+          </a:xfrm>
+          <a:prstGeom prst="rect">
+            <a:avLst/>
+          </a:prstGeom>
+          <a:noFill/>
+        </p:spPr>
+        <p:txBody>
+          <a:bodyPr wrap="square">
+            <a:spAutoFit/>
+          </a:bodyPr>
+          <a:lstStyle/>
+          <a:p>
+            <a:r>
+              <a:rPr lang="ja-JP" altLang="en-US" sz="6600" dirty="0">
                 <a:latin typeface="HG創英角ｺﾞｼｯｸUB" panose="020B0909000000000000" pitchFamily="49" charset="-128"/>
                 <a:ea typeface="HG創英角ｺﾞｼｯｸUB" panose="020B0909000000000000" pitchFamily="49" charset="-128"/>
                 <a:cs typeface="ADLaM Display" panose="020F0502020204030204" pitchFamily="2" charset="0"/>
@@ -4773,7 +6236,7 @@
               <a:t>炎上系</a:t>
             </a:r>
             <a:r>
-              <a:rPr kumimoji="1" lang="en-US" altLang="ja-JP" sz="6600" dirty="0">
+              <a:rPr lang="en-US" altLang="ja-JP" sz="6600" dirty="0">
                 <a:latin typeface="HG創英角ｺﾞｼｯｸUB" panose="020B0909000000000000" pitchFamily="49" charset="-128"/>
                 <a:ea typeface="HG創英角ｺﾞｼｯｸUB" panose="020B0909000000000000" pitchFamily="49" charset="-128"/>
                 <a:cs typeface="ADLaM Display" panose="020F0502020204030204" pitchFamily="2" charset="0"/>
@@ -4781,60 +6244,12 @@
               <a:t>SNS</a:t>
             </a:r>
             <a:r>
-              <a:rPr kumimoji="1" lang="ja-JP" altLang="en-US" sz="6600" dirty="0">
-                <a:latin typeface="HG創英角ｺﾞｼｯｸUB" panose="020B0909000000000000" pitchFamily="49" charset="-128"/>
-                <a:ea typeface="HG創英角ｺﾞｼｯｸUB" panose="020B0909000000000000" pitchFamily="49" charset="-128"/>
-                <a:cs typeface="ADLaM Display" panose="020F0502020204030204" pitchFamily="2" charset="0"/>
-              </a:rPr>
-              <a:t>とは</a:t>
-            </a:r>
-            <a:endParaRPr lang="ja-JP" altLang="en-US" sz="6600" dirty="0"/>
-          </a:p>
-        </p:txBody>
-      </p:sp>
-      <p:sp>
-        <p:nvSpPr>
-          <p:cNvPr id="12" name="テキスト ボックス 11">
-            <a:extLst>
-              <a:ext uri="{FF2B5EF4-FFF2-40B4-BE49-F238E27FC236}">
-                <a16:creationId xmlns:a16="http://schemas.microsoft.com/office/drawing/2014/main" id="{B462F254-0D07-0C55-3DC2-5BC67C553764}"/>
-              </a:ext>
-            </a:extLst>
-          </p:cNvPr>
-          <p:cNvSpPr txBox="1"/>
-          <p:nvPr/>
-        </p:nvSpPr>
-        <p:spPr>
-          <a:xfrm>
-            <a:off x="283464" y="2482335"/>
-            <a:ext cx="9665208" cy="1107996"/>
-          </a:xfrm>
-          <a:prstGeom prst="rect">
-            <a:avLst/>
-          </a:prstGeom>
-          <a:noFill/>
-        </p:spPr>
-        <p:txBody>
-          <a:bodyPr wrap="square">
-            <a:spAutoFit/>
-          </a:bodyPr>
-          <a:lstStyle/>
-          <a:p>
-            <a:r>
-              <a:rPr kumimoji="1" lang="ja-JP" altLang="en-US" sz="6600" dirty="0">
-                <a:latin typeface="HG創英角ｺﾞｼｯｸUB" panose="020B0909000000000000" pitchFamily="49" charset="-128"/>
-                <a:ea typeface="HG創英角ｺﾞｼｯｸUB" panose="020B0909000000000000" pitchFamily="49" charset="-128"/>
-                <a:cs typeface="ADLaM Display" panose="020F0502020204030204" pitchFamily="2" charset="0"/>
-              </a:rPr>
-              <a:t>・「炎上</a:t>
-            </a:r>
-            <a:r>
               <a:rPr lang="ja-JP" altLang="en-US" sz="6600" dirty="0">
                 <a:latin typeface="HG創英角ｺﾞｼｯｸUB" panose="020B0909000000000000" pitchFamily="49" charset="-128"/>
                 <a:ea typeface="HG創英角ｺﾞｼｯｸUB" panose="020B0909000000000000" pitchFamily="49" charset="-128"/>
                 <a:cs typeface="ADLaM Display" panose="020F0502020204030204" pitchFamily="2" charset="0"/>
               </a:rPr>
-              <a:t>」を実際に体感</a:t>
+              <a:t>「ホネット」</a:t>
             </a:r>
             <a:endParaRPr lang="ja-JP" altLang="en-US" sz="6600" dirty="0"/>
           </a:p>
@@ -4842,10 +6257,63 @@
       </p:sp>
       <p:sp>
         <p:nvSpPr>
-          <p:cNvPr id="13" name="テキスト ボックス 12">
-            <a:extLst>
-              <a:ext uri="{FF2B5EF4-FFF2-40B4-BE49-F238E27FC236}">
-                <a16:creationId xmlns:a16="http://schemas.microsoft.com/office/drawing/2014/main" id="{89C33A3A-B6D8-DDBE-036A-F99D87D9781E}"/>
+          <p:cNvPr id="8" name="正方形/長方形 7">
+            <a:extLst>
+              <a:ext uri="{FF2B5EF4-FFF2-40B4-BE49-F238E27FC236}">
+                <a16:creationId xmlns:a16="http://schemas.microsoft.com/office/drawing/2014/main" id="{B525B007-959B-CBCA-6F9F-75237F88025B}"/>
+              </a:ext>
+            </a:extLst>
+          </p:cNvPr>
+          <p:cNvSpPr/>
+          <p:nvPr/>
+        </p:nvSpPr>
+        <p:spPr>
+          <a:xfrm>
+            <a:off x="566928" y="1570983"/>
+            <a:ext cx="4764024" cy="5067562"/>
+          </a:xfrm>
+          <a:prstGeom prst="rect">
+            <a:avLst/>
+          </a:prstGeom>
+        </p:spPr>
+        <p:style>
+          <a:lnRef idx="2">
+            <a:schemeClr val="accent1">
+              <a:shade val="15000"/>
+            </a:schemeClr>
+          </a:lnRef>
+          <a:fillRef idx="1">
+            <a:schemeClr val="accent1"/>
+          </a:fillRef>
+          <a:effectRef idx="0">
+            <a:schemeClr val="accent1"/>
+          </a:effectRef>
+          <a:fontRef idx="minor">
+            <a:schemeClr val="lt1"/>
+          </a:fontRef>
+        </p:style>
+        <p:txBody>
+          <a:bodyPr rtlCol="0" anchor="ctr"/>
+          <a:lstStyle/>
+          <a:p>
+            <a:pPr algn="ctr"/>
+            <a:r>
+              <a:rPr kumimoji="1" lang="en-US" altLang="ja-JP" dirty="0"/>
+              <a:t>Figma</a:t>
+            </a:r>
+            <a:r>
+              <a:rPr kumimoji="1" lang="ja-JP" altLang="en-US" dirty="0"/>
+              <a:t>ろごなど</a:t>
+            </a:r>
+          </a:p>
+        </p:txBody>
+      </p:sp>
+      <p:sp>
+        <p:nvSpPr>
+          <p:cNvPr id="3" name="テキスト ボックス 2">
+            <a:extLst>
+              <a:ext uri="{FF2B5EF4-FFF2-40B4-BE49-F238E27FC236}">
+                <a16:creationId xmlns:a16="http://schemas.microsoft.com/office/drawing/2014/main" id="{F4903288-A808-8DC1-3044-1E106AC7E9EC}"/>
               </a:ext>
             </a:extLst>
           </p:cNvPr>
@@ -4854,8 +6322,8 @@
         </p:nvSpPr>
         <p:spPr>
           <a:xfrm>
-            <a:off x="283464" y="4201931"/>
-            <a:ext cx="8735568" cy="1107996"/>
+            <a:off x="6096000" y="1798196"/>
+            <a:ext cx="5812536" cy="2123658"/>
           </a:xfrm>
           <a:prstGeom prst="rect">
             <a:avLst/>
@@ -4874,32 +6342,173 @@
                 <a:ea typeface="HG創英角ｺﾞｼｯｸUB" panose="020B0909000000000000" pitchFamily="49" charset="-128"/>
                 <a:cs typeface="ADLaM Display" panose="020F0502020204030204" pitchFamily="2" charset="0"/>
               </a:rPr>
-              <a:t>・</a:t>
-            </a:r>
-            <a:r>
-              <a:rPr lang="en-US" altLang="ja-JP" sz="6600" dirty="0">
-                <a:latin typeface="HG創英角ｺﾞｼｯｸUB" panose="020B0909000000000000" pitchFamily="49" charset="-128"/>
-                <a:ea typeface="HG創英角ｺﾞｼｯｸUB" panose="020B0909000000000000" pitchFamily="49" charset="-128"/>
-                <a:cs typeface="ADLaM Display" panose="020F0502020204030204" pitchFamily="2" charset="0"/>
-              </a:rPr>
-              <a:t>Web</a:t>
-            </a:r>
+              <a:t>炎上したらどうなるか</a:t>
+            </a:r>
+            <a:endParaRPr lang="en-US" altLang="ja-JP" sz="6600" dirty="0">
+              <a:latin typeface="HG創英角ｺﾞｼｯｸUB" panose="020B0909000000000000" pitchFamily="49" charset="-128"/>
+              <a:ea typeface="HG創英角ｺﾞｼｯｸUB" panose="020B0909000000000000" pitchFamily="49" charset="-128"/>
+              <a:cs typeface="ADLaM Display" panose="020F0502020204030204" pitchFamily="2" charset="0"/>
+            </a:endParaRPr>
+          </a:p>
+        </p:txBody>
+      </p:sp>
+      <p:sp>
+        <p:nvSpPr>
+          <p:cNvPr id="5" name="テキスト ボックス 4">
+            <a:extLst>
+              <a:ext uri="{FF2B5EF4-FFF2-40B4-BE49-F238E27FC236}">
+                <a16:creationId xmlns:a16="http://schemas.microsoft.com/office/drawing/2014/main" id="{2037210C-4C87-5E48-1834-15E0B03F8C48}"/>
+              </a:ext>
+            </a:extLst>
+          </p:cNvPr>
+          <p:cNvSpPr txBox="1"/>
+          <p:nvPr/>
+        </p:nvSpPr>
+        <p:spPr>
+          <a:xfrm>
+            <a:off x="5815584" y="5059804"/>
+            <a:ext cx="6569456" cy="1107996"/>
+          </a:xfrm>
+          <a:prstGeom prst="rect">
+            <a:avLst/>
+          </a:prstGeom>
+          <a:noFill/>
+        </p:spPr>
+        <p:txBody>
+          <a:bodyPr wrap="square">
+            <a:spAutoFit/>
+          </a:bodyPr>
+          <a:lstStyle/>
+          <a:p>
             <a:r>
               <a:rPr lang="ja-JP" altLang="en-US" sz="6600" dirty="0">
                 <a:latin typeface="HG創英角ｺﾞｼｯｸUB" panose="020B0909000000000000" pitchFamily="49" charset="-128"/>
                 <a:ea typeface="HG創英角ｺﾞｼｯｸUB" panose="020B0909000000000000" pitchFamily="49" charset="-128"/>
                 <a:cs typeface="ADLaM Display" panose="020F0502020204030204" pitchFamily="2" charset="0"/>
               </a:rPr>
-              <a:t>ゲーム</a:t>
-            </a:r>
-            <a:endParaRPr lang="ja-JP" altLang="en-US" sz="6600" dirty="0"/>
+              <a:t>リテラシー向上</a:t>
+            </a:r>
+            <a:endParaRPr lang="en-US" altLang="ja-JP" sz="6600" dirty="0">
+              <a:latin typeface="HG創英角ｺﾞｼｯｸUB" panose="020B0909000000000000" pitchFamily="49" charset="-128"/>
+              <a:ea typeface="HG創英角ｺﾞｼｯｸUB" panose="020B0909000000000000" pitchFamily="49" charset="-128"/>
+              <a:cs typeface="ADLaM Display" panose="020F0502020204030204" pitchFamily="2" charset="0"/>
+            </a:endParaRPr>
           </a:p>
         </p:txBody>
       </p:sp>
     </p:spTree>
     <p:extLst>
       <p:ext uri="{BB962C8B-B14F-4D97-AF65-F5344CB8AC3E}">
-        <p14:creationId xmlns:p14="http://schemas.microsoft.com/office/powerpoint/2010/main" val="1010781126"/>
+        <p14:creationId xmlns:p14="http://schemas.microsoft.com/office/powerpoint/2010/main" val="1996313775"/>
+      </p:ext>
+    </p:extLst>
+  </p:cSld>
+  <p:clrMapOvr>
+    <a:masterClrMapping/>
+  </p:clrMapOvr>
+</p:sld>
+</file>
+
+<file path=ppt/slides/slide2.xml><?xml version="1.0" encoding="utf-8"?>
+<p:sld xmlns:a="http://schemas.openxmlformats.org/drawingml/2006/main" xmlns:r="http://schemas.openxmlformats.org/officeDocument/2006/relationships" xmlns:p="http://schemas.openxmlformats.org/presentationml/2006/main">
+  <p:cSld>
+    <p:spTree>
+      <p:nvGrpSpPr>
+        <p:cNvPr id="1" name=""/>
+        <p:cNvGrpSpPr/>
+        <p:nvPr/>
+      </p:nvGrpSpPr>
+      <p:grpSpPr>
+        <a:xfrm>
+          <a:off x="0" y="0"/>
+          <a:ext cx="0" cy="0"/>
+          <a:chOff x="0" y="0"/>
+          <a:chExt cx="0" cy="0"/>
+        </a:xfrm>
+      </p:grpSpPr>
+      <p:pic>
+        <p:nvPicPr>
+          <p:cNvPr id="5" name="図 4" descr="写真, コンピュータ, 部屋, ケーキ が含まれている画像&#10;&#10;自動的に生成された説明">
+            <a:extLst>
+              <a:ext uri="{FF2B5EF4-FFF2-40B4-BE49-F238E27FC236}">
+                <a16:creationId xmlns:a16="http://schemas.microsoft.com/office/drawing/2014/main" id="{EA37DCB7-44EB-D77A-5CF9-099B6BBA3E68}"/>
+              </a:ext>
+            </a:extLst>
+          </p:cNvPr>
+          <p:cNvPicPr>
+            <a:picLocks noChangeAspect="1"/>
+          </p:cNvPicPr>
+          <p:nvPr/>
+        </p:nvPicPr>
+        <p:blipFill>
+          <a:blip r:embed="rId3">
+            <a:alphaModFix amt="20000"/>
+            <a:extLst>
+              <a:ext uri="{28A0092B-C50C-407E-A947-70E740481C1C}">
+                <a14:useLocalDpi xmlns:a14="http://schemas.microsoft.com/office/drawing/2010/main" val="0"/>
+              </a:ext>
+            </a:extLst>
+          </a:blip>
+          <a:stretch>
+            <a:fillRect/>
+          </a:stretch>
+        </p:blipFill>
+        <p:spPr>
+          <a:xfrm>
+            <a:off x="2225884" y="-176167"/>
+            <a:ext cx="7740232" cy="7198416"/>
+          </a:xfrm>
+          <a:prstGeom prst="rect">
+            <a:avLst/>
+          </a:prstGeom>
+        </p:spPr>
+      </p:pic>
+      <p:sp>
+        <p:nvSpPr>
+          <p:cNvPr id="3" name="テキスト ボックス 2">
+            <a:extLst>
+              <a:ext uri="{FF2B5EF4-FFF2-40B4-BE49-F238E27FC236}">
+                <a16:creationId xmlns:a16="http://schemas.microsoft.com/office/drawing/2014/main" id="{92CC5A5C-07DA-201E-C4FB-DD630A194C85}"/>
+              </a:ext>
+            </a:extLst>
+          </p:cNvPr>
+          <p:cNvSpPr txBox="1"/>
+          <p:nvPr/>
+        </p:nvSpPr>
+        <p:spPr>
+          <a:xfrm>
+            <a:off x="223837" y="1711109"/>
+            <a:ext cx="11968163" cy="3631763"/>
+          </a:xfrm>
+          <a:prstGeom prst="rect">
+            <a:avLst/>
+          </a:prstGeom>
+          <a:noFill/>
+        </p:spPr>
+        <p:txBody>
+          <a:bodyPr wrap="square">
+            <a:spAutoFit/>
+          </a:bodyPr>
+          <a:lstStyle/>
+          <a:p>
+            <a:r>
+              <a:rPr lang="ja-JP" altLang="en-US" sz="11500" b="1" dirty="0"/>
+              <a:t>誹謗中傷したこと</a:t>
+            </a:r>
+            <a:endParaRPr lang="en-US" altLang="ja-JP" sz="11500" b="1" dirty="0"/>
+          </a:p>
+          <a:p>
+            <a:r>
+              <a:rPr lang="ja-JP" altLang="en-US" sz="11500" b="1" dirty="0"/>
+              <a:t>ありますか？</a:t>
+            </a:r>
+          </a:p>
+        </p:txBody>
+      </p:sp>
+    </p:spTree>
+    <p:extLst>
+      <p:ext uri="{BB962C8B-B14F-4D97-AF65-F5344CB8AC3E}">
+        <p14:creationId xmlns:p14="http://schemas.microsoft.com/office/powerpoint/2010/main" val="22754295"/>
       </p:ext>
     </p:extLst>
   </p:cSld>
@@ -5026,7 +6635,7 @@
         <p:spPr>
           <a:xfrm>
             <a:off x="283464" y="153663"/>
-            <a:ext cx="5812536" cy="1107996"/>
+            <a:ext cx="10643616" cy="1107996"/>
           </a:xfrm>
           <a:prstGeom prst="rect">
             <a:avLst/>
@@ -5040,15 +6649,47 @@
           <a:lstStyle/>
           <a:p>
             <a:r>
-              <a:rPr kumimoji="1" lang="ja-JP" altLang="en-US" sz="6600" dirty="0">
+              <a:rPr lang="ja-JP" altLang="en-US" sz="6600" dirty="0">
                 <a:latin typeface="HG創英角ｺﾞｼｯｸUB" panose="020B0909000000000000" pitchFamily="49" charset="-128"/>
                 <a:ea typeface="HG創英角ｺﾞｼｯｸUB" panose="020B0909000000000000" pitchFamily="49" charset="-128"/>
                 <a:cs typeface="ADLaM Display" panose="020F0502020204030204" pitchFamily="2" charset="0"/>
               </a:rPr>
-              <a:t>炎上系</a:t>
-            </a:r>
-            <a:r>
-              <a:rPr kumimoji="1" lang="en-US" altLang="ja-JP" sz="6600" dirty="0">
+              <a:t>情報リテラシーへの取組み</a:t>
+            </a:r>
+            <a:endParaRPr lang="ja-JP" altLang="en-US" sz="6600" dirty="0"/>
+          </a:p>
+        </p:txBody>
+      </p:sp>
+      <p:sp>
+        <p:nvSpPr>
+          <p:cNvPr id="6" name="テキスト ボックス 5">
+            <a:extLst>
+              <a:ext uri="{FF2B5EF4-FFF2-40B4-BE49-F238E27FC236}">
+                <a16:creationId xmlns:a16="http://schemas.microsoft.com/office/drawing/2014/main" id="{7DCC1800-2981-BF3D-87E5-A2C209BEDFE6}"/>
+              </a:ext>
+            </a:extLst>
+          </p:cNvPr>
+          <p:cNvSpPr txBox="1"/>
+          <p:nvPr/>
+        </p:nvSpPr>
+        <p:spPr>
+          <a:xfrm>
+            <a:off x="384048" y="2321004"/>
+            <a:ext cx="9052560" cy="1107996"/>
+          </a:xfrm>
+          <a:prstGeom prst="rect">
+            <a:avLst/>
+          </a:prstGeom>
+          <a:noFill/>
+        </p:spPr>
+        <p:txBody>
+          <a:bodyPr wrap="square">
+            <a:spAutoFit/>
+          </a:bodyPr>
+          <a:lstStyle/>
+          <a:p>
+            <a:r>
+              <a:rPr lang="en-US" altLang="ja-JP" sz="6600" dirty="0">
                 <a:latin typeface="HG創英角ｺﾞｼｯｸUB" panose="020B0909000000000000" pitchFamily="49" charset="-128"/>
                 <a:ea typeface="HG創英角ｺﾞｼｯｸUB" panose="020B0909000000000000" pitchFamily="49" charset="-128"/>
                 <a:cs typeface="ADLaM Display" panose="020F0502020204030204" pitchFamily="2" charset="0"/>
@@ -5056,109 +6697,52 @@
               <a:t>SNS</a:t>
             </a:r>
             <a:r>
-              <a:rPr kumimoji="1" lang="ja-JP" altLang="en-US" sz="6600" dirty="0">
-                <a:latin typeface="HG創英角ｺﾞｼｯｸUB" panose="020B0909000000000000" pitchFamily="49" charset="-128"/>
-                <a:ea typeface="HG創英角ｺﾞｼｯｸUB" panose="020B0909000000000000" pitchFamily="49" charset="-128"/>
-                <a:cs typeface="ADLaM Display" panose="020F0502020204030204" pitchFamily="2" charset="0"/>
-              </a:rPr>
-              <a:t>とは</a:t>
-            </a:r>
-            <a:endParaRPr lang="ja-JP" altLang="en-US" sz="6600" dirty="0"/>
-          </a:p>
-        </p:txBody>
-      </p:sp>
-      <p:sp>
-        <p:nvSpPr>
-          <p:cNvPr id="2" name="正方形/長方形 1">
-            <a:extLst>
-              <a:ext uri="{FF2B5EF4-FFF2-40B4-BE49-F238E27FC236}">
-                <a16:creationId xmlns:a16="http://schemas.microsoft.com/office/drawing/2014/main" id="{9F8B676B-A3F4-C852-2994-F213AA89AA29}"/>
-              </a:ext>
-            </a:extLst>
-          </p:cNvPr>
-          <p:cNvSpPr/>
-          <p:nvPr/>
-        </p:nvSpPr>
-        <p:spPr>
-          <a:xfrm>
-            <a:off x="566928" y="1570983"/>
-            <a:ext cx="4764024" cy="5067562"/>
-          </a:xfrm>
-          <a:prstGeom prst="rect">
-            <a:avLst/>
-          </a:prstGeom>
-        </p:spPr>
-        <p:style>
-          <a:lnRef idx="2">
-            <a:schemeClr val="accent1">
-              <a:shade val="15000"/>
-            </a:schemeClr>
-          </a:lnRef>
-          <a:fillRef idx="1">
-            <a:schemeClr val="accent1"/>
-          </a:fillRef>
-          <a:effectRef idx="0">
-            <a:schemeClr val="accent1"/>
-          </a:effectRef>
-          <a:fontRef idx="minor">
-            <a:schemeClr val="lt1"/>
-          </a:fontRef>
-        </p:style>
-        <p:txBody>
-          <a:bodyPr rtlCol="0" anchor="ctr"/>
-          <a:lstStyle/>
-          <a:p>
-            <a:pPr algn="ctr"/>
-            <a:r>
-              <a:rPr kumimoji="1" lang="en-US" altLang="ja-JP" dirty="0" err="1"/>
-              <a:t>figma</a:t>
-            </a:r>
-            <a:endParaRPr kumimoji="1" lang="ja-JP" altLang="en-US" dirty="0"/>
-          </a:p>
-        </p:txBody>
-      </p:sp>
-      <p:sp>
-        <p:nvSpPr>
-          <p:cNvPr id="3" name="テキスト ボックス 2">
-            <a:extLst>
-              <a:ext uri="{FF2B5EF4-FFF2-40B4-BE49-F238E27FC236}">
-                <a16:creationId xmlns:a16="http://schemas.microsoft.com/office/drawing/2014/main" id="{6865DCC6-AAB7-7E96-ACEC-6C136D778A51}"/>
-              </a:ext>
-            </a:extLst>
-          </p:cNvPr>
-          <p:cNvSpPr txBox="1"/>
-          <p:nvPr/>
-        </p:nvSpPr>
-        <p:spPr>
-          <a:xfrm>
-            <a:off x="6108192" y="1971260"/>
-            <a:ext cx="5812536" cy="2123658"/>
-          </a:xfrm>
-          <a:prstGeom prst="rect">
-            <a:avLst/>
-          </a:prstGeom>
-          <a:noFill/>
-        </p:spPr>
-        <p:txBody>
-          <a:bodyPr wrap="square">
-            <a:spAutoFit/>
-          </a:bodyPr>
-          <a:lstStyle/>
-          <a:p>
-            <a:r>
               <a:rPr lang="ja-JP" altLang="en-US" sz="6600" dirty="0">
                 <a:latin typeface="HG創英角ｺﾞｼｯｸUB" panose="020B0909000000000000" pitchFamily="49" charset="-128"/>
                 <a:ea typeface="HG創英角ｺﾞｼｯｸUB" panose="020B0909000000000000" pitchFamily="49" charset="-128"/>
                 <a:cs typeface="ADLaM Display" panose="020F0502020204030204" pitchFamily="2" charset="0"/>
               </a:rPr>
-              <a:t>様々な</a:t>
-            </a:r>
-            <a:endParaRPr lang="en-US" altLang="ja-JP" sz="6600" dirty="0">
-              <a:latin typeface="HG創英角ｺﾞｼｯｸUB" panose="020B0909000000000000" pitchFamily="49" charset="-128"/>
-              <a:ea typeface="HG創英角ｺﾞｼｯｸUB" panose="020B0909000000000000" pitchFamily="49" charset="-128"/>
-              <a:cs typeface="ADLaM Display" panose="020F0502020204030204" pitchFamily="2" charset="0"/>
-            </a:endParaRPr>
-          </a:p>
+              <a:t>のルール・・・</a:t>
+            </a:r>
+            <a:r>
+              <a:rPr lang="en-US" altLang="ja-JP" sz="6600" dirty="0">
+                <a:latin typeface="HG創英角ｺﾞｼｯｸUB" panose="020B0909000000000000" pitchFamily="49" charset="-128"/>
+                <a:ea typeface="HG創英角ｺﾞｼｯｸUB" panose="020B0909000000000000" pitchFamily="49" charset="-128"/>
+                <a:cs typeface="ADLaM Display" panose="020F0502020204030204" pitchFamily="2" charset="0"/>
+              </a:rPr>
+              <a:t>44%</a:t>
+            </a:r>
+            <a:endParaRPr lang="ja-JP" altLang="en-US" sz="6600" dirty="0"/>
+          </a:p>
+        </p:txBody>
+      </p:sp>
+      <p:sp>
+        <p:nvSpPr>
+          <p:cNvPr id="8" name="テキスト ボックス 7">
+            <a:extLst>
+              <a:ext uri="{FF2B5EF4-FFF2-40B4-BE49-F238E27FC236}">
+                <a16:creationId xmlns:a16="http://schemas.microsoft.com/office/drawing/2014/main" id="{9D39A99A-95A7-3050-F777-4F37564FEAAB}"/>
+              </a:ext>
+            </a:extLst>
+          </p:cNvPr>
+          <p:cNvSpPr txBox="1"/>
+          <p:nvPr/>
+        </p:nvSpPr>
+        <p:spPr>
+          <a:xfrm>
+            <a:off x="384048" y="4078224"/>
+            <a:ext cx="10259568" cy="1107996"/>
+          </a:xfrm>
+          <a:prstGeom prst="rect">
+            <a:avLst/>
+          </a:prstGeom>
+          <a:noFill/>
+        </p:spPr>
+        <p:txBody>
+          <a:bodyPr wrap="square">
+            <a:spAutoFit/>
+          </a:bodyPr>
+          <a:lstStyle/>
           <a:p>
             <a:r>
               <a:rPr lang="ja-JP" altLang="en-US" sz="6600" dirty="0">
@@ -5166,7 +6750,15 @@
                 <a:ea typeface="HG創英角ｺﾞｼｯｸUB" panose="020B0909000000000000" pitchFamily="49" charset="-128"/>
                 <a:cs typeface="ADLaM Display" panose="020F0502020204030204" pitchFamily="2" charset="0"/>
               </a:rPr>
-              <a:t>炎上シナリオ</a:t>
+              <a:t>不適切投稿防止・・・</a:t>
+            </a:r>
+            <a:r>
+              <a:rPr lang="en-US" altLang="ja-JP" sz="6600" dirty="0">
+                <a:latin typeface="HG創英角ｺﾞｼｯｸUB" panose="020B0909000000000000" pitchFamily="49" charset="-128"/>
+                <a:ea typeface="HG創英角ｺﾞｼｯｸUB" panose="020B0909000000000000" pitchFamily="49" charset="-128"/>
+                <a:cs typeface="ADLaM Display" panose="020F0502020204030204" pitchFamily="2" charset="0"/>
+              </a:rPr>
+              <a:t>70%</a:t>
             </a:r>
             <a:endParaRPr lang="ja-JP" altLang="en-US" sz="6600" dirty="0"/>
           </a:p>
@@ -5174,10 +6766,10 @@
       </p:sp>
       <p:sp>
         <p:nvSpPr>
-          <p:cNvPr id="5" name="テキスト ボックス 4">
-            <a:extLst>
-              <a:ext uri="{FF2B5EF4-FFF2-40B4-BE49-F238E27FC236}">
-                <a16:creationId xmlns:a16="http://schemas.microsoft.com/office/drawing/2014/main" id="{A0E99328-5ABF-81FE-6C5E-F21FB1613E20}"/>
+          <p:cNvPr id="9" name="テキスト ボックス 8">
+            <a:extLst>
+              <a:ext uri="{FF2B5EF4-FFF2-40B4-BE49-F238E27FC236}">
+                <a16:creationId xmlns:a16="http://schemas.microsoft.com/office/drawing/2014/main" id="{1092BB52-F42C-C922-0FF6-809FEF752369}"/>
               </a:ext>
             </a:extLst>
           </p:cNvPr>
@@ -5186,8 +6778,8 @@
         </p:nvSpPr>
         <p:spPr>
           <a:xfrm>
-            <a:off x="6248400" y="4786020"/>
-            <a:ext cx="4596384" cy="1107996"/>
+            <a:off x="625842" y="6058006"/>
+            <a:ext cx="5642891" cy="646331"/>
           </a:xfrm>
           <a:prstGeom prst="rect">
             <a:avLst/>
@@ -5195,31 +6787,43 @@
           <a:noFill/>
         </p:spPr>
         <p:txBody>
-          <a:bodyPr wrap="square">
+          <a:bodyPr wrap="none" rtlCol="0">
             <a:spAutoFit/>
           </a:bodyPr>
           <a:lstStyle/>
           <a:p>
-            <a:r>
-              <a:rPr lang="ja-JP" altLang="en-US" sz="6600" dirty="0">
-                <a:latin typeface="HG創英角ｺﾞｼｯｸUB" panose="020B0909000000000000" pitchFamily="49" charset="-128"/>
-                <a:ea typeface="HG創英角ｺﾞｼｯｸUB" panose="020B0909000000000000" pitchFamily="49" charset="-128"/>
-                <a:cs typeface="ADLaM Display" panose="020F0502020204030204" pitchFamily="2" charset="0"/>
-              </a:rPr>
-              <a:t>炎上を体感</a:t>
-            </a:r>
-            <a:endParaRPr lang="en-US" altLang="ja-JP" sz="6600" dirty="0">
-              <a:latin typeface="HG創英角ｺﾞｼｯｸUB" panose="020B0909000000000000" pitchFamily="49" charset="-128"/>
-              <a:ea typeface="HG創英角ｺﾞｼｯｸUB" panose="020B0909000000000000" pitchFamily="49" charset="-128"/>
-              <a:cs typeface="ADLaM Display" panose="020F0502020204030204" pitchFamily="2" charset="0"/>
-            </a:endParaRPr>
+            <a:pPr algn="just"/>
+            <a:r>
+              <a:rPr kumimoji="1" lang="en-US" altLang="ja-JP" sz="3600" dirty="0"/>
+              <a:t>2023</a:t>
+            </a:r>
+            <a:r>
+              <a:rPr kumimoji="1" lang="ja-JP" altLang="en-US" sz="3600" dirty="0"/>
+              <a:t>年度</a:t>
+            </a:r>
+            <a:r>
+              <a:rPr kumimoji="1" lang="en-US" altLang="ja-JP" sz="3600" dirty="0"/>
+              <a:t>ILAS</a:t>
+            </a:r>
+            <a:r>
+              <a:rPr kumimoji="1" lang="ja-JP" altLang="en-US" sz="3600" dirty="0"/>
+              <a:t>指標</a:t>
+            </a:r>
+            <a:r>
+              <a:rPr kumimoji="1" lang="en-US" altLang="ja-JP" sz="3600" dirty="0"/>
+              <a:t>-</a:t>
+            </a:r>
+            <a:r>
+              <a:rPr kumimoji="1" lang="ja-JP" altLang="en-US" sz="3600" dirty="0"/>
+              <a:t>総務省</a:t>
+            </a:r>
           </a:p>
         </p:txBody>
       </p:sp>
     </p:spTree>
     <p:extLst>
       <p:ext uri="{BB962C8B-B14F-4D97-AF65-F5344CB8AC3E}">
-        <p14:creationId xmlns:p14="http://schemas.microsoft.com/office/powerpoint/2010/main" val="4028179173"/>
+        <p14:creationId xmlns:p14="http://schemas.microsoft.com/office/powerpoint/2010/main" val="423378539"/>
       </p:ext>
     </p:extLst>
   </p:cSld>
@@ -5246,55 +6850,49 @@
           <a:chExt cx="0" cy="0"/>
         </a:xfrm>
       </p:grpSpPr>
-      <p:cxnSp>
-        <p:nvCxnSpPr>
-          <p:cNvPr id="4" name="直線コネクタ 3">
-            <a:extLst>
-              <a:ext uri="{FF2B5EF4-FFF2-40B4-BE49-F238E27FC236}">
-                <a16:creationId xmlns:a16="http://schemas.microsoft.com/office/drawing/2014/main" id="{31AFCFC9-C202-9051-0E3F-A9E20191B047}"/>
-              </a:ext>
-            </a:extLst>
-          </p:cNvPr>
-          <p:cNvCxnSpPr>
-            <a:cxnSpLocks/>
-          </p:cNvCxnSpPr>
+      <p:pic>
+        <p:nvPicPr>
+          <p:cNvPr id="10" name="図 9" descr="花の絵&#10;&#10;低い精度で自動的に生成された説明">
+            <a:extLst>
+              <a:ext uri="{FF2B5EF4-FFF2-40B4-BE49-F238E27FC236}">
+                <a16:creationId xmlns:a16="http://schemas.microsoft.com/office/drawing/2014/main" id="{8A04BF68-BD10-0CEE-28EA-A7F5E912D430}"/>
+              </a:ext>
+            </a:extLst>
+          </p:cNvPr>
+          <p:cNvPicPr>
+            <a:picLocks noChangeAspect="1"/>
+          </p:cNvPicPr>
           <p:nvPr/>
-        </p:nvCxnSpPr>
-        <p:spPr>
-          <a:xfrm>
-            <a:off x="283464" y="1316736"/>
-            <a:ext cx="11649456" cy="0"/>
-          </a:xfrm>
-          <a:prstGeom prst="line">
+        </p:nvPicPr>
+        <p:blipFill>
+          <a:blip r:embed="rId3">
+            <a:alphaModFix amt="40000"/>
+            <a:extLst>
+              <a:ext uri="{28A0092B-C50C-407E-A947-70E740481C1C}">
+                <a14:useLocalDpi xmlns:a14="http://schemas.microsoft.com/office/drawing/2010/main" val="0"/>
+              </a:ext>
+            </a:extLst>
+          </a:blip>
+          <a:stretch>
+            <a:fillRect/>
+          </a:stretch>
+        </p:blipFill>
+        <p:spPr>
+          <a:xfrm>
+            <a:off x="2483358" y="70103"/>
+            <a:ext cx="6706362" cy="6913776"/>
+          </a:xfrm>
+          <a:prstGeom prst="rect">
             <a:avLst/>
           </a:prstGeom>
-          <a:ln w="69850">
-            <a:solidFill>
-              <a:srgbClr val="FF0000"/>
-            </a:solidFill>
-          </a:ln>
-        </p:spPr>
-        <p:style>
-          <a:lnRef idx="1">
-            <a:schemeClr val="accent1"/>
-          </a:lnRef>
-          <a:fillRef idx="0">
-            <a:schemeClr val="accent1"/>
-          </a:fillRef>
-          <a:effectRef idx="0">
-            <a:schemeClr val="accent1"/>
-          </a:effectRef>
-          <a:fontRef idx="minor">
-            <a:schemeClr val="tx1"/>
-          </a:fontRef>
-        </p:style>
-      </p:cxnSp>
-      <p:sp>
-        <p:nvSpPr>
-          <p:cNvPr id="7" name="テキスト ボックス 6">
-            <a:extLst>
-              <a:ext uri="{FF2B5EF4-FFF2-40B4-BE49-F238E27FC236}">
-                <a16:creationId xmlns:a16="http://schemas.microsoft.com/office/drawing/2014/main" id="{C6C5EB3A-FB63-FB5A-8B3F-738C6106B5DC}"/>
+        </p:spPr>
+      </p:pic>
+      <p:sp>
+        <p:nvSpPr>
+          <p:cNvPr id="12" name="テキスト ボックス 11">
+            <a:extLst>
+              <a:ext uri="{FF2B5EF4-FFF2-40B4-BE49-F238E27FC236}">
+                <a16:creationId xmlns:a16="http://schemas.microsoft.com/office/drawing/2014/main" id="{A1392269-7799-9E0B-59A8-95E6485C266D}"/>
               </a:ext>
             </a:extLst>
           </p:cNvPr>
@@ -5303,8 +6901,8 @@
         </p:nvSpPr>
         <p:spPr>
           <a:xfrm>
-            <a:off x="10927080" y="929116"/>
-            <a:ext cx="1107996" cy="369332"/>
+            <a:off x="223837" y="2326662"/>
+            <a:ext cx="11947525" cy="2400657"/>
           </a:xfrm>
           <a:prstGeom prst="rect">
             <a:avLst/>
@@ -5312,229 +6910,27 @@
           <a:noFill/>
         </p:spPr>
         <p:txBody>
-          <a:bodyPr wrap="none" rtlCol="0">
+          <a:bodyPr wrap="square">
             <a:spAutoFit/>
           </a:bodyPr>
           <a:lstStyle/>
           <a:p>
             <a:r>
-              <a:rPr kumimoji="1" lang="ja-JP" altLang="en-US" dirty="0">
-                <a:solidFill>
-                  <a:srgbClr val="FF0000"/>
-                </a:solidFill>
+              <a:rPr lang="ja-JP" altLang="en-US" sz="15000" dirty="0">
                 <a:latin typeface="HG創英角ｺﾞｼｯｸUB" panose="020B0909000000000000" pitchFamily="49" charset="-128"/>
                 <a:ea typeface="HG創英角ｺﾞｼｯｸUB" panose="020B0909000000000000" pitchFamily="49" charset="-128"/>
                 <a:cs typeface="ADLaM Display" panose="020F0502020204030204" pitchFamily="2" charset="0"/>
               </a:rPr>
-              <a:t>ホネット</a:t>
-            </a:r>
-          </a:p>
-        </p:txBody>
-      </p:sp>
-      <p:sp>
-        <p:nvSpPr>
-          <p:cNvPr id="11" name="テキスト ボックス 10">
-            <a:extLst>
-              <a:ext uri="{FF2B5EF4-FFF2-40B4-BE49-F238E27FC236}">
-                <a16:creationId xmlns:a16="http://schemas.microsoft.com/office/drawing/2014/main" id="{7ACE9048-F3BD-4B14-8DED-C4504E34B1DF}"/>
-              </a:ext>
-            </a:extLst>
-          </p:cNvPr>
-          <p:cNvSpPr txBox="1"/>
-          <p:nvPr/>
-        </p:nvSpPr>
-        <p:spPr>
-          <a:xfrm>
-            <a:off x="283464" y="153663"/>
-            <a:ext cx="10643616" cy="1107996"/>
-          </a:xfrm>
-          <a:prstGeom prst="rect">
-            <a:avLst/>
-          </a:prstGeom>
-          <a:noFill/>
-        </p:spPr>
-        <p:txBody>
-          <a:bodyPr wrap="square">
-            <a:spAutoFit/>
-          </a:bodyPr>
-          <a:lstStyle/>
-          <a:p>
-            <a:r>
-              <a:rPr lang="ja-JP" altLang="en-US" sz="6600" dirty="0">
-                <a:latin typeface="HG創英角ｺﾞｼｯｸUB" panose="020B0909000000000000" pitchFamily="49" charset="-128"/>
-                <a:ea typeface="HG創英角ｺﾞｼｯｸUB" panose="020B0909000000000000" pitchFamily="49" charset="-128"/>
-                <a:cs typeface="ADLaM Display" panose="020F0502020204030204" pitchFamily="2" charset="0"/>
-              </a:rPr>
-              <a:t>情報リテラシーへの取組み</a:t>
-            </a:r>
-            <a:endParaRPr lang="ja-JP" altLang="en-US" sz="6600" dirty="0"/>
-          </a:p>
-        </p:txBody>
-      </p:sp>
-      <p:sp>
-        <p:nvSpPr>
-          <p:cNvPr id="6" name="テキスト ボックス 5">
-            <a:extLst>
-              <a:ext uri="{FF2B5EF4-FFF2-40B4-BE49-F238E27FC236}">
-                <a16:creationId xmlns:a16="http://schemas.microsoft.com/office/drawing/2014/main" id="{7DCC1800-2981-BF3D-87E5-A2C209BEDFE6}"/>
-              </a:ext>
-            </a:extLst>
-          </p:cNvPr>
-          <p:cNvSpPr txBox="1"/>
-          <p:nvPr/>
-        </p:nvSpPr>
-        <p:spPr>
-          <a:xfrm>
-            <a:off x="384048" y="2321004"/>
-            <a:ext cx="9052560" cy="1107996"/>
-          </a:xfrm>
-          <a:prstGeom prst="rect">
-            <a:avLst/>
-          </a:prstGeom>
-          <a:noFill/>
-        </p:spPr>
-        <p:txBody>
-          <a:bodyPr wrap="square">
-            <a:spAutoFit/>
-          </a:bodyPr>
-          <a:lstStyle/>
-          <a:p>
-            <a:r>
-              <a:rPr lang="en-US" altLang="ja-JP" sz="6600" dirty="0">
-                <a:latin typeface="HG創英角ｺﾞｼｯｸUB" panose="020B0909000000000000" pitchFamily="49" charset="-128"/>
-                <a:ea typeface="HG創英角ｺﾞｼｯｸUB" panose="020B0909000000000000" pitchFamily="49" charset="-128"/>
-                <a:cs typeface="ADLaM Display" panose="020F0502020204030204" pitchFamily="2" charset="0"/>
-              </a:rPr>
-              <a:t>SNS</a:t>
-            </a:r>
-            <a:r>
-              <a:rPr lang="ja-JP" altLang="en-US" sz="6600" dirty="0">
-                <a:latin typeface="HG創英角ｺﾞｼｯｸUB" panose="020B0909000000000000" pitchFamily="49" charset="-128"/>
-                <a:ea typeface="HG創英角ｺﾞｼｯｸUB" panose="020B0909000000000000" pitchFamily="49" charset="-128"/>
-                <a:cs typeface="ADLaM Display" panose="020F0502020204030204" pitchFamily="2" charset="0"/>
-              </a:rPr>
-              <a:t>のルール・・・</a:t>
-            </a:r>
-            <a:r>
-              <a:rPr lang="en-US" altLang="ja-JP" sz="6600" dirty="0">
-                <a:latin typeface="HG創英角ｺﾞｼｯｸUB" panose="020B0909000000000000" pitchFamily="49" charset="-128"/>
-                <a:ea typeface="HG創英角ｺﾞｼｯｸUB" panose="020B0909000000000000" pitchFamily="49" charset="-128"/>
-                <a:cs typeface="ADLaM Display" panose="020F0502020204030204" pitchFamily="2" charset="0"/>
-              </a:rPr>
-              <a:t>44%</a:t>
-            </a:r>
-            <a:endParaRPr lang="ja-JP" altLang="en-US" sz="6600" dirty="0"/>
-          </a:p>
-        </p:txBody>
-      </p:sp>
-      <p:sp>
-        <p:nvSpPr>
-          <p:cNvPr id="8" name="テキスト ボックス 7">
-            <a:extLst>
-              <a:ext uri="{FF2B5EF4-FFF2-40B4-BE49-F238E27FC236}">
-                <a16:creationId xmlns:a16="http://schemas.microsoft.com/office/drawing/2014/main" id="{9D39A99A-95A7-3050-F777-4F37564FEAAB}"/>
-              </a:ext>
-            </a:extLst>
-          </p:cNvPr>
-          <p:cNvSpPr txBox="1"/>
-          <p:nvPr/>
-        </p:nvSpPr>
-        <p:spPr>
-          <a:xfrm>
-            <a:off x="384048" y="4078224"/>
-            <a:ext cx="10259568" cy="1107996"/>
-          </a:xfrm>
-          <a:prstGeom prst="rect">
-            <a:avLst/>
-          </a:prstGeom>
-          <a:noFill/>
-        </p:spPr>
-        <p:txBody>
-          <a:bodyPr wrap="square">
-            <a:spAutoFit/>
-          </a:bodyPr>
-          <a:lstStyle/>
-          <a:p>
-            <a:r>
-              <a:rPr lang="ja-JP" altLang="en-US" sz="6600" dirty="0">
-                <a:latin typeface="HG創英角ｺﾞｼｯｸUB" panose="020B0909000000000000" pitchFamily="49" charset="-128"/>
-                <a:ea typeface="HG創英角ｺﾞｼｯｸUB" panose="020B0909000000000000" pitchFamily="49" charset="-128"/>
-                <a:cs typeface="ADLaM Display" panose="020F0502020204030204" pitchFamily="2" charset="0"/>
-              </a:rPr>
-              <a:t>不適切投稿防止・・・</a:t>
-            </a:r>
-            <a:r>
-              <a:rPr lang="en-US" altLang="ja-JP" sz="6600" dirty="0">
-                <a:latin typeface="HG創英角ｺﾞｼｯｸUB" panose="020B0909000000000000" pitchFamily="49" charset="-128"/>
-                <a:ea typeface="HG創英角ｺﾞｼｯｸUB" panose="020B0909000000000000" pitchFamily="49" charset="-128"/>
-                <a:cs typeface="ADLaM Display" panose="020F0502020204030204" pitchFamily="2" charset="0"/>
-              </a:rPr>
-              <a:t>70%</a:t>
-            </a:r>
-            <a:endParaRPr lang="ja-JP" altLang="en-US" sz="6600" dirty="0"/>
-          </a:p>
-        </p:txBody>
-      </p:sp>
-      <p:sp>
-        <p:nvSpPr>
-          <p:cNvPr id="9" name="テキスト ボックス 8">
-            <a:extLst>
-              <a:ext uri="{FF2B5EF4-FFF2-40B4-BE49-F238E27FC236}">
-                <a16:creationId xmlns:a16="http://schemas.microsoft.com/office/drawing/2014/main" id="{1092BB52-F42C-C922-0FF6-809FEF752369}"/>
-              </a:ext>
-            </a:extLst>
-          </p:cNvPr>
-          <p:cNvSpPr txBox="1"/>
-          <p:nvPr/>
-        </p:nvSpPr>
-        <p:spPr>
-          <a:xfrm>
-            <a:off x="625842" y="6058006"/>
-            <a:ext cx="5642891" cy="646331"/>
-          </a:xfrm>
-          <a:prstGeom prst="rect">
-            <a:avLst/>
-          </a:prstGeom>
-          <a:noFill/>
-        </p:spPr>
-        <p:txBody>
-          <a:bodyPr wrap="none" rtlCol="0">
-            <a:spAutoFit/>
-          </a:bodyPr>
-          <a:lstStyle/>
-          <a:p>
-            <a:pPr algn="just"/>
-            <a:r>
-              <a:rPr kumimoji="1" lang="en-US" altLang="ja-JP" sz="3600" dirty="0"/>
-              <a:t>2023</a:t>
-            </a:r>
-            <a:r>
-              <a:rPr kumimoji="1" lang="ja-JP" altLang="en-US" sz="3600" dirty="0"/>
-              <a:t>年度</a:t>
-            </a:r>
-            <a:r>
-              <a:rPr kumimoji="1" lang="en-US" altLang="ja-JP" sz="3600" dirty="0"/>
-              <a:t>ILAS</a:t>
-            </a:r>
-            <a:r>
-              <a:rPr kumimoji="1" lang="ja-JP" altLang="en-US" sz="3600" dirty="0"/>
-              <a:t>指標</a:t>
-            </a:r>
-            <a:r>
-              <a:rPr kumimoji="1" lang="en-US" altLang="ja-JP" sz="3600" dirty="0"/>
-              <a:t>-</a:t>
-            </a:r>
-            <a:r>
-              <a:rPr kumimoji="1" lang="ja-JP" altLang="en-US" sz="3600" dirty="0"/>
-              <a:t>総務省</a:t>
-            </a:r>
+              <a:t>絶えない炎上</a:t>
+            </a:r>
+            <a:endParaRPr lang="ja-JP" altLang="en-US" sz="15000" dirty="0"/>
           </a:p>
         </p:txBody>
       </p:sp>
     </p:spTree>
     <p:extLst>
       <p:ext uri="{BB962C8B-B14F-4D97-AF65-F5344CB8AC3E}">
-        <p14:creationId xmlns:p14="http://schemas.microsoft.com/office/powerpoint/2010/main" val="423378539"/>
+        <p14:creationId xmlns:p14="http://schemas.microsoft.com/office/powerpoint/2010/main" val="718252266"/>
       </p:ext>
     </p:extLst>
   </p:cSld>
@@ -5561,49 +6957,55 @@
           <a:chExt cx="0" cy="0"/>
         </a:xfrm>
       </p:grpSpPr>
-      <p:pic>
-        <p:nvPicPr>
-          <p:cNvPr id="10" name="図 9" descr="花の絵&#10;&#10;低い精度で自動的に生成された説明">
-            <a:extLst>
-              <a:ext uri="{FF2B5EF4-FFF2-40B4-BE49-F238E27FC236}">
-                <a16:creationId xmlns:a16="http://schemas.microsoft.com/office/drawing/2014/main" id="{8A04BF68-BD10-0CEE-28EA-A7F5E912D430}"/>
-              </a:ext>
-            </a:extLst>
-          </p:cNvPr>
-          <p:cNvPicPr>
-            <a:picLocks noChangeAspect="1"/>
-          </p:cNvPicPr>
+      <p:cxnSp>
+        <p:nvCxnSpPr>
+          <p:cNvPr id="4" name="直線コネクタ 3">
+            <a:extLst>
+              <a:ext uri="{FF2B5EF4-FFF2-40B4-BE49-F238E27FC236}">
+                <a16:creationId xmlns:a16="http://schemas.microsoft.com/office/drawing/2014/main" id="{31AFCFC9-C202-9051-0E3F-A9E20191B047}"/>
+              </a:ext>
+            </a:extLst>
+          </p:cNvPr>
+          <p:cNvCxnSpPr>
+            <a:cxnSpLocks/>
+          </p:cNvCxnSpPr>
           <p:nvPr/>
-        </p:nvPicPr>
-        <p:blipFill>
-          <a:blip r:embed="rId2">
-            <a:alphaModFix amt="40000"/>
-            <a:extLst>
-              <a:ext uri="{28A0092B-C50C-407E-A947-70E740481C1C}">
-                <a14:useLocalDpi xmlns:a14="http://schemas.microsoft.com/office/drawing/2010/main" val="0"/>
-              </a:ext>
-            </a:extLst>
-          </a:blip>
-          <a:stretch>
-            <a:fillRect/>
-          </a:stretch>
-        </p:blipFill>
-        <p:spPr>
-          <a:xfrm>
-            <a:off x="2483358" y="70103"/>
-            <a:ext cx="6706362" cy="6913776"/>
-          </a:xfrm>
-          <a:prstGeom prst="rect">
+        </p:nvCxnSpPr>
+        <p:spPr>
+          <a:xfrm>
+            <a:off x="283464" y="1316736"/>
+            <a:ext cx="11649456" cy="0"/>
+          </a:xfrm>
+          <a:prstGeom prst="line">
             <a:avLst/>
           </a:prstGeom>
-        </p:spPr>
-      </p:pic>
-      <p:sp>
-        <p:nvSpPr>
-          <p:cNvPr id="12" name="テキスト ボックス 11">
-            <a:extLst>
-              <a:ext uri="{FF2B5EF4-FFF2-40B4-BE49-F238E27FC236}">
-                <a16:creationId xmlns:a16="http://schemas.microsoft.com/office/drawing/2014/main" id="{A1392269-7799-9E0B-59A8-95E6485C266D}"/>
+          <a:ln w="69850">
+            <a:solidFill>
+              <a:srgbClr val="FF0000"/>
+            </a:solidFill>
+          </a:ln>
+        </p:spPr>
+        <p:style>
+          <a:lnRef idx="1">
+            <a:schemeClr val="accent1"/>
+          </a:lnRef>
+          <a:fillRef idx="0">
+            <a:schemeClr val="accent1"/>
+          </a:fillRef>
+          <a:effectRef idx="0">
+            <a:schemeClr val="accent1"/>
+          </a:effectRef>
+          <a:fontRef idx="minor">
+            <a:schemeClr val="tx1"/>
+          </a:fontRef>
+        </p:style>
+      </p:cxnSp>
+      <p:sp>
+        <p:nvSpPr>
+          <p:cNvPr id="7" name="テキスト ボックス 6">
+            <a:extLst>
+              <a:ext uri="{FF2B5EF4-FFF2-40B4-BE49-F238E27FC236}">
+                <a16:creationId xmlns:a16="http://schemas.microsoft.com/office/drawing/2014/main" id="{C6C5EB3A-FB63-FB5A-8B3F-738C6106B5DC}"/>
               </a:ext>
             </a:extLst>
           </p:cNvPr>
@@ -5612,8 +7014,8 @@
         </p:nvSpPr>
         <p:spPr>
           <a:xfrm>
-            <a:off x="223837" y="2326662"/>
-            <a:ext cx="11947525" cy="2400657"/>
+            <a:off x="10927080" y="929116"/>
+            <a:ext cx="1107996" cy="369332"/>
           </a:xfrm>
           <a:prstGeom prst="rect">
             <a:avLst/>
@@ -5621,27 +7023,205 @@
           <a:noFill/>
         </p:spPr>
         <p:txBody>
-          <a:bodyPr wrap="square">
+          <a:bodyPr wrap="none" rtlCol="0">
             <a:spAutoFit/>
           </a:bodyPr>
           <a:lstStyle/>
           <a:p>
             <a:r>
-              <a:rPr lang="ja-JP" altLang="en-US" sz="15000" dirty="0">
+              <a:rPr kumimoji="1" lang="ja-JP" altLang="en-US" dirty="0">
+                <a:solidFill>
+                  <a:srgbClr val="FF0000"/>
+                </a:solidFill>
                 <a:latin typeface="HG創英角ｺﾞｼｯｸUB" panose="020B0909000000000000" pitchFamily="49" charset="-128"/>
                 <a:ea typeface="HG創英角ｺﾞｼｯｸUB" panose="020B0909000000000000" pitchFamily="49" charset="-128"/>
                 <a:cs typeface="ADLaM Display" panose="020F0502020204030204" pitchFamily="2" charset="0"/>
               </a:rPr>
-              <a:t>絶えない炎上</a:t>
-            </a:r>
-            <a:endParaRPr lang="ja-JP" altLang="en-US" sz="15000" dirty="0"/>
+              <a:t>ホネット</a:t>
+            </a:r>
+          </a:p>
+        </p:txBody>
+      </p:sp>
+      <p:sp>
+        <p:nvSpPr>
+          <p:cNvPr id="2" name="テキスト ボックス 1">
+            <a:extLst>
+              <a:ext uri="{FF2B5EF4-FFF2-40B4-BE49-F238E27FC236}">
+                <a16:creationId xmlns:a16="http://schemas.microsoft.com/office/drawing/2014/main" id="{38FBF9F5-4228-58A4-A265-E439175CE7D1}"/>
+              </a:ext>
+            </a:extLst>
+          </p:cNvPr>
+          <p:cNvSpPr txBox="1"/>
+          <p:nvPr/>
+        </p:nvSpPr>
+        <p:spPr>
+          <a:xfrm>
+            <a:off x="283464" y="153663"/>
+            <a:ext cx="2073656" cy="1107996"/>
+          </a:xfrm>
+          <a:prstGeom prst="rect">
+            <a:avLst/>
+          </a:prstGeom>
+          <a:noFill/>
+        </p:spPr>
+        <p:txBody>
+          <a:bodyPr wrap="square">
+            <a:spAutoFit/>
+          </a:bodyPr>
+          <a:lstStyle/>
+          <a:p>
+            <a:r>
+              <a:rPr lang="ja-JP" altLang="en-US" sz="6600" dirty="0">
+                <a:latin typeface="HG創英角ｺﾞｼｯｸUB" panose="020B0909000000000000" pitchFamily="49" charset="-128"/>
+                <a:ea typeface="HG創英角ｺﾞｼｯｸUB" panose="020B0909000000000000" pitchFamily="49" charset="-128"/>
+                <a:cs typeface="ADLaM Display" panose="020F0502020204030204" pitchFamily="2" charset="0"/>
+              </a:rPr>
+              <a:t>目的</a:t>
+            </a:r>
+            <a:endParaRPr lang="ja-JP" altLang="en-US" sz="6600" dirty="0"/>
+          </a:p>
+        </p:txBody>
+      </p:sp>
+      <p:sp>
+        <p:nvSpPr>
+          <p:cNvPr id="3" name="テキスト ボックス 2">
+            <a:extLst>
+              <a:ext uri="{FF2B5EF4-FFF2-40B4-BE49-F238E27FC236}">
+                <a16:creationId xmlns:a16="http://schemas.microsoft.com/office/drawing/2014/main" id="{C17D7FC7-5572-B451-5E2C-6640C34FF0B8}"/>
+              </a:ext>
+            </a:extLst>
+          </p:cNvPr>
+          <p:cNvSpPr txBox="1"/>
+          <p:nvPr/>
+        </p:nvSpPr>
+        <p:spPr>
+          <a:xfrm>
+            <a:off x="283464" y="1758943"/>
+            <a:ext cx="10475976" cy="1107996"/>
+          </a:xfrm>
+          <a:prstGeom prst="rect">
+            <a:avLst/>
+          </a:prstGeom>
+          <a:noFill/>
+        </p:spPr>
+        <p:txBody>
+          <a:bodyPr wrap="square">
+            <a:spAutoFit/>
+          </a:bodyPr>
+          <a:lstStyle/>
+          <a:p>
+            <a:r>
+              <a:rPr lang="ja-JP" altLang="en-US" sz="6600" dirty="0">
+                <a:latin typeface="HG創英角ｺﾞｼｯｸUB" panose="020B0909000000000000" pitchFamily="49" charset="-128"/>
+                <a:ea typeface="HG創英角ｺﾞｼｯｸUB" panose="020B0909000000000000" pitchFamily="49" charset="-128"/>
+                <a:cs typeface="ADLaM Display" panose="020F0502020204030204" pitchFamily="2" charset="0"/>
+              </a:rPr>
+              <a:t>デジタルタトゥー防止</a:t>
+            </a:r>
+            <a:endParaRPr lang="ja-JP" altLang="en-US" sz="6600" dirty="0"/>
+          </a:p>
+        </p:txBody>
+      </p:sp>
+      <p:sp>
+        <p:nvSpPr>
+          <p:cNvPr id="5" name="テキスト ボックス 4">
+            <a:extLst>
+              <a:ext uri="{FF2B5EF4-FFF2-40B4-BE49-F238E27FC236}">
+                <a16:creationId xmlns:a16="http://schemas.microsoft.com/office/drawing/2014/main" id="{18A3CD23-7598-BA40-054D-E89DE1A18876}"/>
+              </a:ext>
+            </a:extLst>
+          </p:cNvPr>
+          <p:cNvSpPr txBox="1"/>
+          <p:nvPr/>
+        </p:nvSpPr>
+        <p:spPr>
+          <a:xfrm>
+            <a:off x="283464" y="3437064"/>
+            <a:ext cx="6554216" cy="1107996"/>
+          </a:xfrm>
+          <a:prstGeom prst="rect">
+            <a:avLst/>
+          </a:prstGeom>
+          <a:noFill/>
+        </p:spPr>
+        <p:txBody>
+          <a:bodyPr wrap="square">
+            <a:spAutoFit/>
+          </a:bodyPr>
+          <a:lstStyle/>
+          <a:p>
+            <a:r>
+              <a:rPr lang="ja-JP" altLang="en-US" sz="6600" dirty="0">
+                <a:latin typeface="HG創英角ｺﾞｼｯｸUB" panose="020B0909000000000000" pitchFamily="49" charset="-128"/>
+                <a:ea typeface="HG創英角ｺﾞｼｯｸUB" panose="020B0909000000000000" pitchFamily="49" charset="-128"/>
+                <a:cs typeface="ADLaM Display" panose="020F0502020204030204" pitchFamily="2" charset="0"/>
+              </a:rPr>
+              <a:t>リテラシー向上</a:t>
+            </a:r>
+            <a:endParaRPr lang="ja-JP" altLang="en-US" sz="6600" dirty="0"/>
+          </a:p>
+        </p:txBody>
+      </p:sp>
+      <p:sp>
+        <p:nvSpPr>
+          <p:cNvPr id="6" name="テキスト ボックス 5">
+            <a:extLst>
+              <a:ext uri="{FF2B5EF4-FFF2-40B4-BE49-F238E27FC236}">
+                <a16:creationId xmlns:a16="http://schemas.microsoft.com/office/drawing/2014/main" id="{93EECAAB-F018-D16B-4F51-AE5DD1E6B6B4}"/>
+              </a:ext>
+            </a:extLst>
+          </p:cNvPr>
+          <p:cNvSpPr txBox="1"/>
+          <p:nvPr/>
+        </p:nvSpPr>
+        <p:spPr>
+          <a:xfrm>
+            <a:off x="283464" y="5115185"/>
+            <a:ext cx="6554216" cy="1107996"/>
+          </a:xfrm>
+          <a:prstGeom prst="rect">
+            <a:avLst/>
+          </a:prstGeom>
+          <a:noFill/>
+        </p:spPr>
+        <p:txBody>
+          <a:bodyPr wrap="square">
+            <a:spAutoFit/>
+          </a:bodyPr>
+          <a:lstStyle/>
+          <a:p>
+            <a:r>
+              <a:rPr lang="ja-JP" altLang="en-US" sz="6600" dirty="0">
+                <a:latin typeface="HG創英角ｺﾞｼｯｸUB" panose="020B0909000000000000" pitchFamily="49" charset="-128"/>
+                <a:ea typeface="HG創英角ｺﾞｼｯｸUB" panose="020B0909000000000000" pitchFamily="49" charset="-128"/>
+                <a:cs typeface="ADLaM Display" panose="020F0502020204030204" pitchFamily="2" charset="0"/>
+              </a:rPr>
+              <a:t>より良い</a:t>
+            </a:r>
+            <a:r>
+              <a:rPr lang="en-US" altLang="ja-JP" sz="6600" dirty="0">
+                <a:latin typeface="HG創英角ｺﾞｼｯｸUB" panose="020B0909000000000000" pitchFamily="49" charset="-128"/>
+                <a:ea typeface="HG創英角ｺﾞｼｯｸUB" panose="020B0909000000000000" pitchFamily="49" charset="-128"/>
+                <a:cs typeface="ADLaM Display" panose="020F0502020204030204" pitchFamily="2" charset="0"/>
+              </a:rPr>
+              <a:t>SNS</a:t>
+            </a:r>
+            <a:r>
+              <a:rPr lang="ja-JP" altLang="en-US" sz="6600" dirty="0">
+                <a:latin typeface="HG創英角ｺﾞｼｯｸUB" panose="020B0909000000000000" pitchFamily="49" charset="-128"/>
+                <a:ea typeface="HG創英角ｺﾞｼｯｸUB" panose="020B0909000000000000" pitchFamily="49" charset="-128"/>
+                <a:cs typeface="ADLaM Display" panose="020F0502020204030204" pitchFamily="2" charset="0"/>
+              </a:rPr>
+              <a:t>教育</a:t>
+            </a:r>
+            <a:endParaRPr lang="ja-JP" altLang="en-US" sz="6600" dirty="0"/>
           </a:p>
         </p:txBody>
       </p:sp>
     </p:spTree>
     <p:extLst>
       <p:ext uri="{BB962C8B-B14F-4D97-AF65-F5344CB8AC3E}">
-        <p14:creationId xmlns:p14="http://schemas.microsoft.com/office/powerpoint/2010/main" val="718252266"/>
+        <p14:creationId xmlns:p14="http://schemas.microsoft.com/office/powerpoint/2010/main" val="4149686902"/>
       </p:ext>
     </p:extLst>
   </p:cSld>
@@ -5668,6 +7248,42 @@
           <a:chExt cx="0" cy="0"/>
         </a:xfrm>
       </p:grpSpPr>
+      <p:pic>
+        <p:nvPicPr>
+          <p:cNvPr id="20" name="図 19" descr="携帯電話の画面&#10;&#10;自動的に生成された説明">
+            <a:extLst>
+              <a:ext uri="{FF2B5EF4-FFF2-40B4-BE49-F238E27FC236}">
+                <a16:creationId xmlns:a16="http://schemas.microsoft.com/office/drawing/2014/main" id="{D2302BC5-3492-F98C-A24A-A1F6FFD25689}"/>
+              </a:ext>
+            </a:extLst>
+          </p:cNvPr>
+          <p:cNvPicPr>
+            <a:picLocks noChangeAspect="1"/>
+          </p:cNvPicPr>
+          <p:nvPr/>
+        </p:nvPicPr>
+        <p:blipFill>
+          <a:blip r:embed="rId3">
+            <a:extLst>
+              <a:ext uri="{28A0092B-C50C-407E-A947-70E740481C1C}">
+                <a14:useLocalDpi xmlns:a14="http://schemas.microsoft.com/office/drawing/2010/main" val="0"/>
+              </a:ext>
+            </a:extLst>
+          </a:blip>
+          <a:stretch>
+            <a:fillRect/>
+          </a:stretch>
+        </p:blipFill>
+        <p:spPr>
+          <a:xfrm>
+            <a:off x="1294183" y="1371814"/>
+            <a:ext cx="2713423" cy="5157002"/>
+          </a:xfrm>
+          <a:prstGeom prst="rect">
+            <a:avLst/>
+          </a:prstGeom>
+        </p:spPr>
+      </p:pic>
       <p:cxnSp>
         <p:nvCxnSpPr>
           <p:cNvPr id="4" name="直線コネクタ 3">
@@ -5755,10 +7371,10 @@
       </p:sp>
       <p:sp>
         <p:nvSpPr>
-          <p:cNvPr id="2" name="テキスト ボックス 1">
-            <a:extLst>
-              <a:ext uri="{FF2B5EF4-FFF2-40B4-BE49-F238E27FC236}">
-                <a16:creationId xmlns:a16="http://schemas.microsoft.com/office/drawing/2014/main" id="{38FBF9F5-4228-58A4-A265-E439175CE7D1}"/>
+          <p:cNvPr id="11" name="テキスト ボックス 10">
+            <a:extLst>
+              <a:ext uri="{FF2B5EF4-FFF2-40B4-BE49-F238E27FC236}">
+                <a16:creationId xmlns:a16="http://schemas.microsoft.com/office/drawing/2014/main" id="{7ACE9048-F3BD-4B14-8DED-C4504E34B1DF}"/>
               </a:ext>
             </a:extLst>
           </p:cNvPr>
@@ -5768,7 +7384,7 @@
         <p:spPr>
           <a:xfrm>
             <a:off x="283464" y="153663"/>
-            <a:ext cx="2073656" cy="1107996"/>
+            <a:ext cx="5812536" cy="1107996"/>
           </a:xfrm>
           <a:prstGeom prst="rect">
             <a:avLst/>
@@ -5787,7 +7403,7 @@
                 <a:ea typeface="HG創英角ｺﾞｼｯｸUB" panose="020B0909000000000000" pitchFamily="49" charset="-128"/>
                 <a:cs typeface="ADLaM Display" panose="020F0502020204030204" pitchFamily="2" charset="0"/>
               </a:rPr>
-              <a:t>目的</a:t>
+              <a:t>そこで・・・</a:t>
             </a:r>
             <a:endParaRPr lang="ja-JP" altLang="en-US" sz="6600" dirty="0"/>
           </a:p>
@@ -5795,10 +7411,98 @@
       </p:sp>
       <p:sp>
         <p:nvSpPr>
-          <p:cNvPr id="3" name="テキスト ボックス 2">
-            <a:extLst>
-              <a:ext uri="{FF2B5EF4-FFF2-40B4-BE49-F238E27FC236}">
-                <a16:creationId xmlns:a16="http://schemas.microsoft.com/office/drawing/2014/main" id="{C17D7FC7-5572-B451-5E2C-6640C34FF0B8}"/>
+          <p:cNvPr id="17" name="四角形: 角を丸くする 16">
+            <a:extLst>
+              <a:ext uri="{FF2B5EF4-FFF2-40B4-BE49-F238E27FC236}">
+                <a16:creationId xmlns:a16="http://schemas.microsoft.com/office/drawing/2014/main" id="{E703EFF1-1F17-23EE-44D5-6E9610869312}"/>
+              </a:ext>
+            </a:extLst>
+          </p:cNvPr>
+          <p:cNvSpPr/>
+          <p:nvPr/>
+        </p:nvSpPr>
+        <p:spPr>
+          <a:xfrm>
+            <a:off x="754379" y="4914036"/>
+            <a:ext cx="1716025" cy="1728390"/>
+          </a:xfrm>
+          <a:prstGeom prst="roundRect">
+            <a:avLst/>
+          </a:prstGeom>
+          <a:solidFill>
+            <a:schemeClr val="bg1"/>
+          </a:solidFill>
+          <a:ln>
+            <a:noFill/>
+          </a:ln>
+        </p:spPr>
+        <p:style>
+          <a:lnRef idx="2">
+            <a:schemeClr val="accent1">
+              <a:shade val="15000"/>
+            </a:schemeClr>
+          </a:lnRef>
+          <a:fillRef idx="1">
+            <a:schemeClr val="accent1"/>
+          </a:fillRef>
+          <a:effectRef idx="0">
+            <a:schemeClr val="accent1"/>
+          </a:effectRef>
+          <a:fontRef idx="minor">
+            <a:schemeClr val="lt1"/>
+          </a:fontRef>
+        </p:style>
+        <p:txBody>
+          <a:bodyPr rtlCol="0" anchor="ctr"/>
+          <a:lstStyle/>
+          <a:p>
+            <a:pPr algn="ctr"/>
+            <a:endParaRPr kumimoji="1" lang="ja-JP" altLang="en-US"/>
+          </a:p>
+        </p:txBody>
+      </p:sp>
+      <p:pic>
+        <p:nvPicPr>
+          <p:cNvPr id="15" name="図 14" descr="ロゴ&#10;&#10;自動的に生成された説明">
+            <a:extLst>
+              <a:ext uri="{FF2B5EF4-FFF2-40B4-BE49-F238E27FC236}">
+                <a16:creationId xmlns:a16="http://schemas.microsoft.com/office/drawing/2014/main" id="{D0E78E92-5593-0792-C7EF-4309F2BBDE0B}"/>
+              </a:ext>
+            </a:extLst>
+          </p:cNvPr>
+          <p:cNvPicPr>
+            <a:picLocks noChangeAspect="1"/>
+          </p:cNvPicPr>
+          <p:nvPr/>
+        </p:nvPicPr>
+        <p:blipFill>
+          <a:blip r:embed="rId4">
+            <a:extLst>
+              <a:ext uri="{28A0092B-C50C-407E-A947-70E740481C1C}">
+                <a14:useLocalDpi xmlns:a14="http://schemas.microsoft.com/office/drawing/2010/main" val="0"/>
+              </a:ext>
+            </a:extLst>
+          </a:blip>
+          <a:stretch>
+            <a:fillRect/>
+          </a:stretch>
+        </p:blipFill>
+        <p:spPr>
+          <a:xfrm>
+            <a:off x="729088" y="4901110"/>
+            <a:ext cx="1741316" cy="1741316"/>
+          </a:xfrm>
+          <a:prstGeom prst="rect">
+            <a:avLst/>
+          </a:prstGeom>
+        </p:spPr>
+      </p:pic>
+      <p:sp>
+        <p:nvSpPr>
+          <p:cNvPr id="18" name="テキスト ボックス 17">
+            <a:extLst>
+              <a:ext uri="{FF2B5EF4-FFF2-40B4-BE49-F238E27FC236}">
+                <a16:creationId xmlns:a16="http://schemas.microsoft.com/office/drawing/2014/main" id="{583B488E-F5D9-F615-4C2F-2358559CA9AA}"/>
               </a:ext>
             </a:extLst>
           </p:cNvPr>
@@ -5807,8 +7511,8 @@
         </p:nvSpPr>
         <p:spPr>
           <a:xfrm>
-            <a:off x="283464" y="1758943"/>
-            <a:ext cx="10475976" cy="1107996"/>
+            <a:off x="5668542" y="2030474"/>
+            <a:ext cx="5812536" cy="1107996"/>
           </a:xfrm>
           <a:prstGeom prst="rect">
             <a:avLst/>
@@ -5827,18 +7531,22 @@
                 <a:ea typeface="HG創英角ｺﾞｼｯｸUB" panose="020B0909000000000000" pitchFamily="49" charset="-128"/>
                 <a:cs typeface="ADLaM Display" panose="020F0502020204030204" pitchFamily="2" charset="0"/>
               </a:rPr>
-              <a:t>デジタルタトゥー防止</a:t>
-            </a:r>
-            <a:endParaRPr lang="ja-JP" altLang="en-US" sz="6600" dirty="0"/>
-          </a:p>
-        </p:txBody>
-      </p:sp>
-      <p:sp>
-        <p:nvSpPr>
-          <p:cNvPr id="5" name="テキスト ボックス 4">
-            <a:extLst>
-              <a:ext uri="{FF2B5EF4-FFF2-40B4-BE49-F238E27FC236}">
-                <a16:creationId xmlns:a16="http://schemas.microsoft.com/office/drawing/2014/main" id="{18A3CD23-7598-BA40-054D-E89DE1A18876}"/>
+              <a:t>「ホネット」</a:t>
+            </a:r>
+            <a:endParaRPr lang="en-US" altLang="ja-JP" sz="6600" dirty="0">
+              <a:latin typeface="HG創英角ｺﾞｼｯｸUB" panose="020B0909000000000000" pitchFamily="49" charset="-128"/>
+              <a:ea typeface="HG創英角ｺﾞｼｯｸUB" panose="020B0909000000000000" pitchFamily="49" charset="-128"/>
+              <a:cs typeface="ADLaM Display" panose="020F0502020204030204" pitchFamily="2" charset="0"/>
+            </a:endParaRPr>
+          </a:p>
+        </p:txBody>
+      </p:sp>
+      <p:sp>
+        <p:nvSpPr>
+          <p:cNvPr id="19" name="テキスト ボックス 18">
+            <a:extLst>
+              <a:ext uri="{FF2B5EF4-FFF2-40B4-BE49-F238E27FC236}">
+                <a16:creationId xmlns:a16="http://schemas.microsoft.com/office/drawing/2014/main" id="{7EEF6086-DD1F-3559-EA15-985A07DB790C}"/>
               </a:ext>
             </a:extLst>
           </p:cNvPr>
@@ -5847,8 +7555,8 @@
         </p:nvSpPr>
         <p:spPr>
           <a:xfrm>
-            <a:off x="283464" y="3437064"/>
-            <a:ext cx="6554216" cy="1107996"/>
+            <a:off x="5739384" y="3839281"/>
+            <a:ext cx="5812536" cy="2123658"/>
           </a:xfrm>
           <a:prstGeom prst="rect">
             <a:avLst/>
@@ -5867,39 +7575,14 @@
                 <a:ea typeface="HG創英角ｺﾞｼｯｸUB" panose="020B0909000000000000" pitchFamily="49" charset="-128"/>
                 <a:cs typeface="ADLaM Display" panose="020F0502020204030204" pitchFamily="2" charset="0"/>
               </a:rPr>
-              <a:t>リテラシー向上</a:t>
-            </a:r>
-            <a:endParaRPr lang="ja-JP" altLang="en-US" sz="6600" dirty="0"/>
-          </a:p>
-        </p:txBody>
-      </p:sp>
-      <p:sp>
-        <p:nvSpPr>
-          <p:cNvPr id="6" name="テキスト ボックス 5">
-            <a:extLst>
-              <a:ext uri="{FF2B5EF4-FFF2-40B4-BE49-F238E27FC236}">
-                <a16:creationId xmlns:a16="http://schemas.microsoft.com/office/drawing/2014/main" id="{93EECAAB-F018-D16B-4F51-AE5DD1E6B6B4}"/>
-              </a:ext>
-            </a:extLst>
-          </p:cNvPr>
-          <p:cNvSpPr txBox="1"/>
-          <p:nvPr/>
-        </p:nvSpPr>
-        <p:spPr>
-          <a:xfrm>
-            <a:off x="283464" y="5115185"/>
-            <a:ext cx="6554216" cy="1107996"/>
-          </a:xfrm>
-          <a:prstGeom prst="rect">
-            <a:avLst/>
-          </a:prstGeom>
-          <a:noFill/>
-        </p:spPr>
-        <p:txBody>
-          <a:bodyPr wrap="square">
-            <a:spAutoFit/>
-          </a:bodyPr>
-          <a:lstStyle/>
+              <a:t>様々な</a:t>
+            </a:r>
+            <a:endParaRPr lang="en-US" altLang="ja-JP" sz="6600" dirty="0">
+              <a:latin typeface="HG創英角ｺﾞｼｯｸUB" panose="020B0909000000000000" pitchFamily="49" charset="-128"/>
+              <a:ea typeface="HG創英角ｺﾞｼｯｸUB" panose="020B0909000000000000" pitchFamily="49" charset="-128"/>
+              <a:cs typeface="ADLaM Display" panose="020F0502020204030204" pitchFamily="2" charset="0"/>
+            </a:endParaRPr>
+          </a:p>
           <a:p>
             <a:r>
               <a:rPr lang="ja-JP" altLang="en-US" sz="6600" dirty="0">
@@ -5907,23 +7590,7 @@
                 <a:ea typeface="HG創英角ｺﾞｼｯｸUB" panose="020B0909000000000000" pitchFamily="49" charset="-128"/>
                 <a:cs typeface="ADLaM Display" panose="020F0502020204030204" pitchFamily="2" charset="0"/>
               </a:rPr>
-              <a:t>より良い</a:t>
-            </a:r>
-            <a:r>
-              <a:rPr lang="en-US" altLang="ja-JP" sz="6600" dirty="0">
-                <a:latin typeface="HG創英角ｺﾞｼｯｸUB" panose="020B0909000000000000" pitchFamily="49" charset="-128"/>
-                <a:ea typeface="HG創英角ｺﾞｼｯｸUB" panose="020B0909000000000000" pitchFamily="49" charset="-128"/>
-                <a:cs typeface="ADLaM Display" panose="020F0502020204030204" pitchFamily="2" charset="0"/>
-              </a:rPr>
-              <a:t>SNS</a:t>
-            </a:r>
-            <a:r>
-              <a:rPr lang="ja-JP" altLang="en-US" sz="6600" dirty="0">
-                <a:latin typeface="HG創英角ｺﾞｼｯｸUB" panose="020B0909000000000000" pitchFamily="49" charset="-128"/>
-                <a:ea typeface="HG創英角ｺﾞｼｯｸUB" panose="020B0909000000000000" pitchFamily="49" charset="-128"/>
-                <a:cs typeface="ADLaM Display" panose="020F0502020204030204" pitchFamily="2" charset="0"/>
-              </a:rPr>
-              <a:t>教育</a:t>
+              <a:t>炎上シナリオ</a:t>
             </a:r>
             <a:endParaRPr lang="ja-JP" altLang="en-US" sz="6600" dirty="0"/>
           </a:p>
@@ -5932,7 +7599,7 @@
     </p:spTree>
     <p:extLst>
       <p:ext uri="{BB962C8B-B14F-4D97-AF65-F5344CB8AC3E}">
-        <p14:creationId xmlns:p14="http://schemas.microsoft.com/office/powerpoint/2010/main" val="4149686902"/>
+        <p14:creationId xmlns:p14="http://schemas.microsoft.com/office/powerpoint/2010/main" val="4028179173"/>
       </p:ext>
     </p:extLst>
   </p:cSld>
@@ -6078,7 +7745,7 @@
                 <a:ea typeface="HG創英角ｺﾞｼｯｸUB" panose="020B0909000000000000" pitchFamily="49" charset="-128"/>
                 <a:cs typeface="ADLaM Display" panose="020F0502020204030204" pitchFamily="2" charset="0"/>
               </a:rPr>
-              <a:t>そこで</a:t>
+              <a:t>炎上系</a:t>
             </a:r>
             <a:r>
               <a:rPr lang="en-US" altLang="ja-JP" sz="6600" dirty="0">
@@ -6086,31 +7753,173 @@
                 <a:ea typeface="HG創英角ｺﾞｼｯｸUB" panose="020B0909000000000000" pitchFamily="49" charset="-128"/>
                 <a:cs typeface="ADLaM Display" panose="020F0502020204030204" pitchFamily="2" charset="0"/>
               </a:rPr>
-              <a:t>…</a:t>
-            </a:r>
-          </a:p>
-        </p:txBody>
-      </p:sp>
-      <p:sp>
-        <p:nvSpPr>
-          <p:cNvPr id="8" name="正方形/長方形 7">
-            <a:extLst>
-              <a:ext uri="{FF2B5EF4-FFF2-40B4-BE49-F238E27FC236}">
-                <a16:creationId xmlns:a16="http://schemas.microsoft.com/office/drawing/2014/main" id="{B525B007-959B-CBCA-6F9F-75237F88025B}"/>
-              </a:ext>
-            </a:extLst>
-          </p:cNvPr>
-          <p:cNvSpPr/>
+              <a:t>SNS</a:t>
+            </a:r>
+            <a:r>
+              <a:rPr lang="ja-JP" altLang="en-US" sz="6600" dirty="0">
+                <a:latin typeface="HG創英角ｺﾞｼｯｸUB" panose="020B0909000000000000" pitchFamily="49" charset="-128"/>
+                <a:ea typeface="HG創英角ｺﾞｼｯｸUB" panose="020B0909000000000000" pitchFamily="49" charset="-128"/>
+                <a:cs typeface="ADLaM Display" panose="020F0502020204030204" pitchFamily="2" charset="0"/>
+              </a:rPr>
+              <a:t>「ホネット」</a:t>
+            </a:r>
+            <a:endParaRPr lang="ja-JP" altLang="en-US" sz="6600" dirty="0"/>
+          </a:p>
+        </p:txBody>
+      </p:sp>
+      <p:sp>
+        <p:nvSpPr>
+          <p:cNvPr id="3" name="テキスト ボックス 2">
+            <a:extLst>
+              <a:ext uri="{FF2B5EF4-FFF2-40B4-BE49-F238E27FC236}">
+                <a16:creationId xmlns:a16="http://schemas.microsoft.com/office/drawing/2014/main" id="{F4903288-A808-8DC1-3044-1E106AC7E9EC}"/>
+              </a:ext>
+            </a:extLst>
+          </p:cNvPr>
+          <p:cNvSpPr txBox="1"/>
           <p:nvPr/>
         </p:nvSpPr>
         <p:spPr>
           <a:xfrm>
-            <a:off x="566928" y="1570983"/>
-            <a:ext cx="4764024" cy="5067562"/>
+            <a:off x="3575304" y="2200791"/>
+            <a:ext cx="8616696" cy="1107996"/>
           </a:xfrm>
           <a:prstGeom prst="rect">
             <a:avLst/>
           </a:prstGeom>
+          <a:noFill/>
+        </p:spPr>
+        <p:txBody>
+          <a:bodyPr wrap="square">
+            <a:spAutoFit/>
+          </a:bodyPr>
+          <a:lstStyle/>
+          <a:p>
+            <a:r>
+              <a:rPr lang="ja-JP" altLang="en-US" sz="6600" dirty="0">
+                <a:latin typeface="HG創英角ｺﾞｼｯｸUB" panose="020B0909000000000000" pitchFamily="49" charset="-128"/>
+                <a:ea typeface="HG創英角ｺﾞｼｯｸUB" panose="020B0909000000000000" pitchFamily="49" charset="-128"/>
+                <a:cs typeface="ADLaM Display" panose="020F0502020204030204" pitchFamily="2" charset="0"/>
+              </a:rPr>
+              <a:t>炎上したらどうなるか</a:t>
+            </a:r>
+            <a:endParaRPr lang="en-US" altLang="ja-JP" sz="6600" dirty="0">
+              <a:latin typeface="HG創英角ｺﾞｼｯｸUB" panose="020B0909000000000000" pitchFamily="49" charset="-128"/>
+              <a:ea typeface="HG創英角ｺﾞｼｯｸUB" panose="020B0909000000000000" pitchFamily="49" charset="-128"/>
+              <a:cs typeface="ADLaM Display" panose="020F0502020204030204" pitchFamily="2" charset="0"/>
+            </a:endParaRPr>
+          </a:p>
+        </p:txBody>
+      </p:sp>
+      <p:sp>
+        <p:nvSpPr>
+          <p:cNvPr id="5" name="テキスト ボックス 4">
+            <a:extLst>
+              <a:ext uri="{FF2B5EF4-FFF2-40B4-BE49-F238E27FC236}">
+                <a16:creationId xmlns:a16="http://schemas.microsoft.com/office/drawing/2014/main" id="{2037210C-4C87-5E48-1834-15E0B03F8C48}"/>
+              </a:ext>
+            </a:extLst>
+          </p:cNvPr>
+          <p:cNvSpPr txBox="1"/>
+          <p:nvPr/>
+        </p:nvSpPr>
+        <p:spPr>
+          <a:xfrm>
+            <a:off x="4481170" y="4639180"/>
+            <a:ext cx="6569456" cy="1107996"/>
+          </a:xfrm>
+          <a:prstGeom prst="rect">
+            <a:avLst/>
+          </a:prstGeom>
+          <a:noFill/>
+        </p:spPr>
+        <p:txBody>
+          <a:bodyPr wrap="square">
+            <a:spAutoFit/>
+          </a:bodyPr>
+          <a:lstStyle/>
+          <a:p>
+            <a:r>
+              <a:rPr lang="ja-JP" altLang="en-US" sz="6600" dirty="0">
+                <a:latin typeface="HG創英角ｺﾞｼｯｸUB" panose="020B0909000000000000" pitchFamily="49" charset="-128"/>
+                <a:ea typeface="HG創英角ｺﾞｼｯｸUB" panose="020B0909000000000000" pitchFamily="49" charset="-128"/>
+                <a:cs typeface="ADLaM Display" panose="020F0502020204030204" pitchFamily="2" charset="0"/>
+              </a:rPr>
+              <a:t>リテラシー向上</a:t>
+            </a:r>
+            <a:endParaRPr lang="en-US" altLang="ja-JP" sz="6600" dirty="0">
+              <a:latin typeface="HG創英角ｺﾞｼｯｸUB" panose="020B0909000000000000" pitchFamily="49" charset="-128"/>
+              <a:ea typeface="HG創英角ｺﾞｼｯｸUB" panose="020B0909000000000000" pitchFamily="49" charset="-128"/>
+              <a:cs typeface="ADLaM Display" panose="020F0502020204030204" pitchFamily="2" charset="0"/>
+            </a:endParaRPr>
+          </a:p>
+        </p:txBody>
+      </p:sp>
+      <p:pic>
+        <p:nvPicPr>
+          <p:cNvPr id="10" name="図 9" descr="モニター画面に映る文字&#10;&#10;自動的に生成された説明">
+            <a:extLst>
+              <a:ext uri="{FF2B5EF4-FFF2-40B4-BE49-F238E27FC236}">
+                <a16:creationId xmlns:a16="http://schemas.microsoft.com/office/drawing/2014/main" id="{52037589-C726-0B65-E669-E575A1EFB7C4}"/>
+              </a:ext>
+            </a:extLst>
+          </p:cNvPr>
+          <p:cNvPicPr>
+            <a:picLocks noChangeAspect="1"/>
+          </p:cNvPicPr>
+          <p:nvPr/>
+        </p:nvPicPr>
+        <p:blipFill>
+          <a:blip r:embed="rId3">
+            <a:extLst>
+              <a:ext uri="{28A0092B-C50C-407E-A947-70E740481C1C}">
+                <a14:useLocalDpi xmlns:a14="http://schemas.microsoft.com/office/drawing/2010/main" val="0"/>
+              </a:ext>
+            </a:extLst>
+          </a:blip>
+          <a:stretch>
+            <a:fillRect/>
+          </a:stretch>
+        </p:blipFill>
+        <p:spPr>
+          <a:xfrm>
+            <a:off x="843178" y="1563624"/>
+            <a:ext cx="2504644" cy="4904052"/>
+          </a:xfrm>
+          <a:prstGeom prst="rect">
+            <a:avLst/>
+          </a:prstGeom>
+        </p:spPr>
+      </p:pic>
+      <p:sp>
+        <p:nvSpPr>
+          <p:cNvPr id="11" name="二等辺三角形 10">
+            <a:extLst>
+              <a:ext uri="{FF2B5EF4-FFF2-40B4-BE49-F238E27FC236}">
+                <a16:creationId xmlns:a16="http://schemas.microsoft.com/office/drawing/2014/main" id="{CF79D884-AD83-AB7D-3F2B-943F7291D317}"/>
+              </a:ext>
+            </a:extLst>
+          </p:cNvPr>
+          <p:cNvSpPr/>
+          <p:nvPr/>
+        </p:nvSpPr>
+        <p:spPr>
+          <a:xfrm flipV="1">
+            <a:off x="6894576" y="3549213"/>
+            <a:ext cx="1453896" cy="932873"/>
+          </a:xfrm>
+          <a:prstGeom prst="triangle">
+            <a:avLst/>
+          </a:prstGeom>
+          <a:solidFill>
+            <a:schemeClr val="accent2">
+              <a:lumMod val="60000"/>
+              <a:lumOff val="40000"/>
+            </a:schemeClr>
+          </a:solidFill>
+          <a:ln>
+            <a:noFill/>
+          </a:ln>
         </p:spPr>
         <p:style>
           <a:lnRef idx="2">
@@ -6133,120 +7942,14 @@
           <a:lstStyle/>
           <a:p>
             <a:pPr algn="ctr"/>
-            <a:r>
-              <a:rPr kumimoji="1" lang="en-US" altLang="ja-JP" dirty="0"/>
-              <a:t>Figma</a:t>
-            </a:r>
-            <a:r>
-              <a:rPr kumimoji="1" lang="ja-JP" altLang="en-US" dirty="0"/>
-              <a:t>ろごなど</a:t>
-            </a:r>
-          </a:p>
-        </p:txBody>
-      </p:sp>
-      <p:sp>
-        <p:nvSpPr>
-          <p:cNvPr id="9" name="テキスト ボックス 8">
-            <a:extLst>
-              <a:ext uri="{FF2B5EF4-FFF2-40B4-BE49-F238E27FC236}">
-                <a16:creationId xmlns:a16="http://schemas.microsoft.com/office/drawing/2014/main" id="{88169F51-2546-7E76-E36F-A35CD050DCB6}"/>
-              </a:ext>
-            </a:extLst>
-          </p:cNvPr>
-          <p:cNvSpPr txBox="1"/>
-          <p:nvPr/>
-        </p:nvSpPr>
-        <p:spPr>
-          <a:xfrm>
-            <a:off x="6096000" y="2062700"/>
-            <a:ext cx="5812536" cy="1107996"/>
-          </a:xfrm>
-          <a:prstGeom prst="rect">
-            <a:avLst/>
-          </a:prstGeom>
-          <a:noFill/>
-        </p:spPr>
-        <p:txBody>
-          <a:bodyPr wrap="square">
-            <a:spAutoFit/>
-          </a:bodyPr>
-          <a:lstStyle/>
-          <a:p>
-            <a:r>
-              <a:rPr lang="ja-JP" altLang="en-US" sz="6600" dirty="0">
-                <a:latin typeface="HG創英角ｺﾞｼｯｸUB" panose="020B0909000000000000" pitchFamily="49" charset="-128"/>
-                <a:ea typeface="HG創英角ｺﾞｼｯｸUB" panose="020B0909000000000000" pitchFamily="49" charset="-128"/>
-                <a:cs typeface="ADLaM Display" panose="020F0502020204030204" pitchFamily="2" charset="0"/>
-              </a:rPr>
-              <a:t>「ホネット」</a:t>
-            </a:r>
-            <a:endParaRPr lang="en-US" altLang="ja-JP" sz="6600" dirty="0">
-              <a:latin typeface="HG創英角ｺﾞｼｯｸUB" panose="020B0909000000000000" pitchFamily="49" charset="-128"/>
-              <a:ea typeface="HG創英角ｺﾞｼｯｸUB" panose="020B0909000000000000" pitchFamily="49" charset="-128"/>
-              <a:cs typeface="ADLaM Display" panose="020F0502020204030204" pitchFamily="2" charset="0"/>
-            </a:endParaRPr>
-          </a:p>
-        </p:txBody>
-      </p:sp>
-      <p:sp>
-        <p:nvSpPr>
-          <p:cNvPr id="10" name="テキスト ボックス 9">
-            <a:extLst>
-              <a:ext uri="{FF2B5EF4-FFF2-40B4-BE49-F238E27FC236}">
-                <a16:creationId xmlns:a16="http://schemas.microsoft.com/office/drawing/2014/main" id="{1E8ED778-C9E3-CCF2-1B5F-4C6C0FC0D460}"/>
-              </a:ext>
-            </a:extLst>
-          </p:cNvPr>
-          <p:cNvSpPr txBox="1"/>
-          <p:nvPr/>
-        </p:nvSpPr>
-        <p:spPr>
-          <a:xfrm>
-            <a:off x="6024880" y="3687305"/>
-            <a:ext cx="5812536" cy="2123658"/>
-          </a:xfrm>
-          <a:prstGeom prst="rect">
-            <a:avLst/>
-          </a:prstGeom>
-          <a:noFill/>
-        </p:spPr>
-        <p:txBody>
-          <a:bodyPr wrap="square">
-            <a:spAutoFit/>
-          </a:bodyPr>
-          <a:lstStyle/>
-          <a:p>
-            <a:r>
-              <a:rPr lang="ja-JP" altLang="en-US" sz="6600" dirty="0">
-                <a:latin typeface="HG創英角ｺﾞｼｯｸUB" panose="020B0909000000000000" pitchFamily="49" charset="-128"/>
-                <a:ea typeface="HG創英角ｺﾞｼｯｸUB" panose="020B0909000000000000" pitchFamily="49" charset="-128"/>
-                <a:cs typeface="ADLaM Display" panose="020F0502020204030204" pitchFamily="2" charset="0"/>
-              </a:rPr>
-              <a:t>様々な</a:t>
-            </a:r>
-            <a:endParaRPr lang="en-US" altLang="ja-JP" sz="6600" dirty="0">
-              <a:latin typeface="HG創英角ｺﾞｼｯｸUB" panose="020B0909000000000000" pitchFamily="49" charset="-128"/>
-              <a:ea typeface="HG創英角ｺﾞｼｯｸUB" panose="020B0909000000000000" pitchFamily="49" charset="-128"/>
-              <a:cs typeface="ADLaM Display" panose="020F0502020204030204" pitchFamily="2" charset="0"/>
-            </a:endParaRPr>
-          </a:p>
-          <a:p>
-            <a:r>
-              <a:rPr lang="ja-JP" altLang="en-US" sz="6600" dirty="0">
-                <a:latin typeface="HG創英角ｺﾞｼｯｸUB" panose="020B0909000000000000" pitchFamily="49" charset="-128"/>
-                <a:ea typeface="HG創英角ｺﾞｼｯｸUB" panose="020B0909000000000000" pitchFamily="49" charset="-128"/>
-                <a:cs typeface="ADLaM Display" panose="020F0502020204030204" pitchFamily="2" charset="0"/>
-              </a:rPr>
-              <a:t>炎上シナリオ</a:t>
-            </a:r>
-            <a:endParaRPr lang="ja-JP" altLang="en-US" sz="6600" dirty="0"/>
+            <a:endParaRPr kumimoji="1" lang="ja-JP" altLang="en-US"/>
           </a:p>
         </p:txBody>
       </p:sp>
     </p:spTree>
     <p:extLst>
       <p:ext uri="{BB962C8B-B14F-4D97-AF65-F5344CB8AC3E}">
-        <p14:creationId xmlns:p14="http://schemas.microsoft.com/office/powerpoint/2010/main" val="381811190"/>
+        <p14:creationId xmlns:p14="http://schemas.microsoft.com/office/powerpoint/2010/main" val="2110291498"/>
       </p:ext>
     </p:extLst>
   </p:cSld>
@@ -6363,7 +8066,7 @@
           <p:cNvPr id="2" name="テキスト ボックス 1">
             <a:extLst>
               <a:ext uri="{FF2B5EF4-FFF2-40B4-BE49-F238E27FC236}">
-                <a16:creationId xmlns:a16="http://schemas.microsoft.com/office/drawing/2014/main" id="{38FBF9F5-4228-58A4-A265-E439175CE7D1}"/>
+                <a16:creationId xmlns:a16="http://schemas.microsoft.com/office/drawing/2014/main" id="{BD35C3F5-0AEE-C290-9C0C-15B88065129D}"/>
               </a:ext>
             </a:extLst>
           </p:cNvPr>
@@ -6373,7 +8076,7 @@
         <p:spPr>
           <a:xfrm>
             <a:off x="283464" y="153663"/>
-            <a:ext cx="9023096" cy="1107996"/>
+            <a:ext cx="3719576" cy="1107996"/>
           </a:xfrm>
           <a:prstGeom prst="rect">
             <a:avLst/>
@@ -6392,87 +8095,48 @@
                 <a:ea typeface="HG創英角ｺﾞｼｯｸUB" panose="020B0909000000000000" pitchFamily="49" charset="-128"/>
                 <a:cs typeface="ADLaM Display" panose="020F0502020204030204" pitchFamily="2" charset="0"/>
               </a:rPr>
-              <a:t>炎上系</a:t>
-            </a:r>
-            <a:r>
-              <a:rPr lang="en-US" altLang="ja-JP" sz="6600" dirty="0">
-                <a:latin typeface="HG創英角ｺﾞｼｯｸUB" panose="020B0909000000000000" pitchFamily="49" charset="-128"/>
-                <a:ea typeface="HG創英角ｺﾞｼｯｸUB" panose="020B0909000000000000" pitchFamily="49" charset="-128"/>
-                <a:cs typeface="ADLaM Display" panose="020F0502020204030204" pitchFamily="2" charset="0"/>
-              </a:rPr>
-              <a:t>SNS</a:t>
-            </a:r>
-            <a:r>
-              <a:rPr lang="ja-JP" altLang="en-US" sz="6600" dirty="0">
-                <a:latin typeface="HG創英角ｺﾞｼｯｸUB" panose="020B0909000000000000" pitchFamily="49" charset="-128"/>
-                <a:ea typeface="HG創英角ｺﾞｼｯｸUB" panose="020B0909000000000000" pitchFamily="49" charset="-128"/>
-                <a:cs typeface="ADLaM Display" panose="020F0502020204030204" pitchFamily="2" charset="0"/>
-              </a:rPr>
-              <a:t>「ホネット」</a:t>
+              <a:t>技術構成</a:t>
             </a:r>
             <a:endParaRPr lang="ja-JP" altLang="en-US" sz="6600" dirty="0"/>
           </a:p>
         </p:txBody>
       </p:sp>
-      <p:sp>
-        <p:nvSpPr>
-          <p:cNvPr id="8" name="正方形/長方形 7">
-            <a:extLst>
-              <a:ext uri="{FF2B5EF4-FFF2-40B4-BE49-F238E27FC236}">
-                <a16:creationId xmlns:a16="http://schemas.microsoft.com/office/drawing/2014/main" id="{B525B007-959B-CBCA-6F9F-75237F88025B}"/>
-              </a:ext>
-            </a:extLst>
-          </p:cNvPr>
-          <p:cNvSpPr/>
+      <p:pic>
+        <p:nvPicPr>
+          <p:cNvPr id="6" name="図 5">
+            <a:extLst>
+              <a:ext uri="{FF2B5EF4-FFF2-40B4-BE49-F238E27FC236}">
+                <a16:creationId xmlns:a16="http://schemas.microsoft.com/office/drawing/2014/main" id="{F0E5E455-881A-E3CC-6A52-5E3181570832}"/>
+              </a:ext>
+            </a:extLst>
+          </p:cNvPr>
+          <p:cNvPicPr>
+            <a:picLocks noChangeAspect="1"/>
+          </p:cNvPicPr>
           <p:nvPr/>
-        </p:nvSpPr>
-        <p:spPr>
-          <a:xfrm>
-            <a:off x="566928" y="1570983"/>
-            <a:ext cx="4764024" cy="5067562"/>
+        </p:nvPicPr>
+        <p:blipFill>
+          <a:blip r:embed="rId3"/>
+          <a:stretch>
+            <a:fillRect/>
+          </a:stretch>
+        </p:blipFill>
+        <p:spPr>
+          <a:xfrm>
+            <a:off x="1443757" y="2202540"/>
+            <a:ext cx="9675347" cy="4362851"/>
           </a:xfrm>
           <a:prstGeom prst="rect">
             <a:avLst/>
           </a:prstGeom>
         </p:spPr>
-        <p:style>
-          <a:lnRef idx="2">
-            <a:schemeClr val="accent1">
-              <a:shade val="15000"/>
-            </a:schemeClr>
-          </a:lnRef>
-          <a:fillRef idx="1">
-            <a:schemeClr val="accent1"/>
-          </a:fillRef>
-          <a:effectRef idx="0">
-            <a:schemeClr val="accent1"/>
-          </a:effectRef>
-          <a:fontRef idx="minor">
-            <a:schemeClr val="lt1"/>
-          </a:fontRef>
-        </p:style>
-        <p:txBody>
-          <a:bodyPr rtlCol="0" anchor="ctr"/>
-          <a:lstStyle/>
-          <a:p>
-            <a:pPr algn="ctr"/>
-            <a:r>
-              <a:rPr kumimoji="1" lang="en-US" altLang="ja-JP" dirty="0"/>
-              <a:t>Figma</a:t>
-            </a:r>
-            <a:r>
-              <a:rPr kumimoji="1" lang="ja-JP" altLang="en-US" dirty="0"/>
-              <a:t>ろごなど</a:t>
-            </a:r>
-          </a:p>
-        </p:txBody>
-      </p:sp>
-      <p:sp>
-        <p:nvSpPr>
-          <p:cNvPr id="3" name="テキスト ボックス 2">
-            <a:extLst>
-              <a:ext uri="{FF2B5EF4-FFF2-40B4-BE49-F238E27FC236}">
-                <a16:creationId xmlns:a16="http://schemas.microsoft.com/office/drawing/2014/main" id="{F4903288-A808-8DC1-3044-1E106AC7E9EC}"/>
+      </p:pic>
+      <p:sp>
+        <p:nvSpPr>
+          <p:cNvPr id="8" name="テキスト ボックス 7">
+            <a:extLst>
+              <a:ext uri="{FF2B5EF4-FFF2-40B4-BE49-F238E27FC236}">
+                <a16:creationId xmlns:a16="http://schemas.microsoft.com/office/drawing/2014/main" id="{70726485-8263-F1F0-4DEE-5BAFD086A3D4}"/>
               </a:ext>
             </a:extLst>
           </p:cNvPr>
@@ -6481,8 +8145,8 @@
         </p:nvSpPr>
         <p:spPr>
           <a:xfrm>
-            <a:off x="6096000" y="1798196"/>
-            <a:ext cx="5812536" cy="2123658"/>
+            <a:off x="947696" y="1556209"/>
+            <a:ext cx="3416320" cy="646331"/>
           </a:xfrm>
           <a:prstGeom prst="rect">
             <a:avLst/>
@@ -6490,33 +8154,26 @@
           <a:noFill/>
         </p:spPr>
         <p:txBody>
-          <a:bodyPr wrap="square">
+          <a:bodyPr wrap="none" rtlCol="0">
             <a:spAutoFit/>
           </a:bodyPr>
           <a:lstStyle/>
           <a:p>
-            <a:r>
-              <a:rPr lang="ja-JP" altLang="en-US" sz="6600" dirty="0">
-                <a:latin typeface="HG創英角ｺﾞｼｯｸUB" panose="020B0909000000000000" pitchFamily="49" charset="-128"/>
-                <a:ea typeface="HG創英角ｺﾞｼｯｸUB" panose="020B0909000000000000" pitchFamily="49" charset="-128"/>
-                <a:cs typeface="ADLaM Display" panose="020F0502020204030204" pitchFamily="2" charset="0"/>
-              </a:rPr>
-              <a:t>炎上したらどうなるか</a:t>
-            </a:r>
-            <a:endParaRPr lang="en-US" altLang="ja-JP" sz="6600" dirty="0">
-              <a:latin typeface="HG創英角ｺﾞｼｯｸUB" panose="020B0909000000000000" pitchFamily="49" charset="-128"/>
-              <a:ea typeface="HG創英角ｺﾞｼｯｸUB" panose="020B0909000000000000" pitchFamily="49" charset="-128"/>
-              <a:cs typeface="ADLaM Display" panose="020F0502020204030204" pitchFamily="2" charset="0"/>
-            </a:endParaRPr>
-          </a:p>
-        </p:txBody>
-      </p:sp>
-      <p:sp>
-        <p:nvSpPr>
-          <p:cNvPr id="5" name="テキスト ボックス 4">
-            <a:extLst>
-              <a:ext uri="{FF2B5EF4-FFF2-40B4-BE49-F238E27FC236}">
-                <a16:creationId xmlns:a16="http://schemas.microsoft.com/office/drawing/2014/main" id="{2037210C-4C87-5E48-1834-15E0B03F8C48}"/>
+            <a:pPr algn="just"/>
+            <a:r>
+              <a:rPr lang="ja-JP" altLang="en-US" sz="3600" b="1" dirty="0"/>
+              <a:t>フロントエンド</a:t>
+            </a:r>
+            <a:endParaRPr kumimoji="1" lang="ja-JP" altLang="en-US" sz="3600" b="1" dirty="0"/>
+          </a:p>
+        </p:txBody>
+      </p:sp>
+      <p:sp>
+        <p:nvSpPr>
+          <p:cNvPr id="9" name="テキスト ボックス 8">
+            <a:extLst>
+              <a:ext uri="{FF2B5EF4-FFF2-40B4-BE49-F238E27FC236}">
+                <a16:creationId xmlns:a16="http://schemas.microsoft.com/office/drawing/2014/main" id="{C9E5180B-822E-3BE7-7B37-4F480D2F222C}"/>
               </a:ext>
             </a:extLst>
           </p:cNvPr>
@@ -6525,8 +8182,8 @@
         </p:nvSpPr>
         <p:spPr>
           <a:xfrm>
-            <a:off x="5815584" y="5059804"/>
-            <a:ext cx="6569456" cy="1107996"/>
+            <a:off x="6216480" y="1556209"/>
+            <a:ext cx="2954655" cy="646331"/>
           </a:xfrm>
           <a:prstGeom prst="rect">
             <a:avLst/>
@@ -6534,31 +8191,24 @@
           <a:noFill/>
         </p:spPr>
         <p:txBody>
-          <a:bodyPr wrap="square">
+          <a:bodyPr wrap="none" rtlCol="0">
             <a:spAutoFit/>
           </a:bodyPr>
           <a:lstStyle/>
           <a:p>
-            <a:r>
-              <a:rPr lang="ja-JP" altLang="en-US" sz="6600" dirty="0">
-                <a:latin typeface="HG創英角ｺﾞｼｯｸUB" panose="020B0909000000000000" pitchFamily="49" charset="-128"/>
-                <a:ea typeface="HG創英角ｺﾞｼｯｸUB" panose="020B0909000000000000" pitchFamily="49" charset="-128"/>
-                <a:cs typeface="ADLaM Display" panose="020F0502020204030204" pitchFamily="2" charset="0"/>
-              </a:rPr>
-              <a:t>リテラシー向上</a:t>
-            </a:r>
-            <a:endParaRPr lang="en-US" altLang="ja-JP" sz="6600" dirty="0">
-              <a:latin typeface="HG創英角ｺﾞｼｯｸUB" panose="020B0909000000000000" pitchFamily="49" charset="-128"/>
-              <a:ea typeface="HG創英角ｺﾞｼｯｸUB" panose="020B0909000000000000" pitchFamily="49" charset="-128"/>
-              <a:cs typeface="ADLaM Display" panose="020F0502020204030204" pitchFamily="2" charset="0"/>
-            </a:endParaRPr>
+            <a:pPr algn="just"/>
+            <a:r>
+              <a:rPr lang="ja-JP" altLang="en-US" sz="3600" b="1" dirty="0"/>
+              <a:t>バックエンド</a:t>
+            </a:r>
+            <a:endParaRPr kumimoji="1" lang="ja-JP" altLang="en-US" sz="3600" b="1" dirty="0"/>
           </a:p>
         </p:txBody>
       </p:sp>
     </p:spTree>
     <p:extLst>
       <p:ext uri="{BB962C8B-B14F-4D97-AF65-F5344CB8AC3E}">
-        <p14:creationId xmlns:p14="http://schemas.microsoft.com/office/powerpoint/2010/main" val="1996313775"/>
+        <p14:creationId xmlns:p14="http://schemas.microsoft.com/office/powerpoint/2010/main" val="3966045975"/>
       </p:ext>
     </p:extLst>
   </p:cSld>
@@ -6585,55 +8235,12 @@
           <a:chExt cx="0" cy="0"/>
         </a:xfrm>
       </p:grpSpPr>
-      <p:cxnSp>
-        <p:nvCxnSpPr>
-          <p:cNvPr id="4" name="直線コネクタ 3">
-            <a:extLst>
-              <a:ext uri="{FF2B5EF4-FFF2-40B4-BE49-F238E27FC236}">
-                <a16:creationId xmlns:a16="http://schemas.microsoft.com/office/drawing/2014/main" id="{31AFCFC9-C202-9051-0E3F-A9E20191B047}"/>
-              </a:ext>
-            </a:extLst>
-          </p:cNvPr>
-          <p:cNvCxnSpPr>
-            <a:cxnSpLocks/>
-          </p:cNvCxnSpPr>
-          <p:nvPr/>
-        </p:nvCxnSpPr>
-        <p:spPr>
-          <a:xfrm>
-            <a:off x="283464" y="1316736"/>
-            <a:ext cx="11649456" cy="0"/>
-          </a:xfrm>
-          <a:prstGeom prst="line">
-            <a:avLst/>
-          </a:prstGeom>
-          <a:ln w="69850">
-            <a:solidFill>
-              <a:srgbClr val="FF0000"/>
-            </a:solidFill>
-          </a:ln>
-        </p:spPr>
-        <p:style>
-          <a:lnRef idx="1">
-            <a:schemeClr val="accent1"/>
-          </a:lnRef>
-          <a:fillRef idx="0">
-            <a:schemeClr val="accent1"/>
-          </a:fillRef>
-          <a:effectRef idx="0">
-            <a:schemeClr val="accent1"/>
-          </a:effectRef>
-          <a:fontRef idx="minor">
-            <a:schemeClr val="tx1"/>
-          </a:fontRef>
-        </p:style>
-      </p:cxnSp>
-      <p:sp>
-        <p:nvSpPr>
-          <p:cNvPr id="7" name="テキスト ボックス 6">
-            <a:extLst>
-              <a:ext uri="{FF2B5EF4-FFF2-40B4-BE49-F238E27FC236}">
-                <a16:creationId xmlns:a16="http://schemas.microsoft.com/office/drawing/2014/main" id="{C6C5EB3A-FB63-FB5A-8B3F-738C6106B5DC}"/>
+      <p:sp>
+        <p:nvSpPr>
+          <p:cNvPr id="3" name="テキスト ボックス 2">
+            <a:extLst>
+              <a:ext uri="{FF2B5EF4-FFF2-40B4-BE49-F238E27FC236}">
+                <a16:creationId xmlns:a16="http://schemas.microsoft.com/office/drawing/2014/main" id="{A56470E7-7877-FB48-BE1B-9289B7465DBE}"/>
               </a:ext>
             </a:extLst>
           </p:cNvPr>
@@ -6642,8 +8249,8 @@
         </p:nvSpPr>
         <p:spPr>
           <a:xfrm>
-            <a:off x="10927080" y="929116"/>
-            <a:ext cx="1107996" cy="369332"/>
+            <a:off x="3841217" y="6139166"/>
+            <a:ext cx="4509568" cy="646331"/>
           </a:xfrm>
           <a:prstGeom prst="rect">
             <a:avLst/>
@@ -6656,66 +8263,21 @@
           </a:bodyPr>
           <a:lstStyle/>
           <a:p>
-            <a:r>
-              <a:rPr kumimoji="1" lang="ja-JP" altLang="en-US" dirty="0">
-                <a:solidFill>
-                  <a:srgbClr val="FF0000"/>
-                </a:solidFill>
-                <a:latin typeface="HG創英角ｺﾞｼｯｸUB" panose="020B0909000000000000" pitchFamily="49" charset="-128"/>
-                <a:ea typeface="HG創英角ｺﾞｼｯｸUB" panose="020B0909000000000000" pitchFamily="49" charset="-128"/>
-                <a:cs typeface="ADLaM Display" panose="020F0502020204030204" pitchFamily="2" charset="0"/>
-              </a:rPr>
-              <a:t>ホネット</a:t>
-            </a:r>
-          </a:p>
-        </p:txBody>
-      </p:sp>
-      <p:sp>
-        <p:nvSpPr>
-          <p:cNvPr id="2" name="テキスト ボックス 1">
-            <a:extLst>
-              <a:ext uri="{FF2B5EF4-FFF2-40B4-BE49-F238E27FC236}">
-                <a16:creationId xmlns:a16="http://schemas.microsoft.com/office/drawing/2014/main" id="{BD35C3F5-0AEE-C290-9C0C-15B88065129D}"/>
-              </a:ext>
-            </a:extLst>
-          </p:cNvPr>
-          <p:cNvSpPr txBox="1"/>
-          <p:nvPr/>
-        </p:nvSpPr>
-        <p:spPr>
-          <a:xfrm>
-            <a:off x="283464" y="153663"/>
-            <a:ext cx="3719576" cy="1107996"/>
-          </a:xfrm>
-          <a:prstGeom prst="rect">
-            <a:avLst/>
-          </a:prstGeom>
-          <a:noFill/>
-        </p:spPr>
-        <p:txBody>
-          <a:bodyPr wrap="square">
-            <a:spAutoFit/>
-          </a:bodyPr>
-          <a:lstStyle/>
-          <a:p>
-            <a:r>
-              <a:rPr lang="ja-JP" altLang="en-US" sz="6600" dirty="0">
-                <a:latin typeface="HG創英角ｺﾞｼｯｸUB" panose="020B0909000000000000" pitchFamily="49" charset="-128"/>
-                <a:ea typeface="HG創英角ｺﾞｼｯｸUB" panose="020B0909000000000000" pitchFamily="49" charset="-128"/>
-                <a:cs typeface="ADLaM Display" panose="020F0502020204030204" pitchFamily="2" charset="0"/>
-              </a:rPr>
-              <a:t>技術構成</a:t>
-            </a:r>
-            <a:endParaRPr lang="ja-JP" altLang="en-US" sz="6600" dirty="0"/>
+            <a:pPr algn="just"/>
+            <a:r>
+              <a:rPr lang="en-US" altLang="ja-JP" sz="3600" b="1" dirty="0"/>
+              <a:t>https://honetto.me</a:t>
+            </a:r>
+            <a:endParaRPr kumimoji="1" lang="ja-JP" altLang="en-US" sz="3600" b="1" dirty="0"/>
           </a:p>
         </p:txBody>
       </p:sp>
       <p:pic>
         <p:nvPicPr>
-          <p:cNvPr id="5" name="図 4">
-            <a:extLst>
-              <a:ext uri="{FF2B5EF4-FFF2-40B4-BE49-F238E27FC236}">
-                <a16:creationId xmlns:a16="http://schemas.microsoft.com/office/drawing/2014/main" id="{C47867D7-CC8C-49D0-7430-9F64EAE5DFBF}"/>
+          <p:cNvPr id="5" name="図 4" descr="QR コード&#10;&#10;自動的に生成された説明">
+            <a:extLst>
+              <a:ext uri="{FF2B5EF4-FFF2-40B4-BE49-F238E27FC236}">
+                <a16:creationId xmlns:a16="http://schemas.microsoft.com/office/drawing/2014/main" id="{837D33D0-FC68-7252-A068-88C9749147C0}"/>
               </a:ext>
             </a:extLst>
           </p:cNvPr>
@@ -6725,25 +8287,44 @@
           <p:nvPr/>
         </p:nvPicPr>
         <p:blipFill>
-          <a:blip r:embed="rId2"/>
+          <a:blip r:embed="rId3">
+            <a:extLst>
+              <a:ext uri="{28A0092B-C50C-407E-A947-70E740481C1C}">
+                <a14:useLocalDpi xmlns:a14="http://schemas.microsoft.com/office/drawing/2010/main" val="0"/>
+              </a:ext>
+            </a:extLst>
+          </a:blip>
           <a:stretch>
             <a:fillRect/>
           </a:stretch>
         </p:blipFill>
         <p:spPr>
           <a:xfrm>
-            <a:off x="283464" y="2043794"/>
-            <a:ext cx="11601870" cy="4194443"/>
+            <a:off x="3254716" y="257720"/>
+            <a:ext cx="5682567" cy="5682567"/>
           </a:xfrm>
           <a:prstGeom prst="rect">
             <a:avLst/>
           </a:prstGeom>
+          <a:ln w="127000" cap="sq">
+            <a:solidFill>
+              <a:srgbClr val="000000"/>
+            </a:solidFill>
+            <a:miter lim="800000"/>
+          </a:ln>
+          <a:effectLst>
+            <a:outerShdw blurRad="57150" dist="50800" dir="2700000" algn="tl" rotWithShape="0">
+              <a:srgbClr val="000000">
+                <a:alpha val="40000"/>
+              </a:srgbClr>
+            </a:outerShdw>
+          </a:effectLst>
         </p:spPr>
       </p:pic>
     </p:spTree>
     <p:extLst>
       <p:ext uri="{BB962C8B-B14F-4D97-AF65-F5344CB8AC3E}">
-        <p14:creationId xmlns:p14="http://schemas.microsoft.com/office/powerpoint/2010/main" val="3966045975"/>
+        <p14:creationId xmlns:p14="http://schemas.microsoft.com/office/powerpoint/2010/main" val="1139338333"/>
       </p:ext>
     </p:extLst>
   </p:cSld>

--- a/発表資料_vol1.pptx
+++ b/発表資料_vol1.pptx
@@ -1591,7 +1591,23 @@
               <a:rPr kumimoji="1" lang="ja-JP" altLang="en-US" dirty="0"/>
               <a:t>コードを読み込み、新規登録、ログインをすると遊べるので、遊んでみてください。</a:t>
             </a:r>
-            <a:endParaRPr kumimoji="1" lang="en-US" altLang="ja-JP" dirty="0"/>
+            <a:br>
+              <a:rPr kumimoji="1" lang="en-US" altLang="ja-JP" dirty="0"/>
+            </a:br>
+            <a:br>
+              <a:rPr kumimoji="1" lang="en-US" altLang="ja-JP" dirty="0"/>
+            </a:br>
+            <a:r>
+              <a:rPr kumimoji="1" lang="ja-JP" altLang="en-US" dirty="0"/>
+              <a:t>これ使いました。</a:t>
+            </a:r>
+            <a:br>
+              <a:rPr kumimoji="1" lang="en-US" altLang="ja-JP" dirty="0"/>
+            </a:br>
+            <a:r>
+              <a:rPr kumimoji="1" lang="en-US" altLang="ja-JP" dirty="0"/>
+              <a:t>https://qr.quel.jp/</a:t>
+            </a:r>
           </a:p>
         </p:txBody>
       </p:sp>

--- a/発表資料_vol1.pptx
+++ b/発表資料_vol1.pptx
@@ -12,11 +12,11 @@
     <p:sldId id="273" r:id="rId3"/>
     <p:sldId id="267" r:id="rId4"/>
     <p:sldId id="268" r:id="rId5"/>
-    <p:sldId id="258" r:id="rId6"/>
-    <p:sldId id="266" r:id="rId7"/>
+    <p:sldId id="266" r:id="rId6"/>
+    <p:sldId id="258" r:id="rId7"/>
     <p:sldId id="274" r:id="rId8"/>
-    <p:sldId id="259" r:id="rId9"/>
-    <p:sldId id="260" r:id="rId10"/>
+    <p:sldId id="260" r:id="rId9"/>
+    <p:sldId id="259" r:id="rId10"/>
     <p:sldId id="265" r:id="rId11"/>
     <p:sldId id="262" r:id="rId12"/>
     <p:sldId id="257" r:id="rId13"/>
@@ -210,7 +210,7 @@
           <a:p>
             <a:fld id="{E497D1ED-7691-478C-88B7-4474B83A77F1}" type="datetimeFigureOut">
               <a:rPr kumimoji="1" lang="ja-JP" altLang="en-US" smtClean="0"/>
-              <a:t>2024/8/23</a:t>
+              <a:t>2024/8/28</a:t>
             </a:fld>
             <a:endParaRPr kumimoji="1" lang="ja-JP" altLang="en-US"/>
           </a:p>
@@ -764,15 +764,7 @@
           <a:p>
             <a:r>
               <a:rPr kumimoji="1" lang="ja-JP" altLang="en-US" dirty="0"/>
-              <a:t>突然ですが皆さん。ネットで誹謗中傷したことありますか？</a:t>
-            </a:r>
-            <a:r>
-              <a:rPr kumimoji="1" lang="en-US" altLang="ja-JP" dirty="0"/>
-              <a:t>100</a:t>
-            </a:r>
-            <a:r>
-              <a:rPr kumimoji="1" lang="ja-JP" altLang="en-US" dirty="0"/>
-              <a:t>人くらいいらっしゃいますから、ここの会場にも、ネットで誰かに誹謗中傷した人がいるかもしれません。</a:t>
+              <a:t>突然ですが皆さん。ネットで誹謗中傷したことありますか？皆さんはネット中毒者が多いと思いますので、ここの会場にも、誹謗中傷した人がいるかもしれません。ですが、誹謗中傷はもちろんやってはいけないことです。場合によっては人を傷つけてしまうかもしれません。</a:t>
             </a:r>
           </a:p>
         </p:txBody>
@@ -1067,7 +1059,15 @@
           <a:p>
             <a:r>
               <a:rPr kumimoji="1" lang="ja-JP" altLang="en-US" dirty="0"/>
-              <a:t>そこで、私たちは青少年のデジタルタトゥーを抑止し、リテラシー向上を目的に、</a:t>
+              <a:t>その目的のもと、私たちが開発したのが、炎上系</a:t>
+            </a:r>
+            <a:r>
+              <a:rPr kumimoji="1" lang="en-US" altLang="ja-JP" dirty="0"/>
+              <a:t>SNS</a:t>
+            </a:r>
+            <a:r>
+              <a:rPr kumimoji="1" lang="ja-JP" altLang="en-US" dirty="0"/>
+              <a:t>「ホネット」です。ホネットは、様々なシナリオで、炎上した人になってみる。という、炎上体験ができる</a:t>
             </a:r>
             <a:r>
               <a:rPr kumimoji="1" lang="en-US" altLang="ja-JP" dirty="0"/>
@@ -1075,8 +1075,19 @@
             </a:r>
             <a:r>
               <a:rPr kumimoji="1" lang="ja-JP" altLang="en-US" dirty="0"/>
-              <a:t>アプリ開発をしようと考えました。</a:t>
-            </a:r>
+              <a:t>アプリです。</a:t>
+            </a:r>
+            <a:endParaRPr kumimoji="1" lang="en-US" altLang="ja-JP" dirty="0"/>
+          </a:p>
+          <a:p>
+            <a:endParaRPr kumimoji="1" lang="en-US" altLang="ja-JP" dirty="0"/>
+          </a:p>
+          <a:p>
+            <a:r>
+              <a:rPr kumimoji="1" lang="ja-JP" altLang="en-US" dirty="0"/>
+              <a:t>ユーザはどの投稿をするか？などの選択をし、シナリオを進めていきます。シナリオを進めていくにつれてユーザがした投稿が炎上し、ユーザは炎上を体験できます。</a:t>
+            </a:r>
+            <a:endParaRPr kumimoji="1" lang="en-US" altLang="ja-JP" dirty="0"/>
           </a:p>
         </p:txBody>
       </p:sp>
@@ -1106,7 +1117,7 @@
     </p:spTree>
     <p:extLst>
       <p:ext uri="{BB962C8B-B14F-4D97-AF65-F5344CB8AC3E}">
-        <p14:creationId xmlns:p14="http://schemas.microsoft.com/office/powerpoint/2010/main" val="3256341768"/>
+        <p14:creationId xmlns:p14="http://schemas.microsoft.com/office/powerpoint/2010/main" val="2988587270"/>
       </p:ext>
     </p:extLst>
   </p:cSld>
@@ -1162,15 +1173,7 @@
           <a:p>
             <a:r>
               <a:rPr kumimoji="1" lang="ja-JP" altLang="en-US" dirty="0"/>
-              <a:t>その目的のもと、私たちが開発したのが、炎上系</a:t>
-            </a:r>
-            <a:r>
-              <a:rPr kumimoji="1" lang="en-US" altLang="ja-JP" dirty="0"/>
-              <a:t>SNS</a:t>
-            </a:r>
-            <a:r>
-              <a:rPr kumimoji="1" lang="ja-JP" altLang="en-US" dirty="0"/>
-              <a:t>「ホネット」です。ホネットは、様々なシナリオで、炎上した人になってみる。という、炎上体験ができる</a:t>
+              <a:t>そこで、私たちは青少年のデジタルタトゥーを抑止し、リテラシー向上を目的に、</a:t>
             </a:r>
             <a:r>
               <a:rPr kumimoji="1" lang="en-US" altLang="ja-JP" dirty="0"/>
@@ -1178,19 +1181,15 @@
             </a:r>
             <a:r>
               <a:rPr kumimoji="1" lang="ja-JP" altLang="en-US" dirty="0"/>
-              <a:t>アプリです。</a:t>
-            </a:r>
-            <a:endParaRPr kumimoji="1" lang="en-US" altLang="ja-JP" dirty="0"/>
-          </a:p>
-          <a:p>
-            <a:endParaRPr kumimoji="1" lang="en-US" altLang="ja-JP" dirty="0"/>
-          </a:p>
-          <a:p>
+              <a:t>アプリ開発をしようと考えました。</a:t>
+            </a:r>
+            <a:br>
+              <a:rPr kumimoji="1" lang="en-US" altLang="ja-JP" dirty="0"/>
+            </a:br>
             <a:r>
               <a:rPr kumimoji="1" lang="ja-JP" altLang="en-US" dirty="0"/>
-              <a:t>ユーザはどの投稿をするか？などの選択をし、シナリオを進めていきます。シナリオを進めていくにつれてユーザがした投稿が炎上し、ユーザは炎上を体験できます。</a:t>
-            </a:r>
-            <a:endParaRPr kumimoji="1" lang="en-US" altLang="ja-JP" dirty="0"/>
+              <a:t>目的が</a:t>
+            </a:r>
           </a:p>
         </p:txBody>
       </p:sp>
@@ -1220,7 +1219,7 @@
     </p:spTree>
     <p:extLst>
       <p:ext uri="{BB962C8B-B14F-4D97-AF65-F5344CB8AC3E}">
-        <p14:creationId xmlns:p14="http://schemas.microsoft.com/office/powerpoint/2010/main" val="2988587270"/>
+        <p14:creationId xmlns:p14="http://schemas.microsoft.com/office/powerpoint/2010/main" val="3256341768"/>
       </p:ext>
     </p:extLst>
   </p:cSld>
@@ -1371,14 +1370,23 @@
           <a:p>
             <a:r>
               <a:rPr kumimoji="1" lang="ja-JP" altLang="en-US" dirty="0"/>
-              <a:t>技術構成は以下の通りです。</a:t>
-            </a:r>
-            <a:br>
+              <a:t>今回私たちは</a:t>
+            </a:r>
+            <a:r>
               <a:rPr kumimoji="1" lang="en-US" altLang="ja-JP" dirty="0"/>
-            </a:br>
+              <a:t>web</a:t>
+            </a:r>
             <a:r>
               <a:rPr kumimoji="1" lang="ja-JP" altLang="en-US" dirty="0"/>
-              <a:t>フロントエンドでゲームの進行と描画、バックエンドでログイン情報などの管理などをしています。</a:t>
+              <a:t>にホネットをデプロイしました。こちらの</a:t>
+            </a:r>
+            <a:r>
+              <a:rPr kumimoji="1" lang="en-US" altLang="ja-JP" dirty="0"/>
+              <a:t>QR</a:t>
+            </a:r>
+            <a:r>
+              <a:rPr kumimoji="1" lang="ja-JP" altLang="en-US" dirty="0"/>
+              <a:t>コードを読み込み、新規登録、ログインをすると遊べるので、遊んでみてください。</a:t>
             </a:r>
             <a:br>
               <a:rPr kumimoji="1" lang="en-US" altLang="ja-JP" dirty="0"/>
@@ -1387,88 +1395,15 @@
               <a:rPr kumimoji="1" lang="en-US" altLang="ja-JP" dirty="0"/>
             </a:br>
             <a:r>
-              <a:rPr kumimoji="1" lang="en-US" altLang="ja-JP" dirty="0"/>
-              <a:t>HTML</a:t>
-            </a:r>
-            <a:r>
               <a:rPr kumimoji="1" lang="ja-JP" altLang="en-US" dirty="0"/>
-              <a:t>ロゴ利用規約</a:t>
+              <a:t>これ使いました。</a:t>
             </a:r>
             <a:br>
               <a:rPr kumimoji="1" lang="en-US" altLang="ja-JP" dirty="0"/>
             </a:br>
             <a:r>
               <a:rPr kumimoji="1" lang="en-US" altLang="ja-JP" dirty="0"/>
-              <a:t>https://www.w3.org/html/logo/#downloads</a:t>
-            </a:r>
-          </a:p>
-          <a:p>
-            <a:r>
-              <a:rPr kumimoji="1" lang="en-US" altLang="ja-JP" dirty="0"/>
-              <a:t>CSS</a:t>
-            </a:r>
-            <a:r>
-              <a:rPr kumimoji="1" lang="ja-JP" altLang="en-US" dirty="0"/>
-              <a:t>ロゴ利用規約</a:t>
-            </a:r>
-            <a:endParaRPr kumimoji="1" lang="en-US" altLang="ja-JP" dirty="0"/>
-          </a:p>
-          <a:p>
-            <a:r>
-              <a:rPr kumimoji="1" lang="en-US" altLang="ja-JP" dirty="0"/>
-              <a:t>https://icon-icons.com/ja/%E3%82%A2%E3%82%A4%E3%82%B3%E3%83%B3/css3-%E5%B9%B3%E9%87%8E-%E3%83%AD%E3%82%B4/146573</a:t>
-            </a:r>
-            <a:br>
-              <a:rPr kumimoji="1" lang="en-US" altLang="ja-JP" dirty="0"/>
-            </a:br>
-            <a:r>
-              <a:rPr kumimoji="1" lang="en-US" altLang="ja-JP" dirty="0"/>
-              <a:t>JS</a:t>
-            </a:r>
-            <a:r>
-              <a:rPr kumimoji="1" lang="ja-JP" altLang="en-US" dirty="0"/>
-              <a:t>ロゴ非公式</a:t>
-            </a:r>
-            <a:endParaRPr kumimoji="1" lang="en-US" altLang="ja-JP" dirty="0"/>
-          </a:p>
-          <a:p>
-            <a:r>
-              <a:rPr kumimoji="1" lang="en-US" altLang="ja-JP" dirty="0"/>
-              <a:t>https://github.com/voodootikigod/logo.js/blob/master/js.png</a:t>
-            </a:r>
-          </a:p>
-          <a:p>
-            <a:r>
-              <a:rPr kumimoji="1" lang="en-US" altLang="ja-JP" dirty="0"/>
-              <a:t>PHP</a:t>
-            </a:r>
-            <a:r>
-              <a:rPr kumimoji="1" lang="ja-JP" altLang="en-US" dirty="0"/>
-              <a:t>ロゴ利用規約</a:t>
-            </a:r>
-            <a:br>
-              <a:rPr kumimoji="1" lang="en-US" altLang="ja-JP" dirty="0"/>
-            </a:br>
-            <a:r>
-              <a:rPr kumimoji="1" lang="en-US" altLang="ja-JP" dirty="0"/>
-              <a:t>https://www.php.net/download-logos.php</a:t>
-            </a:r>
-          </a:p>
-          <a:p>
-            <a:r>
-              <a:rPr kumimoji="1" lang="en-US" altLang="ja-JP" dirty="0"/>
-              <a:t>MariaDB</a:t>
-            </a:r>
-            <a:r>
-              <a:rPr kumimoji="1" lang="ja-JP" altLang="en-US" dirty="0"/>
-              <a:t>ロゴ利用規約</a:t>
-            </a:r>
-            <a:br>
-              <a:rPr kumimoji="1" lang="en-US" altLang="ja-JP" dirty="0"/>
-            </a:br>
-            <a:r>
-              <a:rPr kumimoji="1" lang="en-US" altLang="ja-JP" dirty="0"/>
-              <a:t>https://mariadb.com/about-us/logos/</a:t>
+              <a:t>https://qr.quel.jp/</a:t>
             </a:r>
             <a:br>
               <a:rPr kumimoji="1" lang="en-US" altLang="ja-JP" dirty="0"/>
@@ -1476,18 +1411,7 @@
             <a:br>
               <a:rPr kumimoji="1" lang="en-US" altLang="ja-JP" dirty="0"/>
             </a:br>
-            <a:r>
-              <a:rPr kumimoji="1" lang="ja-JP" altLang="en-US" dirty="0"/>
-              <a:t>便利なやつ。</a:t>
-            </a:r>
-            <a:br>
-              <a:rPr kumimoji="1" lang="en-US" altLang="ja-JP" dirty="0"/>
-            </a:br>
-            <a:r>
-              <a:rPr kumimoji="1" lang="en-US" altLang="ja-JP" dirty="0"/>
-              <a:t>https://qiita.com/Ry0xi/items/857687c892f783955fe1</a:t>
-            </a:r>
-            <a:endParaRPr kumimoji="1" lang="ja-JP" altLang="en-US" dirty="0"/>
+            <a:endParaRPr kumimoji="1" lang="en-US" altLang="ja-JP" dirty="0"/>
           </a:p>
         </p:txBody>
       </p:sp>
@@ -1517,7 +1441,7 @@
     </p:spTree>
     <p:extLst>
       <p:ext uri="{BB962C8B-B14F-4D97-AF65-F5344CB8AC3E}">
-        <p14:creationId xmlns:p14="http://schemas.microsoft.com/office/powerpoint/2010/main" val="1100095749"/>
+        <p14:creationId xmlns:p14="http://schemas.microsoft.com/office/powerpoint/2010/main" val="53305224"/>
       </p:ext>
     </p:extLst>
   </p:cSld>
@@ -1573,23 +1497,14 @@
           <a:p>
             <a:r>
               <a:rPr kumimoji="1" lang="ja-JP" altLang="en-US" dirty="0"/>
-              <a:t>今回私たちは</a:t>
-            </a:r>
-            <a:r>
+              <a:t>技術構成は以下の通りです。</a:t>
+            </a:r>
+            <a:br>
               <a:rPr kumimoji="1" lang="en-US" altLang="ja-JP" dirty="0"/>
-              <a:t>web</a:t>
-            </a:r>
+            </a:br>
             <a:r>
               <a:rPr kumimoji="1" lang="ja-JP" altLang="en-US" dirty="0"/>
-              <a:t>にホネットをデプロイしました。こちらの</a:t>
-            </a:r>
-            <a:r>
-              <a:rPr kumimoji="1" lang="en-US" altLang="ja-JP" dirty="0"/>
-              <a:t>QR</a:t>
-            </a:r>
-            <a:r>
-              <a:rPr kumimoji="1" lang="ja-JP" altLang="en-US" dirty="0"/>
-              <a:t>コードを読み込み、新規登録、ログインをすると遊べるので、遊んでみてください。</a:t>
+              <a:t>フロントエンドでゲームの進行と描画、バックエンドでログイン情報などの管理などをしています。</a:t>
             </a:r>
             <a:br>
               <a:rPr kumimoji="1" lang="en-US" altLang="ja-JP" dirty="0"/>
@@ -1598,16 +1513,107 @@
               <a:rPr kumimoji="1" lang="en-US" altLang="ja-JP" dirty="0"/>
             </a:br>
             <a:r>
+              <a:rPr kumimoji="1" lang="en-US" altLang="ja-JP" dirty="0"/>
+              <a:t>HTML</a:t>
+            </a:r>
+            <a:r>
               <a:rPr kumimoji="1" lang="ja-JP" altLang="en-US" dirty="0"/>
-              <a:t>これ使いました。</a:t>
+              <a:t>ロゴ利用規約</a:t>
             </a:r>
             <a:br>
               <a:rPr kumimoji="1" lang="en-US" altLang="ja-JP" dirty="0"/>
             </a:br>
             <a:r>
               <a:rPr kumimoji="1" lang="en-US" altLang="ja-JP" dirty="0"/>
-              <a:t>https://qr.quel.jp/</a:t>
-            </a:r>
+              <a:t>https://www.w3.org/html/logo/#downloads</a:t>
+            </a:r>
+          </a:p>
+          <a:p>
+            <a:r>
+              <a:rPr kumimoji="1" lang="en-US" altLang="ja-JP" dirty="0"/>
+              <a:t>CSS</a:t>
+            </a:r>
+            <a:r>
+              <a:rPr kumimoji="1" lang="ja-JP" altLang="en-US" dirty="0"/>
+              <a:t>ロゴ利用規約</a:t>
+            </a:r>
+            <a:endParaRPr kumimoji="1" lang="en-US" altLang="ja-JP" dirty="0"/>
+          </a:p>
+          <a:p>
+            <a:r>
+              <a:rPr kumimoji="1" lang="en-US" altLang="ja-JP" dirty="0"/>
+              <a:t>https://icon-icons.com/ja/%E3%82%A2%E3%82%A4%E3%82%B3%E3%83%B3/css3-%E5%B9%B3%E9%87%8E-%E3%83%AD%E3%82%B4/146573</a:t>
+            </a:r>
+            <a:br>
+              <a:rPr kumimoji="1" lang="en-US" altLang="ja-JP" dirty="0"/>
+            </a:br>
+            <a:r>
+              <a:rPr kumimoji="1" lang="en-US" altLang="ja-JP" dirty="0"/>
+              <a:t>JS</a:t>
+            </a:r>
+            <a:r>
+              <a:rPr kumimoji="1" lang="ja-JP" altLang="en-US" dirty="0"/>
+              <a:t>ロゴ非公式</a:t>
+            </a:r>
+            <a:endParaRPr kumimoji="1" lang="en-US" altLang="ja-JP" dirty="0"/>
+          </a:p>
+          <a:p>
+            <a:r>
+              <a:rPr kumimoji="1" lang="en-US" altLang="ja-JP" dirty="0"/>
+              <a:t>https://github.com/voodootikigod/logo.js/blob/master/js.png</a:t>
+            </a:r>
+          </a:p>
+          <a:p>
+            <a:r>
+              <a:rPr kumimoji="1" lang="en-US" altLang="ja-JP" dirty="0"/>
+              <a:t>PHP</a:t>
+            </a:r>
+            <a:r>
+              <a:rPr kumimoji="1" lang="ja-JP" altLang="en-US" dirty="0"/>
+              <a:t>ロゴ利用規約</a:t>
+            </a:r>
+            <a:br>
+              <a:rPr kumimoji="1" lang="en-US" altLang="ja-JP" dirty="0"/>
+            </a:br>
+            <a:r>
+              <a:rPr kumimoji="1" lang="en-US" altLang="ja-JP" dirty="0"/>
+              <a:t>https://www.php.net/download-logos.php</a:t>
+            </a:r>
+          </a:p>
+          <a:p>
+            <a:r>
+              <a:rPr kumimoji="1" lang="en-US" altLang="ja-JP" dirty="0"/>
+              <a:t>MariaDB</a:t>
+            </a:r>
+            <a:r>
+              <a:rPr kumimoji="1" lang="ja-JP" altLang="en-US" dirty="0"/>
+              <a:t>ロゴ利用規約</a:t>
+            </a:r>
+            <a:br>
+              <a:rPr kumimoji="1" lang="en-US" altLang="ja-JP" dirty="0"/>
+            </a:br>
+            <a:r>
+              <a:rPr kumimoji="1" lang="en-US" altLang="ja-JP" dirty="0"/>
+              <a:t>https://mariadb.com/about-us/logos/</a:t>
+            </a:r>
+            <a:br>
+              <a:rPr kumimoji="1" lang="en-US" altLang="ja-JP" dirty="0"/>
+            </a:br>
+            <a:br>
+              <a:rPr kumimoji="1" lang="en-US" altLang="ja-JP" dirty="0"/>
+            </a:br>
+            <a:r>
+              <a:rPr kumimoji="1" lang="ja-JP" altLang="en-US" dirty="0"/>
+              <a:t>便利なやつ。</a:t>
+            </a:r>
+            <a:br>
+              <a:rPr kumimoji="1" lang="en-US" altLang="ja-JP" dirty="0"/>
+            </a:br>
+            <a:r>
+              <a:rPr kumimoji="1" lang="en-US" altLang="ja-JP" dirty="0"/>
+              <a:t>https://qiita.com/Ry0xi/items/857687c892f783955fe1</a:t>
+            </a:r>
+            <a:endParaRPr kumimoji="1" lang="ja-JP" altLang="en-US" dirty="0"/>
           </a:p>
         </p:txBody>
       </p:sp>
@@ -1637,7 +1643,7 @@
     </p:spTree>
     <p:extLst>
       <p:ext uri="{BB962C8B-B14F-4D97-AF65-F5344CB8AC3E}">
-        <p14:creationId xmlns:p14="http://schemas.microsoft.com/office/powerpoint/2010/main" val="53305224"/>
+        <p14:creationId xmlns:p14="http://schemas.microsoft.com/office/powerpoint/2010/main" val="1100095749"/>
       </p:ext>
     </p:extLst>
   </p:cSld>
@@ -1794,7 +1800,7 @@
           <a:p>
             <a:fld id="{3136D0B9-A312-46E8-AB5D-EEF67B3DD833}" type="datetimeFigureOut">
               <a:rPr kumimoji="1" lang="ja-JP" altLang="en-US" smtClean="0"/>
-              <a:t>2024/8/23</a:t>
+              <a:t>2024/8/28</a:t>
             </a:fld>
             <a:endParaRPr kumimoji="1" lang="ja-JP" altLang="en-US"/>
           </a:p>
@@ -2024,7 +2030,7 @@
           <a:p>
             <a:fld id="{3136D0B9-A312-46E8-AB5D-EEF67B3DD833}" type="datetimeFigureOut">
               <a:rPr kumimoji="1" lang="ja-JP" altLang="en-US" smtClean="0"/>
-              <a:t>2024/8/23</a:t>
+              <a:t>2024/8/28</a:t>
             </a:fld>
             <a:endParaRPr kumimoji="1" lang="ja-JP" altLang="en-US"/>
           </a:p>
@@ -2264,7 +2270,7 @@
           <a:p>
             <a:fld id="{3136D0B9-A312-46E8-AB5D-EEF67B3DD833}" type="datetimeFigureOut">
               <a:rPr kumimoji="1" lang="ja-JP" altLang="en-US" smtClean="0"/>
-              <a:t>2024/8/23</a:t>
+              <a:t>2024/8/28</a:t>
             </a:fld>
             <a:endParaRPr kumimoji="1" lang="ja-JP" altLang="en-US"/>
           </a:p>
@@ -2494,7 +2500,7 @@
           <a:p>
             <a:fld id="{3136D0B9-A312-46E8-AB5D-EEF67B3DD833}" type="datetimeFigureOut">
               <a:rPr kumimoji="1" lang="ja-JP" altLang="en-US" smtClean="0"/>
-              <a:t>2024/8/23</a:t>
+              <a:t>2024/8/28</a:t>
             </a:fld>
             <a:endParaRPr kumimoji="1" lang="ja-JP" altLang="en-US"/>
           </a:p>
@@ -2769,7 +2775,7 @@
           <a:p>
             <a:fld id="{3136D0B9-A312-46E8-AB5D-EEF67B3DD833}" type="datetimeFigureOut">
               <a:rPr kumimoji="1" lang="ja-JP" altLang="en-US" smtClean="0"/>
-              <a:t>2024/8/23</a:t>
+              <a:t>2024/8/28</a:t>
             </a:fld>
             <a:endParaRPr kumimoji="1" lang="ja-JP" altLang="en-US"/>
           </a:p>
@@ -3098,7 +3104,7 @@
           <a:p>
             <a:fld id="{3136D0B9-A312-46E8-AB5D-EEF67B3DD833}" type="datetimeFigureOut">
               <a:rPr kumimoji="1" lang="ja-JP" altLang="en-US" smtClean="0"/>
-              <a:t>2024/8/23</a:t>
+              <a:t>2024/8/28</a:t>
             </a:fld>
             <a:endParaRPr kumimoji="1" lang="ja-JP" altLang="en-US"/>
           </a:p>
@@ -3574,7 +3580,7 @@
           <a:p>
             <a:fld id="{3136D0B9-A312-46E8-AB5D-EEF67B3DD833}" type="datetimeFigureOut">
               <a:rPr kumimoji="1" lang="ja-JP" altLang="en-US" smtClean="0"/>
-              <a:t>2024/8/23</a:t>
+              <a:t>2024/8/28</a:t>
             </a:fld>
             <a:endParaRPr kumimoji="1" lang="ja-JP" altLang="en-US"/>
           </a:p>
@@ -3715,7 +3721,7 @@
           <a:p>
             <a:fld id="{3136D0B9-A312-46E8-AB5D-EEF67B3DD833}" type="datetimeFigureOut">
               <a:rPr kumimoji="1" lang="ja-JP" altLang="en-US" smtClean="0"/>
-              <a:t>2024/8/23</a:t>
+              <a:t>2024/8/28</a:t>
             </a:fld>
             <a:endParaRPr kumimoji="1" lang="ja-JP" altLang="en-US"/>
           </a:p>
@@ -3828,7 +3834,7 @@
           <a:p>
             <a:fld id="{3136D0B9-A312-46E8-AB5D-EEF67B3DD833}" type="datetimeFigureOut">
               <a:rPr kumimoji="1" lang="ja-JP" altLang="en-US" smtClean="0"/>
-              <a:t>2024/8/23</a:t>
+              <a:t>2024/8/28</a:t>
             </a:fld>
             <a:endParaRPr kumimoji="1" lang="ja-JP" altLang="en-US"/>
           </a:p>
@@ -4171,7 +4177,7 @@
           <a:p>
             <a:fld id="{3136D0B9-A312-46E8-AB5D-EEF67B3DD833}" type="datetimeFigureOut">
               <a:rPr kumimoji="1" lang="ja-JP" altLang="en-US" smtClean="0"/>
-              <a:t>2024/8/23</a:t>
+              <a:t>2024/8/28</a:t>
             </a:fld>
             <a:endParaRPr kumimoji="1" lang="ja-JP" altLang="en-US"/>
           </a:p>
@@ -4459,7 +4465,7 @@
           <a:p>
             <a:fld id="{3136D0B9-A312-46E8-AB5D-EEF67B3DD833}" type="datetimeFigureOut">
               <a:rPr kumimoji="1" lang="ja-JP" altLang="en-US" smtClean="0"/>
-              <a:t>2024/8/23</a:t>
+              <a:t>2024/8/28</a:t>
             </a:fld>
             <a:endParaRPr kumimoji="1" lang="ja-JP" altLang="en-US"/>
           </a:p>
@@ -4732,7 +4738,7 @@
           <a:p>
             <a:fld id="{3136D0B9-A312-46E8-AB5D-EEF67B3DD833}" type="datetimeFigureOut">
               <a:rPr kumimoji="1" lang="ja-JP" altLang="en-US" smtClean="0"/>
-              <a:t>2024/8/23</a:t>
+              <a:t>2024/8/28</a:t>
             </a:fld>
             <a:endParaRPr kumimoji="1" lang="ja-JP" altLang="en-US"/>
           </a:p>
@@ -6521,6 +6527,45 @@
           </a:p>
         </p:txBody>
       </p:sp>
+      <p:sp>
+        <p:nvSpPr>
+          <p:cNvPr id="2" name="テキスト ボックス 1">
+            <a:extLst>
+              <a:ext uri="{FF2B5EF4-FFF2-40B4-BE49-F238E27FC236}">
+                <a16:creationId xmlns:a16="http://schemas.microsoft.com/office/drawing/2014/main" id="{2ED93208-8512-EA3F-9A9B-F7982E9FDB07}"/>
+              </a:ext>
+            </a:extLst>
+          </p:cNvPr>
+          <p:cNvSpPr txBox="1"/>
+          <p:nvPr/>
+        </p:nvSpPr>
+        <p:spPr>
+          <a:xfrm>
+            <a:off x="2268378" y="-1135825"/>
+            <a:ext cx="7879080" cy="9325630"/>
+          </a:xfrm>
+          <a:prstGeom prst="rect">
+            <a:avLst/>
+          </a:prstGeom>
+          <a:noFill/>
+        </p:spPr>
+        <p:txBody>
+          <a:bodyPr wrap="none" rtlCol="0">
+            <a:spAutoFit/>
+          </a:bodyPr>
+          <a:lstStyle/>
+          <a:p>
+            <a:r>
+              <a:rPr kumimoji="1" lang="ja-JP" altLang="en-US" sz="60000" dirty="0">
+                <a:solidFill>
+                  <a:srgbClr val="FF0000"/>
+                </a:solidFill>
+              </a:rPr>
+              <a:t>✘</a:t>
+            </a:r>
+          </a:p>
+        </p:txBody>
+      </p:sp>
     </p:spTree>
     <p:extLst>
       <p:ext uri="{BB962C8B-B14F-4D97-AF65-F5344CB8AC3E}">
@@ -6531,6 +6576,84 @@
   <p:clrMapOvr>
     <a:masterClrMapping/>
   </p:clrMapOvr>
+  <p:timing>
+    <p:tnLst>
+      <p:par>
+        <p:cTn id="1" dur="indefinite" restart="never" nodeType="tmRoot">
+          <p:childTnLst>
+            <p:seq concurrent="1" nextAc="seek">
+              <p:cTn id="2" dur="indefinite" nodeType="mainSeq">
+                <p:childTnLst>
+                  <p:par>
+                    <p:cTn id="3" fill="hold">
+                      <p:stCondLst>
+                        <p:cond delay="indefinite"/>
+                      </p:stCondLst>
+                      <p:childTnLst>
+                        <p:par>
+                          <p:cTn id="4" fill="hold">
+                            <p:stCondLst>
+                              <p:cond delay="0"/>
+                            </p:stCondLst>
+                            <p:childTnLst>
+                              <p:par>
+                                <p:cTn id="5" presetID="1" presetClass="entr" presetSubtype="0" fill="hold" grpId="0" nodeType="clickEffect">
+                                  <p:stCondLst>
+                                    <p:cond delay="0"/>
+                                  </p:stCondLst>
+                                  <p:childTnLst>
+                                    <p:set>
+                                      <p:cBhvr>
+                                        <p:cTn id="6" dur="1" fill="hold">
+                                          <p:stCondLst>
+                                            <p:cond delay="0"/>
+                                          </p:stCondLst>
+                                        </p:cTn>
+                                        <p:tgtEl>
+                                          <p:spTgt spid="2"/>
+                                        </p:tgtEl>
+                                        <p:attrNameLst>
+                                          <p:attrName>style.visibility</p:attrName>
+                                        </p:attrNameLst>
+                                      </p:cBhvr>
+                                      <p:to>
+                                        <p:strVal val="visible"/>
+                                      </p:to>
+                                    </p:set>
+                                  </p:childTnLst>
+                                </p:cTn>
+                              </p:par>
+                            </p:childTnLst>
+                          </p:cTn>
+                        </p:par>
+                      </p:childTnLst>
+                    </p:cTn>
+                  </p:par>
+                </p:childTnLst>
+              </p:cTn>
+              <p:prevCondLst>
+                <p:cond evt="onPrev" delay="0">
+                  <p:tgtEl>
+                    <p:sldTgt/>
+                  </p:tgtEl>
+                </p:cond>
+              </p:prevCondLst>
+              <p:nextCondLst>
+                <p:cond evt="onNext" delay="0">
+                  <p:tgtEl>
+                    <p:sldTgt/>
+                  </p:tgtEl>
+                </p:cond>
+              </p:nextCondLst>
+            </p:seq>
+          </p:childTnLst>
+        </p:cTn>
+      </p:par>
+    </p:tnLst>
+    <p:bldLst>
+      <p:bldP spid="2" grpId="0"/>
+    </p:bldLst>
+  </p:timing>
 </p:sld>
 </file>
 
@@ -6973,6 +7096,42 @@
           <a:chExt cx="0" cy="0"/>
         </a:xfrm>
       </p:grpSpPr>
+      <p:pic>
+        <p:nvPicPr>
+          <p:cNvPr id="20" name="図 19" descr="携帯電話の画面&#10;&#10;自動的に生成された説明">
+            <a:extLst>
+              <a:ext uri="{FF2B5EF4-FFF2-40B4-BE49-F238E27FC236}">
+                <a16:creationId xmlns:a16="http://schemas.microsoft.com/office/drawing/2014/main" id="{D2302BC5-3492-F98C-A24A-A1F6FFD25689}"/>
+              </a:ext>
+            </a:extLst>
+          </p:cNvPr>
+          <p:cNvPicPr>
+            <a:picLocks noChangeAspect="1"/>
+          </p:cNvPicPr>
+          <p:nvPr/>
+        </p:nvPicPr>
+        <p:blipFill>
+          <a:blip r:embed="rId3">
+            <a:extLst>
+              <a:ext uri="{28A0092B-C50C-407E-A947-70E740481C1C}">
+                <a14:useLocalDpi xmlns:a14="http://schemas.microsoft.com/office/drawing/2010/main" val="0"/>
+              </a:ext>
+            </a:extLst>
+          </a:blip>
+          <a:stretch>
+            <a:fillRect/>
+          </a:stretch>
+        </p:blipFill>
+        <p:spPr>
+          <a:xfrm>
+            <a:off x="1294183" y="1371814"/>
+            <a:ext cx="2713423" cy="5157002"/>
+          </a:xfrm>
+          <a:prstGeom prst="rect">
+            <a:avLst/>
+          </a:prstGeom>
+        </p:spPr>
+      </p:pic>
       <p:cxnSp>
         <p:nvCxnSpPr>
           <p:cNvPr id="4" name="直線コネクタ 3">
@@ -7060,10 +7219,10 @@
       </p:sp>
       <p:sp>
         <p:nvSpPr>
-          <p:cNvPr id="2" name="テキスト ボックス 1">
-            <a:extLst>
-              <a:ext uri="{FF2B5EF4-FFF2-40B4-BE49-F238E27FC236}">
-                <a16:creationId xmlns:a16="http://schemas.microsoft.com/office/drawing/2014/main" id="{38FBF9F5-4228-58A4-A265-E439175CE7D1}"/>
+          <p:cNvPr id="11" name="テキスト ボックス 10">
+            <a:extLst>
+              <a:ext uri="{FF2B5EF4-FFF2-40B4-BE49-F238E27FC236}">
+                <a16:creationId xmlns:a16="http://schemas.microsoft.com/office/drawing/2014/main" id="{7ACE9048-F3BD-4B14-8DED-C4504E34B1DF}"/>
               </a:ext>
             </a:extLst>
           </p:cNvPr>
@@ -7073,7 +7232,7 @@
         <p:spPr>
           <a:xfrm>
             <a:off x="283464" y="153663"/>
-            <a:ext cx="2073656" cy="1107996"/>
+            <a:ext cx="5812536" cy="1107996"/>
           </a:xfrm>
           <a:prstGeom prst="rect">
             <a:avLst/>
@@ -7092,7 +7251,7 @@
                 <a:ea typeface="HG創英角ｺﾞｼｯｸUB" panose="020B0909000000000000" pitchFamily="49" charset="-128"/>
                 <a:cs typeface="ADLaM Display" panose="020F0502020204030204" pitchFamily="2" charset="0"/>
               </a:rPr>
-              <a:t>目的</a:t>
+              <a:t>そこで・・・</a:t>
             </a:r>
             <a:endParaRPr lang="ja-JP" altLang="en-US" sz="6600" dirty="0"/>
           </a:p>
@@ -7100,10 +7259,98 @@
       </p:sp>
       <p:sp>
         <p:nvSpPr>
-          <p:cNvPr id="3" name="テキスト ボックス 2">
-            <a:extLst>
-              <a:ext uri="{FF2B5EF4-FFF2-40B4-BE49-F238E27FC236}">
-                <a16:creationId xmlns:a16="http://schemas.microsoft.com/office/drawing/2014/main" id="{C17D7FC7-5572-B451-5E2C-6640C34FF0B8}"/>
+          <p:cNvPr id="17" name="四角形: 角を丸くする 16">
+            <a:extLst>
+              <a:ext uri="{FF2B5EF4-FFF2-40B4-BE49-F238E27FC236}">
+                <a16:creationId xmlns:a16="http://schemas.microsoft.com/office/drawing/2014/main" id="{E703EFF1-1F17-23EE-44D5-6E9610869312}"/>
+              </a:ext>
+            </a:extLst>
+          </p:cNvPr>
+          <p:cNvSpPr/>
+          <p:nvPr/>
+        </p:nvSpPr>
+        <p:spPr>
+          <a:xfrm>
+            <a:off x="754379" y="4914036"/>
+            <a:ext cx="1716025" cy="1728390"/>
+          </a:xfrm>
+          <a:prstGeom prst="roundRect">
+            <a:avLst/>
+          </a:prstGeom>
+          <a:solidFill>
+            <a:schemeClr val="bg1"/>
+          </a:solidFill>
+          <a:ln>
+            <a:noFill/>
+          </a:ln>
+        </p:spPr>
+        <p:style>
+          <a:lnRef idx="2">
+            <a:schemeClr val="accent1">
+              <a:shade val="15000"/>
+            </a:schemeClr>
+          </a:lnRef>
+          <a:fillRef idx="1">
+            <a:schemeClr val="accent1"/>
+          </a:fillRef>
+          <a:effectRef idx="0">
+            <a:schemeClr val="accent1"/>
+          </a:effectRef>
+          <a:fontRef idx="minor">
+            <a:schemeClr val="lt1"/>
+          </a:fontRef>
+        </p:style>
+        <p:txBody>
+          <a:bodyPr rtlCol="0" anchor="ctr"/>
+          <a:lstStyle/>
+          <a:p>
+            <a:pPr algn="ctr"/>
+            <a:endParaRPr kumimoji="1" lang="ja-JP" altLang="en-US"/>
+          </a:p>
+        </p:txBody>
+      </p:sp>
+      <p:pic>
+        <p:nvPicPr>
+          <p:cNvPr id="15" name="図 14" descr="ロゴ&#10;&#10;自動的に生成された説明">
+            <a:extLst>
+              <a:ext uri="{FF2B5EF4-FFF2-40B4-BE49-F238E27FC236}">
+                <a16:creationId xmlns:a16="http://schemas.microsoft.com/office/drawing/2014/main" id="{D0E78E92-5593-0792-C7EF-4309F2BBDE0B}"/>
+              </a:ext>
+            </a:extLst>
+          </p:cNvPr>
+          <p:cNvPicPr>
+            <a:picLocks noChangeAspect="1"/>
+          </p:cNvPicPr>
+          <p:nvPr/>
+        </p:nvPicPr>
+        <p:blipFill>
+          <a:blip r:embed="rId4">
+            <a:extLst>
+              <a:ext uri="{28A0092B-C50C-407E-A947-70E740481C1C}">
+                <a14:useLocalDpi xmlns:a14="http://schemas.microsoft.com/office/drawing/2010/main" val="0"/>
+              </a:ext>
+            </a:extLst>
+          </a:blip>
+          <a:stretch>
+            <a:fillRect/>
+          </a:stretch>
+        </p:blipFill>
+        <p:spPr>
+          <a:xfrm>
+            <a:off x="729088" y="4901110"/>
+            <a:ext cx="1741316" cy="1741316"/>
+          </a:xfrm>
+          <a:prstGeom prst="rect">
+            <a:avLst/>
+          </a:prstGeom>
+        </p:spPr>
+      </p:pic>
+      <p:sp>
+        <p:nvSpPr>
+          <p:cNvPr id="18" name="テキスト ボックス 17">
+            <a:extLst>
+              <a:ext uri="{FF2B5EF4-FFF2-40B4-BE49-F238E27FC236}">
+                <a16:creationId xmlns:a16="http://schemas.microsoft.com/office/drawing/2014/main" id="{583B488E-F5D9-F615-4C2F-2358559CA9AA}"/>
               </a:ext>
             </a:extLst>
           </p:cNvPr>
@@ -7112,8 +7359,8 @@
         </p:nvSpPr>
         <p:spPr>
           <a:xfrm>
-            <a:off x="283464" y="1758943"/>
-            <a:ext cx="10475976" cy="1107996"/>
+            <a:off x="5668542" y="2030474"/>
+            <a:ext cx="5812536" cy="1107996"/>
           </a:xfrm>
           <a:prstGeom prst="rect">
             <a:avLst/>
@@ -7132,18 +7379,22 @@
                 <a:ea typeface="HG創英角ｺﾞｼｯｸUB" panose="020B0909000000000000" pitchFamily="49" charset="-128"/>
                 <a:cs typeface="ADLaM Display" panose="020F0502020204030204" pitchFamily="2" charset="0"/>
               </a:rPr>
-              <a:t>デジタルタトゥー防止</a:t>
-            </a:r>
-            <a:endParaRPr lang="ja-JP" altLang="en-US" sz="6600" dirty="0"/>
-          </a:p>
-        </p:txBody>
-      </p:sp>
-      <p:sp>
-        <p:nvSpPr>
-          <p:cNvPr id="5" name="テキスト ボックス 4">
-            <a:extLst>
-              <a:ext uri="{FF2B5EF4-FFF2-40B4-BE49-F238E27FC236}">
-                <a16:creationId xmlns:a16="http://schemas.microsoft.com/office/drawing/2014/main" id="{18A3CD23-7598-BA40-054D-E89DE1A18876}"/>
+              <a:t>「ホネット」</a:t>
+            </a:r>
+            <a:endParaRPr lang="en-US" altLang="ja-JP" sz="6600" dirty="0">
+              <a:latin typeface="HG創英角ｺﾞｼｯｸUB" panose="020B0909000000000000" pitchFamily="49" charset="-128"/>
+              <a:ea typeface="HG創英角ｺﾞｼｯｸUB" panose="020B0909000000000000" pitchFamily="49" charset="-128"/>
+              <a:cs typeface="ADLaM Display" panose="020F0502020204030204" pitchFamily="2" charset="0"/>
+            </a:endParaRPr>
+          </a:p>
+        </p:txBody>
+      </p:sp>
+      <p:sp>
+        <p:nvSpPr>
+          <p:cNvPr id="19" name="テキスト ボックス 18">
+            <a:extLst>
+              <a:ext uri="{FF2B5EF4-FFF2-40B4-BE49-F238E27FC236}">
+                <a16:creationId xmlns:a16="http://schemas.microsoft.com/office/drawing/2014/main" id="{7EEF6086-DD1F-3559-EA15-985A07DB790C}"/>
               </a:ext>
             </a:extLst>
           </p:cNvPr>
@@ -7152,8 +7403,8 @@
         </p:nvSpPr>
         <p:spPr>
           <a:xfrm>
-            <a:off x="283464" y="3437064"/>
-            <a:ext cx="6554216" cy="1107996"/>
+            <a:off x="5739384" y="3839281"/>
+            <a:ext cx="5812536" cy="2123658"/>
           </a:xfrm>
           <a:prstGeom prst="rect">
             <a:avLst/>
@@ -7172,39 +7423,14 @@
                 <a:ea typeface="HG創英角ｺﾞｼｯｸUB" panose="020B0909000000000000" pitchFamily="49" charset="-128"/>
                 <a:cs typeface="ADLaM Display" panose="020F0502020204030204" pitchFamily="2" charset="0"/>
               </a:rPr>
-              <a:t>リテラシー向上</a:t>
-            </a:r>
-            <a:endParaRPr lang="ja-JP" altLang="en-US" sz="6600" dirty="0"/>
-          </a:p>
-        </p:txBody>
-      </p:sp>
-      <p:sp>
-        <p:nvSpPr>
-          <p:cNvPr id="6" name="テキスト ボックス 5">
-            <a:extLst>
-              <a:ext uri="{FF2B5EF4-FFF2-40B4-BE49-F238E27FC236}">
-                <a16:creationId xmlns:a16="http://schemas.microsoft.com/office/drawing/2014/main" id="{93EECAAB-F018-D16B-4F51-AE5DD1E6B6B4}"/>
-              </a:ext>
-            </a:extLst>
-          </p:cNvPr>
-          <p:cNvSpPr txBox="1"/>
-          <p:nvPr/>
-        </p:nvSpPr>
-        <p:spPr>
-          <a:xfrm>
-            <a:off x="283464" y="5115185"/>
-            <a:ext cx="6554216" cy="1107996"/>
-          </a:xfrm>
-          <a:prstGeom prst="rect">
-            <a:avLst/>
-          </a:prstGeom>
-          <a:noFill/>
-        </p:spPr>
-        <p:txBody>
-          <a:bodyPr wrap="square">
-            <a:spAutoFit/>
-          </a:bodyPr>
-          <a:lstStyle/>
+              <a:t>様々な</a:t>
+            </a:r>
+            <a:endParaRPr lang="en-US" altLang="ja-JP" sz="6600" dirty="0">
+              <a:latin typeface="HG創英角ｺﾞｼｯｸUB" panose="020B0909000000000000" pitchFamily="49" charset="-128"/>
+              <a:ea typeface="HG創英角ｺﾞｼｯｸUB" panose="020B0909000000000000" pitchFamily="49" charset="-128"/>
+              <a:cs typeface="ADLaM Display" panose="020F0502020204030204" pitchFamily="2" charset="0"/>
+            </a:endParaRPr>
+          </a:p>
           <a:p>
             <a:r>
               <a:rPr lang="ja-JP" altLang="en-US" sz="6600" dirty="0">
@@ -7212,23 +7438,7 @@
                 <a:ea typeface="HG創英角ｺﾞｼｯｸUB" panose="020B0909000000000000" pitchFamily="49" charset="-128"/>
                 <a:cs typeface="ADLaM Display" panose="020F0502020204030204" pitchFamily="2" charset="0"/>
               </a:rPr>
-              <a:t>より良い</a:t>
-            </a:r>
-            <a:r>
-              <a:rPr lang="en-US" altLang="ja-JP" sz="6600" dirty="0">
-                <a:latin typeface="HG創英角ｺﾞｼｯｸUB" panose="020B0909000000000000" pitchFamily="49" charset="-128"/>
-                <a:ea typeface="HG創英角ｺﾞｼｯｸUB" panose="020B0909000000000000" pitchFamily="49" charset="-128"/>
-                <a:cs typeface="ADLaM Display" panose="020F0502020204030204" pitchFamily="2" charset="0"/>
-              </a:rPr>
-              <a:t>SNS</a:t>
-            </a:r>
-            <a:r>
-              <a:rPr lang="ja-JP" altLang="en-US" sz="6600" dirty="0">
-                <a:latin typeface="HG創英角ｺﾞｼｯｸUB" panose="020B0909000000000000" pitchFamily="49" charset="-128"/>
-                <a:ea typeface="HG創英角ｺﾞｼｯｸUB" panose="020B0909000000000000" pitchFamily="49" charset="-128"/>
-                <a:cs typeface="ADLaM Display" panose="020F0502020204030204" pitchFamily="2" charset="0"/>
-              </a:rPr>
-              <a:t>教育</a:t>
+              <a:t>炎上シナリオ</a:t>
             </a:r>
             <a:endParaRPr lang="ja-JP" altLang="en-US" sz="6600" dirty="0"/>
           </a:p>
@@ -7237,7 +7447,7 @@
     </p:spTree>
     <p:extLst>
       <p:ext uri="{BB962C8B-B14F-4D97-AF65-F5344CB8AC3E}">
-        <p14:creationId xmlns:p14="http://schemas.microsoft.com/office/powerpoint/2010/main" val="4149686902"/>
+        <p14:creationId xmlns:p14="http://schemas.microsoft.com/office/powerpoint/2010/main" val="4028179173"/>
       </p:ext>
     </p:extLst>
   </p:cSld>
@@ -7264,42 +7474,6 @@
           <a:chExt cx="0" cy="0"/>
         </a:xfrm>
       </p:grpSpPr>
-      <p:pic>
-        <p:nvPicPr>
-          <p:cNvPr id="20" name="図 19" descr="携帯電話の画面&#10;&#10;自動的に生成された説明">
-            <a:extLst>
-              <a:ext uri="{FF2B5EF4-FFF2-40B4-BE49-F238E27FC236}">
-                <a16:creationId xmlns:a16="http://schemas.microsoft.com/office/drawing/2014/main" id="{D2302BC5-3492-F98C-A24A-A1F6FFD25689}"/>
-              </a:ext>
-            </a:extLst>
-          </p:cNvPr>
-          <p:cNvPicPr>
-            <a:picLocks noChangeAspect="1"/>
-          </p:cNvPicPr>
-          <p:nvPr/>
-        </p:nvPicPr>
-        <p:blipFill>
-          <a:blip r:embed="rId3">
-            <a:extLst>
-              <a:ext uri="{28A0092B-C50C-407E-A947-70E740481C1C}">
-                <a14:useLocalDpi xmlns:a14="http://schemas.microsoft.com/office/drawing/2010/main" val="0"/>
-              </a:ext>
-            </a:extLst>
-          </a:blip>
-          <a:stretch>
-            <a:fillRect/>
-          </a:stretch>
-        </p:blipFill>
-        <p:spPr>
-          <a:xfrm>
-            <a:off x="1294183" y="1371814"/>
-            <a:ext cx="2713423" cy="5157002"/>
-          </a:xfrm>
-          <a:prstGeom prst="rect">
-            <a:avLst/>
-          </a:prstGeom>
-        </p:spPr>
-      </p:pic>
       <p:cxnSp>
         <p:nvCxnSpPr>
           <p:cNvPr id="4" name="直線コネクタ 3">
@@ -7387,10 +7561,10 @@
       </p:sp>
       <p:sp>
         <p:nvSpPr>
-          <p:cNvPr id="11" name="テキスト ボックス 10">
-            <a:extLst>
-              <a:ext uri="{FF2B5EF4-FFF2-40B4-BE49-F238E27FC236}">
-                <a16:creationId xmlns:a16="http://schemas.microsoft.com/office/drawing/2014/main" id="{7ACE9048-F3BD-4B14-8DED-C4504E34B1DF}"/>
+          <p:cNvPr id="2" name="テキスト ボックス 1">
+            <a:extLst>
+              <a:ext uri="{FF2B5EF4-FFF2-40B4-BE49-F238E27FC236}">
+                <a16:creationId xmlns:a16="http://schemas.microsoft.com/office/drawing/2014/main" id="{38FBF9F5-4228-58A4-A265-E439175CE7D1}"/>
               </a:ext>
             </a:extLst>
           </p:cNvPr>
@@ -7400,7 +7574,7 @@
         <p:spPr>
           <a:xfrm>
             <a:off x="283464" y="153663"/>
-            <a:ext cx="5812536" cy="1107996"/>
+            <a:ext cx="2073656" cy="1107996"/>
           </a:xfrm>
           <a:prstGeom prst="rect">
             <a:avLst/>
@@ -7419,7 +7593,7 @@
                 <a:ea typeface="HG創英角ｺﾞｼｯｸUB" panose="020B0909000000000000" pitchFamily="49" charset="-128"/>
                 <a:cs typeface="ADLaM Display" panose="020F0502020204030204" pitchFamily="2" charset="0"/>
               </a:rPr>
-              <a:t>そこで・・・</a:t>
+              <a:t>目的</a:t>
             </a:r>
             <a:endParaRPr lang="ja-JP" altLang="en-US" sz="6600" dirty="0"/>
           </a:p>
@@ -7427,98 +7601,10 @@
       </p:sp>
       <p:sp>
         <p:nvSpPr>
-          <p:cNvPr id="17" name="四角形: 角を丸くする 16">
-            <a:extLst>
-              <a:ext uri="{FF2B5EF4-FFF2-40B4-BE49-F238E27FC236}">
-                <a16:creationId xmlns:a16="http://schemas.microsoft.com/office/drawing/2014/main" id="{E703EFF1-1F17-23EE-44D5-6E9610869312}"/>
-              </a:ext>
-            </a:extLst>
-          </p:cNvPr>
-          <p:cNvSpPr/>
-          <p:nvPr/>
-        </p:nvSpPr>
-        <p:spPr>
-          <a:xfrm>
-            <a:off x="754379" y="4914036"/>
-            <a:ext cx="1716025" cy="1728390"/>
-          </a:xfrm>
-          <a:prstGeom prst="roundRect">
-            <a:avLst/>
-          </a:prstGeom>
-          <a:solidFill>
-            <a:schemeClr val="bg1"/>
-          </a:solidFill>
-          <a:ln>
-            <a:noFill/>
-          </a:ln>
-        </p:spPr>
-        <p:style>
-          <a:lnRef idx="2">
-            <a:schemeClr val="accent1">
-              <a:shade val="15000"/>
-            </a:schemeClr>
-          </a:lnRef>
-          <a:fillRef idx="1">
-            <a:schemeClr val="accent1"/>
-          </a:fillRef>
-          <a:effectRef idx="0">
-            <a:schemeClr val="accent1"/>
-          </a:effectRef>
-          <a:fontRef idx="minor">
-            <a:schemeClr val="lt1"/>
-          </a:fontRef>
-        </p:style>
-        <p:txBody>
-          <a:bodyPr rtlCol="0" anchor="ctr"/>
-          <a:lstStyle/>
-          <a:p>
-            <a:pPr algn="ctr"/>
-            <a:endParaRPr kumimoji="1" lang="ja-JP" altLang="en-US"/>
-          </a:p>
-        </p:txBody>
-      </p:sp>
-      <p:pic>
-        <p:nvPicPr>
-          <p:cNvPr id="15" name="図 14" descr="ロゴ&#10;&#10;自動的に生成された説明">
-            <a:extLst>
-              <a:ext uri="{FF2B5EF4-FFF2-40B4-BE49-F238E27FC236}">
-                <a16:creationId xmlns:a16="http://schemas.microsoft.com/office/drawing/2014/main" id="{D0E78E92-5593-0792-C7EF-4309F2BBDE0B}"/>
-              </a:ext>
-            </a:extLst>
-          </p:cNvPr>
-          <p:cNvPicPr>
-            <a:picLocks noChangeAspect="1"/>
-          </p:cNvPicPr>
-          <p:nvPr/>
-        </p:nvPicPr>
-        <p:blipFill>
-          <a:blip r:embed="rId4">
-            <a:extLst>
-              <a:ext uri="{28A0092B-C50C-407E-A947-70E740481C1C}">
-                <a14:useLocalDpi xmlns:a14="http://schemas.microsoft.com/office/drawing/2010/main" val="0"/>
-              </a:ext>
-            </a:extLst>
-          </a:blip>
-          <a:stretch>
-            <a:fillRect/>
-          </a:stretch>
-        </p:blipFill>
-        <p:spPr>
-          <a:xfrm>
-            <a:off x="729088" y="4901110"/>
-            <a:ext cx="1741316" cy="1741316"/>
-          </a:xfrm>
-          <a:prstGeom prst="rect">
-            <a:avLst/>
-          </a:prstGeom>
-        </p:spPr>
-      </p:pic>
-      <p:sp>
-        <p:nvSpPr>
-          <p:cNvPr id="18" name="テキスト ボックス 17">
-            <a:extLst>
-              <a:ext uri="{FF2B5EF4-FFF2-40B4-BE49-F238E27FC236}">
-                <a16:creationId xmlns:a16="http://schemas.microsoft.com/office/drawing/2014/main" id="{583B488E-F5D9-F615-4C2F-2358559CA9AA}"/>
+          <p:cNvPr id="3" name="テキスト ボックス 2">
+            <a:extLst>
+              <a:ext uri="{FF2B5EF4-FFF2-40B4-BE49-F238E27FC236}">
+                <a16:creationId xmlns:a16="http://schemas.microsoft.com/office/drawing/2014/main" id="{C17D7FC7-5572-B451-5E2C-6640C34FF0B8}"/>
               </a:ext>
             </a:extLst>
           </p:cNvPr>
@@ -7527,8 +7613,8 @@
         </p:nvSpPr>
         <p:spPr>
           <a:xfrm>
-            <a:off x="5668542" y="2030474"/>
-            <a:ext cx="5812536" cy="1107996"/>
+            <a:off x="283464" y="1758943"/>
+            <a:ext cx="10475976" cy="1107996"/>
           </a:xfrm>
           <a:prstGeom prst="rect">
             <a:avLst/>
@@ -7547,22 +7633,18 @@
                 <a:ea typeface="HG創英角ｺﾞｼｯｸUB" panose="020B0909000000000000" pitchFamily="49" charset="-128"/>
                 <a:cs typeface="ADLaM Display" panose="020F0502020204030204" pitchFamily="2" charset="0"/>
               </a:rPr>
-              <a:t>「ホネット」</a:t>
-            </a:r>
-            <a:endParaRPr lang="en-US" altLang="ja-JP" sz="6600" dirty="0">
-              <a:latin typeface="HG創英角ｺﾞｼｯｸUB" panose="020B0909000000000000" pitchFamily="49" charset="-128"/>
-              <a:ea typeface="HG創英角ｺﾞｼｯｸUB" panose="020B0909000000000000" pitchFamily="49" charset="-128"/>
-              <a:cs typeface="ADLaM Display" panose="020F0502020204030204" pitchFamily="2" charset="0"/>
-            </a:endParaRPr>
-          </a:p>
-        </p:txBody>
-      </p:sp>
-      <p:sp>
-        <p:nvSpPr>
-          <p:cNvPr id="19" name="テキスト ボックス 18">
-            <a:extLst>
-              <a:ext uri="{FF2B5EF4-FFF2-40B4-BE49-F238E27FC236}">
-                <a16:creationId xmlns:a16="http://schemas.microsoft.com/office/drawing/2014/main" id="{7EEF6086-DD1F-3559-EA15-985A07DB790C}"/>
+              <a:t>デジタルタトゥー防止</a:t>
+            </a:r>
+            <a:endParaRPr lang="ja-JP" altLang="en-US" sz="6600" dirty="0"/>
+          </a:p>
+        </p:txBody>
+      </p:sp>
+      <p:sp>
+        <p:nvSpPr>
+          <p:cNvPr id="5" name="テキスト ボックス 4">
+            <a:extLst>
+              <a:ext uri="{FF2B5EF4-FFF2-40B4-BE49-F238E27FC236}">
+                <a16:creationId xmlns:a16="http://schemas.microsoft.com/office/drawing/2014/main" id="{18A3CD23-7598-BA40-054D-E89DE1A18876}"/>
               </a:ext>
             </a:extLst>
           </p:cNvPr>
@@ -7571,8 +7653,8 @@
         </p:nvSpPr>
         <p:spPr>
           <a:xfrm>
-            <a:off x="5739384" y="3839281"/>
-            <a:ext cx="5812536" cy="2123658"/>
+            <a:off x="283464" y="3437064"/>
+            <a:ext cx="6554216" cy="1107996"/>
           </a:xfrm>
           <a:prstGeom prst="rect">
             <a:avLst/>
@@ -7591,14 +7673,39 @@
                 <a:ea typeface="HG創英角ｺﾞｼｯｸUB" panose="020B0909000000000000" pitchFamily="49" charset="-128"/>
                 <a:cs typeface="ADLaM Display" panose="020F0502020204030204" pitchFamily="2" charset="0"/>
               </a:rPr>
-              <a:t>様々な</a:t>
-            </a:r>
-            <a:endParaRPr lang="en-US" altLang="ja-JP" sz="6600" dirty="0">
-              <a:latin typeface="HG創英角ｺﾞｼｯｸUB" panose="020B0909000000000000" pitchFamily="49" charset="-128"/>
-              <a:ea typeface="HG創英角ｺﾞｼｯｸUB" panose="020B0909000000000000" pitchFamily="49" charset="-128"/>
-              <a:cs typeface="ADLaM Display" panose="020F0502020204030204" pitchFamily="2" charset="0"/>
-            </a:endParaRPr>
-          </a:p>
+              <a:t>リテラシー向上</a:t>
+            </a:r>
+            <a:endParaRPr lang="ja-JP" altLang="en-US" sz="6600" dirty="0"/>
+          </a:p>
+        </p:txBody>
+      </p:sp>
+      <p:sp>
+        <p:nvSpPr>
+          <p:cNvPr id="6" name="テキスト ボックス 5">
+            <a:extLst>
+              <a:ext uri="{FF2B5EF4-FFF2-40B4-BE49-F238E27FC236}">
+                <a16:creationId xmlns:a16="http://schemas.microsoft.com/office/drawing/2014/main" id="{93EECAAB-F018-D16B-4F51-AE5DD1E6B6B4}"/>
+              </a:ext>
+            </a:extLst>
+          </p:cNvPr>
+          <p:cNvSpPr txBox="1"/>
+          <p:nvPr/>
+        </p:nvSpPr>
+        <p:spPr>
+          <a:xfrm>
+            <a:off x="283464" y="5115185"/>
+            <a:ext cx="6554216" cy="1107996"/>
+          </a:xfrm>
+          <a:prstGeom prst="rect">
+            <a:avLst/>
+          </a:prstGeom>
+          <a:noFill/>
+        </p:spPr>
+        <p:txBody>
+          <a:bodyPr wrap="square">
+            <a:spAutoFit/>
+          </a:bodyPr>
+          <a:lstStyle/>
           <a:p>
             <a:r>
               <a:rPr lang="ja-JP" altLang="en-US" sz="6600" dirty="0">
@@ -7606,7 +7713,23 @@
                 <a:ea typeface="HG創英角ｺﾞｼｯｸUB" panose="020B0909000000000000" pitchFamily="49" charset="-128"/>
                 <a:cs typeface="ADLaM Display" panose="020F0502020204030204" pitchFamily="2" charset="0"/>
               </a:rPr>
-              <a:t>炎上シナリオ</a:t>
+              <a:t>より良い</a:t>
+            </a:r>
+            <a:r>
+              <a:rPr lang="en-US" altLang="ja-JP" sz="6600" dirty="0">
+                <a:latin typeface="HG創英角ｺﾞｼｯｸUB" panose="020B0909000000000000" pitchFamily="49" charset="-128"/>
+                <a:ea typeface="HG創英角ｺﾞｼｯｸUB" panose="020B0909000000000000" pitchFamily="49" charset="-128"/>
+                <a:cs typeface="ADLaM Display" panose="020F0502020204030204" pitchFamily="2" charset="0"/>
+              </a:rPr>
+              <a:t>SNS</a:t>
+            </a:r>
+            <a:r>
+              <a:rPr lang="ja-JP" altLang="en-US" sz="6600" dirty="0">
+                <a:latin typeface="HG創英角ｺﾞｼｯｸUB" panose="020B0909000000000000" pitchFamily="49" charset="-128"/>
+                <a:ea typeface="HG創英角ｺﾞｼｯｸUB" panose="020B0909000000000000" pitchFamily="49" charset="-128"/>
+                <a:cs typeface="ADLaM Display" panose="020F0502020204030204" pitchFamily="2" charset="0"/>
+              </a:rPr>
+              <a:t>教育</a:t>
             </a:r>
             <a:endParaRPr lang="ja-JP" altLang="en-US" sz="6600" dirty="0"/>
           </a:p>
@@ -7615,7 +7738,7 @@
     </p:spTree>
     <p:extLst>
       <p:ext uri="{BB962C8B-B14F-4D97-AF65-F5344CB8AC3E}">
-        <p14:creationId xmlns:p14="http://schemas.microsoft.com/office/powerpoint/2010/main" val="4028179173"/>
+        <p14:creationId xmlns:p14="http://schemas.microsoft.com/office/powerpoint/2010/main" val="4149686902"/>
       </p:ext>
     </p:extLst>
   </p:cSld>
@@ -7992,55 +8115,12 @@
           <a:chExt cx="0" cy="0"/>
         </a:xfrm>
       </p:grpSpPr>
-      <p:cxnSp>
-        <p:nvCxnSpPr>
-          <p:cNvPr id="4" name="直線コネクタ 3">
-            <a:extLst>
-              <a:ext uri="{FF2B5EF4-FFF2-40B4-BE49-F238E27FC236}">
-                <a16:creationId xmlns:a16="http://schemas.microsoft.com/office/drawing/2014/main" id="{31AFCFC9-C202-9051-0E3F-A9E20191B047}"/>
-              </a:ext>
-            </a:extLst>
-          </p:cNvPr>
-          <p:cNvCxnSpPr>
-            <a:cxnSpLocks/>
-          </p:cNvCxnSpPr>
-          <p:nvPr/>
-        </p:nvCxnSpPr>
-        <p:spPr>
-          <a:xfrm>
-            <a:off x="283464" y="1316736"/>
-            <a:ext cx="11649456" cy="0"/>
-          </a:xfrm>
-          <a:prstGeom prst="line">
-            <a:avLst/>
-          </a:prstGeom>
-          <a:ln w="69850">
-            <a:solidFill>
-              <a:srgbClr val="FF0000"/>
-            </a:solidFill>
-          </a:ln>
-        </p:spPr>
-        <p:style>
-          <a:lnRef idx="1">
-            <a:schemeClr val="accent1"/>
-          </a:lnRef>
-          <a:fillRef idx="0">
-            <a:schemeClr val="accent1"/>
-          </a:fillRef>
-          <a:effectRef idx="0">
-            <a:schemeClr val="accent1"/>
-          </a:effectRef>
-          <a:fontRef idx="minor">
-            <a:schemeClr val="tx1"/>
-          </a:fontRef>
-        </p:style>
-      </p:cxnSp>
-      <p:sp>
-        <p:nvSpPr>
-          <p:cNvPr id="7" name="テキスト ボックス 6">
-            <a:extLst>
-              <a:ext uri="{FF2B5EF4-FFF2-40B4-BE49-F238E27FC236}">
-                <a16:creationId xmlns:a16="http://schemas.microsoft.com/office/drawing/2014/main" id="{C6C5EB3A-FB63-FB5A-8B3F-738C6106B5DC}"/>
+      <p:sp>
+        <p:nvSpPr>
+          <p:cNvPr id="3" name="テキスト ボックス 2">
+            <a:extLst>
+              <a:ext uri="{FF2B5EF4-FFF2-40B4-BE49-F238E27FC236}">
+                <a16:creationId xmlns:a16="http://schemas.microsoft.com/office/drawing/2014/main" id="{A56470E7-7877-FB48-BE1B-9289B7465DBE}"/>
               </a:ext>
             </a:extLst>
           </p:cNvPr>
@@ -8049,8 +8129,8 @@
         </p:nvSpPr>
         <p:spPr>
           <a:xfrm>
-            <a:off x="10927080" y="929116"/>
-            <a:ext cx="1107996" cy="369332"/>
+            <a:off x="3774692" y="6139166"/>
+            <a:ext cx="4642618" cy="646331"/>
           </a:xfrm>
           <a:prstGeom prst="rect">
             <a:avLst/>
@@ -8063,66 +8143,21 @@
           </a:bodyPr>
           <a:lstStyle/>
           <a:p>
-            <a:r>
-              <a:rPr kumimoji="1" lang="ja-JP" altLang="en-US" dirty="0">
-                <a:solidFill>
-                  <a:srgbClr val="FF0000"/>
-                </a:solidFill>
-                <a:latin typeface="HG創英角ｺﾞｼｯｸUB" panose="020B0909000000000000" pitchFamily="49" charset="-128"/>
-                <a:ea typeface="HG創英角ｺﾞｼｯｸUB" panose="020B0909000000000000" pitchFamily="49" charset="-128"/>
-                <a:cs typeface="ADLaM Display" panose="020F0502020204030204" pitchFamily="2" charset="0"/>
-              </a:rPr>
-              <a:t>ホネット</a:t>
-            </a:r>
-          </a:p>
-        </p:txBody>
-      </p:sp>
-      <p:sp>
-        <p:nvSpPr>
-          <p:cNvPr id="2" name="テキスト ボックス 1">
-            <a:extLst>
-              <a:ext uri="{FF2B5EF4-FFF2-40B4-BE49-F238E27FC236}">
-                <a16:creationId xmlns:a16="http://schemas.microsoft.com/office/drawing/2014/main" id="{BD35C3F5-0AEE-C290-9C0C-15B88065129D}"/>
-              </a:ext>
-            </a:extLst>
-          </p:cNvPr>
-          <p:cNvSpPr txBox="1"/>
-          <p:nvPr/>
-        </p:nvSpPr>
-        <p:spPr>
-          <a:xfrm>
-            <a:off x="283464" y="153663"/>
-            <a:ext cx="3719576" cy="1107996"/>
-          </a:xfrm>
-          <a:prstGeom prst="rect">
-            <a:avLst/>
-          </a:prstGeom>
-          <a:noFill/>
-        </p:spPr>
-        <p:txBody>
-          <a:bodyPr wrap="square">
-            <a:spAutoFit/>
-          </a:bodyPr>
-          <a:lstStyle/>
-          <a:p>
-            <a:r>
-              <a:rPr lang="ja-JP" altLang="en-US" sz="6600" dirty="0">
-                <a:latin typeface="HG創英角ｺﾞｼｯｸUB" panose="020B0909000000000000" pitchFamily="49" charset="-128"/>
-                <a:ea typeface="HG創英角ｺﾞｼｯｸUB" panose="020B0909000000000000" pitchFamily="49" charset="-128"/>
-                <a:cs typeface="ADLaM Display" panose="020F0502020204030204" pitchFamily="2" charset="0"/>
-              </a:rPr>
-              <a:t>技術構成</a:t>
-            </a:r>
-            <a:endParaRPr lang="ja-JP" altLang="en-US" sz="6600" dirty="0"/>
+            <a:pPr algn="just"/>
+            <a:r>
+              <a:rPr lang="en-US" altLang="ja-JP" sz="3600" b="1" dirty="0"/>
+              <a:t>https://honetto.site</a:t>
+            </a:r>
+            <a:endParaRPr kumimoji="1" lang="ja-JP" altLang="en-US" sz="3600" b="1" dirty="0"/>
           </a:p>
         </p:txBody>
       </p:sp>
       <p:pic>
         <p:nvPicPr>
-          <p:cNvPr id="6" name="図 5">
-            <a:extLst>
-              <a:ext uri="{FF2B5EF4-FFF2-40B4-BE49-F238E27FC236}">
-                <a16:creationId xmlns:a16="http://schemas.microsoft.com/office/drawing/2014/main" id="{F0E5E455-881A-E3CC-6A52-5E3181570832}"/>
+          <p:cNvPr id="5" name="図 4" descr="QR コード&#10;&#10;自動的に生成された説明">
+            <a:extLst>
+              <a:ext uri="{FF2B5EF4-FFF2-40B4-BE49-F238E27FC236}">
+                <a16:creationId xmlns:a16="http://schemas.microsoft.com/office/drawing/2014/main" id="{837D33D0-FC68-7252-A068-88C9749147C0}"/>
               </a:ext>
             </a:extLst>
           </p:cNvPr>
@@ -8132,99 +8167,44 @@
           <p:nvPr/>
         </p:nvPicPr>
         <p:blipFill>
-          <a:blip r:embed="rId3"/>
+          <a:blip r:embed="rId3">
+            <a:extLst>
+              <a:ext uri="{28A0092B-C50C-407E-A947-70E740481C1C}">
+                <a14:useLocalDpi xmlns:a14="http://schemas.microsoft.com/office/drawing/2010/main" val="0"/>
+              </a:ext>
+            </a:extLst>
+          </a:blip>
           <a:stretch>
             <a:fillRect/>
           </a:stretch>
         </p:blipFill>
         <p:spPr>
           <a:xfrm>
-            <a:off x="1443757" y="2202540"/>
-            <a:ext cx="9675347" cy="4362851"/>
+            <a:off x="3254716" y="257720"/>
+            <a:ext cx="5682567" cy="5682567"/>
           </a:xfrm>
           <a:prstGeom prst="rect">
             <a:avLst/>
           </a:prstGeom>
+          <a:ln w="127000" cap="sq">
+            <a:solidFill>
+              <a:srgbClr val="000000"/>
+            </a:solidFill>
+            <a:miter lim="800000"/>
+          </a:ln>
+          <a:effectLst>
+            <a:outerShdw blurRad="57150" dist="50800" dir="2700000" algn="tl" rotWithShape="0">
+              <a:srgbClr val="000000">
+                <a:alpha val="40000"/>
+              </a:srgbClr>
+            </a:outerShdw>
+          </a:effectLst>
         </p:spPr>
       </p:pic>
-      <p:sp>
-        <p:nvSpPr>
-          <p:cNvPr id="8" name="テキスト ボックス 7">
-            <a:extLst>
-              <a:ext uri="{FF2B5EF4-FFF2-40B4-BE49-F238E27FC236}">
-                <a16:creationId xmlns:a16="http://schemas.microsoft.com/office/drawing/2014/main" id="{70726485-8263-F1F0-4DEE-5BAFD086A3D4}"/>
-              </a:ext>
-            </a:extLst>
-          </p:cNvPr>
-          <p:cNvSpPr txBox="1"/>
-          <p:nvPr/>
-        </p:nvSpPr>
-        <p:spPr>
-          <a:xfrm>
-            <a:off x="947696" y="1556209"/>
-            <a:ext cx="3416320" cy="646331"/>
-          </a:xfrm>
-          <a:prstGeom prst="rect">
-            <a:avLst/>
-          </a:prstGeom>
-          <a:noFill/>
-        </p:spPr>
-        <p:txBody>
-          <a:bodyPr wrap="none" rtlCol="0">
-            <a:spAutoFit/>
-          </a:bodyPr>
-          <a:lstStyle/>
-          <a:p>
-            <a:pPr algn="just"/>
-            <a:r>
-              <a:rPr lang="ja-JP" altLang="en-US" sz="3600" b="1" dirty="0"/>
-              <a:t>フロントエンド</a:t>
-            </a:r>
-            <a:endParaRPr kumimoji="1" lang="ja-JP" altLang="en-US" sz="3600" b="1" dirty="0"/>
-          </a:p>
-        </p:txBody>
-      </p:sp>
-      <p:sp>
-        <p:nvSpPr>
-          <p:cNvPr id="9" name="テキスト ボックス 8">
-            <a:extLst>
-              <a:ext uri="{FF2B5EF4-FFF2-40B4-BE49-F238E27FC236}">
-                <a16:creationId xmlns:a16="http://schemas.microsoft.com/office/drawing/2014/main" id="{C9E5180B-822E-3BE7-7B37-4F480D2F222C}"/>
-              </a:ext>
-            </a:extLst>
-          </p:cNvPr>
-          <p:cNvSpPr txBox="1"/>
-          <p:nvPr/>
-        </p:nvSpPr>
-        <p:spPr>
-          <a:xfrm>
-            <a:off x="6216480" y="1556209"/>
-            <a:ext cx="2954655" cy="646331"/>
-          </a:xfrm>
-          <a:prstGeom prst="rect">
-            <a:avLst/>
-          </a:prstGeom>
-          <a:noFill/>
-        </p:spPr>
-        <p:txBody>
-          <a:bodyPr wrap="none" rtlCol="0">
-            <a:spAutoFit/>
-          </a:bodyPr>
-          <a:lstStyle/>
-          <a:p>
-            <a:pPr algn="just"/>
-            <a:r>
-              <a:rPr lang="ja-JP" altLang="en-US" sz="3600" b="1" dirty="0"/>
-              <a:t>バックエンド</a:t>
-            </a:r>
-            <a:endParaRPr kumimoji="1" lang="ja-JP" altLang="en-US" sz="3600" b="1" dirty="0"/>
-          </a:p>
-        </p:txBody>
-      </p:sp>
     </p:spTree>
     <p:extLst>
       <p:ext uri="{BB962C8B-B14F-4D97-AF65-F5344CB8AC3E}">
-        <p14:creationId xmlns:p14="http://schemas.microsoft.com/office/powerpoint/2010/main" val="3966045975"/>
+        <p14:creationId xmlns:p14="http://schemas.microsoft.com/office/powerpoint/2010/main" val="1139338333"/>
       </p:ext>
     </p:extLst>
   </p:cSld>
@@ -8251,12 +8231,55 @@
           <a:chExt cx="0" cy="0"/>
         </a:xfrm>
       </p:grpSpPr>
-      <p:sp>
-        <p:nvSpPr>
-          <p:cNvPr id="3" name="テキスト ボックス 2">
-            <a:extLst>
-              <a:ext uri="{FF2B5EF4-FFF2-40B4-BE49-F238E27FC236}">
-                <a16:creationId xmlns:a16="http://schemas.microsoft.com/office/drawing/2014/main" id="{A56470E7-7877-FB48-BE1B-9289B7465DBE}"/>
+      <p:cxnSp>
+        <p:nvCxnSpPr>
+          <p:cNvPr id="4" name="直線コネクタ 3">
+            <a:extLst>
+              <a:ext uri="{FF2B5EF4-FFF2-40B4-BE49-F238E27FC236}">
+                <a16:creationId xmlns:a16="http://schemas.microsoft.com/office/drawing/2014/main" id="{31AFCFC9-C202-9051-0E3F-A9E20191B047}"/>
+              </a:ext>
+            </a:extLst>
+          </p:cNvPr>
+          <p:cNvCxnSpPr>
+            <a:cxnSpLocks/>
+          </p:cNvCxnSpPr>
+          <p:nvPr/>
+        </p:nvCxnSpPr>
+        <p:spPr>
+          <a:xfrm>
+            <a:off x="283464" y="1316736"/>
+            <a:ext cx="11649456" cy="0"/>
+          </a:xfrm>
+          <a:prstGeom prst="line">
+            <a:avLst/>
+          </a:prstGeom>
+          <a:ln w="69850">
+            <a:solidFill>
+              <a:srgbClr val="FF0000"/>
+            </a:solidFill>
+          </a:ln>
+        </p:spPr>
+        <p:style>
+          <a:lnRef idx="1">
+            <a:schemeClr val="accent1"/>
+          </a:lnRef>
+          <a:fillRef idx="0">
+            <a:schemeClr val="accent1"/>
+          </a:fillRef>
+          <a:effectRef idx="0">
+            <a:schemeClr val="accent1"/>
+          </a:effectRef>
+          <a:fontRef idx="minor">
+            <a:schemeClr val="tx1"/>
+          </a:fontRef>
+        </p:style>
+      </p:cxnSp>
+      <p:sp>
+        <p:nvSpPr>
+          <p:cNvPr id="7" name="テキスト ボックス 6">
+            <a:extLst>
+              <a:ext uri="{FF2B5EF4-FFF2-40B4-BE49-F238E27FC236}">
+                <a16:creationId xmlns:a16="http://schemas.microsoft.com/office/drawing/2014/main" id="{C6C5EB3A-FB63-FB5A-8B3F-738C6106B5DC}"/>
               </a:ext>
             </a:extLst>
           </p:cNvPr>
@@ -8265,8 +8288,8 @@
         </p:nvSpPr>
         <p:spPr>
           <a:xfrm>
-            <a:off x="3841217" y="6139166"/>
-            <a:ext cx="4509568" cy="646331"/>
+            <a:off x="10927080" y="929116"/>
+            <a:ext cx="1107996" cy="369332"/>
           </a:xfrm>
           <a:prstGeom prst="rect">
             <a:avLst/>
@@ -8279,21 +8302,66 @@
           </a:bodyPr>
           <a:lstStyle/>
           <a:p>
-            <a:pPr algn="just"/>
-            <a:r>
-              <a:rPr lang="en-US" altLang="ja-JP" sz="3600" b="1" dirty="0"/>
-              <a:t>https://honetto.me</a:t>
-            </a:r>
-            <a:endParaRPr kumimoji="1" lang="ja-JP" altLang="en-US" sz="3600" b="1" dirty="0"/>
+            <a:r>
+              <a:rPr kumimoji="1" lang="ja-JP" altLang="en-US" dirty="0">
+                <a:solidFill>
+                  <a:srgbClr val="FF0000"/>
+                </a:solidFill>
+                <a:latin typeface="HG創英角ｺﾞｼｯｸUB" panose="020B0909000000000000" pitchFamily="49" charset="-128"/>
+                <a:ea typeface="HG創英角ｺﾞｼｯｸUB" panose="020B0909000000000000" pitchFamily="49" charset="-128"/>
+                <a:cs typeface="ADLaM Display" panose="020F0502020204030204" pitchFamily="2" charset="0"/>
+              </a:rPr>
+              <a:t>ホネット</a:t>
+            </a:r>
+          </a:p>
+        </p:txBody>
+      </p:sp>
+      <p:sp>
+        <p:nvSpPr>
+          <p:cNvPr id="2" name="テキスト ボックス 1">
+            <a:extLst>
+              <a:ext uri="{FF2B5EF4-FFF2-40B4-BE49-F238E27FC236}">
+                <a16:creationId xmlns:a16="http://schemas.microsoft.com/office/drawing/2014/main" id="{BD35C3F5-0AEE-C290-9C0C-15B88065129D}"/>
+              </a:ext>
+            </a:extLst>
+          </p:cNvPr>
+          <p:cNvSpPr txBox="1"/>
+          <p:nvPr/>
+        </p:nvSpPr>
+        <p:spPr>
+          <a:xfrm>
+            <a:off x="283464" y="153663"/>
+            <a:ext cx="3719576" cy="1107996"/>
+          </a:xfrm>
+          <a:prstGeom prst="rect">
+            <a:avLst/>
+          </a:prstGeom>
+          <a:noFill/>
+        </p:spPr>
+        <p:txBody>
+          <a:bodyPr wrap="square">
+            <a:spAutoFit/>
+          </a:bodyPr>
+          <a:lstStyle/>
+          <a:p>
+            <a:r>
+              <a:rPr lang="ja-JP" altLang="en-US" sz="6600" dirty="0">
+                <a:latin typeface="HG創英角ｺﾞｼｯｸUB" panose="020B0909000000000000" pitchFamily="49" charset="-128"/>
+                <a:ea typeface="HG創英角ｺﾞｼｯｸUB" panose="020B0909000000000000" pitchFamily="49" charset="-128"/>
+                <a:cs typeface="ADLaM Display" panose="020F0502020204030204" pitchFamily="2" charset="0"/>
+              </a:rPr>
+              <a:t>技術構成</a:t>
+            </a:r>
+            <a:endParaRPr lang="ja-JP" altLang="en-US" sz="6600" dirty="0"/>
           </a:p>
         </p:txBody>
       </p:sp>
       <p:pic>
         <p:nvPicPr>
-          <p:cNvPr id="5" name="図 4" descr="QR コード&#10;&#10;自動的に生成された説明">
-            <a:extLst>
-              <a:ext uri="{FF2B5EF4-FFF2-40B4-BE49-F238E27FC236}">
-                <a16:creationId xmlns:a16="http://schemas.microsoft.com/office/drawing/2014/main" id="{837D33D0-FC68-7252-A068-88C9749147C0}"/>
+          <p:cNvPr id="6" name="図 5">
+            <a:extLst>
+              <a:ext uri="{FF2B5EF4-FFF2-40B4-BE49-F238E27FC236}">
+                <a16:creationId xmlns:a16="http://schemas.microsoft.com/office/drawing/2014/main" id="{F0E5E455-881A-E3CC-6A52-5E3181570832}"/>
               </a:ext>
             </a:extLst>
           </p:cNvPr>
@@ -8303,44 +8371,99 @@
           <p:nvPr/>
         </p:nvPicPr>
         <p:blipFill>
-          <a:blip r:embed="rId3">
-            <a:extLst>
-              <a:ext uri="{28A0092B-C50C-407E-A947-70E740481C1C}">
-                <a14:useLocalDpi xmlns:a14="http://schemas.microsoft.com/office/drawing/2010/main" val="0"/>
-              </a:ext>
-            </a:extLst>
-          </a:blip>
+          <a:blip r:embed="rId3"/>
           <a:stretch>
             <a:fillRect/>
           </a:stretch>
         </p:blipFill>
         <p:spPr>
           <a:xfrm>
-            <a:off x="3254716" y="257720"/>
-            <a:ext cx="5682567" cy="5682567"/>
+            <a:off x="1443757" y="2202540"/>
+            <a:ext cx="9675347" cy="4362851"/>
           </a:xfrm>
           <a:prstGeom prst="rect">
             <a:avLst/>
           </a:prstGeom>
-          <a:ln w="127000" cap="sq">
-            <a:solidFill>
-              <a:srgbClr val="000000"/>
-            </a:solidFill>
-            <a:miter lim="800000"/>
-          </a:ln>
-          <a:effectLst>
-            <a:outerShdw blurRad="57150" dist="50800" dir="2700000" algn="tl" rotWithShape="0">
-              <a:srgbClr val="000000">
-                <a:alpha val="40000"/>
-              </a:srgbClr>
-            </a:outerShdw>
-          </a:effectLst>
         </p:spPr>
       </p:pic>
+      <p:sp>
+        <p:nvSpPr>
+          <p:cNvPr id="8" name="テキスト ボックス 7">
+            <a:extLst>
+              <a:ext uri="{FF2B5EF4-FFF2-40B4-BE49-F238E27FC236}">
+                <a16:creationId xmlns:a16="http://schemas.microsoft.com/office/drawing/2014/main" id="{70726485-8263-F1F0-4DEE-5BAFD086A3D4}"/>
+              </a:ext>
+            </a:extLst>
+          </p:cNvPr>
+          <p:cNvSpPr txBox="1"/>
+          <p:nvPr/>
+        </p:nvSpPr>
+        <p:spPr>
+          <a:xfrm>
+            <a:off x="947696" y="1556209"/>
+            <a:ext cx="3416320" cy="646331"/>
+          </a:xfrm>
+          <a:prstGeom prst="rect">
+            <a:avLst/>
+          </a:prstGeom>
+          <a:noFill/>
+        </p:spPr>
+        <p:txBody>
+          <a:bodyPr wrap="none" rtlCol="0">
+            <a:spAutoFit/>
+          </a:bodyPr>
+          <a:lstStyle/>
+          <a:p>
+            <a:pPr algn="just"/>
+            <a:r>
+              <a:rPr lang="ja-JP" altLang="en-US" sz="3600" b="1" dirty="0"/>
+              <a:t>フロントエンド</a:t>
+            </a:r>
+            <a:endParaRPr kumimoji="1" lang="ja-JP" altLang="en-US" sz="3600" b="1" dirty="0"/>
+          </a:p>
+        </p:txBody>
+      </p:sp>
+      <p:sp>
+        <p:nvSpPr>
+          <p:cNvPr id="9" name="テキスト ボックス 8">
+            <a:extLst>
+              <a:ext uri="{FF2B5EF4-FFF2-40B4-BE49-F238E27FC236}">
+                <a16:creationId xmlns:a16="http://schemas.microsoft.com/office/drawing/2014/main" id="{C9E5180B-822E-3BE7-7B37-4F480D2F222C}"/>
+              </a:ext>
+            </a:extLst>
+          </p:cNvPr>
+          <p:cNvSpPr txBox="1"/>
+          <p:nvPr/>
+        </p:nvSpPr>
+        <p:spPr>
+          <a:xfrm>
+            <a:off x="6216480" y="1556209"/>
+            <a:ext cx="2954655" cy="646331"/>
+          </a:xfrm>
+          <a:prstGeom prst="rect">
+            <a:avLst/>
+          </a:prstGeom>
+          <a:noFill/>
+        </p:spPr>
+        <p:txBody>
+          <a:bodyPr wrap="none" rtlCol="0">
+            <a:spAutoFit/>
+          </a:bodyPr>
+          <a:lstStyle/>
+          <a:p>
+            <a:pPr algn="just"/>
+            <a:r>
+              <a:rPr lang="ja-JP" altLang="en-US" sz="3600" b="1" dirty="0"/>
+              <a:t>バックエンド</a:t>
+            </a:r>
+            <a:endParaRPr kumimoji="1" lang="ja-JP" altLang="en-US" sz="3600" b="1" dirty="0"/>
+          </a:p>
+        </p:txBody>
+      </p:sp>
     </p:spTree>
     <p:extLst>
       <p:ext uri="{BB962C8B-B14F-4D97-AF65-F5344CB8AC3E}">
-        <p14:creationId xmlns:p14="http://schemas.microsoft.com/office/powerpoint/2010/main" val="1139338333"/>
+        <p14:creationId xmlns:p14="http://schemas.microsoft.com/office/powerpoint/2010/main" val="3966045975"/>
       </p:ext>
     </p:extLst>
   </p:cSld>

--- a/発表資料_vol1.pptx
+++ b/発表資料_vol1.pptx
@@ -5,23 +5,35 @@
     <p:sldMasterId id="2147483648" r:id="rId1"/>
   </p:sldMasterIdLst>
   <p:notesMasterIdLst>
-    <p:notesMasterId r:id="rId16"/>
+    <p:notesMasterId r:id="rId28"/>
   </p:notesMasterIdLst>
   <p:sldIdLst>
     <p:sldId id="256" r:id="rId2"/>
     <p:sldId id="273" r:id="rId3"/>
     <p:sldId id="267" r:id="rId4"/>
     <p:sldId id="268" r:id="rId5"/>
-    <p:sldId id="266" r:id="rId6"/>
-    <p:sldId id="258" r:id="rId7"/>
+    <p:sldId id="258" r:id="rId6"/>
+    <p:sldId id="266" r:id="rId7"/>
     <p:sldId id="274" r:id="rId8"/>
     <p:sldId id="260" r:id="rId9"/>
     <p:sldId id="259" r:id="rId10"/>
     <p:sldId id="265" r:id="rId11"/>
-    <p:sldId id="262" r:id="rId12"/>
-    <p:sldId id="257" r:id="rId13"/>
-    <p:sldId id="269" r:id="rId14"/>
-    <p:sldId id="272" r:id="rId15"/>
+    <p:sldId id="282" r:id="rId12"/>
+    <p:sldId id="275" r:id="rId13"/>
+    <p:sldId id="280" r:id="rId14"/>
+    <p:sldId id="281" r:id="rId15"/>
+    <p:sldId id="277" r:id="rId16"/>
+    <p:sldId id="283" r:id="rId17"/>
+    <p:sldId id="284" r:id="rId18"/>
+    <p:sldId id="278" r:id="rId19"/>
+    <p:sldId id="286" r:id="rId20"/>
+    <p:sldId id="287" r:id="rId21"/>
+    <p:sldId id="288" r:id="rId22"/>
+    <p:sldId id="279" r:id="rId23"/>
+    <p:sldId id="262" r:id="rId24"/>
+    <p:sldId id="257" r:id="rId25"/>
+    <p:sldId id="269" r:id="rId26"/>
+    <p:sldId id="272" r:id="rId27"/>
   </p:sldIdLst>
   <p:sldSz cx="12192000" cy="6858000"/>
   <p:notesSz cx="6858000" cy="9144000"/>
@@ -210,7 +222,7 @@
           <a:p>
             <a:fld id="{E497D1ED-7691-478C-88B7-4474B83A77F1}" type="datetimeFigureOut">
               <a:rPr kumimoji="1" lang="ja-JP" altLang="en-US" smtClean="0"/>
-              <a:t>2024/8/28</a:t>
+              <a:t>2024/8/30</a:t>
             </a:fld>
             <a:endParaRPr kumimoji="1" lang="ja-JP" altLang="en-US"/>
           </a:p>
@@ -555,7 +567,7 @@
           <a:p>
             <a:r>
               <a:rPr kumimoji="1" lang="ja-JP" altLang="en-US" dirty="0"/>
-              <a:t>こんにちは！今日、雷落ちました。です。私たちは、炎上系</a:t>
+              <a:t>こんにちは！今日、雷落ちました。の発表者、北林と竹田です。私たちは、炎上系</a:t>
             </a:r>
             <a:r>
               <a:rPr kumimoji="1" lang="en-US" altLang="ja-JP" dirty="0"/>
@@ -718,6 +730,791 @@
 </p:notes>
 </file>
 
+<file path=ppt/notesSlides/notesSlide11.xml><?xml version="1.0" encoding="utf-8"?>
+<p:notes xmlns:a="http://schemas.openxmlformats.org/drawingml/2006/main" xmlns:r="http://schemas.openxmlformats.org/officeDocument/2006/relationships" xmlns:p="http://schemas.openxmlformats.org/presentationml/2006/main">
+  <p:cSld>
+    <p:spTree>
+      <p:nvGrpSpPr>
+        <p:cNvPr id="1" name=""/>
+        <p:cNvGrpSpPr/>
+        <p:nvPr/>
+      </p:nvGrpSpPr>
+      <p:grpSpPr>
+        <a:xfrm>
+          <a:off x="0" y="0"/>
+          <a:ext cx="0" cy="0"/>
+          <a:chOff x="0" y="0"/>
+          <a:chExt cx="0" cy="0"/>
+        </a:xfrm>
+      </p:grpSpPr>
+      <p:sp>
+        <p:nvSpPr>
+          <p:cNvPr id="2" name="スライド イメージ プレースホルダー 1"/>
+          <p:cNvSpPr>
+            <a:spLocks noGrp="1" noRot="1" noChangeAspect="1"/>
+          </p:cNvSpPr>
+          <p:nvPr>
+            <p:ph type="sldImg"/>
+          </p:nvPr>
+        </p:nvSpPr>
+        <p:spPr/>
+      </p:sp>
+      <p:sp>
+        <p:nvSpPr>
+          <p:cNvPr id="3" name="ノート プレースホルダー 2"/>
+          <p:cNvSpPr>
+            <a:spLocks noGrp="1"/>
+          </p:cNvSpPr>
+          <p:nvPr>
+            <p:ph type="body" idx="1"/>
+          </p:nvPr>
+        </p:nvSpPr>
+        <p:spPr/>
+        <p:txBody>
+          <a:bodyPr/>
+          <a:lstStyle/>
+          <a:p>
+            <a:r>
+              <a:rPr kumimoji="1" lang="ja-JP" altLang="en-US" dirty="0"/>
+              <a:t>我が身を抓って人の痛さを知れ、私たちは炎上系</a:t>
+            </a:r>
+            <a:r>
+              <a:rPr kumimoji="1" lang="en-US" altLang="ja-JP" dirty="0"/>
+              <a:t>SNS</a:t>
+            </a:r>
+            <a:r>
+              <a:rPr kumimoji="1" lang="ja-JP" altLang="en-US" dirty="0"/>
+              <a:t>によって青少年の情報リテラシーを向上させ、より良い青春を過ごせるようにします。</a:t>
+            </a:r>
+            <a:br>
+              <a:rPr kumimoji="1" lang="en-US" altLang="ja-JP" dirty="0"/>
+            </a:br>
+            <a:br>
+              <a:rPr kumimoji="1" lang="en-US" altLang="ja-JP" dirty="0"/>
+            </a:br>
+            <a:r>
+              <a:rPr kumimoji="1" lang="en-US" altLang="ja-JP" dirty="0"/>
+              <a:t>(</a:t>
+            </a:r>
+            <a:r>
+              <a:rPr kumimoji="1" lang="ja-JP" altLang="en-US" dirty="0"/>
+              <a:t>これいる？</a:t>
+            </a:r>
+            <a:r>
+              <a:rPr kumimoji="1" lang="en-US" altLang="ja-JP" dirty="0"/>
+              <a:t>)</a:t>
+            </a:r>
+          </a:p>
+        </p:txBody>
+      </p:sp>
+      <p:sp>
+        <p:nvSpPr>
+          <p:cNvPr id="4" name="スライド番号プレースホルダー 3"/>
+          <p:cNvSpPr>
+            <a:spLocks noGrp="1"/>
+          </p:cNvSpPr>
+          <p:nvPr>
+            <p:ph type="sldNum" sz="quarter" idx="5"/>
+          </p:nvPr>
+        </p:nvSpPr>
+        <p:spPr/>
+        <p:txBody>
+          <a:bodyPr/>
+          <a:lstStyle/>
+          <a:p>
+            <a:fld id="{273D5BA0-642B-4D78-9229-CC8AB7061245}" type="slidenum">
+              <a:rPr kumimoji="1" lang="ja-JP" altLang="en-US" smtClean="0"/>
+              <a:t>11</a:t>
+            </a:fld>
+            <a:endParaRPr kumimoji="1" lang="ja-JP" altLang="en-US"/>
+          </a:p>
+        </p:txBody>
+      </p:sp>
+    </p:spTree>
+    <p:extLst>
+      <p:ext uri="{BB962C8B-B14F-4D97-AF65-F5344CB8AC3E}">
+        <p14:creationId xmlns:p14="http://schemas.microsoft.com/office/powerpoint/2010/main" val="2218747729"/>
+      </p:ext>
+    </p:extLst>
+  </p:cSld>
+  <p:clrMapOvr>
+    <a:masterClrMapping/>
+  </p:clrMapOvr>
+</p:notes>
+</file>
+
+<file path=ppt/notesSlides/notesSlide12.xml><?xml version="1.0" encoding="utf-8"?>
+<p:notes xmlns:a="http://schemas.openxmlformats.org/drawingml/2006/main" xmlns:r="http://schemas.openxmlformats.org/officeDocument/2006/relationships" xmlns:p="http://schemas.openxmlformats.org/presentationml/2006/main">
+  <p:cSld>
+    <p:spTree>
+      <p:nvGrpSpPr>
+        <p:cNvPr id="1" name=""/>
+        <p:cNvGrpSpPr/>
+        <p:nvPr/>
+      </p:nvGrpSpPr>
+      <p:grpSpPr>
+        <a:xfrm>
+          <a:off x="0" y="0"/>
+          <a:ext cx="0" cy="0"/>
+          <a:chOff x="0" y="0"/>
+          <a:chExt cx="0" cy="0"/>
+        </a:xfrm>
+      </p:grpSpPr>
+      <p:sp>
+        <p:nvSpPr>
+          <p:cNvPr id="2" name="スライド イメージ プレースホルダー 1"/>
+          <p:cNvSpPr>
+            <a:spLocks noGrp="1" noRot="1" noChangeAspect="1"/>
+          </p:cNvSpPr>
+          <p:nvPr>
+            <p:ph type="sldImg"/>
+          </p:nvPr>
+        </p:nvSpPr>
+        <p:spPr/>
+      </p:sp>
+      <p:sp>
+        <p:nvSpPr>
+          <p:cNvPr id="3" name="ノート プレースホルダー 2"/>
+          <p:cNvSpPr>
+            <a:spLocks noGrp="1"/>
+          </p:cNvSpPr>
+          <p:nvPr>
+            <p:ph type="body" idx="1"/>
+          </p:nvPr>
+        </p:nvSpPr>
+        <p:spPr/>
+        <p:txBody>
+          <a:bodyPr/>
+          <a:lstStyle/>
+          <a:p>
+            <a:endParaRPr kumimoji="1" lang="en-US" altLang="ja-JP" dirty="0"/>
+          </a:p>
+        </p:txBody>
+      </p:sp>
+      <p:sp>
+        <p:nvSpPr>
+          <p:cNvPr id="4" name="スライド番号プレースホルダー 3"/>
+          <p:cNvSpPr>
+            <a:spLocks noGrp="1"/>
+          </p:cNvSpPr>
+          <p:nvPr>
+            <p:ph type="sldNum" sz="quarter" idx="5"/>
+          </p:nvPr>
+        </p:nvSpPr>
+        <p:spPr/>
+        <p:txBody>
+          <a:bodyPr/>
+          <a:lstStyle/>
+          <a:p>
+            <a:fld id="{273D5BA0-642B-4D78-9229-CC8AB7061245}" type="slidenum">
+              <a:rPr kumimoji="1" lang="ja-JP" altLang="en-US" smtClean="0"/>
+              <a:t>12</a:t>
+            </a:fld>
+            <a:endParaRPr kumimoji="1" lang="ja-JP" altLang="en-US"/>
+          </a:p>
+        </p:txBody>
+      </p:sp>
+    </p:spTree>
+    <p:extLst>
+      <p:ext uri="{BB962C8B-B14F-4D97-AF65-F5344CB8AC3E}">
+        <p14:creationId xmlns:p14="http://schemas.microsoft.com/office/powerpoint/2010/main" val="2485092185"/>
+      </p:ext>
+    </p:extLst>
+  </p:cSld>
+  <p:clrMapOvr>
+    <a:masterClrMapping/>
+  </p:clrMapOvr>
+</p:notes>
+</file>
+
+<file path=ppt/notesSlides/notesSlide13.xml><?xml version="1.0" encoding="utf-8"?>
+<p:notes xmlns:a="http://schemas.openxmlformats.org/drawingml/2006/main" xmlns:r="http://schemas.openxmlformats.org/officeDocument/2006/relationships" xmlns:p="http://schemas.openxmlformats.org/presentationml/2006/main">
+  <p:cSld>
+    <p:spTree>
+      <p:nvGrpSpPr>
+        <p:cNvPr id="1" name=""/>
+        <p:cNvGrpSpPr/>
+        <p:nvPr/>
+      </p:nvGrpSpPr>
+      <p:grpSpPr>
+        <a:xfrm>
+          <a:off x="0" y="0"/>
+          <a:ext cx="0" cy="0"/>
+          <a:chOff x="0" y="0"/>
+          <a:chExt cx="0" cy="0"/>
+        </a:xfrm>
+      </p:grpSpPr>
+      <p:sp>
+        <p:nvSpPr>
+          <p:cNvPr id="2" name="スライド イメージ プレースホルダー 1"/>
+          <p:cNvSpPr>
+            <a:spLocks noGrp="1" noRot="1" noChangeAspect="1"/>
+          </p:cNvSpPr>
+          <p:nvPr>
+            <p:ph type="sldImg"/>
+          </p:nvPr>
+        </p:nvSpPr>
+        <p:spPr/>
+      </p:sp>
+      <p:sp>
+        <p:nvSpPr>
+          <p:cNvPr id="3" name="ノート プレースホルダー 2"/>
+          <p:cNvSpPr>
+            <a:spLocks noGrp="1"/>
+          </p:cNvSpPr>
+          <p:nvPr>
+            <p:ph type="body" idx="1"/>
+          </p:nvPr>
+        </p:nvSpPr>
+        <p:spPr/>
+        <p:txBody>
+          <a:bodyPr/>
+          <a:lstStyle/>
+          <a:p>
+            <a:endParaRPr kumimoji="1" lang="en-US" altLang="ja-JP" dirty="0"/>
+          </a:p>
+        </p:txBody>
+      </p:sp>
+      <p:sp>
+        <p:nvSpPr>
+          <p:cNvPr id="4" name="スライド番号プレースホルダー 3"/>
+          <p:cNvSpPr>
+            <a:spLocks noGrp="1"/>
+          </p:cNvSpPr>
+          <p:nvPr>
+            <p:ph type="sldNum" sz="quarter" idx="5"/>
+          </p:nvPr>
+        </p:nvSpPr>
+        <p:spPr/>
+        <p:txBody>
+          <a:bodyPr/>
+          <a:lstStyle/>
+          <a:p>
+            <a:fld id="{273D5BA0-642B-4D78-9229-CC8AB7061245}" type="slidenum">
+              <a:rPr kumimoji="1" lang="ja-JP" altLang="en-US" smtClean="0"/>
+              <a:t>13</a:t>
+            </a:fld>
+            <a:endParaRPr kumimoji="1" lang="ja-JP" altLang="en-US"/>
+          </a:p>
+        </p:txBody>
+      </p:sp>
+    </p:spTree>
+    <p:extLst>
+      <p:ext uri="{BB962C8B-B14F-4D97-AF65-F5344CB8AC3E}">
+        <p14:creationId xmlns:p14="http://schemas.microsoft.com/office/powerpoint/2010/main" val="1068349843"/>
+      </p:ext>
+    </p:extLst>
+  </p:cSld>
+  <p:clrMapOvr>
+    <a:masterClrMapping/>
+  </p:clrMapOvr>
+</p:notes>
+</file>
+
+<file path=ppt/notesSlides/notesSlide14.xml><?xml version="1.0" encoding="utf-8"?>
+<p:notes xmlns:a="http://schemas.openxmlformats.org/drawingml/2006/main" xmlns:r="http://schemas.openxmlformats.org/officeDocument/2006/relationships" xmlns:p="http://schemas.openxmlformats.org/presentationml/2006/main">
+  <p:cSld>
+    <p:spTree>
+      <p:nvGrpSpPr>
+        <p:cNvPr id="1" name=""/>
+        <p:cNvGrpSpPr/>
+        <p:nvPr/>
+      </p:nvGrpSpPr>
+      <p:grpSpPr>
+        <a:xfrm>
+          <a:off x="0" y="0"/>
+          <a:ext cx="0" cy="0"/>
+          <a:chOff x="0" y="0"/>
+          <a:chExt cx="0" cy="0"/>
+        </a:xfrm>
+      </p:grpSpPr>
+      <p:sp>
+        <p:nvSpPr>
+          <p:cNvPr id="2" name="スライド イメージ プレースホルダー 1"/>
+          <p:cNvSpPr>
+            <a:spLocks noGrp="1" noRot="1" noChangeAspect="1"/>
+          </p:cNvSpPr>
+          <p:nvPr>
+            <p:ph type="sldImg"/>
+          </p:nvPr>
+        </p:nvSpPr>
+        <p:spPr/>
+      </p:sp>
+      <p:sp>
+        <p:nvSpPr>
+          <p:cNvPr id="3" name="ノート プレースホルダー 2"/>
+          <p:cNvSpPr>
+            <a:spLocks noGrp="1"/>
+          </p:cNvSpPr>
+          <p:nvPr>
+            <p:ph type="body" idx="1"/>
+          </p:nvPr>
+        </p:nvSpPr>
+        <p:spPr/>
+        <p:txBody>
+          <a:bodyPr/>
+          <a:lstStyle/>
+          <a:p>
+            <a:endParaRPr kumimoji="1" lang="en-US" altLang="ja-JP" dirty="0"/>
+          </a:p>
+        </p:txBody>
+      </p:sp>
+      <p:sp>
+        <p:nvSpPr>
+          <p:cNvPr id="4" name="スライド番号プレースホルダー 3"/>
+          <p:cNvSpPr>
+            <a:spLocks noGrp="1"/>
+          </p:cNvSpPr>
+          <p:nvPr>
+            <p:ph type="sldNum" sz="quarter" idx="5"/>
+          </p:nvPr>
+        </p:nvSpPr>
+        <p:spPr/>
+        <p:txBody>
+          <a:bodyPr/>
+          <a:lstStyle/>
+          <a:p>
+            <a:fld id="{273D5BA0-642B-4D78-9229-CC8AB7061245}" type="slidenum">
+              <a:rPr kumimoji="1" lang="ja-JP" altLang="en-US" smtClean="0"/>
+              <a:t>14</a:t>
+            </a:fld>
+            <a:endParaRPr kumimoji="1" lang="ja-JP" altLang="en-US"/>
+          </a:p>
+        </p:txBody>
+      </p:sp>
+    </p:spTree>
+    <p:extLst>
+      <p:ext uri="{BB962C8B-B14F-4D97-AF65-F5344CB8AC3E}">
+        <p14:creationId xmlns:p14="http://schemas.microsoft.com/office/powerpoint/2010/main" val="4116611063"/>
+      </p:ext>
+    </p:extLst>
+  </p:cSld>
+  <p:clrMapOvr>
+    <a:masterClrMapping/>
+  </p:clrMapOvr>
+</p:notes>
+</file>
+
+<file path=ppt/notesSlides/notesSlide15.xml><?xml version="1.0" encoding="utf-8"?>
+<p:notes xmlns:a="http://schemas.openxmlformats.org/drawingml/2006/main" xmlns:r="http://schemas.openxmlformats.org/officeDocument/2006/relationships" xmlns:p="http://schemas.openxmlformats.org/presentationml/2006/main">
+  <p:cSld>
+    <p:spTree>
+      <p:nvGrpSpPr>
+        <p:cNvPr id="1" name=""/>
+        <p:cNvGrpSpPr/>
+        <p:nvPr/>
+      </p:nvGrpSpPr>
+      <p:grpSpPr>
+        <a:xfrm>
+          <a:off x="0" y="0"/>
+          <a:ext cx="0" cy="0"/>
+          <a:chOff x="0" y="0"/>
+          <a:chExt cx="0" cy="0"/>
+        </a:xfrm>
+      </p:grpSpPr>
+      <p:sp>
+        <p:nvSpPr>
+          <p:cNvPr id="2" name="スライド イメージ プレースホルダー 1"/>
+          <p:cNvSpPr>
+            <a:spLocks noGrp="1" noRot="1" noChangeAspect="1"/>
+          </p:cNvSpPr>
+          <p:nvPr>
+            <p:ph type="sldImg"/>
+          </p:nvPr>
+        </p:nvSpPr>
+        <p:spPr/>
+      </p:sp>
+      <p:sp>
+        <p:nvSpPr>
+          <p:cNvPr id="3" name="ノート プレースホルダー 2"/>
+          <p:cNvSpPr>
+            <a:spLocks noGrp="1"/>
+          </p:cNvSpPr>
+          <p:nvPr>
+            <p:ph type="body" idx="1"/>
+          </p:nvPr>
+        </p:nvSpPr>
+        <p:spPr/>
+        <p:txBody>
+          <a:bodyPr/>
+          <a:lstStyle/>
+          <a:p>
+            <a:endParaRPr kumimoji="1" lang="en-US" altLang="ja-JP" dirty="0"/>
+          </a:p>
+        </p:txBody>
+      </p:sp>
+      <p:sp>
+        <p:nvSpPr>
+          <p:cNvPr id="4" name="スライド番号プレースホルダー 3"/>
+          <p:cNvSpPr>
+            <a:spLocks noGrp="1"/>
+          </p:cNvSpPr>
+          <p:nvPr>
+            <p:ph type="sldNum" sz="quarter" idx="5"/>
+          </p:nvPr>
+        </p:nvSpPr>
+        <p:spPr/>
+        <p:txBody>
+          <a:bodyPr/>
+          <a:lstStyle/>
+          <a:p>
+            <a:fld id="{273D5BA0-642B-4D78-9229-CC8AB7061245}" type="slidenum">
+              <a:rPr kumimoji="1" lang="ja-JP" altLang="en-US" smtClean="0"/>
+              <a:t>15</a:t>
+            </a:fld>
+            <a:endParaRPr kumimoji="1" lang="ja-JP" altLang="en-US"/>
+          </a:p>
+        </p:txBody>
+      </p:sp>
+    </p:spTree>
+    <p:extLst>
+      <p:ext uri="{BB962C8B-B14F-4D97-AF65-F5344CB8AC3E}">
+        <p14:creationId xmlns:p14="http://schemas.microsoft.com/office/powerpoint/2010/main" val="2829841349"/>
+      </p:ext>
+    </p:extLst>
+  </p:cSld>
+  <p:clrMapOvr>
+    <a:masterClrMapping/>
+  </p:clrMapOvr>
+</p:notes>
+</file>
+
+<file path=ppt/notesSlides/notesSlide16.xml><?xml version="1.0" encoding="utf-8"?>
+<p:notes xmlns:a="http://schemas.openxmlformats.org/drawingml/2006/main" xmlns:r="http://schemas.openxmlformats.org/officeDocument/2006/relationships" xmlns:p="http://schemas.openxmlformats.org/presentationml/2006/main">
+  <p:cSld>
+    <p:spTree>
+      <p:nvGrpSpPr>
+        <p:cNvPr id="1" name=""/>
+        <p:cNvGrpSpPr/>
+        <p:nvPr/>
+      </p:nvGrpSpPr>
+      <p:grpSpPr>
+        <a:xfrm>
+          <a:off x="0" y="0"/>
+          <a:ext cx="0" cy="0"/>
+          <a:chOff x="0" y="0"/>
+          <a:chExt cx="0" cy="0"/>
+        </a:xfrm>
+      </p:grpSpPr>
+      <p:sp>
+        <p:nvSpPr>
+          <p:cNvPr id="2" name="スライド イメージ プレースホルダー 1"/>
+          <p:cNvSpPr>
+            <a:spLocks noGrp="1" noRot="1" noChangeAspect="1"/>
+          </p:cNvSpPr>
+          <p:nvPr>
+            <p:ph type="sldImg"/>
+          </p:nvPr>
+        </p:nvSpPr>
+        <p:spPr/>
+      </p:sp>
+      <p:sp>
+        <p:nvSpPr>
+          <p:cNvPr id="3" name="ノート プレースホルダー 2"/>
+          <p:cNvSpPr>
+            <a:spLocks noGrp="1"/>
+          </p:cNvSpPr>
+          <p:nvPr>
+            <p:ph type="body" idx="1"/>
+          </p:nvPr>
+        </p:nvSpPr>
+        <p:spPr/>
+        <p:txBody>
+          <a:bodyPr/>
+          <a:lstStyle/>
+          <a:p>
+            <a:endParaRPr kumimoji="1" lang="en-US" altLang="ja-JP" dirty="0"/>
+          </a:p>
+        </p:txBody>
+      </p:sp>
+      <p:sp>
+        <p:nvSpPr>
+          <p:cNvPr id="4" name="スライド番号プレースホルダー 3"/>
+          <p:cNvSpPr>
+            <a:spLocks noGrp="1"/>
+          </p:cNvSpPr>
+          <p:nvPr>
+            <p:ph type="sldNum" sz="quarter" idx="5"/>
+          </p:nvPr>
+        </p:nvSpPr>
+        <p:spPr/>
+        <p:txBody>
+          <a:bodyPr/>
+          <a:lstStyle/>
+          <a:p>
+            <a:fld id="{273D5BA0-642B-4D78-9229-CC8AB7061245}" type="slidenum">
+              <a:rPr kumimoji="1" lang="ja-JP" altLang="en-US" smtClean="0"/>
+              <a:t>16</a:t>
+            </a:fld>
+            <a:endParaRPr kumimoji="1" lang="ja-JP" altLang="en-US"/>
+          </a:p>
+        </p:txBody>
+      </p:sp>
+    </p:spTree>
+    <p:extLst>
+      <p:ext uri="{BB962C8B-B14F-4D97-AF65-F5344CB8AC3E}">
+        <p14:creationId xmlns:p14="http://schemas.microsoft.com/office/powerpoint/2010/main" val="1890853870"/>
+      </p:ext>
+    </p:extLst>
+  </p:cSld>
+  <p:clrMapOvr>
+    <a:masterClrMapping/>
+  </p:clrMapOvr>
+</p:notes>
+</file>
+
+<file path=ppt/notesSlides/notesSlide17.xml><?xml version="1.0" encoding="utf-8"?>
+<p:notes xmlns:a="http://schemas.openxmlformats.org/drawingml/2006/main" xmlns:r="http://schemas.openxmlformats.org/officeDocument/2006/relationships" xmlns:p="http://schemas.openxmlformats.org/presentationml/2006/main">
+  <p:cSld>
+    <p:spTree>
+      <p:nvGrpSpPr>
+        <p:cNvPr id="1" name=""/>
+        <p:cNvGrpSpPr/>
+        <p:nvPr/>
+      </p:nvGrpSpPr>
+      <p:grpSpPr>
+        <a:xfrm>
+          <a:off x="0" y="0"/>
+          <a:ext cx="0" cy="0"/>
+          <a:chOff x="0" y="0"/>
+          <a:chExt cx="0" cy="0"/>
+        </a:xfrm>
+      </p:grpSpPr>
+      <p:sp>
+        <p:nvSpPr>
+          <p:cNvPr id="2" name="スライド イメージ プレースホルダー 1"/>
+          <p:cNvSpPr>
+            <a:spLocks noGrp="1" noRot="1" noChangeAspect="1"/>
+          </p:cNvSpPr>
+          <p:nvPr>
+            <p:ph type="sldImg"/>
+          </p:nvPr>
+        </p:nvSpPr>
+        <p:spPr/>
+      </p:sp>
+      <p:sp>
+        <p:nvSpPr>
+          <p:cNvPr id="3" name="ノート プレースホルダー 2"/>
+          <p:cNvSpPr>
+            <a:spLocks noGrp="1"/>
+          </p:cNvSpPr>
+          <p:nvPr>
+            <p:ph type="body" idx="1"/>
+          </p:nvPr>
+        </p:nvSpPr>
+        <p:spPr/>
+        <p:txBody>
+          <a:bodyPr/>
+          <a:lstStyle/>
+          <a:p>
+            <a:endParaRPr kumimoji="1" lang="en-US" altLang="ja-JP" dirty="0"/>
+          </a:p>
+        </p:txBody>
+      </p:sp>
+      <p:sp>
+        <p:nvSpPr>
+          <p:cNvPr id="4" name="スライド番号プレースホルダー 3"/>
+          <p:cNvSpPr>
+            <a:spLocks noGrp="1"/>
+          </p:cNvSpPr>
+          <p:nvPr>
+            <p:ph type="sldNum" sz="quarter" idx="5"/>
+          </p:nvPr>
+        </p:nvSpPr>
+        <p:spPr/>
+        <p:txBody>
+          <a:bodyPr/>
+          <a:lstStyle/>
+          <a:p>
+            <a:fld id="{273D5BA0-642B-4D78-9229-CC8AB7061245}" type="slidenum">
+              <a:rPr kumimoji="1" lang="ja-JP" altLang="en-US" smtClean="0"/>
+              <a:t>17</a:t>
+            </a:fld>
+            <a:endParaRPr kumimoji="1" lang="ja-JP" altLang="en-US"/>
+          </a:p>
+        </p:txBody>
+      </p:sp>
+    </p:spTree>
+    <p:extLst>
+      <p:ext uri="{BB962C8B-B14F-4D97-AF65-F5344CB8AC3E}">
+        <p14:creationId xmlns:p14="http://schemas.microsoft.com/office/powerpoint/2010/main" val="1811643690"/>
+      </p:ext>
+    </p:extLst>
+  </p:cSld>
+  <p:clrMapOvr>
+    <a:masterClrMapping/>
+  </p:clrMapOvr>
+</p:notes>
+</file>
+
+<file path=ppt/notesSlides/notesSlide18.xml><?xml version="1.0" encoding="utf-8"?>
+<p:notes xmlns:a="http://schemas.openxmlformats.org/drawingml/2006/main" xmlns:r="http://schemas.openxmlformats.org/officeDocument/2006/relationships" xmlns:p="http://schemas.openxmlformats.org/presentationml/2006/main">
+  <p:cSld>
+    <p:spTree>
+      <p:nvGrpSpPr>
+        <p:cNvPr id="1" name=""/>
+        <p:cNvGrpSpPr/>
+        <p:nvPr/>
+      </p:nvGrpSpPr>
+      <p:grpSpPr>
+        <a:xfrm>
+          <a:off x="0" y="0"/>
+          <a:ext cx="0" cy="0"/>
+          <a:chOff x="0" y="0"/>
+          <a:chExt cx="0" cy="0"/>
+        </a:xfrm>
+      </p:grpSpPr>
+      <p:sp>
+        <p:nvSpPr>
+          <p:cNvPr id="2" name="スライド イメージ プレースホルダー 1"/>
+          <p:cNvSpPr>
+            <a:spLocks noGrp="1" noRot="1" noChangeAspect="1"/>
+          </p:cNvSpPr>
+          <p:nvPr>
+            <p:ph type="sldImg"/>
+          </p:nvPr>
+        </p:nvSpPr>
+        <p:spPr/>
+      </p:sp>
+      <p:sp>
+        <p:nvSpPr>
+          <p:cNvPr id="3" name="ノート プレースホルダー 2"/>
+          <p:cNvSpPr>
+            <a:spLocks noGrp="1"/>
+          </p:cNvSpPr>
+          <p:nvPr>
+            <p:ph type="body" idx="1"/>
+          </p:nvPr>
+        </p:nvSpPr>
+        <p:spPr/>
+        <p:txBody>
+          <a:bodyPr/>
+          <a:lstStyle/>
+          <a:p>
+            <a:endParaRPr kumimoji="1" lang="en-US" altLang="ja-JP" dirty="0"/>
+          </a:p>
+        </p:txBody>
+      </p:sp>
+      <p:sp>
+        <p:nvSpPr>
+          <p:cNvPr id="4" name="スライド番号プレースホルダー 3"/>
+          <p:cNvSpPr>
+            <a:spLocks noGrp="1"/>
+          </p:cNvSpPr>
+          <p:nvPr>
+            <p:ph type="sldNum" sz="quarter" idx="5"/>
+          </p:nvPr>
+        </p:nvSpPr>
+        <p:spPr/>
+        <p:txBody>
+          <a:bodyPr/>
+          <a:lstStyle/>
+          <a:p>
+            <a:fld id="{273D5BA0-642B-4D78-9229-CC8AB7061245}" type="slidenum">
+              <a:rPr kumimoji="1" lang="ja-JP" altLang="en-US" smtClean="0"/>
+              <a:t>18</a:t>
+            </a:fld>
+            <a:endParaRPr kumimoji="1" lang="ja-JP" altLang="en-US"/>
+          </a:p>
+        </p:txBody>
+      </p:sp>
+    </p:spTree>
+    <p:extLst>
+      <p:ext uri="{BB962C8B-B14F-4D97-AF65-F5344CB8AC3E}">
+        <p14:creationId xmlns:p14="http://schemas.microsoft.com/office/powerpoint/2010/main" val="3841776525"/>
+      </p:ext>
+    </p:extLst>
+  </p:cSld>
+  <p:clrMapOvr>
+    <a:masterClrMapping/>
+  </p:clrMapOvr>
+</p:notes>
+</file>
+
+<file path=ppt/notesSlides/notesSlide19.xml><?xml version="1.0" encoding="utf-8"?>
+<p:notes xmlns:a="http://schemas.openxmlformats.org/drawingml/2006/main" xmlns:r="http://schemas.openxmlformats.org/officeDocument/2006/relationships" xmlns:p="http://schemas.openxmlformats.org/presentationml/2006/main">
+  <p:cSld>
+    <p:spTree>
+      <p:nvGrpSpPr>
+        <p:cNvPr id="1" name=""/>
+        <p:cNvGrpSpPr/>
+        <p:nvPr/>
+      </p:nvGrpSpPr>
+      <p:grpSpPr>
+        <a:xfrm>
+          <a:off x="0" y="0"/>
+          <a:ext cx="0" cy="0"/>
+          <a:chOff x="0" y="0"/>
+          <a:chExt cx="0" cy="0"/>
+        </a:xfrm>
+      </p:grpSpPr>
+      <p:sp>
+        <p:nvSpPr>
+          <p:cNvPr id="2" name="スライド イメージ プレースホルダー 1"/>
+          <p:cNvSpPr>
+            <a:spLocks noGrp="1" noRot="1" noChangeAspect="1"/>
+          </p:cNvSpPr>
+          <p:nvPr>
+            <p:ph type="sldImg"/>
+          </p:nvPr>
+        </p:nvSpPr>
+        <p:spPr/>
+      </p:sp>
+      <p:sp>
+        <p:nvSpPr>
+          <p:cNvPr id="3" name="ノート プレースホルダー 2"/>
+          <p:cNvSpPr>
+            <a:spLocks noGrp="1"/>
+          </p:cNvSpPr>
+          <p:nvPr>
+            <p:ph type="body" idx="1"/>
+          </p:nvPr>
+        </p:nvSpPr>
+        <p:spPr/>
+        <p:txBody>
+          <a:bodyPr/>
+          <a:lstStyle/>
+          <a:p>
+            <a:endParaRPr kumimoji="1" lang="en-US" altLang="ja-JP" dirty="0"/>
+          </a:p>
+        </p:txBody>
+      </p:sp>
+      <p:sp>
+        <p:nvSpPr>
+          <p:cNvPr id="4" name="スライド番号プレースホルダー 3"/>
+          <p:cNvSpPr>
+            <a:spLocks noGrp="1"/>
+          </p:cNvSpPr>
+          <p:nvPr>
+            <p:ph type="sldNum" sz="quarter" idx="5"/>
+          </p:nvPr>
+        </p:nvSpPr>
+        <p:spPr/>
+        <p:txBody>
+          <a:bodyPr/>
+          <a:lstStyle/>
+          <a:p>
+            <a:fld id="{273D5BA0-642B-4D78-9229-CC8AB7061245}" type="slidenum">
+              <a:rPr kumimoji="1" lang="ja-JP" altLang="en-US" smtClean="0"/>
+              <a:t>19</a:t>
+            </a:fld>
+            <a:endParaRPr kumimoji="1" lang="ja-JP" altLang="en-US"/>
+          </a:p>
+        </p:txBody>
+      </p:sp>
+    </p:spTree>
+    <p:extLst>
+      <p:ext uri="{BB962C8B-B14F-4D97-AF65-F5344CB8AC3E}">
+        <p14:creationId xmlns:p14="http://schemas.microsoft.com/office/powerpoint/2010/main" val="1737191295"/>
+      </p:ext>
+    </p:extLst>
+  </p:cSld>
+  <p:clrMapOvr>
+    <a:masterClrMapping/>
+  </p:clrMapOvr>
+</p:notes>
+</file>
+
 <file path=ppt/notesSlides/notesSlide2.xml><?xml version="1.0" encoding="utf-8"?>
 <p:notes xmlns:a="http://schemas.openxmlformats.org/drawingml/2006/main" xmlns:r="http://schemas.openxmlformats.org/officeDocument/2006/relationships" xmlns:p="http://schemas.openxmlformats.org/presentationml/2006/main">
   <p:cSld>
@@ -764,7 +1561,7 @@
           <a:p>
             <a:r>
               <a:rPr kumimoji="1" lang="ja-JP" altLang="en-US" dirty="0"/>
-              <a:t>突然ですが皆さん。ネットで誹謗中傷したことありますか？皆さんはネット中毒者が多いと思いますので、ここの会場にも、誹謗中傷した人がいるかもしれません。ですが、誹謗中傷はもちろんやってはいけないことです。場合によっては人を傷つけてしまうかもしれません。</a:t>
+              <a:t>突然ですが皆さん。ネットで誹謗中傷したことありますか？ここにいる皆さんはネット中毒者が多いと思いますので、誹謗中傷をしたことがある人がいるかもしれません。ですが、人を傷つけてしまう誹謗中傷はもちろんやってはいけないことです。</a:t>
             </a:r>
           </a:p>
         </p:txBody>
@@ -796,6 +1593,258 @@
     <p:extLst>
       <p:ext uri="{BB962C8B-B14F-4D97-AF65-F5344CB8AC3E}">
         <p14:creationId xmlns:p14="http://schemas.microsoft.com/office/powerpoint/2010/main" val="3107328036"/>
+      </p:ext>
+    </p:extLst>
+  </p:cSld>
+  <p:clrMapOvr>
+    <a:masterClrMapping/>
+  </p:clrMapOvr>
+</p:notes>
+</file>
+
+<file path=ppt/notesSlides/notesSlide20.xml><?xml version="1.0" encoding="utf-8"?>
+<p:notes xmlns:a="http://schemas.openxmlformats.org/drawingml/2006/main" xmlns:r="http://schemas.openxmlformats.org/officeDocument/2006/relationships" xmlns:p="http://schemas.openxmlformats.org/presentationml/2006/main">
+  <p:cSld>
+    <p:spTree>
+      <p:nvGrpSpPr>
+        <p:cNvPr id="1" name=""/>
+        <p:cNvGrpSpPr/>
+        <p:nvPr/>
+      </p:nvGrpSpPr>
+      <p:grpSpPr>
+        <a:xfrm>
+          <a:off x="0" y="0"/>
+          <a:ext cx="0" cy="0"/>
+          <a:chOff x="0" y="0"/>
+          <a:chExt cx="0" cy="0"/>
+        </a:xfrm>
+      </p:grpSpPr>
+      <p:sp>
+        <p:nvSpPr>
+          <p:cNvPr id="2" name="スライド イメージ プレースホルダー 1"/>
+          <p:cNvSpPr>
+            <a:spLocks noGrp="1" noRot="1" noChangeAspect="1"/>
+          </p:cNvSpPr>
+          <p:nvPr>
+            <p:ph type="sldImg"/>
+          </p:nvPr>
+        </p:nvSpPr>
+        <p:spPr/>
+      </p:sp>
+      <p:sp>
+        <p:nvSpPr>
+          <p:cNvPr id="3" name="ノート プレースホルダー 2"/>
+          <p:cNvSpPr>
+            <a:spLocks noGrp="1"/>
+          </p:cNvSpPr>
+          <p:nvPr>
+            <p:ph type="body" idx="1"/>
+          </p:nvPr>
+        </p:nvSpPr>
+        <p:spPr/>
+        <p:txBody>
+          <a:bodyPr/>
+          <a:lstStyle/>
+          <a:p>
+            <a:endParaRPr kumimoji="1" lang="en-US" altLang="ja-JP" dirty="0"/>
+          </a:p>
+        </p:txBody>
+      </p:sp>
+      <p:sp>
+        <p:nvSpPr>
+          <p:cNvPr id="4" name="スライド番号プレースホルダー 3"/>
+          <p:cNvSpPr>
+            <a:spLocks noGrp="1"/>
+          </p:cNvSpPr>
+          <p:nvPr>
+            <p:ph type="sldNum" sz="quarter" idx="5"/>
+          </p:nvPr>
+        </p:nvSpPr>
+        <p:spPr/>
+        <p:txBody>
+          <a:bodyPr/>
+          <a:lstStyle/>
+          <a:p>
+            <a:fld id="{273D5BA0-642B-4D78-9229-CC8AB7061245}" type="slidenum">
+              <a:rPr kumimoji="1" lang="ja-JP" altLang="en-US" smtClean="0"/>
+              <a:t>20</a:t>
+            </a:fld>
+            <a:endParaRPr kumimoji="1" lang="ja-JP" altLang="en-US"/>
+          </a:p>
+        </p:txBody>
+      </p:sp>
+    </p:spTree>
+    <p:extLst>
+      <p:ext uri="{BB962C8B-B14F-4D97-AF65-F5344CB8AC3E}">
+        <p14:creationId xmlns:p14="http://schemas.microsoft.com/office/powerpoint/2010/main" val="2497896617"/>
+      </p:ext>
+    </p:extLst>
+  </p:cSld>
+  <p:clrMapOvr>
+    <a:masterClrMapping/>
+  </p:clrMapOvr>
+</p:notes>
+</file>
+
+<file path=ppt/notesSlides/notesSlide21.xml><?xml version="1.0" encoding="utf-8"?>
+<p:notes xmlns:a="http://schemas.openxmlformats.org/drawingml/2006/main" xmlns:r="http://schemas.openxmlformats.org/officeDocument/2006/relationships" xmlns:p="http://schemas.openxmlformats.org/presentationml/2006/main">
+  <p:cSld>
+    <p:spTree>
+      <p:nvGrpSpPr>
+        <p:cNvPr id="1" name=""/>
+        <p:cNvGrpSpPr/>
+        <p:nvPr/>
+      </p:nvGrpSpPr>
+      <p:grpSpPr>
+        <a:xfrm>
+          <a:off x="0" y="0"/>
+          <a:ext cx="0" cy="0"/>
+          <a:chOff x="0" y="0"/>
+          <a:chExt cx="0" cy="0"/>
+        </a:xfrm>
+      </p:grpSpPr>
+      <p:sp>
+        <p:nvSpPr>
+          <p:cNvPr id="2" name="スライド イメージ プレースホルダー 1"/>
+          <p:cNvSpPr>
+            <a:spLocks noGrp="1" noRot="1" noChangeAspect="1"/>
+          </p:cNvSpPr>
+          <p:nvPr>
+            <p:ph type="sldImg"/>
+          </p:nvPr>
+        </p:nvSpPr>
+        <p:spPr/>
+      </p:sp>
+      <p:sp>
+        <p:nvSpPr>
+          <p:cNvPr id="3" name="ノート プレースホルダー 2"/>
+          <p:cNvSpPr>
+            <a:spLocks noGrp="1"/>
+          </p:cNvSpPr>
+          <p:nvPr>
+            <p:ph type="body" idx="1"/>
+          </p:nvPr>
+        </p:nvSpPr>
+        <p:spPr/>
+        <p:txBody>
+          <a:bodyPr/>
+          <a:lstStyle/>
+          <a:p>
+            <a:endParaRPr kumimoji="1" lang="en-US" altLang="ja-JP" dirty="0"/>
+          </a:p>
+        </p:txBody>
+      </p:sp>
+      <p:sp>
+        <p:nvSpPr>
+          <p:cNvPr id="4" name="スライド番号プレースホルダー 3"/>
+          <p:cNvSpPr>
+            <a:spLocks noGrp="1"/>
+          </p:cNvSpPr>
+          <p:nvPr>
+            <p:ph type="sldNum" sz="quarter" idx="5"/>
+          </p:nvPr>
+        </p:nvSpPr>
+        <p:spPr/>
+        <p:txBody>
+          <a:bodyPr/>
+          <a:lstStyle/>
+          <a:p>
+            <a:fld id="{273D5BA0-642B-4D78-9229-CC8AB7061245}" type="slidenum">
+              <a:rPr kumimoji="1" lang="ja-JP" altLang="en-US" smtClean="0"/>
+              <a:t>21</a:t>
+            </a:fld>
+            <a:endParaRPr kumimoji="1" lang="ja-JP" altLang="en-US"/>
+          </a:p>
+        </p:txBody>
+      </p:sp>
+    </p:spTree>
+    <p:extLst>
+      <p:ext uri="{BB962C8B-B14F-4D97-AF65-F5344CB8AC3E}">
+        <p14:creationId xmlns:p14="http://schemas.microsoft.com/office/powerpoint/2010/main" val="1075168016"/>
+      </p:ext>
+    </p:extLst>
+  </p:cSld>
+  <p:clrMapOvr>
+    <a:masterClrMapping/>
+  </p:clrMapOvr>
+</p:notes>
+</file>
+
+<file path=ppt/notesSlides/notesSlide22.xml><?xml version="1.0" encoding="utf-8"?>
+<p:notes xmlns:a="http://schemas.openxmlformats.org/drawingml/2006/main" xmlns:r="http://schemas.openxmlformats.org/officeDocument/2006/relationships" xmlns:p="http://schemas.openxmlformats.org/presentationml/2006/main">
+  <p:cSld>
+    <p:spTree>
+      <p:nvGrpSpPr>
+        <p:cNvPr id="1" name=""/>
+        <p:cNvGrpSpPr/>
+        <p:nvPr/>
+      </p:nvGrpSpPr>
+      <p:grpSpPr>
+        <a:xfrm>
+          <a:off x="0" y="0"/>
+          <a:ext cx="0" cy="0"/>
+          <a:chOff x="0" y="0"/>
+          <a:chExt cx="0" cy="0"/>
+        </a:xfrm>
+      </p:grpSpPr>
+      <p:sp>
+        <p:nvSpPr>
+          <p:cNvPr id="2" name="スライド イメージ プレースホルダー 1"/>
+          <p:cNvSpPr>
+            <a:spLocks noGrp="1" noRot="1" noChangeAspect="1"/>
+          </p:cNvSpPr>
+          <p:nvPr>
+            <p:ph type="sldImg"/>
+          </p:nvPr>
+        </p:nvSpPr>
+        <p:spPr/>
+      </p:sp>
+      <p:sp>
+        <p:nvSpPr>
+          <p:cNvPr id="3" name="ノート プレースホルダー 2"/>
+          <p:cNvSpPr>
+            <a:spLocks noGrp="1"/>
+          </p:cNvSpPr>
+          <p:nvPr>
+            <p:ph type="body" idx="1"/>
+          </p:nvPr>
+        </p:nvSpPr>
+        <p:spPr/>
+        <p:txBody>
+          <a:bodyPr/>
+          <a:lstStyle/>
+          <a:p>
+            <a:endParaRPr kumimoji="1" lang="en-US" altLang="ja-JP" dirty="0"/>
+          </a:p>
+        </p:txBody>
+      </p:sp>
+      <p:sp>
+        <p:nvSpPr>
+          <p:cNvPr id="4" name="スライド番号プレースホルダー 3"/>
+          <p:cNvSpPr>
+            <a:spLocks noGrp="1"/>
+          </p:cNvSpPr>
+          <p:nvPr>
+            <p:ph type="sldNum" sz="quarter" idx="5"/>
+          </p:nvPr>
+        </p:nvSpPr>
+        <p:spPr/>
+        <p:txBody>
+          <a:bodyPr/>
+          <a:lstStyle/>
+          <a:p>
+            <a:fld id="{273D5BA0-642B-4D78-9229-CC8AB7061245}" type="slidenum">
+              <a:rPr kumimoji="1" lang="ja-JP" altLang="en-US" smtClean="0"/>
+              <a:t>22</a:t>
+            </a:fld>
+            <a:endParaRPr kumimoji="1" lang="ja-JP" altLang="en-US"/>
+          </a:p>
+        </p:txBody>
+      </p:sp>
+    </p:spTree>
+    <p:extLst>
+      <p:ext uri="{BB962C8B-B14F-4D97-AF65-F5344CB8AC3E}">
+        <p14:creationId xmlns:p14="http://schemas.microsoft.com/office/powerpoint/2010/main" val="1767744260"/>
       </p:ext>
     </p:extLst>
   </p:cSld>
@@ -851,7 +1900,7 @@
           <a:p>
             <a:r>
               <a:rPr kumimoji="1" lang="ja-JP" altLang="en-US" dirty="0"/>
-              <a:t>誹謗中傷などの不適切投稿を防ぐため、高校生へのアンケート結果では、家庭、学校での</a:t>
+              <a:t>高校生へのアンケート結果では、家庭、学校での</a:t>
             </a:r>
             <a:r>
               <a:rPr kumimoji="1" lang="en-US" altLang="ja-JP" dirty="0"/>
@@ -1059,15 +2108,7 @@
           <a:p>
             <a:r>
               <a:rPr kumimoji="1" lang="ja-JP" altLang="en-US" dirty="0"/>
-              <a:t>その目的のもと、私たちが開発したのが、炎上系</a:t>
-            </a:r>
-            <a:r>
-              <a:rPr kumimoji="1" lang="en-US" altLang="ja-JP" dirty="0"/>
-              <a:t>SNS</a:t>
-            </a:r>
-            <a:r>
-              <a:rPr kumimoji="1" lang="ja-JP" altLang="en-US" dirty="0"/>
-              <a:t>「ホネット」です。ホネットは、様々なシナリオで、炎上した人になってみる。という、炎上体験ができる</a:t>
+              <a:t>私たちはこのような社会的背景から、青少年のデジタルタトゥーを抑止し、リテラシー向上を目的に、</a:t>
             </a:r>
             <a:r>
               <a:rPr kumimoji="1" lang="en-US" altLang="ja-JP" dirty="0"/>
@@ -1075,19 +2116,8 @@
             </a:r>
             <a:r>
               <a:rPr kumimoji="1" lang="ja-JP" altLang="en-US" dirty="0"/>
-              <a:t>アプリです。</a:t>
-            </a:r>
-            <a:endParaRPr kumimoji="1" lang="en-US" altLang="ja-JP" dirty="0"/>
-          </a:p>
-          <a:p>
-            <a:endParaRPr kumimoji="1" lang="en-US" altLang="ja-JP" dirty="0"/>
-          </a:p>
-          <a:p>
-            <a:r>
-              <a:rPr kumimoji="1" lang="ja-JP" altLang="en-US" dirty="0"/>
-              <a:t>ユーザはどの投稿をするか？などの選択をし、シナリオを進めていきます。シナリオを進めていくにつれてユーザがした投稿が炎上し、ユーザは炎上を体験できます。</a:t>
-            </a:r>
-            <a:endParaRPr kumimoji="1" lang="en-US" altLang="ja-JP" dirty="0"/>
+              <a:t>アプリ開発をしようと考えました。</a:t>
+            </a:r>
           </a:p>
         </p:txBody>
       </p:sp>
@@ -1117,7 +2147,7 @@
     </p:spTree>
     <p:extLst>
       <p:ext uri="{BB962C8B-B14F-4D97-AF65-F5344CB8AC3E}">
-        <p14:creationId xmlns:p14="http://schemas.microsoft.com/office/powerpoint/2010/main" val="2988587270"/>
+        <p14:creationId xmlns:p14="http://schemas.microsoft.com/office/powerpoint/2010/main" val="3256341768"/>
       </p:ext>
     </p:extLst>
   </p:cSld>
@@ -1173,23 +2203,17 @@
           <a:p>
             <a:r>
               <a:rPr kumimoji="1" lang="ja-JP" altLang="en-US" dirty="0"/>
-              <a:t>そこで、私たちは青少年のデジタルタトゥーを抑止し、リテラシー向上を目的に、</a:t>
+              <a:t>そこで私たちが開発したのが、炎上系</a:t>
             </a:r>
             <a:r>
               <a:rPr kumimoji="1" lang="en-US" altLang="ja-JP" dirty="0"/>
-              <a:t>web</a:t>
+              <a:t>SNS</a:t>
             </a:r>
             <a:r>
               <a:rPr kumimoji="1" lang="ja-JP" altLang="en-US" dirty="0"/>
-              <a:t>アプリ開発をしようと考えました。</a:t>
-            </a:r>
-            <a:br>
-              <a:rPr kumimoji="1" lang="en-US" altLang="ja-JP" dirty="0"/>
-            </a:br>
-            <a:r>
-              <a:rPr kumimoji="1" lang="ja-JP" altLang="en-US" dirty="0"/>
-              <a:t>目的が</a:t>
-            </a:r>
+              <a:t>「ホネット」です。ホネットは、様々なシナリオで、炎上した人になってみる。という、ノベルゲームです。</a:t>
+            </a:r>
+            <a:endParaRPr kumimoji="1" lang="en-US" altLang="ja-JP" dirty="0"/>
           </a:p>
         </p:txBody>
       </p:sp>
@@ -1219,7 +2243,7 @@
     </p:spTree>
     <p:extLst>
       <p:ext uri="{BB962C8B-B14F-4D97-AF65-F5344CB8AC3E}">
-        <p14:creationId xmlns:p14="http://schemas.microsoft.com/office/powerpoint/2010/main" val="3256341768"/>
+        <p14:creationId xmlns:p14="http://schemas.microsoft.com/office/powerpoint/2010/main" val="2988587270"/>
       </p:ext>
     </p:extLst>
   </p:cSld>
@@ -1275,15 +2299,7 @@
           <a:p>
             <a:r>
               <a:rPr kumimoji="1" lang="ja-JP" altLang="en-US" dirty="0"/>
-              <a:t>このようにホネットでは、炎上したらどうなるかをユーザに体験させ、リテラシー向上につなげます。また、</a:t>
-            </a:r>
-            <a:r>
-              <a:rPr kumimoji="1" lang="en-US" altLang="ja-JP" dirty="0"/>
-              <a:t>SNS</a:t>
-            </a:r>
-            <a:r>
-              <a:rPr kumimoji="1" lang="ja-JP" altLang="en-US" dirty="0"/>
-              <a:t>の不適切投稿、デジタルタトゥー防止ができます。</a:t>
+              <a:t>実際に炎上を体験することで、炎上したらどうなるか、誹謗中傷を受けたら被害者はどのような気持ちになるのかをユーザーに体験してもらい、リテラシー向上につなげます。</a:t>
             </a:r>
           </a:p>
         </p:txBody>
@@ -1800,7 +2816,7 @@
           <a:p>
             <a:fld id="{3136D0B9-A312-46E8-AB5D-EEF67B3DD833}" type="datetimeFigureOut">
               <a:rPr kumimoji="1" lang="ja-JP" altLang="en-US" smtClean="0"/>
-              <a:t>2024/8/28</a:t>
+              <a:t>2024/8/30</a:t>
             </a:fld>
             <a:endParaRPr kumimoji="1" lang="ja-JP" altLang="en-US"/>
           </a:p>
@@ -2030,7 +3046,7 @@
           <a:p>
             <a:fld id="{3136D0B9-A312-46E8-AB5D-EEF67B3DD833}" type="datetimeFigureOut">
               <a:rPr kumimoji="1" lang="ja-JP" altLang="en-US" smtClean="0"/>
-              <a:t>2024/8/28</a:t>
+              <a:t>2024/8/30</a:t>
             </a:fld>
             <a:endParaRPr kumimoji="1" lang="ja-JP" altLang="en-US"/>
           </a:p>
@@ -2270,7 +3286,7 @@
           <a:p>
             <a:fld id="{3136D0B9-A312-46E8-AB5D-EEF67B3DD833}" type="datetimeFigureOut">
               <a:rPr kumimoji="1" lang="ja-JP" altLang="en-US" smtClean="0"/>
-              <a:t>2024/8/28</a:t>
+              <a:t>2024/8/30</a:t>
             </a:fld>
             <a:endParaRPr kumimoji="1" lang="ja-JP" altLang="en-US"/>
           </a:p>
@@ -2500,7 +3516,7 @@
           <a:p>
             <a:fld id="{3136D0B9-A312-46E8-AB5D-EEF67B3DD833}" type="datetimeFigureOut">
               <a:rPr kumimoji="1" lang="ja-JP" altLang="en-US" smtClean="0"/>
-              <a:t>2024/8/28</a:t>
+              <a:t>2024/8/30</a:t>
             </a:fld>
             <a:endParaRPr kumimoji="1" lang="ja-JP" altLang="en-US"/>
           </a:p>
@@ -2775,7 +3791,7 @@
           <a:p>
             <a:fld id="{3136D0B9-A312-46E8-AB5D-EEF67B3DD833}" type="datetimeFigureOut">
               <a:rPr kumimoji="1" lang="ja-JP" altLang="en-US" smtClean="0"/>
-              <a:t>2024/8/28</a:t>
+              <a:t>2024/8/30</a:t>
             </a:fld>
             <a:endParaRPr kumimoji="1" lang="ja-JP" altLang="en-US"/>
           </a:p>
@@ -3104,7 +4120,7 @@
           <a:p>
             <a:fld id="{3136D0B9-A312-46E8-AB5D-EEF67B3DD833}" type="datetimeFigureOut">
               <a:rPr kumimoji="1" lang="ja-JP" altLang="en-US" smtClean="0"/>
-              <a:t>2024/8/28</a:t>
+              <a:t>2024/8/30</a:t>
             </a:fld>
             <a:endParaRPr kumimoji="1" lang="ja-JP" altLang="en-US"/>
           </a:p>
@@ -3580,7 +4596,7 @@
           <a:p>
             <a:fld id="{3136D0B9-A312-46E8-AB5D-EEF67B3DD833}" type="datetimeFigureOut">
               <a:rPr kumimoji="1" lang="ja-JP" altLang="en-US" smtClean="0"/>
-              <a:t>2024/8/28</a:t>
+              <a:t>2024/8/30</a:t>
             </a:fld>
             <a:endParaRPr kumimoji="1" lang="ja-JP" altLang="en-US"/>
           </a:p>
@@ -3721,7 +4737,7 @@
           <a:p>
             <a:fld id="{3136D0B9-A312-46E8-AB5D-EEF67B3DD833}" type="datetimeFigureOut">
               <a:rPr kumimoji="1" lang="ja-JP" altLang="en-US" smtClean="0"/>
-              <a:t>2024/8/28</a:t>
+              <a:t>2024/8/30</a:t>
             </a:fld>
             <a:endParaRPr kumimoji="1" lang="ja-JP" altLang="en-US"/>
           </a:p>
@@ -3834,7 +4850,7 @@
           <a:p>
             <a:fld id="{3136D0B9-A312-46E8-AB5D-EEF67B3DD833}" type="datetimeFigureOut">
               <a:rPr kumimoji="1" lang="ja-JP" altLang="en-US" smtClean="0"/>
-              <a:t>2024/8/28</a:t>
+              <a:t>2024/8/30</a:t>
             </a:fld>
             <a:endParaRPr kumimoji="1" lang="ja-JP" altLang="en-US"/>
           </a:p>
@@ -4177,7 +5193,7 @@
           <a:p>
             <a:fld id="{3136D0B9-A312-46E8-AB5D-EEF67B3DD833}" type="datetimeFigureOut">
               <a:rPr kumimoji="1" lang="ja-JP" altLang="en-US" smtClean="0"/>
-              <a:t>2024/8/28</a:t>
+              <a:t>2024/8/30</a:t>
             </a:fld>
             <a:endParaRPr kumimoji="1" lang="ja-JP" altLang="en-US"/>
           </a:p>
@@ -4465,7 +5481,7 @@
           <a:p>
             <a:fld id="{3136D0B9-A312-46E8-AB5D-EEF67B3DD833}" type="datetimeFigureOut">
               <a:rPr kumimoji="1" lang="ja-JP" altLang="en-US" smtClean="0"/>
-              <a:t>2024/8/28</a:t>
+              <a:t>2024/8/30</a:t>
             </a:fld>
             <a:endParaRPr kumimoji="1" lang="ja-JP" altLang="en-US"/>
           </a:p>
@@ -4738,7 +5754,7 @@
           <a:p>
             <a:fld id="{3136D0B9-A312-46E8-AB5D-EEF67B3DD833}" type="datetimeFigureOut">
               <a:rPr kumimoji="1" lang="ja-JP" altLang="en-US" smtClean="0"/>
-              <a:t>2024/8/28</a:t>
+              <a:t>2024/8/30</a:t>
             </a:fld>
             <a:endParaRPr kumimoji="1" lang="ja-JP" altLang="en-US"/>
           </a:p>
@@ -5402,6 +6418,46 @@
           </a:p>
         </p:txBody>
       </p:sp>
+      <p:sp>
+        <p:nvSpPr>
+          <p:cNvPr id="3" name="テキスト ボックス 2">
+            <a:extLst>
+              <a:ext uri="{FF2B5EF4-FFF2-40B4-BE49-F238E27FC236}">
+                <a16:creationId xmlns:a16="http://schemas.microsoft.com/office/drawing/2014/main" id="{1E10F84D-2AEE-2AAC-9CFE-30DFD15F7C74}"/>
+              </a:ext>
+            </a:extLst>
+          </p:cNvPr>
+          <p:cNvSpPr txBox="1"/>
+          <p:nvPr/>
+        </p:nvSpPr>
+        <p:spPr>
+          <a:xfrm>
+            <a:off x="283464" y="108734"/>
+            <a:ext cx="12071096" cy="1107996"/>
+          </a:xfrm>
+          <a:prstGeom prst="rect">
+            <a:avLst/>
+          </a:prstGeom>
+          <a:noFill/>
+        </p:spPr>
+        <p:txBody>
+          <a:bodyPr wrap="square">
+            <a:spAutoFit/>
+          </a:bodyPr>
+          <a:lstStyle/>
+          <a:p>
+            <a:r>
+              <a:rPr lang="ja-JP" altLang="en-US" sz="6600" dirty="0">
+                <a:latin typeface="HG創英角ｺﾞｼｯｸUB" panose="020B0909000000000000" pitchFamily="49" charset="-128"/>
+                <a:ea typeface="HG創英角ｺﾞｼｯｸUB" panose="020B0909000000000000" pitchFamily="49" charset="-128"/>
+                <a:cs typeface="ADLaM Display" panose="020F0502020204030204" pitchFamily="2" charset="0"/>
+              </a:rPr>
+              <a:t>最後に</a:t>
+            </a:r>
+            <a:endParaRPr lang="ja-JP" altLang="en-US" sz="6600" dirty="0"/>
+          </a:p>
+        </p:txBody>
+      </p:sp>
     </p:spTree>
     <p:extLst>
       <p:ext uri="{BB962C8B-B14F-4D97-AF65-F5344CB8AC3E}">
@@ -5416,7 +6472,271 @@
 </file>
 
 <file path=ppt/slides/slide11.xml><?xml version="1.0" encoding="utf-8"?>
-<p:sld xmlns:a="http://schemas.openxmlformats.org/drawingml/2006/main" xmlns:r="http://schemas.openxmlformats.org/officeDocument/2006/relationships" xmlns:p="http://schemas.openxmlformats.org/presentationml/2006/main" show="0">
+<p:sld xmlns:a="http://schemas.openxmlformats.org/drawingml/2006/main" xmlns:r="http://schemas.openxmlformats.org/officeDocument/2006/relationships" xmlns:p="http://schemas.openxmlformats.org/presentationml/2006/main">
+  <p:cSld>
+    <p:bg>
+      <p:bgPr>
+        <a:solidFill>
+          <a:schemeClr val="bg1"/>
+        </a:solidFill>
+        <a:effectLst/>
+      </p:bgPr>
+    </p:bg>
+    <p:spTree>
+      <p:nvGrpSpPr>
+        <p:cNvPr id="1" name=""/>
+        <p:cNvGrpSpPr/>
+        <p:nvPr/>
+      </p:nvGrpSpPr>
+      <p:grpSpPr>
+        <a:xfrm>
+          <a:off x="0" y="0"/>
+          <a:ext cx="0" cy="0"/>
+          <a:chOff x="0" y="0"/>
+          <a:chExt cx="0" cy="0"/>
+        </a:xfrm>
+      </p:grpSpPr>
+      <p:sp>
+        <p:nvSpPr>
+          <p:cNvPr id="10" name="Rectangle 9">
+            <a:extLst>
+              <a:ext uri="{FF2B5EF4-FFF2-40B4-BE49-F238E27FC236}">
+                <a16:creationId xmlns:a16="http://schemas.microsoft.com/office/drawing/2014/main" id="{42A4FC2C-047E-45A5-965D-8E1E3BF09BC6}"/>
+              </a:ext>
+              <a:ext uri="{C183D7F6-B498-43B3-948B-1728B52AA6E4}">
+                <adec:decorative xmlns:adec="http://schemas.microsoft.com/office/drawing/2017/decorative" val="1"/>
+              </a:ext>
+            </a:extLst>
+          </p:cNvPr>
+          <p:cNvSpPr>
+            <a:spLocks noGrp="1" noRot="1" noChangeAspect="1" noMove="1" noResize="1" noEditPoints="1" noAdjustHandles="1" noChangeArrowheads="1" noChangeShapeType="1" noTextEdit="1"/>
+          </p:cNvSpPr>
+          <p:nvPr>
+            <p:extLst>
+              <p:ext uri="{386F3935-93C4-4BCD-93E2-E3B085C9AB24}">
+                <p16:designElem xmlns:p16="http://schemas.microsoft.com/office/powerpoint/2015/main" val="1"/>
+              </p:ext>
+            </p:extLst>
+          </p:nvPr>
+        </p:nvSpPr>
+        <p:spPr bwMode="white">
+          <a:xfrm>
+            <a:off x="1524" y="0"/>
+            <a:ext cx="12188952" cy="6858000"/>
+          </a:xfrm>
+          <a:prstGeom prst="rect">
+            <a:avLst/>
+          </a:prstGeom>
+          <a:noFill/>
+          <a:ln>
+            <a:noFill/>
+          </a:ln>
+        </p:spPr>
+        <p:style>
+          <a:lnRef idx="2">
+            <a:schemeClr val="accent1">
+              <a:shade val="50000"/>
+            </a:schemeClr>
+          </a:lnRef>
+          <a:fillRef idx="1">
+            <a:schemeClr val="accent1"/>
+          </a:fillRef>
+          <a:effectRef idx="0">
+            <a:schemeClr val="accent1"/>
+          </a:effectRef>
+          <a:fontRef idx="minor">
+            <a:schemeClr val="lt1"/>
+          </a:fontRef>
+        </p:style>
+        <p:txBody>
+          <a:bodyPr rtlCol="0" anchor="ctr"/>
+          <a:lstStyle>
+            <a:defPPr>
+              <a:defRPr lang="en-US"/>
+            </a:defPPr>
+            <a:lvl1pPr marL="0" algn="l" defTabSz="914400" rtl="0" eaLnBrk="1" latinLnBrk="0" hangingPunct="1">
+              <a:defRPr sz="1800" kern="1200">
+                <a:solidFill>
+                  <a:schemeClr val="lt1"/>
+                </a:solidFill>
+                <a:latin typeface="+mn-lt"/>
+                <a:ea typeface="+mn-ea"/>
+                <a:cs typeface="+mn-cs"/>
+              </a:defRPr>
+            </a:lvl1pPr>
+            <a:lvl2pPr marL="457200" algn="l" defTabSz="914400" rtl="0" eaLnBrk="1" latinLnBrk="0" hangingPunct="1">
+              <a:defRPr sz="1800" kern="1200">
+                <a:solidFill>
+                  <a:schemeClr val="lt1"/>
+                </a:solidFill>
+                <a:latin typeface="+mn-lt"/>
+                <a:ea typeface="+mn-ea"/>
+                <a:cs typeface="+mn-cs"/>
+              </a:defRPr>
+            </a:lvl2pPr>
+            <a:lvl3pPr marL="914400" algn="l" defTabSz="914400" rtl="0" eaLnBrk="1" latinLnBrk="0" hangingPunct="1">
+              <a:defRPr sz="1800" kern="1200">
+                <a:solidFill>
+                  <a:schemeClr val="lt1"/>
+                </a:solidFill>
+                <a:latin typeface="+mn-lt"/>
+                <a:ea typeface="+mn-ea"/>
+                <a:cs typeface="+mn-cs"/>
+              </a:defRPr>
+            </a:lvl3pPr>
+            <a:lvl4pPr marL="1371600" algn="l" defTabSz="914400" rtl="0" eaLnBrk="1" latinLnBrk="0" hangingPunct="1">
+              <a:defRPr sz="1800" kern="1200">
+                <a:solidFill>
+                  <a:schemeClr val="lt1"/>
+                </a:solidFill>
+                <a:latin typeface="+mn-lt"/>
+                <a:ea typeface="+mn-ea"/>
+                <a:cs typeface="+mn-cs"/>
+              </a:defRPr>
+            </a:lvl4pPr>
+            <a:lvl5pPr marL="1828800" algn="l" defTabSz="914400" rtl="0" eaLnBrk="1" latinLnBrk="0" hangingPunct="1">
+              <a:defRPr sz="1800" kern="1200">
+                <a:solidFill>
+                  <a:schemeClr val="lt1"/>
+                </a:solidFill>
+                <a:latin typeface="+mn-lt"/>
+                <a:ea typeface="+mn-ea"/>
+                <a:cs typeface="+mn-cs"/>
+              </a:defRPr>
+            </a:lvl5pPr>
+            <a:lvl6pPr marL="2286000" algn="l" defTabSz="914400" rtl="0" eaLnBrk="1" latinLnBrk="0" hangingPunct="1">
+              <a:defRPr sz="1800" kern="1200">
+                <a:solidFill>
+                  <a:schemeClr val="lt1"/>
+                </a:solidFill>
+                <a:latin typeface="+mn-lt"/>
+                <a:ea typeface="+mn-ea"/>
+                <a:cs typeface="+mn-cs"/>
+              </a:defRPr>
+            </a:lvl6pPr>
+            <a:lvl7pPr marL="2743200" algn="l" defTabSz="914400" rtl="0" eaLnBrk="1" latinLnBrk="0" hangingPunct="1">
+              <a:defRPr sz="1800" kern="1200">
+                <a:solidFill>
+                  <a:schemeClr val="lt1"/>
+                </a:solidFill>
+                <a:latin typeface="+mn-lt"/>
+                <a:ea typeface="+mn-ea"/>
+                <a:cs typeface="+mn-cs"/>
+              </a:defRPr>
+            </a:lvl7pPr>
+            <a:lvl8pPr marL="3200400" algn="l" defTabSz="914400" rtl="0" eaLnBrk="1" latinLnBrk="0" hangingPunct="1">
+              <a:defRPr sz="1800" kern="1200">
+                <a:solidFill>
+                  <a:schemeClr val="lt1"/>
+                </a:solidFill>
+                <a:latin typeface="+mn-lt"/>
+                <a:ea typeface="+mn-ea"/>
+                <a:cs typeface="+mn-cs"/>
+              </a:defRPr>
+            </a:lvl8pPr>
+            <a:lvl9pPr marL="3657600" algn="l" defTabSz="914400" rtl="0" eaLnBrk="1" latinLnBrk="0" hangingPunct="1">
+              <a:defRPr sz="1800" kern="1200">
+                <a:solidFill>
+                  <a:schemeClr val="lt1"/>
+                </a:solidFill>
+                <a:latin typeface="+mn-lt"/>
+                <a:ea typeface="+mn-ea"/>
+                <a:cs typeface="+mn-cs"/>
+              </a:defRPr>
+            </a:lvl9pPr>
+          </a:lstStyle>
+          <a:p>
+            <a:pPr algn="ctr"/>
+            <a:endParaRPr lang="en-US"/>
+          </a:p>
+        </p:txBody>
+      </p:sp>
+      <p:pic>
+        <p:nvPicPr>
+          <p:cNvPr id="5" name="図 4" descr="ロゴ&#10;&#10;自動的に生成された説明">
+            <a:extLst>
+              <a:ext uri="{FF2B5EF4-FFF2-40B4-BE49-F238E27FC236}">
+                <a16:creationId xmlns:a16="http://schemas.microsoft.com/office/drawing/2014/main" id="{17AE1D07-5382-4E78-B6E0-019B45C26759}"/>
+              </a:ext>
+            </a:extLst>
+          </p:cNvPr>
+          <p:cNvPicPr>
+            <a:picLocks noChangeAspect="1"/>
+          </p:cNvPicPr>
+          <p:nvPr/>
+        </p:nvPicPr>
+        <p:blipFill>
+          <a:blip r:embed="rId3">
+            <a:alphaModFix amt="70000"/>
+            <a:extLst>
+              <a:ext uri="{28A0092B-C50C-407E-A947-70E740481C1C}">
+                <a14:useLocalDpi xmlns:a14="http://schemas.microsoft.com/office/drawing/2010/main" val="0"/>
+              </a:ext>
+            </a:extLst>
+          </a:blip>
+          <a:srcRect t="20051" b="23710"/>
+          <a:stretch/>
+        </p:blipFill>
+        <p:spPr>
+          <a:xfrm>
+            <a:off x="20" y="1282"/>
+            <a:ext cx="12191980" cy="6856718"/>
+          </a:xfrm>
+          <a:prstGeom prst="rect">
+            <a:avLst/>
+          </a:prstGeom>
+        </p:spPr>
+      </p:pic>
+      <p:sp>
+        <p:nvSpPr>
+          <p:cNvPr id="6" name="テキスト ボックス 5">
+            <a:extLst>
+              <a:ext uri="{FF2B5EF4-FFF2-40B4-BE49-F238E27FC236}">
+                <a16:creationId xmlns:a16="http://schemas.microsoft.com/office/drawing/2014/main" id="{149CB87E-ECB5-1638-79B5-849488CD5FC5}"/>
+              </a:ext>
+            </a:extLst>
+          </p:cNvPr>
+          <p:cNvSpPr txBox="1"/>
+          <p:nvPr/>
+        </p:nvSpPr>
+        <p:spPr>
+          <a:xfrm>
+            <a:off x="874057" y="1843950"/>
+            <a:ext cx="10443885" cy="3170099"/>
+          </a:xfrm>
+          <a:prstGeom prst="rect">
+            <a:avLst/>
+          </a:prstGeom>
+          <a:noFill/>
+        </p:spPr>
+        <p:txBody>
+          <a:bodyPr wrap="none" rtlCol="0">
+            <a:spAutoFit/>
+          </a:bodyPr>
+          <a:lstStyle/>
+          <a:p>
+            <a:r>
+              <a:rPr kumimoji="1" lang="ja-JP" altLang="en-US" sz="20000" b="1" dirty="0"/>
+              <a:t>補足資料</a:t>
+            </a:r>
+          </a:p>
+        </p:txBody>
+      </p:sp>
+    </p:spTree>
+    <p:extLst>
+      <p:ext uri="{BB962C8B-B14F-4D97-AF65-F5344CB8AC3E}">
+        <p14:creationId xmlns:p14="http://schemas.microsoft.com/office/powerpoint/2010/main" val="3092631698"/>
+      </p:ext>
+    </p:extLst>
+  </p:cSld>
+  <p:clrMapOvr>
+    <a:masterClrMapping/>
+  </p:clrMapOvr>
+</p:sld>
+</file>
+
+<file path=ppt/slides/slide12.xml><?xml version="1.0" encoding="utf-8"?>
+<p:sld xmlns:a="http://schemas.openxmlformats.org/drawingml/2006/main" xmlns:r="http://schemas.openxmlformats.org/officeDocument/2006/relationships" xmlns:p="http://schemas.openxmlformats.org/presentationml/2006/main">
   <p:cSld>
     <p:spTree>
       <p:nvGrpSpPr>
@@ -5517,10 +6837,287 @@
           </a:p>
         </p:txBody>
       </p:sp>
+      <p:sp>
+        <p:nvSpPr>
+          <p:cNvPr id="3" name="テキスト ボックス 2">
+            <a:extLst>
+              <a:ext uri="{FF2B5EF4-FFF2-40B4-BE49-F238E27FC236}">
+                <a16:creationId xmlns:a16="http://schemas.microsoft.com/office/drawing/2014/main" id="{1E10F84D-2AEE-2AAC-9CFE-30DFD15F7C74}"/>
+              </a:ext>
+            </a:extLst>
+          </p:cNvPr>
+          <p:cNvSpPr txBox="1"/>
+          <p:nvPr/>
+        </p:nvSpPr>
+        <p:spPr>
+          <a:xfrm>
+            <a:off x="283464" y="108734"/>
+            <a:ext cx="2769979" cy="1107996"/>
+          </a:xfrm>
+          <a:prstGeom prst="rect">
+            <a:avLst/>
+          </a:prstGeom>
+          <a:noFill/>
+        </p:spPr>
+        <p:txBody>
+          <a:bodyPr wrap="square">
+            <a:spAutoFit/>
+          </a:bodyPr>
+          <a:lstStyle/>
+          <a:p>
+            <a:r>
+              <a:rPr lang="ja-JP" altLang="en-US" sz="6600" dirty="0">
+                <a:latin typeface="HG創英角ｺﾞｼｯｸUB" panose="020B0909000000000000" pitchFamily="49" charset="-128"/>
+                <a:ea typeface="HG創英角ｺﾞｼｯｸUB" panose="020B0909000000000000" pitchFamily="49" charset="-128"/>
+                <a:cs typeface="ADLaM Display" panose="020F0502020204030204" pitchFamily="2" charset="0"/>
+              </a:rPr>
+              <a:t>新規性</a:t>
+            </a:r>
+            <a:endParaRPr lang="ja-JP" altLang="en-US" sz="6600" dirty="0"/>
+          </a:p>
+        </p:txBody>
+      </p:sp>
+      <p:sp>
+        <p:nvSpPr>
+          <p:cNvPr id="6" name="テキスト ボックス 5">
+            <a:extLst>
+              <a:ext uri="{FF2B5EF4-FFF2-40B4-BE49-F238E27FC236}">
+                <a16:creationId xmlns:a16="http://schemas.microsoft.com/office/drawing/2014/main" id="{35C3A232-2B0A-05FF-5AD9-12C28C88711E}"/>
+              </a:ext>
+            </a:extLst>
+          </p:cNvPr>
+          <p:cNvSpPr txBox="1"/>
+          <p:nvPr/>
+        </p:nvSpPr>
+        <p:spPr>
+          <a:xfrm>
+            <a:off x="424543" y="1808592"/>
+            <a:ext cx="8866414" cy="923330"/>
+          </a:xfrm>
+          <a:prstGeom prst="rect">
+            <a:avLst/>
+          </a:prstGeom>
+          <a:noFill/>
+        </p:spPr>
+        <p:txBody>
+          <a:bodyPr wrap="square">
+            <a:spAutoFit/>
+          </a:bodyPr>
+          <a:lstStyle/>
+          <a:p>
+            <a:r>
+              <a:rPr lang="en-US" altLang="ja-JP" b="0" i="0" dirty="0">
+                <a:effectLst/>
+                <a:latin typeface="gg sans"/>
+              </a:rPr>
+              <a:t>SNS</a:t>
+            </a:r>
+            <a:r>
+              <a:rPr lang="ja-JP" altLang="en-US" b="0" i="0" dirty="0">
+                <a:effectLst/>
+                <a:latin typeface="gg sans"/>
+              </a:rPr>
+              <a:t>リスクへの当事者意識向上を目指した高校生向けディスカッション教材の開発 </a:t>
+            </a:r>
+            <a:r>
+              <a:rPr lang="en-US" altLang="ja-JP" b="0" i="0" dirty="0">
+                <a:effectLst/>
+                <a:latin typeface="inherit"/>
+                <a:hlinkClick r:id="rId3" tooltip="https://ipsj.ixsq.nii.ac.jp/ej/?action=pages_view_main&amp;active_action=repository_view_main_item_detail&amp;item_id=222835&amp;item_no=1&amp;page_id=13&amp;block_id=8"/>
+              </a:rPr>
+              <a:t>https://ipsj.ixsq.nii.ac.jp/ej/?action=pages_view_main&amp;active_action=repository_view_main_item_detail&amp;item_id=222835&amp;item_no=1&amp;page_id=13&amp;block_id=8</a:t>
+            </a:r>
+            <a:endParaRPr lang="ja-JP" altLang="en-US" dirty="0"/>
+          </a:p>
+        </p:txBody>
+      </p:sp>
+      <p:sp>
+        <p:nvSpPr>
+          <p:cNvPr id="9" name="テキスト ボックス 8">
+            <a:extLst>
+              <a:ext uri="{FF2B5EF4-FFF2-40B4-BE49-F238E27FC236}">
+                <a16:creationId xmlns:a16="http://schemas.microsoft.com/office/drawing/2014/main" id="{5E3238F0-DA76-1977-AAAA-3526107C2D16}"/>
+              </a:ext>
+            </a:extLst>
+          </p:cNvPr>
+          <p:cNvSpPr txBox="1"/>
+          <p:nvPr/>
+        </p:nvSpPr>
+        <p:spPr>
+          <a:xfrm>
+            <a:off x="424543" y="2900611"/>
+            <a:ext cx="7987937" cy="646331"/>
+          </a:xfrm>
+          <a:prstGeom prst="rect">
+            <a:avLst/>
+          </a:prstGeom>
+          <a:noFill/>
+        </p:spPr>
+        <p:txBody>
+          <a:bodyPr wrap="square">
+            <a:spAutoFit/>
+          </a:bodyPr>
+          <a:lstStyle/>
+          <a:p>
+            <a:r>
+              <a:rPr lang="ja-JP" altLang="en-US" b="0" i="0" dirty="0">
+                <a:effectLst/>
+                <a:latin typeface="gg sans"/>
+              </a:rPr>
+              <a:t>ソーシャル・ネットワーキング・サービスのマナーを体験で学ぶシリアスゲームの開発 </a:t>
+            </a:r>
+            <a:r>
+              <a:rPr lang="en-US" altLang="ja-JP" b="0" i="0" dirty="0">
+                <a:effectLst/>
+                <a:latin typeface="inherit"/>
+                <a:hlinkClick r:id="rId4" tooltip="https://fun.repo.nii.ac.jp/record/73/files/b1012024.pdf"/>
+              </a:rPr>
+              <a:t>https://fun.repo.nii.ac.jp/record/73/files/b1012024.pdf</a:t>
+            </a:r>
+            <a:endParaRPr lang="ja-JP" altLang="en-US" dirty="0"/>
+          </a:p>
+        </p:txBody>
+      </p:sp>
+      <p:sp>
+        <p:nvSpPr>
+          <p:cNvPr id="11" name="テキスト ボックス 10">
+            <a:extLst>
+              <a:ext uri="{FF2B5EF4-FFF2-40B4-BE49-F238E27FC236}">
+                <a16:creationId xmlns:a16="http://schemas.microsoft.com/office/drawing/2014/main" id="{88242E11-D6ED-DCF4-DD60-9B11043CA257}"/>
+              </a:ext>
+            </a:extLst>
+          </p:cNvPr>
+          <p:cNvSpPr txBox="1"/>
+          <p:nvPr/>
+        </p:nvSpPr>
+        <p:spPr>
+          <a:xfrm>
+            <a:off x="424542" y="3715631"/>
+            <a:ext cx="11610533" cy="923331"/>
+          </a:xfrm>
+          <a:prstGeom prst="rect">
+            <a:avLst/>
+          </a:prstGeom>
+          <a:noFill/>
+        </p:spPr>
+        <p:txBody>
+          <a:bodyPr wrap="square">
+            <a:spAutoFit/>
+          </a:bodyPr>
+          <a:lstStyle/>
+          <a:p>
+            <a:r>
+              <a:rPr lang="ja-JP" altLang="en-US" b="0" i="0" dirty="0">
+                <a:effectLst/>
+                <a:latin typeface="gg sans"/>
+              </a:rPr>
+              <a:t>情報モラル教育ゲームの開発（</a:t>
+            </a:r>
+            <a:r>
+              <a:rPr lang="en-US" altLang="ja-JP" b="0" i="0" dirty="0">
+                <a:effectLst/>
+                <a:latin typeface="gg sans"/>
+              </a:rPr>
+              <a:t>Part.1-2</a:t>
+            </a:r>
+            <a:r>
+              <a:rPr lang="ja-JP" altLang="en-US" b="0" i="0" dirty="0">
+                <a:effectLst/>
+                <a:latin typeface="gg sans"/>
+              </a:rPr>
+              <a:t>） </a:t>
+            </a:r>
+            <a:r>
+              <a:rPr lang="en-US" altLang="ja-JP" b="0" i="0" dirty="0">
+                <a:effectLst/>
+                <a:latin typeface="inherit"/>
+                <a:hlinkClick r:id="rId5" tooltip="https://ipsj.ixsq.nii.ac.jp/ej/?action=pages_view_main&amp;active_action=repository_view_main_item_detail&amp;item_id=221788&amp;item_no=1&amp;page_id=13&amp;block_id=8"/>
+              </a:rPr>
+              <a:t>https://ipsj.ixsq.nii.ac.jp/ej/?action=pages_view_main&amp;active_action=repository_view_main_item_detail&amp;item_id=221788&amp;item_no=1&amp;page_id=13&amp;block_id=8</a:t>
+            </a:r>
+            <a:endParaRPr lang="ja-JP" altLang="en-US" dirty="0"/>
+          </a:p>
+        </p:txBody>
+      </p:sp>
+      <p:sp>
+        <p:nvSpPr>
+          <p:cNvPr id="13" name="テキスト ボックス 12">
+            <a:extLst>
+              <a:ext uri="{FF2B5EF4-FFF2-40B4-BE49-F238E27FC236}">
+                <a16:creationId xmlns:a16="http://schemas.microsoft.com/office/drawing/2014/main" id="{45507E50-1BEC-88DD-08A3-F0CE5FB71213}"/>
+              </a:ext>
+            </a:extLst>
+          </p:cNvPr>
+          <p:cNvSpPr txBox="1"/>
+          <p:nvPr/>
+        </p:nvSpPr>
+        <p:spPr>
+          <a:xfrm>
+            <a:off x="424542" y="4845359"/>
+            <a:ext cx="11508378" cy="923330"/>
+          </a:xfrm>
+          <a:prstGeom prst="rect">
+            <a:avLst/>
+          </a:prstGeom>
+          <a:noFill/>
+        </p:spPr>
+        <p:txBody>
+          <a:bodyPr wrap="square">
+            <a:spAutoFit/>
+          </a:bodyPr>
+          <a:lstStyle/>
+          <a:p>
+            <a:r>
+              <a:rPr lang="ja-JP" altLang="en-US" b="0" i="0" dirty="0">
+                <a:effectLst/>
+                <a:latin typeface="gg sans"/>
+              </a:rPr>
+              <a:t>小学校高学年を対象とした</a:t>
+            </a:r>
+            <a:r>
+              <a:rPr lang="en-US" altLang="ja-JP" b="0" i="0" dirty="0">
+                <a:effectLst/>
+                <a:latin typeface="gg sans"/>
+              </a:rPr>
+              <a:t>SNS</a:t>
+            </a:r>
+            <a:r>
+              <a:rPr lang="ja-JP" altLang="en-US" b="0" i="0" dirty="0">
+                <a:effectLst/>
+                <a:latin typeface="gg sans"/>
+              </a:rPr>
+              <a:t>教育ゲームの開発（その</a:t>
+            </a:r>
+            <a:r>
+              <a:rPr lang="en-US" altLang="ja-JP" b="0" i="0" dirty="0">
+                <a:effectLst/>
+                <a:latin typeface="gg sans"/>
+              </a:rPr>
+              <a:t>2</a:t>
+            </a:r>
+            <a:r>
+              <a:rPr lang="ja-JP" altLang="en-US" b="0" i="0" dirty="0">
+                <a:effectLst/>
+                <a:latin typeface="gg sans"/>
+              </a:rPr>
+              <a:t>） </a:t>
+            </a:r>
+            <a:r>
+              <a:rPr lang="en-US" altLang="ja-JP" b="0" i="0" dirty="0">
+                <a:effectLst/>
+                <a:latin typeface="inherit"/>
+                <a:hlinkClick r:id="rId6" tooltip="https://ipsj.ixsq.nii.ac.jp/ej/?action=pages_view_main&amp;active_action=repository_view_main_item_detail&amp;item_id=202370&amp;item_no=1&amp;page_id=13&amp;block_id=8"/>
+              </a:rPr>
+              <a:t>https://ipsj.ixsq.nii.ac.jp/ej/?action=pages_view_main&amp;active_action=repository_view_main_item_detail&amp;item_id=202370&amp;item_no=1&amp;page_id=13&amp;block_id=8</a:t>
+            </a:r>
+            <a:endParaRPr lang="ja-JP" altLang="en-US" dirty="0"/>
+          </a:p>
+        </p:txBody>
+      </p:sp>
     </p:spTree>
     <p:extLst>
       <p:ext uri="{BB962C8B-B14F-4D97-AF65-F5344CB8AC3E}">
-        <p14:creationId xmlns:p14="http://schemas.microsoft.com/office/powerpoint/2010/main" val="1455849473"/>
+        <p14:creationId xmlns:p14="http://schemas.microsoft.com/office/powerpoint/2010/main" val="2568066539"/>
       </p:ext>
     </p:extLst>
   </p:cSld>
@@ -5530,8 +7127,8 @@
 </p:sld>
 </file>
 
-<file path=ppt/slides/slide12.xml><?xml version="1.0" encoding="utf-8"?>
-<p:sld xmlns:a="http://schemas.openxmlformats.org/drawingml/2006/main" xmlns:r="http://schemas.openxmlformats.org/officeDocument/2006/relationships" xmlns:p="http://schemas.openxmlformats.org/presentationml/2006/main" show="0">
+<file path=ppt/slides/slide13.xml><?xml version="1.0" encoding="utf-8"?>
+<p:sld xmlns:a="http://schemas.openxmlformats.org/drawingml/2006/main" xmlns:r="http://schemas.openxmlformats.org/officeDocument/2006/relationships" xmlns:p="http://schemas.openxmlformats.org/presentationml/2006/main">
   <p:cSld>
     <p:spTree>
       <p:nvGrpSpPr>
@@ -5634,10 +7231,10 @@
       </p:sp>
       <p:sp>
         <p:nvSpPr>
-          <p:cNvPr id="11" name="テキスト ボックス 10">
-            <a:extLst>
-              <a:ext uri="{FF2B5EF4-FFF2-40B4-BE49-F238E27FC236}">
-                <a16:creationId xmlns:a16="http://schemas.microsoft.com/office/drawing/2014/main" id="{7ACE9048-F3BD-4B14-8DED-C4504E34B1DF}"/>
+          <p:cNvPr id="3" name="テキスト ボックス 2">
+            <a:extLst>
+              <a:ext uri="{FF2B5EF4-FFF2-40B4-BE49-F238E27FC236}">
+                <a16:creationId xmlns:a16="http://schemas.microsoft.com/office/drawing/2014/main" id="{1E10F84D-2AEE-2AAC-9CFE-30DFD15F7C74}"/>
               </a:ext>
             </a:extLst>
           </p:cNvPr>
@@ -5646,8 +7243,8 @@
         </p:nvSpPr>
         <p:spPr>
           <a:xfrm>
-            <a:off x="283464" y="153663"/>
-            <a:ext cx="5812536" cy="1107996"/>
+            <a:off x="283464" y="108734"/>
+            <a:ext cx="2769979" cy="1107996"/>
           </a:xfrm>
           <a:prstGeom prst="rect">
             <a:avLst/>
@@ -5660,77 +7257,13 @@
           </a:bodyPr>
           <a:lstStyle/>
           <a:p>
-            <a:r>
-              <a:rPr kumimoji="1" lang="ja-JP" altLang="en-US" sz="6600" dirty="0">
-                <a:latin typeface="HG創英角ｺﾞｼｯｸUB" panose="020B0909000000000000" pitchFamily="49" charset="-128"/>
-                <a:ea typeface="HG創英角ｺﾞｼｯｸUB" panose="020B0909000000000000" pitchFamily="49" charset="-128"/>
-                <a:cs typeface="ADLaM Display" panose="020F0502020204030204" pitchFamily="2" charset="0"/>
-              </a:rPr>
-              <a:t>炎上系</a:t>
-            </a:r>
-            <a:r>
-              <a:rPr kumimoji="1" lang="en-US" altLang="ja-JP" sz="6600" dirty="0">
-                <a:latin typeface="HG創英角ｺﾞｼｯｸUB" panose="020B0909000000000000" pitchFamily="49" charset="-128"/>
-                <a:ea typeface="HG創英角ｺﾞｼｯｸUB" panose="020B0909000000000000" pitchFamily="49" charset="-128"/>
-                <a:cs typeface="ADLaM Display" panose="020F0502020204030204" pitchFamily="2" charset="0"/>
-              </a:rPr>
-              <a:t>SNS</a:t>
-            </a:r>
-            <a:r>
-              <a:rPr kumimoji="1" lang="ja-JP" altLang="en-US" sz="6600" dirty="0">
-                <a:latin typeface="HG創英角ｺﾞｼｯｸUB" panose="020B0909000000000000" pitchFamily="49" charset="-128"/>
-                <a:ea typeface="HG創英角ｺﾞｼｯｸUB" panose="020B0909000000000000" pitchFamily="49" charset="-128"/>
-                <a:cs typeface="ADLaM Display" panose="020F0502020204030204" pitchFamily="2" charset="0"/>
-              </a:rPr>
-              <a:t>とは</a:t>
-            </a:r>
-            <a:endParaRPr lang="ja-JP" altLang="en-US" sz="6600" dirty="0"/>
-          </a:p>
-        </p:txBody>
-      </p:sp>
-      <p:sp>
-        <p:nvSpPr>
-          <p:cNvPr id="12" name="テキスト ボックス 11">
-            <a:extLst>
-              <a:ext uri="{FF2B5EF4-FFF2-40B4-BE49-F238E27FC236}">
-                <a16:creationId xmlns:a16="http://schemas.microsoft.com/office/drawing/2014/main" id="{B462F254-0D07-0C55-3DC2-5BC67C553764}"/>
-              </a:ext>
-            </a:extLst>
-          </p:cNvPr>
-          <p:cNvSpPr txBox="1"/>
-          <p:nvPr/>
-        </p:nvSpPr>
-        <p:spPr>
-          <a:xfrm>
-            <a:off x="283464" y="2482335"/>
-            <a:ext cx="9665208" cy="1107996"/>
-          </a:xfrm>
-          <a:prstGeom prst="rect">
-            <a:avLst/>
-          </a:prstGeom>
-          <a:noFill/>
-        </p:spPr>
-        <p:txBody>
-          <a:bodyPr wrap="square">
-            <a:spAutoFit/>
-          </a:bodyPr>
-          <a:lstStyle/>
-          <a:p>
-            <a:r>
-              <a:rPr kumimoji="1" lang="ja-JP" altLang="en-US" sz="6600" dirty="0">
-                <a:latin typeface="HG創英角ｺﾞｼｯｸUB" panose="020B0909000000000000" pitchFamily="49" charset="-128"/>
-                <a:ea typeface="HG創英角ｺﾞｼｯｸUB" panose="020B0909000000000000" pitchFamily="49" charset="-128"/>
-                <a:cs typeface="ADLaM Display" panose="020F0502020204030204" pitchFamily="2" charset="0"/>
-              </a:rPr>
-              <a:t>・「炎上</a:t>
-            </a:r>
             <a:r>
               <a:rPr lang="ja-JP" altLang="en-US" sz="6600" dirty="0">
                 <a:latin typeface="HG創英角ｺﾞｼｯｸUB" panose="020B0909000000000000" pitchFamily="49" charset="-128"/>
                 <a:ea typeface="HG創英角ｺﾞｼｯｸUB" panose="020B0909000000000000" pitchFamily="49" charset="-128"/>
                 <a:cs typeface="ADLaM Display" panose="020F0502020204030204" pitchFamily="2" charset="0"/>
               </a:rPr>
-              <a:t>」を実際に体感</a:t>
+              <a:t>新規性</a:t>
             </a:r>
             <a:endParaRPr lang="ja-JP" altLang="en-US" sz="6600" dirty="0"/>
           </a:p>
@@ -5738,10 +7271,10 @@
       </p:sp>
       <p:sp>
         <p:nvSpPr>
-          <p:cNvPr id="13" name="テキスト ボックス 12">
-            <a:extLst>
-              <a:ext uri="{FF2B5EF4-FFF2-40B4-BE49-F238E27FC236}">
-                <a16:creationId xmlns:a16="http://schemas.microsoft.com/office/drawing/2014/main" id="{89C33A3A-B6D8-DDBE-036A-F99D87D9781E}"/>
+          <p:cNvPr id="2" name="テキスト ボックス 1">
+            <a:extLst>
+              <a:ext uri="{FF2B5EF4-FFF2-40B4-BE49-F238E27FC236}">
+                <a16:creationId xmlns:a16="http://schemas.microsoft.com/office/drawing/2014/main" id="{7FF3EC26-627A-27D4-AA64-B81D8008EADC}"/>
               </a:ext>
             </a:extLst>
           </p:cNvPr>
@@ -5750,8 +7283,8 @@
         </p:nvSpPr>
         <p:spPr>
           <a:xfrm>
-            <a:off x="283464" y="4201931"/>
-            <a:ext cx="8735568" cy="1107996"/>
+            <a:off x="632557" y="2120908"/>
+            <a:ext cx="11264622" cy="923330"/>
           </a:xfrm>
           <a:prstGeom prst="rect">
             <a:avLst/>
@@ -5759,43 +7292,74 @@
           <a:noFill/>
         </p:spPr>
         <p:txBody>
-          <a:bodyPr wrap="square">
+          <a:bodyPr wrap="none" rtlCol="0">
             <a:spAutoFit/>
           </a:bodyPr>
           <a:lstStyle/>
           <a:p>
             <a:r>
-              <a:rPr lang="ja-JP" altLang="en-US" sz="6600" dirty="0">
-                <a:latin typeface="HG創英角ｺﾞｼｯｸUB" panose="020B0909000000000000" pitchFamily="49" charset="-128"/>
-                <a:ea typeface="HG創英角ｺﾞｼｯｸUB" panose="020B0909000000000000" pitchFamily="49" charset="-128"/>
-                <a:cs typeface="ADLaM Display" panose="020F0502020204030204" pitchFamily="2" charset="0"/>
-              </a:rPr>
-              <a:t>・</a:t>
-            </a:r>
-            <a:r>
-              <a:rPr lang="en-US" altLang="ja-JP" sz="6600" dirty="0">
-                <a:latin typeface="HG創英角ｺﾞｼｯｸUB" panose="020B0909000000000000" pitchFamily="49" charset="-128"/>
-                <a:ea typeface="HG創英角ｺﾞｼｯｸUB" panose="020B0909000000000000" pitchFamily="49" charset="-128"/>
-                <a:cs typeface="ADLaM Display" panose="020F0502020204030204" pitchFamily="2" charset="0"/>
-              </a:rPr>
-              <a:t>Web</a:t>
-            </a:r>
-            <a:r>
-              <a:rPr lang="ja-JP" altLang="en-US" sz="6600" dirty="0">
-                <a:latin typeface="HG創英角ｺﾞｼｯｸUB" panose="020B0909000000000000" pitchFamily="49" charset="-128"/>
-                <a:ea typeface="HG創英角ｺﾞｼｯｸUB" panose="020B0909000000000000" pitchFamily="49" charset="-128"/>
-                <a:cs typeface="ADLaM Display" panose="020F0502020204030204" pitchFamily="2" charset="0"/>
-              </a:rPr>
-              <a:t>ゲーム</a:t>
-            </a:r>
-            <a:endParaRPr lang="ja-JP" altLang="en-US" sz="6600" dirty="0"/>
+              <a:rPr kumimoji="1" lang="ja-JP" altLang="en-US" sz="5400" b="1" dirty="0"/>
+              <a:t>青少年を対象にしたゲーム</a:t>
+            </a:r>
+            <a:r>
+              <a:rPr lang="ja-JP" altLang="en-US" sz="5400" b="1" dirty="0"/>
+              <a:t>・・・</a:t>
+            </a:r>
+            <a:r>
+              <a:rPr kumimoji="1" lang="ja-JP" altLang="en-US" sz="5400" b="1" dirty="0"/>
+              <a:t>多</a:t>
+            </a:r>
+            <a:endParaRPr kumimoji="1" lang="en-US" altLang="ja-JP" sz="5400" b="1" dirty="0"/>
+          </a:p>
+        </p:txBody>
+      </p:sp>
+      <p:sp>
+        <p:nvSpPr>
+          <p:cNvPr id="5" name="テキスト ボックス 4">
+            <a:extLst>
+              <a:ext uri="{FF2B5EF4-FFF2-40B4-BE49-F238E27FC236}">
+                <a16:creationId xmlns:a16="http://schemas.microsoft.com/office/drawing/2014/main" id="{791D597B-C9E0-FABD-FC75-BBEBE97BA5D7}"/>
+              </a:ext>
+            </a:extLst>
+          </p:cNvPr>
+          <p:cNvSpPr txBox="1"/>
+          <p:nvPr/>
+        </p:nvSpPr>
+        <p:spPr>
+          <a:xfrm>
+            <a:off x="632557" y="3786938"/>
+            <a:ext cx="9187130" cy="1754326"/>
+          </a:xfrm>
+          <a:prstGeom prst="rect">
+            <a:avLst/>
+          </a:prstGeom>
+          <a:noFill/>
+        </p:spPr>
+        <p:txBody>
+          <a:bodyPr wrap="none" rtlCol="0">
+            <a:spAutoFit/>
+          </a:bodyPr>
+          <a:lstStyle/>
+          <a:p>
+            <a:r>
+              <a:rPr lang="ja-JP" altLang="en-US" sz="5400" b="1" dirty="0"/>
+              <a:t>実際に炎上してみる。</a:t>
+            </a:r>
+            <a:endParaRPr lang="en-US" altLang="ja-JP" sz="5400" b="1" dirty="0"/>
+          </a:p>
+          <a:p>
+            <a:r>
+              <a:rPr kumimoji="1" lang="ja-JP" altLang="en-US" sz="5400" b="1" dirty="0"/>
+              <a:t>ひどい言葉を投げかけられる</a:t>
+            </a:r>
+            <a:endParaRPr kumimoji="1" lang="en-US" altLang="ja-JP" sz="5400" b="1" dirty="0"/>
           </a:p>
         </p:txBody>
       </p:sp>
     </p:spTree>
     <p:extLst>
       <p:ext uri="{BB962C8B-B14F-4D97-AF65-F5344CB8AC3E}">
-        <p14:creationId xmlns:p14="http://schemas.microsoft.com/office/powerpoint/2010/main" val="1010781126"/>
+        <p14:creationId xmlns:p14="http://schemas.microsoft.com/office/powerpoint/2010/main" val="4258108108"/>
       </p:ext>
     </p:extLst>
   </p:cSld>
@@ -5805,8 +7369,8 @@
 </p:sld>
 </file>
 
-<file path=ppt/slides/slide13.xml><?xml version="1.0" encoding="utf-8"?>
-<p:sld xmlns:a="http://schemas.openxmlformats.org/drawingml/2006/main" xmlns:r="http://schemas.openxmlformats.org/officeDocument/2006/relationships" xmlns:p="http://schemas.openxmlformats.org/presentationml/2006/main" show="0">
+<file path=ppt/slides/slide14.xml><?xml version="1.0" encoding="utf-8"?>
+<p:sld xmlns:a="http://schemas.openxmlformats.org/drawingml/2006/main" xmlns:r="http://schemas.openxmlformats.org/officeDocument/2006/relationships" xmlns:p="http://schemas.openxmlformats.org/presentationml/2006/main">
   <p:cSld>
     <p:spTree>
       <p:nvGrpSpPr>
@@ -5909,10 +7473,10 @@
       </p:sp>
       <p:sp>
         <p:nvSpPr>
-          <p:cNvPr id="2" name="テキスト ボックス 1">
-            <a:extLst>
-              <a:ext uri="{FF2B5EF4-FFF2-40B4-BE49-F238E27FC236}">
-                <a16:creationId xmlns:a16="http://schemas.microsoft.com/office/drawing/2014/main" id="{38FBF9F5-4228-58A4-A265-E439175CE7D1}"/>
+          <p:cNvPr id="3" name="テキスト ボックス 2">
+            <a:extLst>
+              <a:ext uri="{FF2B5EF4-FFF2-40B4-BE49-F238E27FC236}">
+                <a16:creationId xmlns:a16="http://schemas.microsoft.com/office/drawing/2014/main" id="{1E10F84D-2AEE-2AAC-9CFE-30DFD15F7C74}"/>
               </a:ext>
             </a:extLst>
           </p:cNvPr>
@@ -5921,8 +7485,8 @@
         </p:nvSpPr>
         <p:spPr>
           <a:xfrm>
-            <a:off x="283464" y="153663"/>
-            <a:ext cx="9023096" cy="1107996"/>
+            <a:off x="283464" y="108734"/>
+            <a:ext cx="2769979" cy="1107996"/>
           </a:xfrm>
           <a:prstGeom prst="rect">
             <a:avLst/>
@@ -5941,25 +7505,90 @@
                 <a:ea typeface="HG創英角ｺﾞｼｯｸUB" panose="020B0909000000000000" pitchFamily="49" charset="-128"/>
                 <a:cs typeface="ADLaM Display" panose="020F0502020204030204" pitchFamily="2" charset="0"/>
               </a:rPr>
-              <a:t>そこで</a:t>
-            </a:r>
-            <a:r>
-              <a:rPr lang="en-US" altLang="ja-JP" sz="6600" dirty="0">
-                <a:latin typeface="HG創英角ｺﾞｼｯｸUB" panose="020B0909000000000000" pitchFamily="49" charset="-128"/>
-                <a:ea typeface="HG創英角ｺﾞｼｯｸUB" panose="020B0909000000000000" pitchFamily="49" charset="-128"/>
-                <a:cs typeface="ADLaM Display" panose="020F0502020204030204" pitchFamily="2" charset="0"/>
-              </a:rPr>
-              <a:t>…</a:t>
-            </a:r>
-          </a:p>
-        </p:txBody>
-      </p:sp>
-      <p:sp>
-        <p:nvSpPr>
-          <p:cNvPr id="8" name="正方形/長方形 7">
-            <a:extLst>
-              <a:ext uri="{FF2B5EF4-FFF2-40B4-BE49-F238E27FC236}">
-                <a16:creationId xmlns:a16="http://schemas.microsoft.com/office/drawing/2014/main" id="{B525B007-959B-CBCA-6F9F-75237F88025B}"/>
+              <a:t>新規性</a:t>
+            </a:r>
+            <a:endParaRPr lang="ja-JP" altLang="en-US" sz="6600" dirty="0"/>
+          </a:p>
+        </p:txBody>
+      </p:sp>
+      <p:sp>
+        <p:nvSpPr>
+          <p:cNvPr id="2" name="テキスト ボックス 1">
+            <a:extLst>
+              <a:ext uri="{FF2B5EF4-FFF2-40B4-BE49-F238E27FC236}">
+                <a16:creationId xmlns:a16="http://schemas.microsoft.com/office/drawing/2014/main" id="{7FF3EC26-627A-27D4-AA64-B81D8008EADC}"/>
+              </a:ext>
+            </a:extLst>
+          </p:cNvPr>
+          <p:cNvSpPr txBox="1"/>
+          <p:nvPr/>
+        </p:nvSpPr>
+        <p:spPr>
+          <a:xfrm>
+            <a:off x="3746639" y="1859651"/>
+            <a:ext cx="4698722" cy="1446550"/>
+          </a:xfrm>
+          <a:prstGeom prst="rect">
+            <a:avLst/>
+          </a:prstGeom>
+          <a:noFill/>
+        </p:spPr>
+        <p:txBody>
+          <a:bodyPr wrap="none" rtlCol="0">
+            <a:spAutoFit/>
+          </a:bodyPr>
+          <a:lstStyle/>
+          <a:p>
+            <a:r>
+              <a:rPr lang="ja-JP" altLang="en-US" sz="8800" b="1" dirty="0"/>
+              <a:t>炎上体験</a:t>
+            </a:r>
+            <a:endParaRPr kumimoji="1" lang="en-US" altLang="ja-JP" sz="8800" b="1" dirty="0"/>
+          </a:p>
+        </p:txBody>
+      </p:sp>
+      <p:sp>
+        <p:nvSpPr>
+          <p:cNvPr id="6" name="テキスト ボックス 5">
+            <a:extLst>
+              <a:ext uri="{FF2B5EF4-FFF2-40B4-BE49-F238E27FC236}">
+                <a16:creationId xmlns:a16="http://schemas.microsoft.com/office/drawing/2014/main" id="{CF1A6653-6DF1-6D8B-34FE-2C85835E31F8}"/>
+              </a:ext>
+            </a:extLst>
+          </p:cNvPr>
+          <p:cNvSpPr txBox="1"/>
+          <p:nvPr/>
+        </p:nvSpPr>
+        <p:spPr>
+          <a:xfrm>
+            <a:off x="4323088" y="4575636"/>
+            <a:ext cx="3570208" cy="1446550"/>
+          </a:xfrm>
+          <a:prstGeom prst="rect">
+            <a:avLst/>
+          </a:prstGeom>
+          <a:noFill/>
+        </p:spPr>
+        <p:txBody>
+          <a:bodyPr wrap="none" rtlCol="0">
+            <a:spAutoFit/>
+          </a:bodyPr>
+          <a:lstStyle/>
+          <a:p>
+            <a:r>
+              <a:rPr kumimoji="1" lang="ja-JP" altLang="en-US" sz="8800" b="1" dirty="0"/>
+              <a:t>新規性</a:t>
+            </a:r>
+            <a:endParaRPr kumimoji="1" lang="en-US" altLang="ja-JP" sz="8800" b="1" dirty="0"/>
+          </a:p>
+        </p:txBody>
+      </p:sp>
+      <p:sp>
+        <p:nvSpPr>
+          <p:cNvPr id="9" name="二等辺三角形 8">
+            <a:extLst>
+              <a:ext uri="{FF2B5EF4-FFF2-40B4-BE49-F238E27FC236}">
+                <a16:creationId xmlns:a16="http://schemas.microsoft.com/office/drawing/2014/main" id="{06E7F3B6-2B79-CC1B-D9B1-D08F58B91238}"/>
               </a:ext>
             </a:extLst>
           </p:cNvPr>
@@ -5967,13 +7596,22 @@
           <p:nvPr/>
         </p:nvSpPr>
         <p:spPr>
-          <a:xfrm>
-            <a:off x="566928" y="1570983"/>
-            <a:ext cx="4764024" cy="5067562"/>
-          </a:xfrm>
-          <a:prstGeom prst="rect">
-            <a:avLst/>
-          </a:prstGeom>
+          <a:xfrm flipV="1">
+            <a:off x="5369052" y="3382678"/>
+            <a:ext cx="1453896" cy="932873"/>
+          </a:xfrm>
+          <a:prstGeom prst="triangle">
+            <a:avLst/>
+          </a:prstGeom>
+          <a:solidFill>
+            <a:schemeClr val="accent2">
+              <a:lumMod val="60000"/>
+              <a:lumOff val="40000"/>
+            </a:schemeClr>
+          </a:solidFill>
+          <a:ln>
+            <a:noFill/>
+          </a:ln>
         </p:spPr>
         <p:style>
           <a:lnRef idx="2">
@@ -5996,120 +7634,14 @@
           <a:lstStyle/>
           <a:p>
             <a:pPr algn="ctr"/>
-            <a:r>
-              <a:rPr kumimoji="1" lang="en-US" altLang="ja-JP" dirty="0"/>
-              <a:t>Figma</a:t>
-            </a:r>
-            <a:r>
-              <a:rPr kumimoji="1" lang="ja-JP" altLang="en-US" dirty="0"/>
-              <a:t>ろごなど</a:t>
-            </a:r>
-          </a:p>
-        </p:txBody>
-      </p:sp>
-      <p:sp>
-        <p:nvSpPr>
-          <p:cNvPr id="9" name="テキスト ボックス 8">
-            <a:extLst>
-              <a:ext uri="{FF2B5EF4-FFF2-40B4-BE49-F238E27FC236}">
-                <a16:creationId xmlns:a16="http://schemas.microsoft.com/office/drawing/2014/main" id="{88169F51-2546-7E76-E36F-A35CD050DCB6}"/>
-              </a:ext>
-            </a:extLst>
-          </p:cNvPr>
-          <p:cNvSpPr txBox="1"/>
-          <p:nvPr/>
-        </p:nvSpPr>
-        <p:spPr>
-          <a:xfrm>
-            <a:off x="6096000" y="2062700"/>
-            <a:ext cx="5812536" cy="1107996"/>
-          </a:xfrm>
-          <a:prstGeom prst="rect">
-            <a:avLst/>
-          </a:prstGeom>
-          <a:noFill/>
-        </p:spPr>
-        <p:txBody>
-          <a:bodyPr wrap="square">
-            <a:spAutoFit/>
-          </a:bodyPr>
-          <a:lstStyle/>
-          <a:p>
-            <a:r>
-              <a:rPr lang="ja-JP" altLang="en-US" sz="6600" dirty="0">
-                <a:latin typeface="HG創英角ｺﾞｼｯｸUB" panose="020B0909000000000000" pitchFamily="49" charset="-128"/>
-                <a:ea typeface="HG創英角ｺﾞｼｯｸUB" panose="020B0909000000000000" pitchFamily="49" charset="-128"/>
-                <a:cs typeface="ADLaM Display" panose="020F0502020204030204" pitchFamily="2" charset="0"/>
-              </a:rPr>
-              <a:t>「ホネット」</a:t>
-            </a:r>
-            <a:endParaRPr lang="en-US" altLang="ja-JP" sz="6600" dirty="0">
-              <a:latin typeface="HG創英角ｺﾞｼｯｸUB" panose="020B0909000000000000" pitchFamily="49" charset="-128"/>
-              <a:ea typeface="HG創英角ｺﾞｼｯｸUB" panose="020B0909000000000000" pitchFamily="49" charset="-128"/>
-              <a:cs typeface="ADLaM Display" panose="020F0502020204030204" pitchFamily="2" charset="0"/>
-            </a:endParaRPr>
-          </a:p>
-        </p:txBody>
-      </p:sp>
-      <p:sp>
-        <p:nvSpPr>
-          <p:cNvPr id="10" name="テキスト ボックス 9">
-            <a:extLst>
-              <a:ext uri="{FF2B5EF4-FFF2-40B4-BE49-F238E27FC236}">
-                <a16:creationId xmlns:a16="http://schemas.microsoft.com/office/drawing/2014/main" id="{1E8ED778-C9E3-CCF2-1B5F-4C6C0FC0D460}"/>
-              </a:ext>
-            </a:extLst>
-          </p:cNvPr>
-          <p:cNvSpPr txBox="1"/>
-          <p:nvPr/>
-        </p:nvSpPr>
-        <p:spPr>
-          <a:xfrm>
-            <a:off x="6024880" y="3687305"/>
-            <a:ext cx="5812536" cy="2123658"/>
-          </a:xfrm>
-          <a:prstGeom prst="rect">
-            <a:avLst/>
-          </a:prstGeom>
-          <a:noFill/>
-        </p:spPr>
-        <p:txBody>
-          <a:bodyPr wrap="square">
-            <a:spAutoFit/>
-          </a:bodyPr>
-          <a:lstStyle/>
-          <a:p>
-            <a:r>
-              <a:rPr lang="ja-JP" altLang="en-US" sz="6600" dirty="0">
-                <a:latin typeface="HG創英角ｺﾞｼｯｸUB" panose="020B0909000000000000" pitchFamily="49" charset="-128"/>
-                <a:ea typeface="HG創英角ｺﾞｼｯｸUB" panose="020B0909000000000000" pitchFamily="49" charset="-128"/>
-                <a:cs typeface="ADLaM Display" panose="020F0502020204030204" pitchFamily="2" charset="0"/>
-              </a:rPr>
-              <a:t>様々な</a:t>
-            </a:r>
-            <a:endParaRPr lang="en-US" altLang="ja-JP" sz="6600" dirty="0">
-              <a:latin typeface="HG創英角ｺﾞｼｯｸUB" panose="020B0909000000000000" pitchFamily="49" charset="-128"/>
-              <a:ea typeface="HG創英角ｺﾞｼｯｸUB" panose="020B0909000000000000" pitchFamily="49" charset="-128"/>
-              <a:cs typeface="ADLaM Display" panose="020F0502020204030204" pitchFamily="2" charset="0"/>
-            </a:endParaRPr>
-          </a:p>
-          <a:p>
-            <a:r>
-              <a:rPr lang="ja-JP" altLang="en-US" sz="6600" dirty="0">
-                <a:latin typeface="HG創英角ｺﾞｼｯｸUB" panose="020B0909000000000000" pitchFamily="49" charset="-128"/>
-                <a:ea typeface="HG創英角ｺﾞｼｯｸUB" panose="020B0909000000000000" pitchFamily="49" charset="-128"/>
-                <a:cs typeface="ADLaM Display" panose="020F0502020204030204" pitchFamily="2" charset="0"/>
-              </a:rPr>
-              <a:t>炎上シナリオ</a:t>
-            </a:r>
-            <a:endParaRPr lang="ja-JP" altLang="en-US" sz="6600" dirty="0"/>
+            <a:endParaRPr kumimoji="1" lang="ja-JP" altLang="en-US"/>
           </a:p>
         </p:txBody>
       </p:sp>
     </p:spTree>
     <p:extLst>
       <p:ext uri="{BB962C8B-B14F-4D97-AF65-F5344CB8AC3E}">
-        <p14:creationId xmlns:p14="http://schemas.microsoft.com/office/powerpoint/2010/main" val="381811190"/>
+        <p14:creationId xmlns:p14="http://schemas.microsoft.com/office/powerpoint/2010/main" val="866778026"/>
       </p:ext>
     </p:extLst>
   </p:cSld>
@@ -6119,8 +7651,8 @@
 </p:sld>
 </file>
 
-<file path=ppt/slides/slide14.xml><?xml version="1.0" encoding="utf-8"?>
-<p:sld xmlns:a="http://schemas.openxmlformats.org/drawingml/2006/main" xmlns:r="http://schemas.openxmlformats.org/officeDocument/2006/relationships" xmlns:p="http://schemas.openxmlformats.org/presentationml/2006/main" show="0">
+<file path=ppt/slides/slide15.xml><?xml version="1.0" encoding="utf-8"?>
+<p:sld xmlns:a="http://schemas.openxmlformats.org/drawingml/2006/main" xmlns:r="http://schemas.openxmlformats.org/officeDocument/2006/relationships" xmlns:p="http://schemas.openxmlformats.org/presentationml/2006/main">
   <p:cSld>
     <p:spTree>
       <p:nvGrpSpPr>
@@ -6223,10 +7755,10 @@
       </p:sp>
       <p:sp>
         <p:nvSpPr>
-          <p:cNvPr id="2" name="テキスト ボックス 1">
-            <a:extLst>
-              <a:ext uri="{FF2B5EF4-FFF2-40B4-BE49-F238E27FC236}">
-                <a16:creationId xmlns:a16="http://schemas.microsoft.com/office/drawing/2014/main" id="{38FBF9F5-4228-58A4-A265-E439175CE7D1}"/>
+          <p:cNvPr id="3" name="テキスト ボックス 2">
+            <a:extLst>
+              <a:ext uri="{FF2B5EF4-FFF2-40B4-BE49-F238E27FC236}">
+                <a16:creationId xmlns:a16="http://schemas.microsoft.com/office/drawing/2014/main" id="{1E10F84D-2AEE-2AAC-9CFE-30DFD15F7C74}"/>
               </a:ext>
             </a:extLst>
           </p:cNvPr>
@@ -6235,8 +7767,8 @@
         </p:nvSpPr>
         <p:spPr>
           <a:xfrm>
-            <a:off x="283464" y="153663"/>
-            <a:ext cx="9023096" cy="1107996"/>
+            <a:off x="283464" y="108734"/>
+            <a:ext cx="2769979" cy="1107996"/>
           </a:xfrm>
           <a:prstGeom prst="rect">
             <a:avLst/>
@@ -6255,23 +7787,7 @@
                 <a:ea typeface="HG創英角ｺﾞｼｯｸUB" panose="020B0909000000000000" pitchFamily="49" charset="-128"/>
                 <a:cs typeface="ADLaM Display" panose="020F0502020204030204" pitchFamily="2" charset="0"/>
               </a:rPr>
-              <a:t>炎上系</a:t>
-            </a:r>
-            <a:r>
-              <a:rPr lang="en-US" altLang="ja-JP" sz="6600" dirty="0">
-                <a:latin typeface="HG創英角ｺﾞｼｯｸUB" panose="020B0909000000000000" pitchFamily="49" charset="-128"/>
-                <a:ea typeface="HG創英角ｺﾞｼｯｸUB" panose="020B0909000000000000" pitchFamily="49" charset="-128"/>
-                <a:cs typeface="ADLaM Display" panose="020F0502020204030204" pitchFamily="2" charset="0"/>
-              </a:rPr>
-              <a:t>SNS</a:t>
-            </a:r>
-            <a:r>
-              <a:rPr lang="ja-JP" altLang="en-US" sz="6600" dirty="0">
-                <a:latin typeface="HG創英角ｺﾞｼｯｸUB" panose="020B0909000000000000" pitchFamily="49" charset="-128"/>
-                <a:ea typeface="HG創英角ｺﾞｼｯｸUB" panose="020B0909000000000000" pitchFamily="49" charset="-128"/>
-                <a:cs typeface="ADLaM Display" panose="020F0502020204030204" pitchFamily="2" charset="0"/>
-              </a:rPr>
-              <a:t>「ホネット」</a:t>
+              <a:t>技術性</a:t>
             </a:r>
             <a:endParaRPr lang="ja-JP" altLang="en-US" sz="6600" dirty="0"/>
           </a:p>
@@ -6279,10 +7795,98 @@
       </p:sp>
       <p:sp>
         <p:nvSpPr>
-          <p:cNvPr id="8" name="正方形/長方形 7">
-            <a:extLst>
-              <a:ext uri="{FF2B5EF4-FFF2-40B4-BE49-F238E27FC236}">
-                <a16:creationId xmlns:a16="http://schemas.microsoft.com/office/drawing/2014/main" id="{B525B007-959B-CBCA-6F9F-75237F88025B}"/>
+          <p:cNvPr id="2" name="テキスト ボックス 1">
+            <a:extLst>
+              <a:ext uri="{FF2B5EF4-FFF2-40B4-BE49-F238E27FC236}">
+                <a16:creationId xmlns:a16="http://schemas.microsoft.com/office/drawing/2014/main" id="{896E53FE-EC94-EAEA-E8DA-62E28B3D0AA7}"/>
+              </a:ext>
+            </a:extLst>
+          </p:cNvPr>
+          <p:cNvSpPr txBox="1"/>
+          <p:nvPr/>
+        </p:nvSpPr>
+        <p:spPr>
+          <a:xfrm>
+            <a:off x="305413" y="1991360"/>
+            <a:ext cx="11886587" cy="769441"/>
+          </a:xfrm>
+          <a:prstGeom prst="rect">
+            <a:avLst/>
+          </a:prstGeom>
+          <a:noFill/>
+        </p:spPr>
+        <p:txBody>
+          <a:bodyPr wrap="none" rtlCol="0">
+            <a:spAutoFit/>
+          </a:bodyPr>
+          <a:lstStyle/>
+          <a:p>
+            <a:r>
+              <a:rPr lang="en-US" altLang="ja-JP" sz="4400" b="1" dirty="0" err="1"/>
+              <a:t>php</a:t>
+            </a:r>
+            <a:r>
+              <a:rPr lang="ja-JP" altLang="en-US" sz="4400" b="1" dirty="0"/>
+              <a:t>によるアカウント認証、パスワード暗号化</a:t>
+            </a:r>
+            <a:endParaRPr kumimoji="1" lang="ja-JP" altLang="en-US" sz="4400" b="1" dirty="0"/>
+          </a:p>
+        </p:txBody>
+      </p:sp>
+      <p:sp>
+        <p:nvSpPr>
+          <p:cNvPr id="5" name="テキスト ボックス 4">
+            <a:extLst>
+              <a:ext uri="{FF2B5EF4-FFF2-40B4-BE49-F238E27FC236}">
+                <a16:creationId xmlns:a16="http://schemas.microsoft.com/office/drawing/2014/main" id="{DBCFC4A7-1E30-C488-C0CF-CA2808A4FD2A}"/>
+              </a:ext>
+            </a:extLst>
+          </p:cNvPr>
+          <p:cNvSpPr txBox="1"/>
+          <p:nvPr/>
+        </p:nvSpPr>
+        <p:spPr>
+          <a:xfrm>
+            <a:off x="305413" y="3155039"/>
+            <a:ext cx="8520281" cy="769441"/>
+          </a:xfrm>
+          <a:prstGeom prst="rect">
+            <a:avLst/>
+          </a:prstGeom>
+          <a:noFill/>
+        </p:spPr>
+        <p:txBody>
+          <a:bodyPr wrap="none" rtlCol="0">
+            <a:spAutoFit/>
+          </a:bodyPr>
+          <a:lstStyle/>
+          <a:p>
+            <a:r>
+              <a:rPr lang="ja-JP" altLang="en-US" sz="4400" b="1" dirty="0"/>
+              <a:t>パスワードはハッシュ化</a:t>
+            </a:r>
+            <a:r>
+              <a:rPr lang="en-US" altLang="ja-JP" sz="4400" b="1" dirty="0"/>
+              <a:t>(</a:t>
+            </a:r>
+            <a:r>
+              <a:rPr lang="ja-JP" altLang="en-US" sz="4400" b="1" dirty="0"/>
+              <a:t>不可逆</a:t>
+            </a:r>
+            <a:r>
+              <a:rPr lang="en-US" altLang="ja-JP" sz="4400" b="1" dirty="0"/>
+              <a:t>)</a:t>
+            </a:r>
+            <a:endParaRPr kumimoji="1" lang="ja-JP" altLang="en-US" sz="4400" b="1" dirty="0"/>
+          </a:p>
+        </p:txBody>
+      </p:sp>
+      <p:sp>
+        <p:nvSpPr>
+          <p:cNvPr id="6" name="二等辺三角形 5">
+            <a:extLst>
+              <a:ext uri="{FF2B5EF4-FFF2-40B4-BE49-F238E27FC236}">
+                <a16:creationId xmlns:a16="http://schemas.microsoft.com/office/drawing/2014/main" id="{7937214E-41E0-C4CF-9FAC-ECC098480137}"/>
               </a:ext>
             </a:extLst>
           </p:cNvPr>
@@ -6290,13 +7894,22 @@
           <p:nvPr/>
         </p:nvSpPr>
         <p:spPr>
-          <a:xfrm>
-            <a:off x="566928" y="1570983"/>
-            <a:ext cx="4764024" cy="5067562"/>
-          </a:xfrm>
-          <a:prstGeom prst="rect">
-            <a:avLst/>
-          </a:prstGeom>
+          <a:xfrm rot="16200000" flipV="1">
+            <a:off x="736455" y="4672925"/>
+            <a:ext cx="1113951" cy="750045"/>
+          </a:xfrm>
+          <a:prstGeom prst="triangle">
+            <a:avLst/>
+          </a:prstGeom>
+          <a:solidFill>
+            <a:schemeClr val="accent2">
+              <a:lumMod val="60000"/>
+              <a:lumOff val="40000"/>
+            </a:schemeClr>
+          </a:solidFill>
+          <a:ln>
+            <a:noFill/>
+          </a:ln>
         </p:spPr>
         <p:style>
           <a:lnRef idx="2">
@@ -6319,23 +7932,16 @@
           <a:lstStyle/>
           <a:p>
             <a:pPr algn="ctr"/>
-            <a:r>
-              <a:rPr kumimoji="1" lang="en-US" altLang="ja-JP" dirty="0"/>
-              <a:t>Figma</a:t>
-            </a:r>
-            <a:r>
-              <a:rPr kumimoji="1" lang="ja-JP" altLang="en-US" dirty="0"/>
-              <a:t>ろごなど</a:t>
-            </a:r>
-          </a:p>
-        </p:txBody>
-      </p:sp>
-      <p:sp>
-        <p:nvSpPr>
-          <p:cNvPr id="3" name="テキスト ボックス 2">
-            <a:extLst>
-              <a:ext uri="{FF2B5EF4-FFF2-40B4-BE49-F238E27FC236}">
-                <a16:creationId xmlns:a16="http://schemas.microsoft.com/office/drawing/2014/main" id="{F4903288-A808-8DC1-3044-1E106AC7E9EC}"/>
+            <a:endParaRPr kumimoji="1" lang="ja-JP" altLang="en-US"/>
+          </a:p>
+        </p:txBody>
+      </p:sp>
+      <p:sp>
+        <p:nvSpPr>
+          <p:cNvPr id="8" name="テキスト ボックス 7">
+            <a:extLst>
+              <a:ext uri="{FF2B5EF4-FFF2-40B4-BE49-F238E27FC236}">
+                <a16:creationId xmlns:a16="http://schemas.microsoft.com/office/drawing/2014/main" id="{AEF805D8-F4D1-4673-0A75-17BD91FC409F}"/>
               </a:ext>
             </a:extLst>
           </p:cNvPr>
@@ -6344,8 +7950,159 @@
         </p:nvSpPr>
         <p:spPr>
           <a:xfrm>
-            <a:off x="6096000" y="1798196"/>
-            <a:ext cx="5812536" cy="2123658"/>
+            <a:off x="2073253" y="4490972"/>
+            <a:ext cx="7571303" cy="1200329"/>
+          </a:xfrm>
+          <a:prstGeom prst="rect">
+            <a:avLst/>
+          </a:prstGeom>
+          <a:noFill/>
+        </p:spPr>
+        <p:txBody>
+          <a:bodyPr wrap="none" rtlCol="0">
+            <a:spAutoFit/>
+          </a:bodyPr>
+          <a:lstStyle/>
+          <a:p>
+            <a:r>
+              <a:rPr lang="ja-JP" altLang="en-US" sz="7200" b="1" dirty="0"/>
+              <a:t>セキュリティ向上</a:t>
+            </a:r>
+            <a:endParaRPr kumimoji="1" lang="ja-JP" altLang="en-US" sz="7200" b="1" dirty="0"/>
+          </a:p>
+        </p:txBody>
+      </p:sp>
+    </p:spTree>
+    <p:extLst>
+      <p:ext uri="{BB962C8B-B14F-4D97-AF65-F5344CB8AC3E}">
+        <p14:creationId xmlns:p14="http://schemas.microsoft.com/office/powerpoint/2010/main" val="2046544682"/>
+      </p:ext>
+    </p:extLst>
+  </p:cSld>
+  <p:clrMapOvr>
+    <a:masterClrMapping/>
+  </p:clrMapOvr>
+</p:sld>
+</file>
+
+<file path=ppt/slides/slide16.xml><?xml version="1.0" encoding="utf-8"?>
+<p:sld xmlns:a="http://schemas.openxmlformats.org/drawingml/2006/main" xmlns:r="http://schemas.openxmlformats.org/officeDocument/2006/relationships" xmlns:p="http://schemas.openxmlformats.org/presentationml/2006/main">
+  <p:cSld>
+    <p:spTree>
+      <p:nvGrpSpPr>
+        <p:cNvPr id="1" name=""/>
+        <p:cNvGrpSpPr/>
+        <p:nvPr/>
+      </p:nvGrpSpPr>
+      <p:grpSpPr>
+        <a:xfrm>
+          <a:off x="0" y="0"/>
+          <a:ext cx="0" cy="0"/>
+          <a:chOff x="0" y="0"/>
+          <a:chExt cx="0" cy="0"/>
+        </a:xfrm>
+      </p:grpSpPr>
+      <p:cxnSp>
+        <p:nvCxnSpPr>
+          <p:cNvPr id="4" name="直線コネクタ 3">
+            <a:extLst>
+              <a:ext uri="{FF2B5EF4-FFF2-40B4-BE49-F238E27FC236}">
+                <a16:creationId xmlns:a16="http://schemas.microsoft.com/office/drawing/2014/main" id="{31AFCFC9-C202-9051-0E3F-A9E20191B047}"/>
+              </a:ext>
+            </a:extLst>
+          </p:cNvPr>
+          <p:cNvCxnSpPr>
+            <a:cxnSpLocks/>
+          </p:cNvCxnSpPr>
+          <p:nvPr/>
+        </p:nvCxnSpPr>
+        <p:spPr>
+          <a:xfrm>
+            <a:off x="283464" y="1316736"/>
+            <a:ext cx="11649456" cy="0"/>
+          </a:xfrm>
+          <a:prstGeom prst="line">
+            <a:avLst/>
+          </a:prstGeom>
+          <a:ln w="69850">
+            <a:solidFill>
+              <a:srgbClr val="FF0000"/>
+            </a:solidFill>
+          </a:ln>
+        </p:spPr>
+        <p:style>
+          <a:lnRef idx="1">
+            <a:schemeClr val="accent1"/>
+          </a:lnRef>
+          <a:fillRef idx="0">
+            <a:schemeClr val="accent1"/>
+          </a:fillRef>
+          <a:effectRef idx="0">
+            <a:schemeClr val="accent1"/>
+          </a:effectRef>
+          <a:fontRef idx="minor">
+            <a:schemeClr val="tx1"/>
+          </a:fontRef>
+        </p:style>
+      </p:cxnSp>
+      <p:sp>
+        <p:nvSpPr>
+          <p:cNvPr id="7" name="テキスト ボックス 6">
+            <a:extLst>
+              <a:ext uri="{FF2B5EF4-FFF2-40B4-BE49-F238E27FC236}">
+                <a16:creationId xmlns:a16="http://schemas.microsoft.com/office/drawing/2014/main" id="{C6C5EB3A-FB63-FB5A-8B3F-738C6106B5DC}"/>
+              </a:ext>
+            </a:extLst>
+          </p:cNvPr>
+          <p:cNvSpPr txBox="1"/>
+          <p:nvPr/>
+        </p:nvSpPr>
+        <p:spPr>
+          <a:xfrm>
+            <a:off x="10927080" y="929116"/>
+            <a:ext cx="1107996" cy="369332"/>
+          </a:xfrm>
+          <a:prstGeom prst="rect">
+            <a:avLst/>
+          </a:prstGeom>
+          <a:noFill/>
+        </p:spPr>
+        <p:txBody>
+          <a:bodyPr wrap="none" rtlCol="0">
+            <a:spAutoFit/>
+          </a:bodyPr>
+          <a:lstStyle/>
+          <a:p>
+            <a:r>
+              <a:rPr kumimoji="1" lang="ja-JP" altLang="en-US" dirty="0">
+                <a:solidFill>
+                  <a:srgbClr val="FF0000"/>
+                </a:solidFill>
+                <a:latin typeface="HG創英角ｺﾞｼｯｸUB" panose="020B0909000000000000" pitchFamily="49" charset="-128"/>
+                <a:ea typeface="HG創英角ｺﾞｼｯｸUB" panose="020B0909000000000000" pitchFamily="49" charset="-128"/>
+                <a:cs typeface="ADLaM Display" panose="020F0502020204030204" pitchFamily="2" charset="0"/>
+              </a:rPr>
+              <a:t>ホネット</a:t>
+            </a:r>
+          </a:p>
+        </p:txBody>
+      </p:sp>
+      <p:sp>
+        <p:nvSpPr>
+          <p:cNvPr id="3" name="テキスト ボックス 2">
+            <a:extLst>
+              <a:ext uri="{FF2B5EF4-FFF2-40B4-BE49-F238E27FC236}">
+                <a16:creationId xmlns:a16="http://schemas.microsoft.com/office/drawing/2014/main" id="{1E10F84D-2AEE-2AAC-9CFE-30DFD15F7C74}"/>
+              </a:ext>
+            </a:extLst>
+          </p:cNvPr>
+          <p:cNvSpPr txBox="1"/>
+          <p:nvPr/>
+        </p:nvSpPr>
+        <p:spPr>
+          <a:xfrm>
+            <a:off x="283464" y="108734"/>
+            <a:ext cx="2769979" cy="1107996"/>
           </a:xfrm>
           <a:prstGeom prst="rect">
             <a:avLst/>
@@ -6364,22 +8121,18 @@
                 <a:ea typeface="HG創英角ｺﾞｼｯｸUB" panose="020B0909000000000000" pitchFamily="49" charset="-128"/>
                 <a:cs typeface="ADLaM Display" panose="020F0502020204030204" pitchFamily="2" charset="0"/>
               </a:rPr>
-              <a:t>炎上したらどうなるか</a:t>
-            </a:r>
-            <a:endParaRPr lang="en-US" altLang="ja-JP" sz="6600" dirty="0">
-              <a:latin typeface="HG創英角ｺﾞｼｯｸUB" panose="020B0909000000000000" pitchFamily="49" charset="-128"/>
-              <a:ea typeface="HG創英角ｺﾞｼｯｸUB" panose="020B0909000000000000" pitchFamily="49" charset="-128"/>
-              <a:cs typeface="ADLaM Display" panose="020F0502020204030204" pitchFamily="2" charset="0"/>
-            </a:endParaRPr>
-          </a:p>
-        </p:txBody>
-      </p:sp>
-      <p:sp>
-        <p:nvSpPr>
-          <p:cNvPr id="5" name="テキスト ボックス 4">
-            <a:extLst>
-              <a:ext uri="{FF2B5EF4-FFF2-40B4-BE49-F238E27FC236}">
-                <a16:creationId xmlns:a16="http://schemas.microsoft.com/office/drawing/2014/main" id="{2037210C-4C87-5E48-1834-15E0B03F8C48}"/>
+              <a:t>技術性</a:t>
+            </a:r>
+            <a:endParaRPr lang="ja-JP" altLang="en-US" sz="6600" dirty="0"/>
+          </a:p>
+        </p:txBody>
+      </p:sp>
+      <p:sp>
+        <p:nvSpPr>
+          <p:cNvPr id="2" name="テキスト ボックス 1">
+            <a:extLst>
+              <a:ext uri="{FF2B5EF4-FFF2-40B4-BE49-F238E27FC236}">
+                <a16:creationId xmlns:a16="http://schemas.microsoft.com/office/drawing/2014/main" id="{896E53FE-EC94-EAEA-E8DA-62E28B3D0AA7}"/>
               </a:ext>
             </a:extLst>
           </p:cNvPr>
@@ -6388,8 +8141,297 @@
         </p:nvSpPr>
         <p:spPr>
           <a:xfrm>
-            <a:off x="5815584" y="5059804"/>
-            <a:ext cx="6569456" cy="1107996"/>
+            <a:off x="305413" y="1991360"/>
+            <a:ext cx="10281982" cy="769441"/>
+          </a:xfrm>
+          <a:prstGeom prst="rect">
+            <a:avLst/>
+          </a:prstGeom>
+          <a:noFill/>
+        </p:spPr>
+        <p:txBody>
+          <a:bodyPr wrap="none" rtlCol="0">
+            <a:spAutoFit/>
+          </a:bodyPr>
+          <a:lstStyle/>
+          <a:p>
+            <a:r>
+              <a:rPr lang="en-US" altLang="ja-JP" sz="4400" b="1" dirty="0" err="1"/>
+              <a:t>php</a:t>
+            </a:r>
+            <a:r>
+              <a:rPr lang="ja-JP" altLang="en-US" sz="4400" b="1" dirty="0"/>
+              <a:t>による。</a:t>
+            </a:r>
+            <a:r>
+              <a:rPr lang="en-US" altLang="ja-JP" sz="4400" b="1" dirty="0"/>
+              <a:t>SQL</a:t>
+            </a:r>
+            <a:r>
+              <a:rPr lang="ja-JP" altLang="en-US" sz="4400" b="1" dirty="0"/>
+              <a:t>インジェクション対策</a:t>
+            </a:r>
+            <a:endParaRPr kumimoji="1" lang="ja-JP" altLang="en-US" sz="4400" b="1" dirty="0"/>
+          </a:p>
+        </p:txBody>
+      </p:sp>
+      <p:sp>
+        <p:nvSpPr>
+          <p:cNvPr id="5" name="テキスト ボックス 4">
+            <a:extLst>
+              <a:ext uri="{FF2B5EF4-FFF2-40B4-BE49-F238E27FC236}">
+                <a16:creationId xmlns:a16="http://schemas.microsoft.com/office/drawing/2014/main" id="{DBCFC4A7-1E30-C488-C0CF-CA2808A4FD2A}"/>
+              </a:ext>
+            </a:extLst>
+          </p:cNvPr>
+          <p:cNvSpPr txBox="1"/>
+          <p:nvPr/>
+        </p:nvSpPr>
+        <p:spPr>
+          <a:xfrm>
+            <a:off x="305413" y="3155039"/>
+            <a:ext cx="8084264" cy="769441"/>
+          </a:xfrm>
+          <a:prstGeom prst="rect">
+            <a:avLst/>
+          </a:prstGeom>
+          <a:noFill/>
+        </p:spPr>
+        <p:txBody>
+          <a:bodyPr wrap="none" rtlCol="0">
+            <a:spAutoFit/>
+          </a:bodyPr>
+          <a:lstStyle/>
+          <a:p>
+            <a:r>
+              <a:rPr kumimoji="1" lang="ja-JP" altLang="en-US" sz="4400" b="1" dirty="0"/>
+              <a:t>入力値を一旦変数に格納する。</a:t>
+            </a:r>
+          </a:p>
+        </p:txBody>
+      </p:sp>
+      <p:sp>
+        <p:nvSpPr>
+          <p:cNvPr id="6" name="二等辺三角形 5">
+            <a:extLst>
+              <a:ext uri="{FF2B5EF4-FFF2-40B4-BE49-F238E27FC236}">
+                <a16:creationId xmlns:a16="http://schemas.microsoft.com/office/drawing/2014/main" id="{7937214E-41E0-C4CF-9FAC-ECC098480137}"/>
+              </a:ext>
+            </a:extLst>
+          </p:cNvPr>
+          <p:cNvSpPr/>
+          <p:nvPr/>
+        </p:nvSpPr>
+        <p:spPr>
+          <a:xfrm rot="16200000" flipV="1">
+            <a:off x="736455" y="4672925"/>
+            <a:ext cx="1113951" cy="750045"/>
+          </a:xfrm>
+          <a:prstGeom prst="triangle">
+            <a:avLst/>
+          </a:prstGeom>
+          <a:solidFill>
+            <a:schemeClr val="accent2">
+              <a:lumMod val="60000"/>
+              <a:lumOff val="40000"/>
+            </a:schemeClr>
+          </a:solidFill>
+          <a:ln>
+            <a:noFill/>
+          </a:ln>
+        </p:spPr>
+        <p:style>
+          <a:lnRef idx="2">
+            <a:schemeClr val="accent1">
+              <a:shade val="15000"/>
+            </a:schemeClr>
+          </a:lnRef>
+          <a:fillRef idx="1">
+            <a:schemeClr val="accent1"/>
+          </a:fillRef>
+          <a:effectRef idx="0">
+            <a:schemeClr val="accent1"/>
+          </a:effectRef>
+          <a:fontRef idx="minor">
+            <a:schemeClr val="lt1"/>
+          </a:fontRef>
+        </p:style>
+        <p:txBody>
+          <a:bodyPr rtlCol="0" anchor="ctr"/>
+          <a:lstStyle/>
+          <a:p>
+            <a:pPr algn="ctr"/>
+            <a:endParaRPr kumimoji="1" lang="ja-JP" altLang="en-US"/>
+          </a:p>
+        </p:txBody>
+      </p:sp>
+      <p:sp>
+        <p:nvSpPr>
+          <p:cNvPr id="8" name="テキスト ボックス 7">
+            <a:extLst>
+              <a:ext uri="{FF2B5EF4-FFF2-40B4-BE49-F238E27FC236}">
+                <a16:creationId xmlns:a16="http://schemas.microsoft.com/office/drawing/2014/main" id="{AEF805D8-F4D1-4673-0A75-17BD91FC409F}"/>
+              </a:ext>
+            </a:extLst>
+          </p:cNvPr>
+          <p:cNvSpPr txBox="1"/>
+          <p:nvPr/>
+        </p:nvSpPr>
+        <p:spPr>
+          <a:xfrm>
+            <a:off x="2073253" y="4490972"/>
+            <a:ext cx="7571303" cy="1200329"/>
+          </a:xfrm>
+          <a:prstGeom prst="rect">
+            <a:avLst/>
+          </a:prstGeom>
+          <a:noFill/>
+        </p:spPr>
+        <p:txBody>
+          <a:bodyPr wrap="none" rtlCol="0">
+            <a:spAutoFit/>
+          </a:bodyPr>
+          <a:lstStyle/>
+          <a:p>
+            <a:r>
+              <a:rPr lang="ja-JP" altLang="en-US" sz="7200" b="1" dirty="0"/>
+              <a:t>セキュリティ向上</a:t>
+            </a:r>
+            <a:endParaRPr kumimoji="1" lang="ja-JP" altLang="en-US" sz="7200" b="1" dirty="0"/>
+          </a:p>
+        </p:txBody>
+      </p:sp>
+    </p:spTree>
+    <p:extLst>
+      <p:ext uri="{BB962C8B-B14F-4D97-AF65-F5344CB8AC3E}">
+        <p14:creationId xmlns:p14="http://schemas.microsoft.com/office/powerpoint/2010/main" val="1014318957"/>
+      </p:ext>
+    </p:extLst>
+  </p:cSld>
+  <p:clrMapOvr>
+    <a:masterClrMapping/>
+  </p:clrMapOvr>
+</p:sld>
+</file>
+
+<file path=ppt/slides/slide17.xml><?xml version="1.0" encoding="utf-8"?>
+<p:sld xmlns:a="http://schemas.openxmlformats.org/drawingml/2006/main" xmlns:r="http://schemas.openxmlformats.org/officeDocument/2006/relationships" xmlns:p="http://schemas.openxmlformats.org/presentationml/2006/main">
+  <p:cSld>
+    <p:spTree>
+      <p:nvGrpSpPr>
+        <p:cNvPr id="1" name=""/>
+        <p:cNvGrpSpPr/>
+        <p:nvPr/>
+      </p:nvGrpSpPr>
+      <p:grpSpPr>
+        <a:xfrm>
+          <a:off x="0" y="0"/>
+          <a:ext cx="0" cy="0"/>
+          <a:chOff x="0" y="0"/>
+          <a:chExt cx="0" cy="0"/>
+        </a:xfrm>
+      </p:grpSpPr>
+      <p:cxnSp>
+        <p:nvCxnSpPr>
+          <p:cNvPr id="4" name="直線コネクタ 3">
+            <a:extLst>
+              <a:ext uri="{FF2B5EF4-FFF2-40B4-BE49-F238E27FC236}">
+                <a16:creationId xmlns:a16="http://schemas.microsoft.com/office/drawing/2014/main" id="{31AFCFC9-C202-9051-0E3F-A9E20191B047}"/>
+              </a:ext>
+            </a:extLst>
+          </p:cNvPr>
+          <p:cNvCxnSpPr>
+            <a:cxnSpLocks/>
+          </p:cNvCxnSpPr>
+          <p:nvPr/>
+        </p:nvCxnSpPr>
+        <p:spPr>
+          <a:xfrm>
+            <a:off x="283464" y="1316736"/>
+            <a:ext cx="11649456" cy="0"/>
+          </a:xfrm>
+          <a:prstGeom prst="line">
+            <a:avLst/>
+          </a:prstGeom>
+          <a:ln w="69850">
+            <a:solidFill>
+              <a:srgbClr val="FF0000"/>
+            </a:solidFill>
+          </a:ln>
+        </p:spPr>
+        <p:style>
+          <a:lnRef idx="1">
+            <a:schemeClr val="accent1"/>
+          </a:lnRef>
+          <a:fillRef idx="0">
+            <a:schemeClr val="accent1"/>
+          </a:fillRef>
+          <a:effectRef idx="0">
+            <a:schemeClr val="accent1"/>
+          </a:effectRef>
+          <a:fontRef idx="minor">
+            <a:schemeClr val="tx1"/>
+          </a:fontRef>
+        </p:style>
+      </p:cxnSp>
+      <p:sp>
+        <p:nvSpPr>
+          <p:cNvPr id="7" name="テキスト ボックス 6">
+            <a:extLst>
+              <a:ext uri="{FF2B5EF4-FFF2-40B4-BE49-F238E27FC236}">
+                <a16:creationId xmlns:a16="http://schemas.microsoft.com/office/drawing/2014/main" id="{C6C5EB3A-FB63-FB5A-8B3F-738C6106B5DC}"/>
+              </a:ext>
+            </a:extLst>
+          </p:cNvPr>
+          <p:cNvSpPr txBox="1"/>
+          <p:nvPr/>
+        </p:nvSpPr>
+        <p:spPr>
+          <a:xfrm>
+            <a:off x="10927080" y="929116"/>
+            <a:ext cx="1107996" cy="369332"/>
+          </a:xfrm>
+          <a:prstGeom prst="rect">
+            <a:avLst/>
+          </a:prstGeom>
+          <a:noFill/>
+        </p:spPr>
+        <p:txBody>
+          <a:bodyPr wrap="none" rtlCol="0">
+            <a:spAutoFit/>
+          </a:bodyPr>
+          <a:lstStyle/>
+          <a:p>
+            <a:r>
+              <a:rPr kumimoji="1" lang="ja-JP" altLang="en-US" dirty="0">
+                <a:solidFill>
+                  <a:srgbClr val="FF0000"/>
+                </a:solidFill>
+                <a:latin typeface="HG創英角ｺﾞｼｯｸUB" panose="020B0909000000000000" pitchFamily="49" charset="-128"/>
+                <a:ea typeface="HG創英角ｺﾞｼｯｸUB" panose="020B0909000000000000" pitchFamily="49" charset="-128"/>
+                <a:cs typeface="ADLaM Display" panose="020F0502020204030204" pitchFamily="2" charset="0"/>
+              </a:rPr>
+              <a:t>ホネット</a:t>
+            </a:r>
+          </a:p>
+        </p:txBody>
+      </p:sp>
+      <p:sp>
+        <p:nvSpPr>
+          <p:cNvPr id="3" name="テキスト ボックス 2">
+            <a:extLst>
+              <a:ext uri="{FF2B5EF4-FFF2-40B4-BE49-F238E27FC236}">
+                <a16:creationId xmlns:a16="http://schemas.microsoft.com/office/drawing/2014/main" id="{1E10F84D-2AEE-2AAC-9CFE-30DFD15F7C74}"/>
+              </a:ext>
+            </a:extLst>
+          </p:cNvPr>
+          <p:cNvSpPr txBox="1"/>
+          <p:nvPr/>
+        </p:nvSpPr>
+        <p:spPr>
+          <a:xfrm>
+            <a:off x="283464" y="108734"/>
+            <a:ext cx="2769979" cy="1107996"/>
           </a:xfrm>
           <a:prstGeom prst="rect">
             <a:avLst/>
@@ -6408,20 +8450,803 @@
                 <a:ea typeface="HG創英角ｺﾞｼｯｸUB" panose="020B0909000000000000" pitchFamily="49" charset="-128"/>
                 <a:cs typeface="ADLaM Display" panose="020F0502020204030204" pitchFamily="2" charset="0"/>
               </a:rPr>
-              <a:t>リテラシー向上</a:t>
-            </a:r>
-            <a:endParaRPr lang="en-US" altLang="ja-JP" sz="6600" dirty="0">
-              <a:latin typeface="HG創英角ｺﾞｼｯｸUB" panose="020B0909000000000000" pitchFamily="49" charset="-128"/>
-              <a:ea typeface="HG創英角ｺﾞｼｯｸUB" panose="020B0909000000000000" pitchFamily="49" charset="-128"/>
-              <a:cs typeface="ADLaM Display" panose="020F0502020204030204" pitchFamily="2" charset="0"/>
-            </a:endParaRPr>
+              <a:t>技術性</a:t>
+            </a:r>
+            <a:endParaRPr lang="ja-JP" altLang="en-US" sz="6600" dirty="0"/>
+          </a:p>
+        </p:txBody>
+      </p:sp>
+      <p:sp>
+        <p:nvSpPr>
+          <p:cNvPr id="5" name="テキスト ボックス 4">
+            <a:extLst>
+              <a:ext uri="{FF2B5EF4-FFF2-40B4-BE49-F238E27FC236}">
+                <a16:creationId xmlns:a16="http://schemas.microsoft.com/office/drawing/2014/main" id="{DBCFC4A7-1E30-C488-C0CF-CA2808A4FD2A}"/>
+              </a:ext>
+            </a:extLst>
+          </p:cNvPr>
+          <p:cNvSpPr txBox="1"/>
+          <p:nvPr/>
+        </p:nvSpPr>
+        <p:spPr>
+          <a:xfrm>
+            <a:off x="803253" y="2367028"/>
+            <a:ext cx="7802136" cy="769441"/>
+          </a:xfrm>
+          <a:prstGeom prst="rect">
+            <a:avLst/>
+          </a:prstGeom>
+          <a:noFill/>
+        </p:spPr>
+        <p:txBody>
+          <a:bodyPr wrap="none" rtlCol="0">
+            <a:spAutoFit/>
+          </a:bodyPr>
+          <a:lstStyle/>
+          <a:p>
+            <a:r>
+              <a:rPr lang="en-US" altLang="ja-JP" sz="4400" b="1" dirty="0" err="1"/>
+              <a:t>Html,css,js,php</a:t>
+            </a:r>
+            <a:r>
+              <a:rPr lang="ja-JP" altLang="en-US" sz="4400" b="1" dirty="0"/>
+              <a:t>を用いて開発</a:t>
+            </a:r>
+            <a:endParaRPr kumimoji="1" lang="ja-JP" altLang="en-US" sz="4400" b="1" dirty="0"/>
+          </a:p>
+        </p:txBody>
+      </p:sp>
+      <p:sp>
+        <p:nvSpPr>
+          <p:cNvPr id="6" name="二等辺三角形 5">
+            <a:extLst>
+              <a:ext uri="{FF2B5EF4-FFF2-40B4-BE49-F238E27FC236}">
+                <a16:creationId xmlns:a16="http://schemas.microsoft.com/office/drawing/2014/main" id="{7937214E-41E0-C4CF-9FAC-ECC098480137}"/>
+              </a:ext>
+            </a:extLst>
+          </p:cNvPr>
+          <p:cNvSpPr/>
+          <p:nvPr/>
+        </p:nvSpPr>
+        <p:spPr>
+          <a:xfrm rot="16200000" flipV="1">
+            <a:off x="736455" y="4530685"/>
+            <a:ext cx="1113951" cy="750045"/>
+          </a:xfrm>
+          <a:prstGeom prst="triangle">
+            <a:avLst/>
+          </a:prstGeom>
+          <a:solidFill>
+            <a:schemeClr val="accent2">
+              <a:lumMod val="60000"/>
+              <a:lumOff val="40000"/>
+            </a:schemeClr>
+          </a:solidFill>
+          <a:ln>
+            <a:noFill/>
+          </a:ln>
+        </p:spPr>
+        <p:style>
+          <a:lnRef idx="2">
+            <a:schemeClr val="accent1">
+              <a:shade val="15000"/>
+            </a:schemeClr>
+          </a:lnRef>
+          <a:fillRef idx="1">
+            <a:schemeClr val="accent1"/>
+          </a:fillRef>
+          <a:effectRef idx="0">
+            <a:schemeClr val="accent1"/>
+          </a:effectRef>
+          <a:fontRef idx="minor">
+            <a:schemeClr val="lt1"/>
+          </a:fontRef>
+        </p:style>
+        <p:txBody>
+          <a:bodyPr rtlCol="0" anchor="ctr"/>
+          <a:lstStyle/>
+          <a:p>
+            <a:pPr algn="ctr"/>
+            <a:endParaRPr kumimoji="1" lang="ja-JP" altLang="en-US"/>
+          </a:p>
+        </p:txBody>
+      </p:sp>
+      <p:sp>
+        <p:nvSpPr>
+          <p:cNvPr id="8" name="テキスト ボックス 7">
+            <a:extLst>
+              <a:ext uri="{FF2B5EF4-FFF2-40B4-BE49-F238E27FC236}">
+                <a16:creationId xmlns:a16="http://schemas.microsoft.com/office/drawing/2014/main" id="{AEF805D8-F4D1-4673-0A75-17BD91FC409F}"/>
+              </a:ext>
+            </a:extLst>
+          </p:cNvPr>
+          <p:cNvSpPr txBox="1"/>
+          <p:nvPr/>
+        </p:nvSpPr>
+        <p:spPr>
+          <a:xfrm>
+            <a:off x="2073253" y="4348732"/>
+            <a:ext cx="9363461" cy="1200329"/>
+          </a:xfrm>
+          <a:prstGeom prst="rect">
+            <a:avLst/>
+          </a:prstGeom>
+          <a:noFill/>
+        </p:spPr>
+        <p:txBody>
+          <a:bodyPr wrap="none" rtlCol="0">
+            <a:spAutoFit/>
+          </a:bodyPr>
+          <a:lstStyle/>
+          <a:p>
+            <a:r>
+              <a:rPr lang="en-US" altLang="ja-JP" sz="7200" b="1" dirty="0"/>
+              <a:t>AI</a:t>
+            </a:r>
+            <a:r>
+              <a:rPr lang="ja-JP" altLang="en-US" sz="7200" b="1" dirty="0"/>
+              <a:t>とかには劣るけども</a:t>
+            </a:r>
+            <a:endParaRPr kumimoji="1" lang="ja-JP" altLang="en-US" sz="7200" b="1" dirty="0"/>
           </a:p>
         </p:txBody>
       </p:sp>
     </p:spTree>
     <p:extLst>
       <p:ext uri="{BB962C8B-B14F-4D97-AF65-F5344CB8AC3E}">
-        <p14:creationId xmlns:p14="http://schemas.microsoft.com/office/powerpoint/2010/main" val="1996313775"/>
+        <p14:creationId xmlns:p14="http://schemas.microsoft.com/office/powerpoint/2010/main" val="189059622"/>
+      </p:ext>
+    </p:extLst>
+  </p:cSld>
+  <p:clrMapOvr>
+    <a:masterClrMapping/>
+  </p:clrMapOvr>
+</p:sld>
+</file>
+
+<file path=ppt/slides/slide18.xml><?xml version="1.0" encoding="utf-8"?>
+<p:sld xmlns:a="http://schemas.openxmlformats.org/drawingml/2006/main" xmlns:r="http://schemas.openxmlformats.org/officeDocument/2006/relationships" xmlns:p="http://schemas.openxmlformats.org/presentationml/2006/main">
+  <p:cSld>
+    <p:spTree>
+      <p:nvGrpSpPr>
+        <p:cNvPr id="1" name=""/>
+        <p:cNvGrpSpPr/>
+        <p:nvPr/>
+      </p:nvGrpSpPr>
+      <p:grpSpPr>
+        <a:xfrm>
+          <a:off x="0" y="0"/>
+          <a:ext cx="0" cy="0"/>
+          <a:chOff x="0" y="0"/>
+          <a:chExt cx="0" cy="0"/>
+        </a:xfrm>
+      </p:grpSpPr>
+      <p:cxnSp>
+        <p:nvCxnSpPr>
+          <p:cNvPr id="4" name="直線コネクタ 3">
+            <a:extLst>
+              <a:ext uri="{FF2B5EF4-FFF2-40B4-BE49-F238E27FC236}">
+                <a16:creationId xmlns:a16="http://schemas.microsoft.com/office/drawing/2014/main" id="{31AFCFC9-C202-9051-0E3F-A9E20191B047}"/>
+              </a:ext>
+            </a:extLst>
+          </p:cNvPr>
+          <p:cNvCxnSpPr>
+            <a:cxnSpLocks/>
+          </p:cNvCxnSpPr>
+          <p:nvPr/>
+        </p:nvCxnSpPr>
+        <p:spPr>
+          <a:xfrm>
+            <a:off x="283464" y="1316736"/>
+            <a:ext cx="11649456" cy="0"/>
+          </a:xfrm>
+          <a:prstGeom prst="line">
+            <a:avLst/>
+          </a:prstGeom>
+          <a:ln w="69850">
+            <a:solidFill>
+              <a:srgbClr val="FF0000"/>
+            </a:solidFill>
+          </a:ln>
+        </p:spPr>
+        <p:style>
+          <a:lnRef idx="1">
+            <a:schemeClr val="accent1"/>
+          </a:lnRef>
+          <a:fillRef idx="0">
+            <a:schemeClr val="accent1"/>
+          </a:fillRef>
+          <a:effectRef idx="0">
+            <a:schemeClr val="accent1"/>
+          </a:effectRef>
+          <a:fontRef idx="minor">
+            <a:schemeClr val="tx1"/>
+          </a:fontRef>
+        </p:style>
+      </p:cxnSp>
+      <p:sp>
+        <p:nvSpPr>
+          <p:cNvPr id="7" name="テキスト ボックス 6">
+            <a:extLst>
+              <a:ext uri="{FF2B5EF4-FFF2-40B4-BE49-F238E27FC236}">
+                <a16:creationId xmlns:a16="http://schemas.microsoft.com/office/drawing/2014/main" id="{C6C5EB3A-FB63-FB5A-8B3F-738C6106B5DC}"/>
+              </a:ext>
+            </a:extLst>
+          </p:cNvPr>
+          <p:cNvSpPr txBox="1"/>
+          <p:nvPr/>
+        </p:nvSpPr>
+        <p:spPr>
+          <a:xfrm>
+            <a:off x="10927080" y="929116"/>
+            <a:ext cx="1107996" cy="369332"/>
+          </a:xfrm>
+          <a:prstGeom prst="rect">
+            <a:avLst/>
+          </a:prstGeom>
+          <a:noFill/>
+        </p:spPr>
+        <p:txBody>
+          <a:bodyPr wrap="none" rtlCol="0">
+            <a:spAutoFit/>
+          </a:bodyPr>
+          <a:lstStyle/>
+          <a:p>
+            <a:r>
+              <a:rPr kumimoji="1" lang="ja-JP" altLang="en-US" dirty="0">
+                <a:solidFill>
+                  <a:srgbClr val="FF0000"/>
+                </a:solidFill>
+                <a:latin typeface="HG創英角ｺﾞｼｯｸUB" panose="020B0909000000000000" pitchFamily="49" charset="-128"/>
+                <a:ea typeface="HG創英角ｺﾞｼｯｸUB" panose="020B0909000000000000" pitchFamily="49" charset="-128"/>
+                <a:cs typeface="ADLaM Display" panose="020F0502020204030204" pitchFamily="2" charset="0"/>
+              </a:rPr>
+              <a:t>ホネット</a:t>
+            </a:r>
+          </a:p>
+        </p:txBody>
+      </p:sp>
+      <p:sp>
+        <p:nvSpPr>
+          <p:cNvPr id="3" name="テキスト ボックス 2">
+            <a:extLst>
+              <a:ext uri="{FF2B5EF4-FFF2-40B4-BE49-F238E27FC236}">
+                <a16:creationId xmlns:a16="http://schemas.microsoft.com/office/drawing/2014/main" id="{1E10F84D-2AEE-2AAC-9CFE-30DFD15F7C74}"/>
+              </a:ext>
+            </a:extLst>
+          </p:cNvPr>
+          <p:cNvSpPr txBox="1"/>
+          <p:nvPr/>
+        </p:nvSpPr>
+        <p:spPr>
+          <a:xfrm>
+            <a:off x="283464" y="108734"/>
+            <a:ext cx="2769979" cy="1107996"/>
+          </a:xfrm>
+          <a:prstGeom prst="rect">
+            <a:avLst/>
+          </a:prstGeom>
+          <a:noFill/>
+        </p:spPr>
+        <p:txBody>
+          <a:bodyPr wrap="square">
+            <a:spAutoFit/>
+          </a:bodyPr>
+          <a:lstStyle/>
+          <a:p>
+            <a:r>
+              <a:rPr lang="ja-JP" altLang="en-US" sz="6600" dirty="0">
+                <a:latin typeface="HG創英角ｺﾞｼｯｸUB" panose="020B0909000000000000" pitchFamily="49" charset="-128"/>
+                <a:ea typeface="HG創英角ｺﾞｼｯｸUB" panose="020B0909000000000000" pitchFamily="49" charset="-128"/>
+                <a:cs typeface="ADLaM Display" panose="020F0502020204030204" pitchFamily="2" charset="0"/>
+              </a:rPr>
+              <a:t>発展性</a:t>
+            </a:r>
+            <a:endParaRPr lang="ja-JP" altLang="en-US" sz="6600" dirty="0"/>
+          </a:p>
+        </p:txBody>
+      </p:sp>
+      <p:sp>
+        <p:nvSpPr>
+          <p:cNvPr id="2" name="テキスト ボックス 1">
+            <a:extLst>
+              <a:ext uri="{FF2B5EF4-FFF2-40B4-BE49-F238E27FC236}">
+                <a16:creationId xmlns:a16="http://schemas.microsoft.com/office/drawing/2014/main" id="{BDC13968-DC8A-D49E-AAF2-44B57BD9AEBD}"/>
+              </a:ext>
+            </a:extLst>
+          </p:cNvPr>
+          <p:cNvSpPr txBox="1"/>
+          <p:nvPr/>
+        </p:nvSpPr>
+        <p:spPr>
+          <a:xfrm>
+            <a:off x="384048" y="1599644"/>
+            <a:ext cx="9052560" cy="1107996"/>
+          </a:xfrm>
+          <a:prstGeom prst="rect">
+            <a:avLst/>
+          </a:prstGeom>
+          <a:noFill/>
+        </p:spPr>
+        <p:txBody>
+          <a:bodyPr wrap="square">
+            <a:spAutoFit/>
+          </a:bodyPr>
+          <a:lstStyle/>
+          <a:p>
+            <a:r>
+              <a:rPr lang="en-US" altLang="ja-JP" sz="6600" dirty="0">
+                <a:latin typeface="HG創英角ｺﾞｼｯｸUB" panose="020B0909000000000000" pitchFamily="49" charset="-128"/>
+                <a:ea typeface="HG創英角ｺﾞｼｯｸUB" panose="020B0909000000000000" pitchFamily="49" charset="-128"/>
+                <a:cs typeface="ADLaM Display" panose="020F0502020204030204" pitchFamily="2" charset="0"/>
+              </a:rPr>
+              <a:t>SNS</a:t>
+            </a:r>
+            <a:r>
+              <a:rPr lang="ja-JP" altLang="en-US" sz="6600" dirty="0">
+                <a:latin typeface="HG創英角ｺﾞｼｯｸUB" panose="020B0909000000000000" pitchFamily="49" charset="-128"/>
+                <a:ea typeface="HG創英角ｺﾞｼｯｸUB" panose="020B0909000000000000" pitchFamily="49" charset="-128"/>
+                <a:cs typeface="ADLaM Display" panose="020F0502020204030204" pitchFamily="2" charset="0"/>
+              </a:rPr>
+              <a:t>のルール・・・</a:t>
+            </a:r>
+            <a:r>
+              <a:rPr lang="en-US" altLang="ja-JP" sz="6600" dirty="0">
+                <a:latin typeface="HG創英角ｺﾞｼｯｸUB" panose="020B0909000000000000" pitchFamily="49" charset="-128"/>
+                <a:ea typeface="HG創英角ｺﾞｼｯｸUB" panose="020B0909000000000000" pitchFamily="49" charset="-128"/>
+                <a:cs typeface="ADLaM Display" panose="020F0502020204030204" pitchFamily="2" charset="0"/>
+              </a:rPr>
+              <a:t>44%</a:t>
+            </a:r>
+            <a:endParaRPr lang="ja-JP" altLang="en-US" sz="6600" dirty="0"/>
+          </a:p>
+        </p:txBody>
+      </p:sp>
+      <p:sp>
+        <p:nvSpPr>
+          <p:cNvPr id="5" name="テキスト ボックス 4">
+            <a:extLst>
+              <a:ext uri="{FF2B5EF4-FFF2-40B4-BE49-F238E27FC236}">
+                <a16:creationId xmlns:a16="http://schemas.microsoft.com/office/drawing/2014/main" id="{64A1A05E-0821-DC9B-2691-A7F76AE354F7}"/>
+              </a:ext>
+            </a:extLst>
+          </p:cNvPr>
+          <p:cNvSpPr txBox="1"/>
+          <p:nvPr/>
+        </p:nvSpPr>
+        <p:spPr>
+          <a:xfrm>
+            <a:off x="384048" y="3072384"/>
+            <a:ext cx="10259568" cy="1107996"/>
+          </a:xfrm>
+          <a:prstGeom prst="rect">
+            <a:avLst/>
+          </a:prstGeom>
+          <a:noFill/>
+        </p:spPr>
+        <p:txBody>
+          <a:bodyPr wrap="square">
+            <a:spAutoFit/>
+          </a:bodyPr>
+          <a:lstStyle/>
+          <a:p>
+            <a:r>
+              <a:rPr lang="ja-JP" altLang="en-US" sz="6600" dirty="0">
+                <a:latin typeface="HG創英角ｺﾞｼｯｸUB" panose="020B0909000000000000" pitchFamily="49" charset="-128"/>
+                <a:ea typeface="HG創英角ｺﾞｼｯｸUB" panose="020B0909000000000000" pitchFamily="49" charset="-128"/>
+                <a:cs typeface="ADLaM Display" panose="020F0502020204030204" pitchFamily="2" charset="0"/>
+              </a:rPr>
+              <a:t>不適切投稿防止・・・</a:t>
+            </a:r>
+            <a:r>
+              <a:rPr lang="en-US" altLang="ja-JP" sz="6600" dirty="0">
+                <a:latin typeface="HG創英角ｺﾞｼｯｸUB" panose="020B0909000000000000" pitchFamily="49" charset="-128"/>
+                <a:ea typeface="HG創英角ｺﾞｼｯｸUB" panose="020B0909000000000000" pitchFamily="49" charset="-128"/>
+                <a:cs typeface="ADLaM Display" panose="020F0502020204030204" pitchFamily="2" charset="0"/>
+              </a:rPr>
+              <a:t>70%</a:t>
+            </a:r>
+            <a:endParaRPr lang="ja-JP" altLang="en-US" sz="6600" dirty="0"/>
+          </a:p>
+        </p:txBody>
+      </p:sp>
+      <p:sp>
+        <p:nvSpPr>
+          <p:cNvPr id="6" name="二等辺三角形 5">
+            <a:extLst>
+              <a:ext uri="{FF2B5EF4-FFF2-40B4-BE49-F238E27FC236}">
+                <a16:creationId xmlns:a16="http://schemas.microsoft.com/office/drawing/2014/main" id="{45EA24DD-B79F-2510-777E-FFAD7E87FC3D}"/>
+              </a:ext>
+            </a:extLst>
+          </p:cNvPr>
+          <p:cNvSpPr/>
+          <p:nvPr/>
+        </p:nvSpPr>
+        <p:spPr>
+          <a:xfrm rot="16200000" flipV="1">
+            <a:off x="502775" y="4727077"/>
+            <a:ext cx="1113951" cy="750045"/>
+          </a:xfrm>
+          <a:prstGeom prst="triangle">
+            <a:avLst/>
+          </a:prstGeom>
+          <a:solidFill>
+            <a:schemeClr val="accent2">
+              <a:lumMod val="60000"/>
+              <a:lumOff val="40000"/>
+            </a:schemeClr>
+          </a:solidFill>
+          <a:ln>
+            <a:noFill/>
+          </a:ln>
+        </p:spPr>
+        <p:style>
+          <a:lnRef idx="2">
+            <a:schemeClr val="accent1">
+              <a:shade val="15000"/>
+            </a:schemeClr>
+          </a:lnRef>
+          <a:fillRef idx="1">
+            <a:schemeClr val="accent1"/>
+          </a:fillRef>
+          <a:effectRef idx="0">
+            <a:schemeClr val="accent1"/>
+          </a:effectRef>
+          <a:fontRef idx="minor">
+            <a:schemeClr val="lt1"/>
+          </a:fontRef>
+        </p:style>
+        <p:txBody>
+          <a:bodyPr rtlCol="0" anchor="ctr"/>
+          <a:lstStyle/>
+          <a:p>
+            <a:pPr algn="ctr"/>
+            <a:endParaRPr kumimoji="1" lang="ja-JP" altLang="en-US"/>
+          </a:p>
+        </p:txBody>
+      </p:sp>
+      <p:sp>
+        <p:nvSpPr>
+          <p:cNvPr id="8" name="テキスト ボックス 7">
+            <a:extLst>
+              <a:ext uri="{FF2B5EF4-FFF2-40B4-BE49-F238E27FC236}">
+                <a16:creationId xmlns:a16="http://schemas.microsoft.com/office/drawing/2014/main" id="{DAA7ABF3-D7DB-8188-8FF3-09C3DB8061B4}"/>
+              </a:ext>
+            </a:extLst>
+          </p:cNvPr>
+          <p:cNvSpPr txBox="1"/>
+          <p:nvPr/>
+        </p:nvSpPr>
+        <p:spPr>
+          <a:xfrm>
+            <a:off x="1776984" y="4551079"/>
+            <a:ext cx="9876536" cy="1107996"/>
+          </a:xfrm>
+          <a:prstGeom prst="rect">
+            <a:avLst/>
+          </a:prstGeom>
+          <a:noFill/>
+        </p:spPr>
+        <p:txBody>
+          <a:bodyPr wrap="square">
+            <a:spAutoFit/>
+          </a:bodyPr>
+          <a:lstStyle/>
+          <a:p>
+            <a:r>
+              <a:rPr lang="en-US" altLang="ja-JP" sz="6600" dirty="0">
+                <a:latin typeface="HG創英角ｺﾞｼｯｸUB" panose="020B0909000000000000" pitchFamily="49" charset="-128"/>
+                <a:ea typeface="HG創英角ｺﾞｼｯｸUB" panose="020B0909000000000000" pitchFamily="49" charset="-128"/>
+                <a:cs typeface="ADLaM Display" panose="020F0502020204030204" pitchFamily="2" charset="0"/>
+              </a:rPr>
+              <a:t>SNS</a:t>
+            </a:r>
+            <a:r>
+              <a:rPr lang="ja-JP" altLang="en-US" sz="6600" dirty="0">
+                <a:latin typeface="HG創英角ｺﾞｼｯｸUB" panose="020B0909000000000000" pitchFamily="49" charset="-128"/>
+                <a:ea typeface="HG創英角ｺﾞｼｯｸUB" panose="020B0909000000000000" pitchFamily="49" charset="-128"/>
+                <a:cs typeface="ADLaM Display" panose="020F0502020204030204" pitchFamily="2" charset="0"/>
+              </a:rPr>
+              <a:t>教育目的で学校に導入</a:t>
+            </a:r>
+            <a:endParaRPr lang="ja-JP" altLang="en-US" sz="6600" dirty="0"/>
+          </a:p>
+        </p:txBody>
+      </p:sp>
+    </p:spTree>
+    <p:extLst>
+      <p:ext uri="{BB962C8B-B14F-4D97-AF65-F5344CB8AC3E}">
+        <p14:creationId xmlns:p14="http://schemas.microsoft.com/office/powerpoint/2010/main" val="4205551405"/>
+      </p:ext>
+    </p:extLst>
+  </p:cSld>
+  <p:clrMapOvr>
+    <a:masterClrMapping/>
+  </p:clrMapOvr>
+</p:sld>
+</file>
+
+<file path=ppt/slides/slide19.xml><?xml version="1.0" encoding="utf-8"?>
+<p:sld xmlns:a="http://schemas.openxmlformats.org/drawingml/2006/main" xmlns:r="http://schemas.openxmlformats.org/officeDocument/2006/relationships" xmlns:p="http://schemas.openxmlformats.org/presentationml/2006/main">
+  <p:cSld>
+    <p:spTree>
+      <p:nvGrpSpPr>
+        <p:cNvPr id="1" name=""/>
+        <p:cNvGrpSpPr/>
+        <p:nvPr/>
+      </p:nvGrpSpPr>
+      <p:grpSpPr>
+        <a:xfrm>
+          <a:off x="0" y="0"/>
+          <a:ext cx="0" cy="0"/>
+          <a:chOff x="0" y="0"/>
+          <a:chExt cx="0" cy="0"/>
+        </a:xfrm>
+      </p:grpSpPr>
+      <p:cxnSp>
+        <p:nvCxnSpPr>
+          <p:cNvPr id="4" name="直線コネクタ 3">
+            <a:extLst>
+              <a:ext uri="{FF2B5EF4-FFF2-40B4-BE49-F238E27FC236}">
+                <a16:creationId xmlns:a16="http://schemas.microsoft.com/office/drawing/2014/main" id="{31AFCFC9-C202-9051-0E3F-A9E20191B047}"/>
+              </a:ext>
+            </a:extLst>
+          </p:cNvPr>
+          <p:cNvCxnSpPr>
+            <a:cxnSpLocks/>
+          </p:cNvCxnSpPr>
+          <p:nvPr/>
+        </p:nvCxnSpPr>
+        <p:spPr>
+          <a:xfrm>
+            <a:off x="283464" y="1316736"/>
+            <a:ext cx="11649456" cy="0"/>
+          </a:xfrm>
+          <a:prstGeom prst="line">
+            <a:avLst/>
+          </a:prstGeom>
+          <a:ln w="69850">
+            <a:solidFill>
+              <a:srgbClr val="FF0000"/>
+            </a:solidFill>
+          </a:ln>
+        </p:spPr>
+        <p:style>
+          <a:lnRef idx="1">
+            <a:schemeClr val="accent1"/>
+          </a:lnRef>
+          <a:fillRef idx="0">
+            <a:schemeClr val="accent1"/>
+          </a:fillRef>
+          <a:effectRef idx="0">
+            <a:schemeClr val="accent1"/>
+          </a:effectRef>
+          <a:fontRef idx="minor">
+            <a:schemeClr val="tx1"/>
+          </a:fontRef>
+        </p:style>
+      </p:cxnSp>
+      <p:sp>
+        <p:nvSpPr>
+          <p:cNvPr id="7" name="テキスト ボックス 6">
+            <a:extLst>
+              <a:ext uri="{FF2B5EF4-FFF2-40B4-BE49-F238E27FC236}">
+                <a16:creationId xmlns:a16="http://schemas.microsoft.com/office/drawing/2014/main" id="{C6C5EB3A-FB63-FB5A-8B3F-738C6106B5DC}"/>
+              </a:ext>
+            </a:extLst>
+          </p:cNvPr>
+          <p:cNvSpPr txBox="1"/>
+          <p:nvPr/>
+        </p:nvSpPr>
+        <p:spPr>
+          <a:xfrm>
+            <a:off x="10927080" y="929116"/>
+            <a:ext cx="1107996" cy="369332"/>
+          </a:xfrm>
+          <a:prstGeom prst="rect">
+            <a:avLst/>
+          </a:prstGeom>
+          <a:noFill/>
+        </p:spPr>
+        <p:txBody>
+          <a:bodyPr wrap="none" rtlCol="0">
+            <a:spAutoFit/>
+          </a:bodyPr>
+          <a:lstStyle/>
+          <a:p>
+            <a:r>
+              <a:rPr kumimoji="1" lang="ja-JP" altLang="en-US" dirty="0">
+                <a:solidFill>
+                  <a:srgbClr val="FF0000"/>
+                </a:solidFill>
+                <a:latin typeface="HG創英角ｺﾞｼｯｸUB" panose="020B0909000000000000" pitchFamily="49" charset="-128"/>
+                <a:ea typeface="HG創英角ｺﾞｼｯｸUB" panose="020B0909000000000000" pitchFamily="49" charset="-128"/>
+                <a:cs typeface="ADLaM Display" panose="020F0502020204030204" pitchFamily="2" charset="0"/>
+              </a:rPr>
+              <a:t>ホネット</a:t>
+            </a:r>
+          </a:p>
+        </p:txBody>
+      </p:sp>
+      <p:sp>
+        <p:nvSpPr>
+          <p:cNvPr id="3" name="テキスト ボックス 2">
+            <a:extLst>
+              <a:ext uri="{FF2B5EF4-FFF2-40B4-BE49-F238E27FC236}">
+                <a16:creationId xmlns:a16="http://schemas.microsoft.com/office/drawing/2014/main" id="{1E10F84D-2AEE-2AAC-9CFE-30DFD15F7C74}"/>
+              </a:ext>
+            </a:extLst>
+          </p:cNvPr>
+          <p:cNvSpPr txBox="1"/>
+          <p:nvPr/>
+        </p:nvSpPr>
+        <p:spPr>
+          <a:xfrm>
+            <a:off x="283464" y="108734"/>
+            <a:ext cx="2769979" cy="1107996"/>
+          </a:xfrm>
+          <a:prstGeom prst="rect">
+            <a:avLst/>
+          </a:prstGeom>
+          <a:noFill/>
+        </p:spPr>
+        <p:txBody>
+          <a:bodyPr wrap="square">
+            <a:spAutoFit/>
+          </a:bodyPr>
+          <a:lstStyle/>
+          <a:p>
+            <a:r>
+              <a:rPr lang="ja-JP" altLang="en-US" sz="6600" dirty="0">
+                <a:latin typeface="HG創英角ｺﾞｼｯｸUB" panose="020B0909000000000000" pitchFamily="49" charset="-128"/>
+                <a:ea typeface="HG創英角ｺﾞｼｯｸUB" panose="020B0909000000000000" pitchFamily="49" charset="-128"/>
+                <a:cs typeface="ADLaM Display" panose="020F0502020204030204" pitchFamily="2" charset="0"/>
+              </a:rPr>
+              <a:t>発展性</a:t>
+            </a:r>
+            <a:endParaRPr lang="ja-JP" altLang="en-US" sz="6600" dirty="0"/>
+          </a:p>
+        </p:txBody>
+      </p:sp>
+      <p:sp>
+        <p:nvSpPr>
+          <p:cNvPr id="2" name="テキスト ボックス 1">
+            <a:extLst>
+              <a:ext uri="{FF2B5EF4-FFF2-40B4-BE49-F238E27FC236}">
+                <a16:creationId xmlns:a16="http://schemas.microsoft.com/office/drawing/2014/main" id="{BDC13968-DC8A-D49E-AAF2-44B57BD9AEBD}"/>
+              </a:ext>
+            </a:extLst>
+          </p:cNvPr>
+          <p:cNvSpPr txBox="1"/>
+          <p:nvPr/>
+        </p:nvSpPr>
+        <p:spPr>
+          <a:xfrm>
+            <a:off x="271272" y="2276925"/>
+            <a:ext cx="11649456" cy="1107996"/>
+          </a:xfrm>
+          <a:prstGeom prst="rect">
+            <a:avLst/>
+          </a:prstGeom>
+          <a:noFill/>
+        </p:spPr>
+        <p:txBody>
+          <a:bodyPr wrap="square">
+            <a:spAutoFit/>
+          </a:bodyPr>
+          <a:lstStyle/>
+          <a:p>
+            <a:r>
+              <a:rPr lang="ja-JP" altLang="en-US" sz="6600" dirty="0">
+                <a:latin typeface="HG創英角ｺﾞｼｯｸUB" panose="020B0909000000000000" pitchFamily="49" charset="-128"/>
+                <a:ea typeface="HG創英角ｺﾞｼｯｸUB" panose="020B0909000000000000" pitchFamily="49" charset="-128"/>
+                <a:cs typeface="ADLaM Display" panose="020F0502020204030204" pitchFamily="2" charset="0"/>
+              </a:rPr>
+              <a:t>「炎上体験」過激なタイトル</a:t>
+            </a:r>
+            <a:endParaRPr lang="ja-JP" altLang="en-US" sz="6600" dirty="0"/>
+          </a:p>
+        </p:txBody>
+      </p:sp>
+      <p:sp>
+        <p:nvSpPr>
+          <p:cNvPr id="6" name="二等辺三角形 5">
+            <a:extLst>
+              <a:ext uri="{FF2B5EF4-FFF2-40B4-BE49-F238E27FC236}">
+                <a16:creationId xmlns:a16="http://schemas.microsoft.com/office/drawing/2014/main" id="{45EA24DD-B79F-2510-777E-FFAD7E87FC3D}"/>
+              </a:ext>
+            </a:extLst>
+          </p:cNvPr>
+          <p:cNvSpPr/>
+          <p:nvPr/>
+        </p:nvSpPr>
+        <p:spPr>
+          <a:xfrm rot="16200000" flipV="1">
+            <a:off x="502775" y="4727077"/>
+            <a:ext cx="1113951" cy="750045"/>
+          </a:xfrm>
+          <a:prstGeom prst="triangle">
+            <a:avLst/>
+          </a:prstGeom>
+          <a:solidFill>
+            <a:schemeClr val="accent2">
+              <a:lumMod val="60000"/>
+              <a:lumOff val="40000"/>
+            </a:schemeClr>
+          </a:solidFill>
+          <a:ln>
+            <a:noFill/>
+          </a:ln>
+        </p:spPr>
+        <p:style>
+          <a:lnRef idx="2">
+            <a:schemeClr val="accent1">
+              <a:shade val="15000"/>
+            </a:schemeClr>
+          </a:lnRef>
+          <a:fillRef idx="1">
+            <a:schemeClr val="accent1"/>
+          </a:fillRef>
+          <a:effectRef idx="0">
+            <a:schemeClr val="accent1"/>
+          </a:effectRef>
+          <a:fontRef idx="minor">
+            <a:schemeClr val="lt1"/>
+          </a:fontRef>
+        </p:style>
+        <p:txBody>
+          <a:bodyPr rtlCol="0" anchor="ctr"/>
+          <a:lstStyle/>
+          <a:p>
+            <a:pPr algn="ctr"/>
+            <a:endParaRPr kumimoji="1" lang="ja-JP" altLang="en-US"/>
+          </a:p>
+        </p:txBody>
+      </p:sp>
+      <p:sp>
+        <p:nvSpPr>
+          <p:cNvPr id="8" name="テキスト ボックス 7">
+            <a:extLst>
+              <a:ext uri="{FF2B5EF4-FFF2-40B4-BE49-F238E27FC236}">
+                <a16:creationId xmlns:a16="http://schemas.microsoft.com/office/drawing/2014/main" id="{DAA7ABF3-D7DB-8188-8FF3-09C3DB8061B4}"/>
+              </a:ext>
+            </a:extLst>
+          </p:cNvPr>
+          <p:cNvSpPr txBox="1"/>
+          <p:nvPr/>
+        </p:nvSpPr>
+        <p:spPr>
+          <a:xfrm>
+            <a:off x="1776984" y="4551079"/>
+            <a:ext cx="8769096" cy="1107996"/>
+          </a:xfrm>
+          <a:prstGeom prst="rect">
+            <a:avLst/>
+          </a:prstGeom>
+          <a:noFill/>
+        </p:spPr>
+        <p:txBody>
+          <a:bodyPr wrap="square">
+            <a:spAutoFit/>
+          </a:bodyPr>
+          <a:lstStyle/>
+          <a:p>
+            <a:r>
+              <a:rPr lang="ja-JP" altLang="en-US" sz="6600" dirty="0">
+                <a:latin typeface="HG創英角ｺﾞｼｯｸUB" panose="020B0909000000000000" pitchFamily="49" charset="-128"/>
+                <a:ea typeface="HG創英角ｺﾞｼｯｸUB" panose="020B0909000000000000" pitchFamily="49" charset="-128"/>
+                <a:cs typeface="ADLaM Display" panose="020F0502020204030204" pitchFamily="2" charset="0"/>
+              </a:rPr>
+              <a:t>ワンチャンバズるかも</a:t>
+            </a:r>
+            <a:endParaRPr lang="ja-JP" altLang="en-US" sz="6600" dirty="0"/>
+          </a:p>
+        </p:txBody>
+      </p:sp>
+    </p:spTree>
+    <p:extLst>
+      <p:ext uri="{BB962C8B-B14F-4D97-AF65-F5344CB8AC3E}">
+        <p14:creationId xmlns:p14="http://schemas.microsoft.com/office/powerpoint/2010/main" val="3371109691"/>
       </p:ext>
     </p:extLst>
   </p:cSld>
@@ -6657,6 +9482,1942 @@
 </p:sld>
 </file>
 
+<file path=ppt/slides/slide20.xml><?xml version="1.0" encoding="utf-8"?>
+<p:sld xmlns:a="http://schemas.openxmlformats.org/drawingml/2006/main" xmlns:r="http://schemas.openxmlformats.org/officeDocument/2006/relationships" xmlns:p="http://schemas.openxmlformats.org/presentationml/2006/main">
+  <p:cSld>
+    <p:spTree>
+      <p:nvGrpSpPr>
+        <p:cNvPr id="1" name=""/>
+        <p:cNvGrpSpPr/>
+        <p:nvPr/>
+      </p:nvGrpSpPr>
+      <p:grpSpPr>
+        <a:xfrm>
+          <a:off x="0" y="0"/>
+          <a:ext cx="0" cy="0"/>
+          <a:chOff x="0" y="0"/>
+          <a:chExt cx="0" cy="0"/>
+        </a:xfrm>
+      </p:grpSpPr>
+      <p:cxnSp>
+        <p:nvCxnSpPr>
+          <p:cNvPr id="4" name="直線コネクタ 3">
+            <a:extLst>
+              <a:ext uri="{FF2B5EF4-FFF2-40B4-BE49-F238E27FC236}">
+                <a16:creationId xmlns:a16="http://schemas.microsoft.com/office/drawing/2014/main" id="{31AFCFC9-C202-9051-0E3F-A9E20191B047}"/>
+              </a:ext>
+            </a:extLst>
+          </p:cNvPr>
+          <p:cNvCxnSpPr>
+            <a:cxnSpLocks/>
+          </p:cNvCxnSpPr>
+          <p:nvPr/>
+        </p:nvCxnSpPr>
+        <p:spPr>
+          <a:xfrm>
+            <a:off x="283464" y="1316736"/>
+            <a:ext cx="11649456" cy="0"/>
+          </a:xfrm>
+          <a:prstGeom prst="line">
+            <a:avLst/>
+          </a:prstGeom>
+          <a:ln w="69850">
+            <a:solidFill>
+              <a:srgbClr val="FF0000"/>
+            </a:solidFill>
+          </a:ln>
+        </p:spPr>
+        <p:style>
+          <a:lnRef idx="1">
+            <a:schemeClr val="accent1"/>
+          </a:lnRef>
+          <a:fillRef idx="0">
+            <a:schemeClr val="accent1"/>
+          </a:fillRef>
+          <a:effectRef idx="0">
+            <a:schemeClr val="accent1"/>
+          </a:effectRef>
+          <a:fontRef idx="minor">
+            <a:schemeClr val="tx1"/>
+          </a:fontRef>
+        </p:style>
+      </p:cxnSp>
+      <p:sp>
+        <p:nvSpPr>
+          <p:cNvPr id="7" name="テキスト ボックス 6">
+            <a:extLst>
+              <a:ext uri="{FF2B5EF4-FFF2-40B4-BE49-F238E27FC236}">
+                <a16:creationId xmlns:a16="http://schemas.microsoft.com/office/drawing/2014/main" id="{C6C5EB3A-FB63-FB5A-8B3F-738C6106B5DC}"/>
+              </a:ext>
+            </a:extLst>
+          </p:cNvPr>
+          <p:cNvSpPr txBox="1"/>
+          <p:nvPr/>
+        </p:nvSpPr>
+        <p:spPr>
+          <a:xfrm>
+            <a:off x="10927080" y="929116"/>
+            <a:ext cx="1107996" cy="369332"/>
+          </a:xfrm>
+          <a:prstGeom prst="rect">
+            <a:avLst/>
+          </a:prstGeom>
+          <a:noFill/>
+        </p:spPr>
+        <p:txBody>
+          <a:bodyPr wrap="none" rtlCol="0">
+            <a:spAutoFit/>
+          </a:bodyPr>
+          <a:lstStyle/>
+          <a:p>
+            <a:r>
+              <a:rPr kumimoji="1" lang="ja-JP" altLang="en-US" dirty="0">
+                <a:solidFill>
+                  <a:srgbClr val="FF0000"/>
+                </a:solidFill>
+                <a:latin typeface="HG創英角ｺﾞｼｯｸUB" panose="020B0909000000000000" pitchFamily="49" charset="-128"/>
+                <a:ea typeface="HG創英角ｺﾞｼｯｸUB" panose="020B0909000000000000" pitchFamily="49" charset="-128"/>
+                <a:cs typeface="ADLaM Display" panose="020F0502020204030204" pitchFamily="2" charset="0"/>
+              </a:rPr>
+              <a:t>ホネット</a:t>
+            </a:r>
+          </a:p>
+        </p:txBody>
+      </p:sp>
+      <p:sp>
+        <p:nvSpPr>
+          <p:cNvPr id="3" name="テキスト ボックス 2">
+            <a:extLst>
+              <a:ext uri="{FF2B5EF4-FFF2-40B4-BE49-F238E27FC236}">
+                <a16:creationId xmlns:a16="http://schemas.microsoft.com/office/drawing/2014/main" id="{1E10F84D-2AEE-2AAC-9CFE-30DFD15F7C74}"/>
+              </a:ext>
+            </a:extLst>
+          </p:cNvPr>
+          <p:cNvSpPr txBox="1"/>
+          <p:nvPr/>
+        </p:nvSpPr>
+        <p:spPr>
+          <a:xfrm>
+            <a:off x="283464" y="108734"/>
+            <a:ext cx="2769979" cy="1107996"/>
+          </a:xfrm>
+          <a:prstGeom prst="rect">
+            <a:avLst/>
+          </a:prstGeom>
+          <a:noFill/>
+        </p:spPr>
+        <p:txBody>
+          <a:bodyPr wrap="square">
+            <a:spAutoFit/>
+          </a:bodyPr>
+          <a:lstStyle/>
+          <a:p>
+            <a:r>
+              <a:rPr lang="ja-JP" altLang="en-US" sz="6600" dirty="0">
+                <a:latin typeface="HG創英角ｺﾞｼｯｸUB" panose="020B0909000000000000" pitchFamily="49" charset="-128"/>
+                <a:ea typeface="HG創英角ｺﾞｼｯｸUB" panose="020B0909000000000000" pitchFamily="49" charset="-128"/>
+                <a:cs typeface="ADLaM Display" panose="020F0502020204030204" pitchFamily="2" charset="0"/>
+              </a:rPr>
+              <a:t>発展性</a:t>
+            </a:r>
+            <a:endParaRPr lang="ja-JP" altLang="en-US" sz="6600" dirty="0"/>
+          </a:p>
+        </p:txBody>
+      </p:sp>
+      <p:sp>
+        <p:nvSpPr>
+          <p:cNvPr id="2" name="テキスト ボックス 1">
+            <a:extLst>
+              <a:ext uri="{FF2B5EF4-FFF2-40B4-BE49-F238E27FC236}">
+                <a16:creationId xmlns:a16="http://schemas.microsoft.com/office/drawing/2014/main" id="{BDC13968-DC8A-D49E-AAF2-44B57BD9AEBD}"/>
+              </a:ext>
+            </a:extLst>
+          </p:cNvPr>
+          <p:cNvSpPr txBox="1"/>
+          <p:nvPr/>
+        </p:nvSpPr>
+        <p:spPr>
+          <a:xfrm>
+            <a:off x="6230112" y="1972125"/>
+            <a:ext cx="3853688" cy="1107996"/>
+          </a:xfrm>
+          <a:prstGeom prst="rect">
+            <a:avLst/>
+          </a:prstGeom>
+          <a:noFill/>
+        </p:spPr>
+        <p:txBody>
+          <a:bodyPr wrap="square">
+            <a:spAutoFit/>
+          </a:bodyPr>
+          <a:lstStyle/>
+          <a:p>
+            <a:r>
+              <a:rPr lang="ja-JP" altLang="en-US" sz="6600" dirty="0">
+                <a:latin typeface="HG創英角ｺﾞｼｯｸUB" panose="020B0909000000000000" pitchFamily="49" charset="-128"/>
+                <a:ea typeface="HG創英角ｺﾞｼｯｸUB" panose="020B0909000000000000" pitchFamily="49" charset="-128"/>
+                <a:cs typeface="ADLaM Display" panose="020F0502020204030204" pitchFamily="2" charset="0"/>
+              </a:rPr>
+              <a:t>選択のみ</a:t>
+            </a:r>
+            <a:endParaRPr lang="ja-JP" altLang="en-US" sz="6600" dirty="0"/>
+          </a:p>
+        </p:txBody>
+      </p:sp>
+      <p:pic>
+        <p:nvPicPr>
+          <p:cNvPr id="9" name="図 8">
+            <a:extLst>
+              <a:ext uri="{FF2B5EF4-FFF2-40B4-BE49-F238E27FC236}">
+                <a16:creationId xmlns:a16="http://schemas.microsoft.com/office/drawing/2014/main" id="{C6851C9F-2303-AE78-8329-CD057AE235BA}"/>
+              </a:ext>
+            </a:extLst>
+          </p:cNvPr>
+          <p:cNvPicPr>
+            <a:picLocks noChangeAspect="1"/>
+          </p:cNvPicPr>
+          <p:nvPr/>
+        </p:nvPicPr>
+        <p:blipFill>
+          <a:blip r:embed="rId3"/>
+          <a:stretch>
+            <a:fillRect/>
+          </a:stretch>
+        </p:blipFill>
+        <p:spPr>
+          <a:xfrm>
+            <a:off x="825418" y="1635760"/>
+            <a:ext cx="3474130" cy="4602480"/>
+          </a:xfrm>
+          <a:prstGeom prst="rect">
+            <a:avLst/>
+          </a:prstGeom>
+        </p:spPr>
+      </p:pic>
+      <p:sp>
+        <p:nvSpPr>
+          <p:cNvPr id="10" name="二等辺三角形 9">
+            <a:extLst>
+              <a:ext uri="{FF2B5EF4-FFF2-40B4-BE49-F238E27FC236}">
+                <a16:creationId xmlns:a16="http://schemas.microsoft.com/office/drawing/2014/main" id="{17582CF4-05DE-F183-BB13-9FD90DCBC33E}"/>
+              </a:ext>
+            </a:extLst>
+          </p:cNvPr>
+          <p:cNvSpPr/>
+          <p:nvPr/>
+        </p:nvSpPr>
+        <p:spPr>
+          <a:xfrm flipV="1">
+            <a:off x="7219460" y="3310792"/>
+            <a:ext cx="1536607" cy="849433"/>
+          </a:xfrm>
+          <a:prstGeom prst="triangle">
+            <a:avLst/>
+          </a:prstGeom>
+          <a:solidFill>
+            <a:schemeClr val="accent2">
+              <a:lumMod val="60000"/>
+              <a:lumOff val="40000"/>
+            </a:schemeClr>
+          </a:solidFill>
+          <a:ln>
+            <a:noFill/>
+          </a:ln>
+        </p:spPr>
+        <p:style>
+          <a:lnRef idx="2">
+            <a:schemeClr val="accent1">
+              <a:shade val="15000"/>
+            </a:schemeClr>
+          </a:lnRef>
+          <a:fillRef idx="1">
+            <a:schemeClr val="accent1"/>
+          </a:fillRef>
+          <a:effectRef idx="0">
+            <a:schemeClr val="accent1"/>
+          </a:effectRef>
+          <a:fontRef idx="minor">
+            <a:schemeClr val="lt1"/>
+          </a:fontRef>
+        </p:style>
+        <p:txBody>
+          <a:bodyPr rtlCol="0" anchor="ctr"/>
+          <a:lstStyle/>
+          <a:p>
+            <a:pPr algn="ctr"/>
+            <a:endParaRPr kumimoji="1" lang="ja-JP" altLang="en-US"/>
+          </a:p>
+        </p:txBody>
+      </p:sp>
+      <p:sp>
+        <p:nvSpPr>
+          <p:cNvPr id="11" name="テキスト ボックス 10">
+            <a:extLst>
+              <a:ext uri="{FF2B5EF4-FFF2-40B4-BE49-F238E27FC236}">
+                <a16:creationId xmlns:a16="http://schemas.microsoft.com/office/drawing/2014/main" id="{92FCE188-5843-252D-BC80-5E2ACAF8B6D1}"/>
+              </a:ext>
+            </a:extLst>
+          </p:cNvPr>
+          <p:cNvSpPr txBox="1"/>
+          <p:nvPr/>
+        </p:nvSpPr>
+        <p:spPr>
+          <a:xfrm>
+            <a:off x="5234090" y="4603565"/>
+            <a:ext cx="6368630" cy="1107996"/>
+          </a:xfrm>
+          <a:prstGeom prst="rect">
+            <a:avLst/>
+          </a:prstGeom>
+          <a:noFill/>
+        </p:spPr>
+        <p:txBody>
+          <a:bodyPr wrap="square">
+            <a:spAutoFit/>
+          </a:bodyPr>
+          <a:lstStyle/>
+          <a:p>
+            <a:r>
+              <a:rPr lang="ja-JP" altLang="en-US" sz="6600" dirty="0">
+                <a:latin typeface="HG創英角ｺﾞｼｯｸUB" panose="020B0909000000000000" pitchFamily="49" charset="-128"/>
+                <a:ea typeface="HG創英角ｺﾞｼｯｸUB" panose="020B0909000000000000" pitchFamily="49" charset="-128"/>
+                <a:cs typeface="ADLaM Display" panose="020F0502020204030204" pitchFamily="2" charset="0"/>
+              </a:rPr>
+              <a:t>書き込みの投稿</a:t>
+            </a:r>
+            <a:endParaRPr lang="ja-JP" altLang="en-US" sz="6600" dirty="0"/>
+          </a:p>
+        </p:txBody>
+      </p:sp>
+    </p:spTree>
+    <p:extLst>
+      <p:ext uri="{BB962C8B-B14F-4D97-AF65-F5344CB8AC3E}">
+        <p14:creationId xmlns:p14="http://schemas.microsoft.com/office/powerpoint/2010/main" val="207925834"/>
+      </p:ext>
+    </p:extLst>
+  </p:cSld>
+  <p:clrMapOvr>
+    <a:masterClrMapping/>
+  </p:clrMapOvr>
+</p:sld>
+</file>
+
+<file path=ppt/slides/slide21.xml><?xml version="1.0" encoding="utf-8"?>
+<p:sld xmlns:a="http://schemas.openxmlformats.org/drawingml/2006/main" xmlns:r="http://schemas.openxmlformats.org/officeDocument/2006/relationships" xmlns:p="http://schemas.openxmlformats.org/presentationml/2006/main">
+  <p:cSld>
+    <p:spTree>
+      <p:nvGrpSpPr>
+        <p:cNvPr id="1" name=""/>
+        <p:cNvGrpSpPr/>
+        <p:nvPr/>
+      </p:nvGrpSpPr>
+      <p:grpSpPr>
+        <a:xfrm>
+          <a:off x="0" y="0"/>
+          <a:ext cx="0" cy="0"/>
+          <a:chOff x="0" y="0"/>
+          <a:chExt cx="0" cy="0"/>
+        </a:xfrm>
+      </p:grpSpPr>
+      <p:cxnSp>
+        <p:nvCxnSpPr>
+          <p:cNvPr id="4" name="直線コネクタ 3">
+            <a:extLst>
+              <a:ext uri="{FF2B5EF4-FFF2-40B4-BE49-F238E27FC236}">
+                <a16:creationId xmlns:a16="http://schemas.microsoft.com/office/drawing/2014/main" id="{31AFCFC9-C202-9051-0E3F-A9E20191B047}"/>
+              </a:ext>
+            </a:extLst>
+          </p:cNvPr>
+          <p:cNvCxnSpPr>
+            <a:cxnSpLocks/>
+          </p:cNvCxnSpPr>
+          <p:nvPr/>
+        </p:nvCxnSpPr>
+        <p:spPr>
+          <a:xfrm>
+            <a:off x="283464" y="1316736"/>
+            <a:ext cx="11649456" cy="0"/>
+          </a:xfrm>
+          <a:prstGeom prst="line">
+            <a:avLst/>
+          </a:prstGeom>
+          <a:ln w="69850">
+            <a:solidFill>
+              <a:srgbClr val="FF0000"/>
+            </a:solidFill>
+          </a:ln>
+        </p:spPr>
+        <p:style>
+          <a:lnRef idx="1">
+            <a:schemeClr val="accent1"/>
+          </a:lnRef>
+          <a:fillRef idx="0">
+            <a:schemeClr val="accent1"/>
+          </a:fillRef>
+          <a:effectRef idx="0">
+            <a:schemeClr val="accent1"/>
+          </a:effectRef>
+          <a:fontRef idx="minor">
+            <a:schemeClr val="tx1"/>
+          </a:fontRef>
+        </p:style>
+      </p:cxnSp>
+      <p:sp>
+        <p:nvSpPr>
+          <p:cNvPr id="7" name="テキスト ボックス 6">
+            <a:extLst>
+              <a:ext uri="{FF2B5EF4-FFF2-40B4-BE49-F238E27FC236}">
+                <a16:creationId xmlns:a16="http://schemas.microsoft.com/office/drawing/2014/main" id="{C6C5EB3A-FB63-FB5A-8B3F-738C6106B5DC}"/>
+              </a:ext>
+            </a:extLst>
+          </p:cNvPr>
+          <p:cNvSpPr txBox="1"/>
+          <p:nvPr/>
+        </p:nvSpPr>
+        <p:spPr>
+          <a:xfrm>
+            <a:off x="10927080" y="929116"/>
+            <a:ext cx="1107996" cy="369332"/>
+          </a:xfrm>
+          <a:prstGeom prst="rect">
+            <a:avLst/>
+          </a:prstGeom>
+          <a:noFill/>
+        </p:spPr>
+        <p:txBody>
+          <a:bodyPr wrap="none" rtlCol="0">
+            <a:spAutoFit/>
+          </a:bodyPr>
+          <a:lstStyle/>
+          <a:p>
+            <a:r>
+              <a:rPr kumimoji="1" lang="ja-JP" altLang="en-US" dirty="0">
+                <a:solidFill>
+                  <a:srgbClr val="FF0000"/>
+                </a:solidFill>
+                <a:latin typeface="HG創英角ｺﾞｼｯｸUB" panose="020B0909000000000000" pitchFamily="49" charset="-128"/>
+                <a:ea typeface="HG創英角ｺﾞｼｯｸUB" panose="020B0909000000000000" pitchFamily="49" charset="-128"/>
+                <a:cs typeface="ADLaM Display" panose="020F0502020204030204" pitchFamily="2" charset="0"/>
+              </a:rPr>
+              <a:t>ホネット</a:t>
+            </a:r>
+          </a:p>
+        </p:txBody>
+      </p:sp>
+      <p:sp>
+        <p:nvSpPr>
+          <p:cNvPr id="3" name="テキスト ボックス 2">
+            <a:extLst>
+              <a:ext uri="{FF2B5EF4-FFF2-40B4-BE49-F238E27FC236}">
+                <a16:creationId xmlns:a16="http://schemas.microsoft.com/office/drawing/2014/main" id="{1E10F84D-2AEE-2AAC-9CFE-30DFD15F7C74}"/>
+              </a:ext>
+            </a:extLst>
+          </p:cNvPr>
+          <p:cNvSpPr txBox="1"/>
+          <p:nvPr/>
+        </p:nvSpPr>
+        <p:spPr>
+          <a:xfrm>
+            <a:off x="283464" y="108734"/>
+            <a:ext cx="2769979" cy="1107996"/>
+          </a:xfrm>
+          <a:prstGeom prst="rect">
+            <a:avLst/>
+          </a:prstGeom>
+          <a:noFill/>
+        </p:spPr>
+        <p:txBody>
+          <a:bodyPr wrap="square">
+            <a:spAutoFit/>
+          </a:bodyPr>
+          <a:lstStyle/>
+          <a:p>
+            <a:r>
+              <a:rPr lang="ja-JP" altLang="en-US" sz="6600" dirty="0">
+                <a:latin typeface="HG創英角ｺﾞｼｯｸUB" panose="020B0909000000000000" pitchFamily="49" charset="-128"/>
+                <a:ea typeface="HG創英角ｺﾞｼｯｸUB" panose="020B0909000000000000" pitchFamily="49" charset="-128"/>
+                <a:cs typeface="ADLaM Display" panose="020F0502020204030204" pitchFamily="2" charset="0"/>
+              </a:rPr>
+              <a:t>発展性</a:t>
+            </a:r>
+            <a:endParaRPr lang="ja-JP" altLang="en-US" sz="6600" dirty="0"/>
+          </a:p>
+        </p:txBody>
+      </p:sp>
+      <p:pic>
+        <p:nvPicPr>
+          <p:cNvPr id="9" name="図 8">
+            <a:extLst>
+              <a:ext uri="{FF2B5EF4-FFF2-40B4-BE49-F238E27FC236}">
+                <a16:creationId xmlns:a16="http://schemas.microsoft.com/office/drawing/2014/main" id="{C6851C9F-2303-AE78-8329-CD057AE235BA}"/>
+              </a:ext>
+            </a:extLst>
+          </p:cNvPr>
+          <p:cNvPicPr>
+            <a:picLocks noChangeAspect="1"/>
+          </p:cNvPicPr>
+          <p:nvPr/>
+        </p:nvPicPr>
+        <p:blipFill>
+          <a:blip r:embed="rId3"/>
+          <a:stretch>
+            <a:fillRect/>
+          </a:stretch>
+        </p:blipFill>
+        <p:spPr>
+          <a:xfrm>
+            <a:off x="825418" y="1635760"/>
+            <a:ext cx="3474130" cy="4602480"/>
+          </a:xfrm>
+          <a:prstGeom prst="rect">
+            <a:avLst/>
+          </a:prstGeom>
+        </p:spPr>
+      </p:pic>
+      <p:sp>
+        <p:nvSpPr>
+          <p:cNvPr id="10" name="二等辺三角形 9">
+            <a:extLst>
+              <a:ext uri="{FF2B5EF4-FFF2-40B4-BE49-F238E27FC236}">
+                <a16:creationId xmlns:a16="http://schemas.microsoft.com/office/drawing/2014/main" id="{17582CF4-05DE-F183-BB13-9FD90DCBC33E}"/>
+              </a:ext>
+            </a:extLst>
+          </p:cNvPr>
+          <p:cNvSpPr/>
+          <p:nvPr/>
+        </p:nvSpPr>
+        <p:spPr>
+          <a:xfrm flipV="1">
+            <a:off x="7219460" y="3310792"/>
+            <a:ext cx="1536607" cy="849433"/>
+          </a:xfrm>
+          <a:prstGeom prst="triangle">
+            <a:avLst/>
+          </a:prstGeom>
+          <a:solidFill>
+            <a:schemeClr val="accent2">
+              <a:lumMod val="60000"/>
+              <a:lumOff val="40000"/>
+            </a:schemeClr>
+          </a:solidFill>
+          <a:ln>
+            <a:noFill/>
+          </a:ln>
+        </p:spPr>
+        <p:style>
+          <a:lnRef idx="2">
+            <a:schemeClr val="accent1">
+              <a:shade val="15000"/>
+            </a:schemeClr>
+          </a:lnRef>
+          <a:fillRef idx="1">
+            <a:schemeClr val="accent1"/>
+          </a:fillRef>
+          <a:effectRef idx="0">
+            <a:schemeClr val="accent1"/>
+          </a:effectRef>
+          <a:fontRef idx="minor">
+            <a:schemeClr val="lt1"/>
+          </a:fontRef>
+        </p:style>
+        <p:txBody>
+          <a:bodyPr rtlCol="0" anchor="ctr"/>
+          <a:lstStyle/>
+          <a:p>
+            <a:pPr algn="ctr"/>
+            <a:endParaRPr kumimoji="1" lang="ja-JP" altLang="en-US"/>
+          </a:p>
+        </p:txBody>
+      </p:sp>
+      <p:sp>
+        <p:nvSpPr>
+          <p:cNvPr id="11" name="テキスト ボックス 10">
+            <a:extLst>
+              <a:ext uri="{FF2B5EF4-FFF2-40B4-BE49-F238E27FC236}">
+                <a16:creationId xmlns:a16="http://schemas.microsoft.com/office/drawing/2014/main" id="{92FCE188-5843-252D-BC80-5E2ACAF8B6D1}"/>
+              </a:ext>
+            </a:extLst>
+          </p:cNvPr>
+          <p:cNvSpPr txBox="1"/>
+          <p:nvPr/>
+        </p:nvSpPr>
+        <p:spPr>
+          <a:xfrm>
+            <a:off x="4997952" y="2063565"/>
+            <a:ext cx="6368630" cy="1107996"/>
+          </a:xfrm>
+          <a:prstGeom prst="rect">
+            <a:avLst/>
+          </a:prstGeom>
+          <a:noFill/>
+        </p:spPr>
+        <p:txBody>
+          <a:bodyPr wrap="square">
+            <a:spAutoFit/>
+          </a:bodyPr>
+          <a:lstStyle/>
+          <a:p>
+            <a:r>
+              <a:rPr lang="ja-JP" altLang="en-US" sz="6600" dirty="0">
+                <a:latin typeface="HG創英角ｺﾞｼｯｸUB" panose="020B0909000000000000" pitchFamily="49" charset="-128"/>
+                <a:ea typeface="HG創英角ｺﾞｼｯｸUB" panose="020B0909000000000000" pitchFamily="49" charset="-128"/>
+                <a:cs typeface="ADLaM Display" panose="020F0502020204030204" pitchFamily="2" charset="0"/>
+              </a:rPr>
+              <a:t>書き込みの投稿</a:t>
+            </a:r>
+            <a:endParaRPr lang="ja-JP" altLang="en-US" sz="6600" dirty="0"/>
+          </a:p>
+        </p:txBody>
+      </p:sp>
+      <p:sp>
+        <p:nvSpPr>
+          <p:cNvPr id="5" name="テキスト ボックス 4">
+            <a:extLst>
+              <a:ext uri="{FF2B5EF4-FFF2-40B4-BE49-F238E27FC236}">
+                <a16:creationId xmlns:a16="http://schemas.microsoft.com/office/drawing/2014/main" id="{62F5E3F9-EFA7-A0D7-E18A-5D9F66EA53BE}"/>
+              </a:ext>
+            </a:extLst>
+          </p:cNvPr>
+          <p:cNvSpPr txBox="1"/>
+          <p:nvPr/>
+        </p:nvSpPr>
+        <p:spPr>
+          <a:xfrm>
+            <a:off x="4807648" y="4343604"/>
+            <a:ext cx="6922628" cy="2123658"/>
+          </a:xfrm>
+          <a:prstGeom prst="rect">
+            <a:avLst/>
+          </a:prstGeom>
+          <a:noFill/>
+        </p:spPr>
+        <p:txBody>
+          <a:bodyPr wrap="square">
+            <a:spAutoFit/>
+          </a:bodyPr>
+          <a:lstStyle/>
+          <a:p>
+            <a:r>
+              <a:rPr lang="en-US" altLang="ja-JP" sz="6600" dirty="0">
+                <a:latin typeface="HG創英角ｺﾞｼｯｸUB" panose="020B0909000000000000" pitchFamily="49" charset="-128"/>
+                <a:ea typeface="HG創英角ｺﾞｼｯｸUB" panose="020B0909000000000000" pitchFamily="49" charset="-128"/>
+                <a:cs typeface="ADLaM Display" panose="020F0502020204030204" pitchFamily="2" charset="0"/>
+              </a:rPr>
+              <a:t>OSS</a:t>
+            </a:r>
+            <a:r>
+              <a:rPr lang="ja-JP" altLang="en-US" sz="6600" dirty="0">
+                <a:latin typeface="HG創英角ｺﾞｼｯｸUB" panose="020B0909000000000000" pitchFamily="49" charset="-128"/>
+                <a:ea typeface="HG創英角ｺﾞｼｯｸUB" panose="020B0909000000000000" pitchFamily="49" charset="-128"/>
+                <a:cs typeface="ADLaM Display" panose="020F0502020204030204" pitchFamily="2" charset="0"/>
+              </a:rPr>
+              <a:t>の</a:t>
+            </a:r>
+            <a:r>
+              <a:rPr lang="en-US" altLang="ja-JP" sz="6600" dirty="0">
+                <a:latin typeface="HG創英角ｺﾞｼｯｸUB" panose="020B0909000000000000" pitchFamily="49" charset="-128"/>
+                <a:ea typeface="HG創英角ｺﾞｼｯｸUB" panose="020B0909000000000000" pitchFamily="49" charset="-128"/>
+                <a:cs typeface="ADLaM Display" panose="020F0502020204030204" pitchFamily="2" charset="0"/>
+              </a:rPr>
+              <a:t>LLM</a:t>
+            </a:r>
+            <a:r>
+              <a:rPr lang="ja-JP" altLang="en-US" sz="6600" dirty="0">
+                <a:latin typeface="HG創英角ｺﾞｼｯｸUB" panose="020B0909000000000000" pitchFamily="49" charset="-128"/>
+                <a:ea typeface="HG創英角ｺﾞｼｯｸUB" panose="020B0909000000000000" pitchFamily="49" charset="-128"/>
+                <a:cs typeface="ADLaM Display" panose="020F0502020204030204" pitchFamily="2" charset="0"/>
+              </a:rPr>
+              <a:t>を用いて</a:t>
+            </a:r>
+            <a:endParaRPr lang="en-US" altLang="ja-JP" sz="6600" dirty="0">
+              <a:latin typeface="HG創英角ｺﾞｼｯｸUB" panose="020B0909000000000000" pitchFamily="49" charset="-128"/>
+              <a:ea typeface="HG創英角ｺﾞｼｯｸUB" panose="020B0909000000000000" pitchFamily="49" charset="-128"/>
+              <a:cs typeface="ADLaM Display" panose="020F0502020204030204" pitchFamily="2" charset="0"/>
+            </a:endParaRPr>
+          </a:p>
+          <a:p>
+            <a:r>
+              <a:rPr lang="ja-JP" altLang="en-US" sz="6600" dirty="0">
+                <a:latin typeface="HG創英角ｺﾞｼｯｸUB" panose="020B0909000000000000" pitchFamily="49" charset="-128"/>
+                <a:ea typeface="HG創英角ｺﾞｼｯｸUB" panose="020B0909000000000000" pitchFamily="49" charset="-128"/>
+                <a:cs typeface="ADLaM Display" panose="020F0502020204030204" pitchFamily="2" charset="0"/>
+              </a:rPr>
+              <a:t>シナリオ操作</a:t>
+            </a:r>
+            <a:endParaRPr lang="ja-JP" altLang="en-US" sz="6600" dirty="0"/>
+          </a:p>
+        </p:txBody>
+      </p:sp>
+    </p:spTree>
+    <p:extLst>
+      <p:ext uri="{BB962C8B-B14F-4D97-AF65-F5344CB8AC3E}">
+        <p14:creationId xmlns:p14="http://schemas.microsoft.com/office/powerpoint/2010/main" val="1718341149"/>
+      </p:ext>
+    </p:extLst>
+  </p:cSld>
+  <p:clrMapOvr>
+    <a:masterClrMapping/>
+  </p:clrMapOvr>
+</p:sld>
+</file>
+
+<file path=ppt/slides/slide22.xml><?xml version="1.0" encoding="utf-8"?>
+<p:sld xmlns:a="http://schemas.openxmlformats.org/drawingml/2006/main" xmlns:r="http://schemas.openxmlformats.org/officeDocument/2006/relationships" xmlns:p="http://schemas.openxmlformats.org/presentationml/2006/main">
+  <p:cSld>
+    <p:spTree>
+      <p:nvGrpSpPr>
+        <p:cNvPr id="1" name=""/>
+        <p:cNvGrpSpPr/>
+        <p:nvPr/>
+      </p:nvGrpSpPr>
+      <p:grpSpPr>
+        <a:xfrm>
+          <a:off x="0" y="0"/>
+          <a:ext cx="0" cy="0"/>
+          <a:chOff x="0" y="0"/>
+          <a:chExt cx="0" cy="0"/>
+        </a:xfrm>
+      </p:grpSpPr>
+      <p:cxnSp>
+        <p:nvCxnSpPr>
+          <p:cNvPr id="4" name="直線コネクタ 3">
+            <a:extLst>
+              <a:ext uri="{FF2B5EF4-FFF2-40B4-BE49-F238E27FC236}">
+                <a16:creationId xmlns:a16="http://schemas.microsoft.com/office/drawing/2014/main" id="{31AFCFC9-C202-9051-0E3F-A9E20191B047}"/>
+              </a:ext>
+            </a:extLst>
+          </p:cNvPr>
+          <p:cNvCxnSpPr>
+            <a:cxnSpLocks/>
+          </p:cNvCxnSpPr>
+          <p:nvPr/>
+        </p:nvCxnSpPr>
+        <p:spPr>
+          <a:xfrm>
+            <a:off x="283464" y="1316736"/>
+            <a:ext cx="11649456" cy="0"/>
+          </a:xfrm>
+          <a:prstGeom prst="line">
+            <a:avLst/>
+          </a:prstGeom>
+          <a:ln w="69850">
+            <a:solidFill>
+              <a:srgbClr val="FF0000"/>
+            </a:solidFill>
+          </a:ln>
+        </p:spPr>
+        <p:style>
+          <a:lnRef idx="1">
+            <a:schemeClr val="accent1"/>
+          </a:lnRef>
+          <a:fillRef idx="0">
+            <a:schemeClr val="accent1"/>
+          </a:fillRef>
+          <a:effectRef idx="0">
+            <a:schemeClr val="accent1"/>
+          </a:effectRef>
+          <a:fontRef idx="minor">
+            <a:schemeClr val="tx1"/>
+          </a:fontRef>
+        </p:style>
+      </p:cxnSp>
+      <p:sp>
+        <p:nvSpPr>
+          <p:cNvPr id="7" name="テキスト ボックス 6">
+            <a:extLst>
+              <a:ext uri="{FF2B5EF4-FFF2-40B4-BE49-F238E27FC236}">
+                <a16:creationId xmlns:a16="http://schemas.microsoft.com/office/drawing/2014/main" id="{C6C5EB3A-FB63-FB5A-8B3F-738C6106B5DC}"/>
+              </a:ext>
+            </a:extLst>
+          </p:cNvPr>
+          <p:cNvSpPr txBox="1"/>
+          <p:nvPr/>
+        </p:nvSpPr>
+        <p:spPr>
+          <a:xfrm>
+            <a:off x="10927080" y="929116"/>
+            <a:ext cx="1107996" cy="369332"/>
+          </a:xfrm>
+          <a:prstGeom prst="rect">
+            <a:avLst/>
+          </a:prstGeom>
+          <a:noFill/>
+        </p:spPr>
+        <p:txBody>
+          <a:bodyPr wrap="none" rtlCol="0">
+            <a:spAutoFit/>
+          </a:bodyPr>
+          <a:lstStyle/>
+          <a:p>
+            <a:r>
+              <a:rPr kumimoji="1" lang="ja-JP" altLang="en-US" dirty="0">
+                <a:solidFill>
+                  <a:srgbClr val="FF0000"/>
+                </a:solidFill>
+                <a:latin typeface="HG創英角ｺﾞｼｯｸUB" panose="020B0909000000000000" pitchFamily="49" charset="-128"/>
+                <a:ea typeface="HG創英角ｺﾞｼｯｸUB" panose="020B0909000000000000" pitchFamily="49" charset="-128"/>
+                <a:cs typeface="ADLaM Display" panose="020F0502020204030204" pitchFamily="2" charset="0"/>
+              </a:rPr>
+              <a:t>ホネット</a:t>
+            </a:r>
+          </a:p>
+        </p:txBody>
+      </p:sp>
+      <p:sp>
+        <p:nvSpPr>
+          <p:cNvPr id="3" name="テキスト ボックス 2">
+            <a:extLst>
+              <a:ext uri="{FF2B5EF4-FFF2-40B4-BE49-F238E27FC236}">
+                <a16:creationId xmlns:a16="http://schemas.microsoft.com/office/drawing/2014/main" id="{1E10F84D-2AEE-2AAC-9CFE-30DFD15F7C74}"/>
+              </a:ext>
+            </a:extLst>
+          </p:cNvPr>
+          <p:cNvSpPr txBox="1"/>
+          <p:nvPr/>
+        </p:nvSpPr>
+        <p:spPr>
+          <a:xfrm>
+            <a:off x="283464" y="108734"/>
+            <a:ext cx="2769979" cy="1107996"/>
+          </a:xfrm>
+          <a:prstGeom prst="rect">
+            <a:avLst/>
+          </a:prstGeom>
+          <a:noFill/>
+        </p:spPr>
+        <p:txBody>
+          <a:bodyPr wrap="square">
+            <a:spAutoFit/>
+          </a:bodyPr>
+          <a:lstStyle/>
+          <a:p>
+            <a:r>
+              <a:rPr lang="ja-JP" altLang="en-US" sz="6600" dirty="0">
+                <a:latin typeface="HG創英角ｺﾞｼｯｸUB" panose="020B0909000000000000" pitchFamily="49" charset="-128"/>
+                <a:ea typeface="HG創英角ｺﾞｼｯｸUB" panose="020B0909000000000000" pitchFamily="49" charset="-128"/>
+                <a:cs typeface="ADLaM Display" panose="020F0502020204030204" pitchFamily="2" charset="0"/>
+              </a:rPr>
+              <a:t>再現性</a:t>
+            </a:r>
+            <a:endParaRPr lang="ja-JP" altLang="en-US" sz="6600" dirty="0"/>
+          </a:p>
+        </p:txBody>
+      </p:sp>
+      <p:sp>
+        <p:nvSpPr>
+          <p:cNvPr id="2" name="テキスト ボックス 1">
+            <a:extLst>
+              <a:ext uri="{FF2B5EF4-FFF2-40B4-BE49-F238E27FC236}">
+                <a16:creationId xmlns:a16="http://schemas.microsoft.com/office/drawing/2014/main" id="{0F7AC512-CE5C-ABCE-205B-4DF952D8533F}"/>
+              </a:ext>
+            </a:extLst>
+          </p:cNvPr>
+          <p:cNvSpPr txBox="1"/>
+          <p:nvPr/>
+        </p:nvSpPr>
+        <p:spPr>
+          <a:xfrm>
+            <a:off x="3882582" y="6211669"/>
+            <a:ext cx="4778918" cy="646331"/>
+          </a:xfrm>
+          <a:prstGeom prst="rect">
+            <a:avLst/>
+          </a:prstGeom>
+          <a:noFill/>
+        </p:spPr>
+        <p:txBody>
+          <a:bodyPr wrap="square" rtlCol="0">
+            <a:spAutoFit/>
+          </a:bodyPr>
+          <a:lstStyle/>
+          <a:p>
+            <a:pPr algn="just"/>
+            <a:r>
+              <a:rPr lang="en-US" altLang="ja-JP" sz="3600" b="1" dirty="0"/>
+              <a:t>https://honetto.site</a:t>
+            </a:r>
+            <a:endParaRPr kumimoji="1" lang="ja-JP" altLang="en-US" sz="3600" b="1" dirty="0"/>
+          </a:p>
+        </p:txBody>
+      </p:sp>
+      <p:pic>
+        <p:nvPicPr>
+          <p:cNvPr id="5" name="図 4" descr="QR コード&#10;&#10;自動的に生成された説明">
+            <a:extLst>
+              <a:ext uri="{FF2B5EF4-FFF2-40B4-BE49-F238E27FC236}">
+                <a16:creationId xmlns:a16="http://schemas.microsoft.com/office/drawing/2014/main" id="{EC13DE0C-3E7F-1B84-66A6-4361BC98C8E5}"/>
+              </a:ext>
+            </a:extLst>
+          </p:cNvPr>
+          <p:cNvPicPr>
+            <a:picLocks noChangeAspect="1"/>
+          </p:cNvPicPr>
+          <p:nvPr/>
+        </p:nvPicPr>
+        <p:blipFill>
+          <a:blip r:embed="rId3">
+            <a:extLst>
+              <a:ext uri="{28A0092B-C50C-407E-A947-70E740481C1C}">
+                <a14:useLocalDpi xmlns:a14="http://schemas.microsoft.com/office/drawing/2010/main" val="0"/>
+              </a:ext>
+            </a:extLst>
+          </a:blip>
+          <a:stretch>
+            <a:fillRect/>
+          </a:stretch>
+        </p:blipFill>
+        <p:spPr>
+          <a:xfrm>
+            <a:off x="4084320" y="1564845"/>
+            <a:ext cx="4375443" cy="4375443"/>
+          </a:xfrm>
+          <a:prstGeom prst="rect">
+            <a:avLst/>
+          </a:prstGeom>
+          <a:ln w="127000" cap="sq">
+            <a:solidFill>
+              <a:srgbClr val="000000"/>
+            </a:solidFill>
+            <a:miter lim="800000"/>
+          </a:ln>
+          <a:effectLst>
+            <a:outerShdw blurRad="57150" dist="50800" dir="2700000" algn="tl" rotWithShape="0">
+              <a:srgbClr val="000000">
+                <a:alpha val="40000"/>
+              </a:srgbClr>
+            </a:outerShdw>
+          </a:effectLst>
+        </p:spPr>
+      </p:pic>
+    </p:spTree>
+    <p:extLst>
+      <p:ext uri="{BB962C8B-B14F-4D97-AF65-F5344CB8AC3E}">
+        <p14:creationId xmlns:p14="http://schemas.microsoft.com/office/powerpoint/2010/main" val="127798618"/>
+      </p:ext>
+    </p:extLst>
+  </p:cSld>
+  <p:clrMapOvr>
+    <a:masterClrMapping/>
+  </p:clrMapOvr>
+</p:sld>
+</file>
+
+<file path=ppt/slides/slide23.xml><?xml version="1.0" encoding="utf-8"?>
+<p:sld xmlns:a="http://schemas.openxmlformats.org/drawingml/2006/main" xmlns:r="http://schemas.openxmlformats.org/officeDocument/2006/relationships" xmlns:p="http://schemas.openxmlformats.org/presentationml/2006/main" show="0">
+  <p:cSld>
+    <p:spTree>
+      <p:nvGrpSpPr>
+        <p:cNvPr id="1" name=""/>
+        <p:cNvGrpSpPr/>
+        <p:nvPr/>
+      </p:nvGrpSpPr>
+      <p:grpSpPr>
+        <a:xfrm>
+          <a:off x="0" y="0"/>
+          <a:ext cx="0" cy="0"/>
+          <a:chOff x="0" y="0"/>
+          <a:chExt cx="0" cy="0"/>
+        </a:xfrm>
+      </p:grpSpPr>
+      <p:cxnSp>
+        <p:nvCxnSpPr>
+          <p:cNvPr id="4" name="直線コネクタ 3">
+            <a:extLst>
+              <a:ext uri="{FF2B5EF4-FFF2-40B4-BE49-F238E27FC236}">
+                <a16:creationId xmlns:a16="http://schemas.microsoft.com/office/drawing/2014/main" id="{31AFCFC9-C202-9051-0E3F-A9E20191B047}"/>
+              </a:ext>
+            </a:extLst>
+          </p:cNvPr>
+          <p:cNvCxnSpPr>
+            <a:cxnSpLocks/>
+          </p:cNvCxnSpPr>
+          <p:nvPr/>
+        </p:nvCxnSpPr>
+        <p:spPr>
+          <a:xfrm>
+            <a:off x="283464" y="1316736"/>
+            <a:ext cx="11649456" cy="0"/>
+          </a:xfrm>
+          <a:prstGeom prst="line">
+            <a:avLst/>
+          </a:prstGeom>
+          <a:ln w="69850">
+            <a:solidFill>
+              <a:srgbClr val="FF0000"/>
+            </a:solidFill>
+          </a:ln>
+        </p:spPr>
+        <p:style>
+          <a:lnRef idx="1">
+            <a:schemeClr val="accent1"/>
+          </a:lnRef>
+          <a:fillRef idx="0">
+            <a:schemeClr val="accent1"/>
+          </a:fillRef>
+          <a:effectRef idx="0">
+            <a:schemeClr val="accent1"/>
+          </a:effectRef>
+          <a:fontRef idx="minor">
+            <a:schemeClr val="tx1"/>
+          </a:fontRef>
+        </p:style>
+      </p:cxnSp>
+      <p:sp>
+        <p:nvSpPr>
+          <p:cNvPr id="7" name="テキスト ボックス 6">
+            <a:extLst>
+              <a:ext uri="{FF2B5EF4-FFF2-40B4-BE49-F238E27FC236}">
+                <a16:creationId xmlns:a16="http://schemas.microsoft.com/office/drawing/2014/main" id="{C6C5EB3A-FB63-FB5A-8B3F-738C6106B5DC}"/>
+              </a:ext>
+            </a:extLst>
+          </p:cNvPr>
+          <p:cNvSpPr txBox="1"/>
+          <p:nvPr/>
+        </p:nvSpPr>
+        <p:spPr>
+          <a:xfrm>
+            <a:off x="10927080" y="929116"/>
+            <a:ext cx="1107996" cy="369332"/>
+          </a:xfrm>
+          <a:prstGeom prst="rect">
+            <a:avLst/>
+          </a:prstGeom>
+          <a:noFill/>
+        </p:spPr>
+        <p:txBody>
+          <a:bodyPr wrap="none" rtlCol="0">
+            <a:spAutoFit/>
+          </a:bodyPr>
+          <a:lstStyle/>
+          <a:p>
+            <a:r>
+              <a:rPr kumimoji="1" lang="ja-JP" altLang="en-US" dirty="0">
+                <a:solidFill>
+                  <a:srgbClr val="FF0000"/>
+                </a:solidFill>
+                <a:latin typeface="HG創英角ｺﾞｼｯｸUB" panose="020B0909000000000000" pitchFamily="49" charset="-128"/>
+                <a:ea typeface="HG創英角ｺﾞｼｯｸUB" panose="020B0909000000000000" pitchFamily="49" charset="-128"/>
+                <a:cs typeface="ADLaM Display" panose="020F0502020204030204" pitchFamily="2" charset="0"/>
+              </a:rPr>
+              <a:t>ホネット</a:t>
+            </a:r>
+          </a:p>
+        </p:txBody>
+      </p:sp>
+    </p:spTree>
+    <p:extLst>
+      <p:ext uri="{BB962C8B-B14F-4D97-AF65-F5344CB8AC3E}">
+        <p14:creationId xmlns:p14="http://schemas.microsoft.com/office/powerpoint/2010/main" val="1455849473"/>
+      </p:ext>
+    </p:extLst>
+  </p:cSld>
+  <p:clrMapOvr>
+    <a:masterClrMapping/>
+  </p:clrMapOvr>
+</p:sld>
+</file>
+
+<file path=ppt/slides/slide24.xml><?xml version="1.0" encoding="utf-8"?>
+<p:sld xmlns:a="http://schemas.openxmlformats.org/drawingml/2006/main" xmlns:r="http://schemas.openxmlformats.org/officeDocument/2006/relationships" xmlns:p="http://schemas.openxmlformats.org/presentationml/2006/main" show="0">
+  <p:cSld>
+    <p:spTree>
+      <p:nvGrpSpPr>
+        <p:cNvPr id="1" name=""/>
+        <p:cNvGrpSpPr/>
+        <p:nvPr/>
+      </p:nvGrpSpPr>
+      <p:grpSpPr>
+        <a:xfrm>
+          <a:off x="0" y="0"/>
+          <a:ext cx="0" cy="0"/>
+          <a:chOff x="0" y="0"/>
+          <a:chExt cx="0" cy="0"/>
+        </a:xfrm>
+      </p:grpSpPr>
+      <p:cxnSp>
+        <p:nvCxnSpPr>
+          <p:cNvPr id="4" name="直線コネクタ 3">
+            <a:extLst>
+              <a:ext uri="{FF2B5EF4-FFF2-40B4-BE49-F238E27FC236}">
+                <a16:creationId xmlns:a16="http://schemas.microsoft.com/office/drawing/2014/main" id="{31AFCFC9-C202-9051-0E3F-A9E20191B047}"/>
+              </a:ext>
+            </a:extLst>
+          </p:cNvPr>
+          <p:cNvCxnSpPr>
+            <a:cxnSpLocks/>
+          </p:cNvCxnSpPr>
+          <p:nvPr/>
+        </p:nvCxnSpPr>
+        <p:spPr>
+          <a:xfrm>
+            <a:off x="283464" y="1316736"/>
+            <a:ext cx="11649456" cy="0"/>
+          </a:xfrm>
+          <a:prstGeom prst="line">
+            <a:avLst/>
+          </a:prstGeom>
+          <a:ln w="69850">
+            <a:solidFill>
+              <a:srgbClr val="FF0000"/>
+            </a:solidFill>
+          </a:ln>
+        </p:spPr>
+        <p:style>
+          <a:lnRef idx="1">
+            <a:schemeClr val="accent1"/>
+          </a:lnRef>
+          <a:fillRef idx="0">
+            <a:schemeClr val="accent1"/>
+          </a:fillRef>
+          <a:effectRef idx="0">
+            <a:schemeClr val="accent1"/>
+          </a:effectRef>
+          <a:fontRef idx="minor">
+            <a:schemeClr val="tx1"/>
+          </a:fontRef>
+        </p:style>
+      </p:cxnSp>
+      <p:sp>
+        <p:nvSpPr>
+          <p:cNvPr id="7" name="テキスト ボックス 6">
+            <a:extLst>
+              <a:ext uri="{FF2B5EF4-FFF2-40B4-BE49-F238E27FC236}">
+                <a16:creationId xmlns:a16="http://schemas.microsoft.com/office/drawing/2014/main" id="{C6C5EB3A-FB63-FB5A-8B3F-738C6106B5DC}"/>
+              </a:ext>
+            </a:extLst>
+          </p:cNvPr>
+          <p:cNvSpPr txBox="1"/>
+          <p:nvPr/>
+        </p:nvSpPr>
+        <p:spPr>
+          <a:xfrm>
+            <a:off x="10927080" y="929116"/>
+            <a:ext cx="1107996" cy="369332"/>
+          </a:xfrm>
+          <a:prstGeom prst="rect">
+            <a:avLst/>
+          </a:prstGeom>
+          <a:noFill/>
+        </p:spPr>
+        <p:txBody>
+          <a:bodyPr wrap="none" rtlCol="0">
+            <a:spAutoFit/>
+          </a:bodyPr>
+          <a:lstStyle/>
+          <a:p>
+            <a:r>
+              <a:rPr kumimoji="1" lang="ja-JP" altLang="en-US" dirty="0">
+                <a:solidFill>
+                  <a:srgbClr val="FF0000"/>
+                </a:solidFill>
+                <a:latin typeface="HG創英角ｺﾞｼｯｸUB" panose="020B0909000000000000" pitchFamily="49" charset="-128"/>
+                <a:ea typeface="HG創英角ｺﾞｼｯｸUB" panose="020B0909000000000000" pitchFamily="49" charset="-128"/>
+                <a:cs typeface="ADLaM Display" panose="020F0502020204030204" pitchFamily="2" charset="0"/>
+              </a:rPr>
+              <a:t>ホネット</a:t>
+            </a:r>
+          </a:p>
+        </p:txBody>
+      </p:sp>
+      <p:sp>
+        <p:nvSpPr>
+          <p:cNvPr id="11" name="テキスト ボックス 10">
+            <a:extLst>
+              <a:ext uri="{FF2B5EF4-FFF2-40B4-BE49-F238E27FC236}">
+                <a16:creationId xmlns:a16="http://schemas.microsoft.com/office/drawing/2014/main" id="{7ACE9048-F3BD-4B14-8DED-C4504E34B1DF}"/>
+              </a:ext>
+            </a:extLst>
+          </p:cNvPr>
+          <p:cNvSpPr txBox="1"/>
+          <p:nvPr/>
+        </p:nvSpPr>
+        <p:spPr>
+          <a:xfrm>
+            <a:off x="283464" y="153663"/>
+            <a:ext cx="5812536" cy="1107996"/>
+          </a:xfrm>
+          <a:prstGeom prst="rect">
+            <a:avLst/>
+          </a:prstGeom>
+          <a:noFill/>
+        </p:spPr>
+        <p:txBody>
+          <a:bodyPr wrap="square">
+            <a:spAutoFit/>
+          </a:bodyPr>
+          <a:lstStyle/>
+          <a:p>
+            <a:r>
+              <a:rPr kumimoji="1" lang="ja-JP" altLang="en-US" sz="6600" dirty="0">
+                <a:latin typeface="HG創英角ｺﾞｼｯｸUB" panose="020B0909000000000000" pitchFamily="49" charset="-128"/>
+                <a:ea typeface="HG創英角ｺﾞｼｯｸUB" panose="020B0909000000000000" pitchFamily="49" charset="-128"/>
+                <a:cs typeface="ADLaM Display" panose="020F0502020204030204" pitchFamily="2" charset="0"/>
+              </a:rPr>
+              <a:t>炎上系</a:t>
+            </a:r>
+            <a:r>
+              <a:rPr kumimoji="1" lang="en-US" altLang="ja-JP" sz="6600" dirty="0">
+                <a:latin typeface="HG創英角ｺﾞｼｯｸUB" panose="020B0909000000000000" pitchFamily="49" charset="-128"/>
+                <a:ea typeface="HG創英角ｺﾞｼｯｸUB" panose="020B0909000000000000" pitchFamily="49" charset="-128"/>
+                <a:cs typeface="ADLaM Display" panose="020F0502020204030204" pitchFamily="2" charset="0"/>
+              </a:rPr>
+              <a:t>SNS</a:t>
+            </a:r>
+            <a:r>
+              <a:rPr kumimoji="1" lang="ja-JP" altLang="en-US" sz="6600" dirty="0">
+                <a:latin typeface="HG創英角ｺﾞｼｯｸUB" panose="020B0909000000000000" pitchFamily="49" charset="-128"/>
+                <a:ea typeface="HG創英角ｺﾞｼｯｸUB" panose="020B0909000000000000" pitchFamily="49" charset="-128"/>
+                <a:cs typeface="ADLaM Display" panose="020F0502020204030204" pitchFamily="2" charset="0"/>
+              </a:rPr>
+              <a:t>とは</a:t>
+            </a:r>
+            <a:endParaRPr lang="ja-JP" altLang="en-US" sz="6600" dirty="0"/>
+          </a:p>
+        </p:txBody>
+      </p:sp>
+      <p:sp>
+        <p:nvSpPr>
+          <p:cNvPr id="12" name="テキスト ボックス 11">
+            <a:extLst>
+              <a:ext uri="{FF2B5EF4-FFF2-40B4-BE49-F238E27FC236}">
+                <a16:creationId xmlns:a16="http://schemas.microsoft.com/office/drawing/2014/main" id="{B462F254-0D07-0C55-3DC2-5BC67C553764}"/>
+              </a:ext>
+            </a:extLst>
+          </p:cNvPr>
+          <p:cNvSpPr txBox="1"/>
+          <p:nvPr/>
+        </p:nvSpPr>
+        <p:spPr>
+          <a:xfrm>
+            <a:off x="283464" y="2482335"/>
+            <a:ext cx="9665208" cy="1107996"/>
+          </a:xfrm>
+          <a:prstGeom prst="rect">
+            <a:avLst/>
+          </a:prstGeom>
+          <a:noFill/>
+        </p:spPr>
+        <p:txBody>
+          <a:bodyPr wrap="square">
+            <a:spAutoFit/>
+          </a:bodyPr>
+          <a:lstStyle/>
+          <a:p>
+            <a:r>
+              <a:rPr kumimoji="1" lang="ja-JP" altLang="en-US" sz="6600" dirty="0">
+                <a:latin typeface="HG創英角ｺﾞｼｯｸUB" panose="020B0909000000000000" pitchFamily="49" charset="-128"/>
+                <a:ea typeface="HG創英角ｺﾞｼｯｸUB" panose="020B0909000000000000" pitchFamily="49" charset="-128"/>
+                <a:cs typeface="ADLaM Display" panose="020F0502020204030204" pitchFamily="2" charset="0"/>
+              </a:rPr>
+              <a:t>・「炎上</a:t>
+            </a:r>
+            <a:r>
+              <a:rPr lang="ja-JP" altLang="en-US" sz="6600" dirty="0">
+                <a:latin typeface="HG創英角ｺﾞｼｯｸUB" panose="020B0909000000000000" pitchFamily="49" charset="-128"/>
+                <a:ea typeface="HG創英角ｺﾞｼｯｸUB" panose="020B0909000000000000" pitchFamily="49" charset="-128"/>
+                <a:cs typeface="ADLaM Display" panose="020F0502020204030204" pitchFamily="2" charset="0"/>
+              </a:rPr>
+              <a:t>」を実際に体感</a:t>
+            </a:r>
+            <a:endParaRPr lang="ja-JP" altLang="en-US" sz="6600" dirty="0"/>
+          </a:p>
+        </p:txBody>
+      </p:sp>
+      <p:sp>
+        <p:nvSpPr>
+          <p:cNvPr id="13" name="テキスト ボックス 12">
+            <a:extLst>
+              <a:ext uri="{FF2B5EF4-FFF2-40B4-BE49-F238E27FC236}">
+                <a16:creationId xmlns:a16="http://schemas.microsoft.com/office/drawing/2014/main" id="{89C33A3A-B6D8-DDBE-036A-F99D87D9781E}"/>
+              </a:ext>
+            </a:extLst>
+          </p:cNvPr>
+          <p:cNvSpPr txBox="1"/>
+          <p:nvPr/>
+        </p:nvSpPr>
+        <p:spPr>
+          <a:xfrm>
+            <a:off x="283464" y="4201931"/>
+            <a:ext cx="8735568" cy="1107996"/>
+          </a:xfrm>
+          <a:prstGeom prst="rect">
+            <a:avLst/>
+          </a:prstGeom>
+          <a:noFill/>
+        </p:spPr>
+        <p:txBody>
+          <a:bodyPr wrap="square">
+            <a:spAutoFit/>
+          </a:bodyPr>
+          <a:lstStyle/>
+          <a:p>
+            <a:r>
+              <a:rPr lang="ja-JP" altLang="en-US" sz="6600" dirty="0">
+                <a:latin typeface="HG創英角ｺﾞｼｯｸUB" panose="020B0909000000000000" pitchFamily="49" charset="-128"/>
+                <a:ea typeface="HG創英角ｺﾞｼｯｸUB" panose="020B0909000000000000" pitchFamily="49" charset="-128"/>
+                <a:cs typeface="ADLaM Display" panose="020F0502020204030204" pitchFamily="2" charset="0"/>
+              </a:rPr>
+              <a:t>・</a:t>
+            </a:r>
+            <a:r>
+              <a:rPr lang="en-US" altLang="ja-JP" sz="6600" dirty="0">
+                <a:latin typeface="HG創英角ｺﾞｼｯｸUB" panose="020B0909000000000000" pitchFamily="49" charset="-128"/>
+                <a:ea typeface="HG創英角ｺﾞｼｯｸUB" panose="020B0909000000000000" pitchFamily="49" charset="-128"/>
+                <a:cs typeface="ADLaM Display" panose="020F0502020204030204" pitchFamily="2" charset="0"/>
+              </a:rPr>
+              <a:t>Web</a:t>
+            </a:r>
+            <a:r>
+              <a:rPr lang="ja-JP" altLang="en-US" sz="6600" dirty="0">
+                <a:latin typeface="HG創英角ｺﾞｼｯｸUB" panose="020B0909000000000000" pitchFamily="49" charset="-128"/>
+                <a:ea typeface="HG創英角ｺﾞｼｯｸUB" panose="020B0909000000000000" pitchFamily="49" charset="-128"/>
+                <a:cs typeface="ADLaM Display" panose="020F0502020204030204" pitchFamily="2" charset="0"/>
+              </a:rPr>
+              <a:t>ゲーム</a:t>
+            </a:r>
+            <a:endParaRPr lang="ja-JP" altLang="en-US" sz="6600" dirty="0"/>
+          </a:p>
+        </p:txBody>
+      </p:sp>
+    </p:spTree>
+    <p:extLst>
+      <p:ext uri="{BB962C8B-B14F-4D97-AF65-F5344CB8AC3E}">
+        <p14:creationId xmlns:p14="http://schemas.microsoft.com/office/powerpoint/2010/main" val="1010781126"/>
+      </p:ext>
+    </p:extLst>
+  </p:cSld>
+  <p:clrMapOvr>
+    <a:masterClrMapping/>
+  </p:clrMapOvr>
+</p:sld>
+</file>
+
+<file path=ppt/slides/slide25.xml><?xml version="1.0" encoding="utf-8"?>
+<p:sld xmlns:a="http://schemas.openxmlformats.org/drawingml/2006/main" xmlns:r="http://schemas.openxmlformats.org/officeDocument/2006/relationships" xmlns:p="http://schemas.openxmlformats.org/presentationml/2006/main" show="0">
+  <p:cSld>
+    <p:spTree>
+      <p:nvGrpSpPr>
+        <p:cNvPr id="1" name=""/>
+        <p:cNvGrpSpPr/>
+        <p:nvPr/>
+      </p:nvGrpSpPr>
+      <p:grpSpPr>
+        <a:xfrm>
+          <a:off x="0" y="0"/>
+          <a:ext cx="0" cy="0"/>
+          <a:chOff x="0" y="0"/>
+          <a:chExt cx="0" cy="0"/>
+        </a:xfrm>
+      </p:grpSpPr>
+      <p:cxnSp>
+        <p:nvCxnSpPr>
+          <p:cNvPr id="4" name="直線コネクタ 3">
+            <a:extLst>
+              <a:ext uri="{FF2B5EF4-FFF2-40B4-BE49-F238E27FC236}">
+                <a16:creationId xmlns:a16="http://schemas.microsoft.com/office/drawing/2014/main" id="{31AFCFC9-C202-9051-0E3F-A9E20191B047}"/>
+              </a:ext>
+            </a:extLst>
+          </p:cNvPr>
+          <p:cNvCxnSpPr>
+            <a:cxnSpLocks/>
+          </p:cNvCxnSpPr>
+          <p:nvPr/>
+        </p:nvCxnSpPr>
+        <p:spPr>
+          <a:xfrm>
+            <a:off x="283464" y="1316736"/>
+            <a:ext cx="11649456" cy="0"/>
+          </a:xfrm>
+          <a:prstGeom prst="line">
+            <a:avLst/>
+          </a:prstGeom>
+          <a:ln w="69850">
+            <a:solidFill>
+              <a:srgbClr val="FF0000"/>
+            </a:solidFill>
+          </a:ln>
+        </p:spPr>
+        <p:style>
+          <a:lnRef idx="1">
+            <a:schemeClr val="accent1"/>
+          </a:lnRef>
+          <a:fillRef idx="0">
+            <a:schemeClr val="accent1"/>
+          </a:fillRef>
+          <a:effectRef idx="0">
+            <a:schemeClr val="accent1"/>
+          </a:effectRef>
+          <a:fontRef idx="minor">
+            <a:schemeClr val="tx1"/>
+          </a:fontRef>
+        </p:style>
+      </p:cxnSp>
+      <p:sp>
+        <p:nvSpPr>
+          <p:cNvPr id="7" name="テキスト ボックス 6">
+            <a:extLst>
+              <a:ext uri="{FF2B5EF4-FFF2-40B4-BE49-F238E27FC236}">
+                <a16:creationId xmlns:a16="http://schemas.microsoft.com/office/drawing/2014/main" id="{C6C5EB3A-FB63-FB5A-8B3F-738C6106B5DC}"/>
+              </a:ext>
+            </a:extLst>
+          </p:cNvPr>
+          <p:cNvSpPr txBox="1"/>
+          <p:nvPr/>
+        </p:nvSpPr>
+        <p:spPr>
+          <a:xfrm>
+            <a:off x="10927080" y="929116"/>
+            <a:ext cx="1107996" cy="369332"/>
+          </a:xfrm>
+          <a:prstGeom prst="rect">
+            <a:avLst/>
+          </a:prstGeom>
+          <a:noFill/>
+        </p:spPr>
+        <p:txBody>
+          <a:bodyPr wrap="none" rtlCol="0">
+            <a:spAutoFit/>
+          </a:bodyPr>
+          <a:lstStyle/>
+          <a:p>
+            <a:r>
+              <a:rPr kumimoji="1" lang="ja-JP" altLang="en-US" dirty="0">
+                <a:solidFill>
+                  <a:srgbClr val="FF0000"/>
+                </a:solidFill>
+                <a:latin typeface="HG創英角ｺﾞｼｯｸUB" panose="020B0909000000000000" pitchFamily="49" charset="-128"/>
+                <a:ea typeface="HG創英角ｺﾞｼｯｸUB" panose="020B0909000000000000" pitchFamily="49" charset="-128"/>
+                <a:cs typeface="ADLaM Display" panose="020F0502020204030204" pitchFamily="2" charset="0"/>
+              </a:rPr>
+              <a:t>ホネット</a:t>
+            </a:r>
+          </a:p>
+        </p:txBody>
+      </p:sp>
+      <p:sp>
+        <p:nvSpPr>
+          <p:cNvPr id="2" name="テキスト ボックス 1">
+            <a:extLst>
+              <a:ext uri="{FF2B5EF4-FFF2-40B4-BE49-F238E27FC236}">
+                <a16:creationId xmlns:a16="http://schemas.microsoft.com/office/drawing/2014/main" id="{38FBF9F5-4228-58A4-A265-E439175CE7D1}"/>
+              </a:ext>
+            </a:extLst>
+          </p:cNvPr>
+          <p:cNvSpPr txBox="1"/>
+          <p:nvPr/>
+        </p:nvSpPr>
+        <p:spPr>
+          <a:xfrm>
+            <a:off x="283464" y="153663"/>
+            <a:ext cx="9023096" cy="1107996"/>
+          </a:xfrm>
+          <a:prstGeom prst="rect">
+            <a:avLst/>
+          </a:prstGeom>
+          <a:noFill/>
+        </p:spPr>
+        <p:txBody>
+          <a:bodyPr wrap="square">
+            <a:spAutoFit/>
+          </a:bodyPr>
+          <a:lstStyle/>
+          <a:p>
+            <a:r>
+              <a:rPr lang="ja-JP" altLang="en-US" sz="6600" dirty="0">
+                <a:latin typeface="HG創英角ｺﾞｼｯｸUB" panose="020B0909000000000000" pitchFamily="49" charset="-128"/>
+                <a:ea typeface="HG創英角ｺﾞｼｯｸUB" panose="020B0909000000000000" pitchFamily="49" charset="-128"/>
+                <a:cs typeface="ADLaM Display" panose="020F0502020204030204" pitchFamily="2" charset="0"/>
+              </a:rPr>
+              <a:t>そこで</a:t>
+            </a:r>
+            <a:r>
+              <a:rPr lang="en-US" altLang="ja-JP" sz="6600" dirty="0">
+                <a:latin typeface="HG創英角ｺﾞｼｯｸUB" panose="020B0909000000000000" pitchFamily="49" charset="-128"/>
+                <a:ea typeface="HG創英角ｺﾞｼｯｸUB" panose="020B0909000000000000" pitchFamily="49" charset="-128"/>
+                <a:cs typeface="ADLaM Display" panose="020F0502020204030204" pitchFamily="2" charset="0"/>
+              </a:rPr>
+              <a:t>…</a:t>
+            </a:r>
+          </a:p>
+        </p:txBody>
+      </p:sp>
+      <p:sp>
+        <p:nvSpPr>
+          <p:cNvPr id="8" name="正方形/長方形 7">
+            <a:extLst>
+              <a:ext uri="{FF2B5EF4-FFF2-40B4-BE49-F238E27FC236}">
+                <a16:creationId xmlns:a16="http://schemas.microsoft.com/office/drawing/2014/main" id="{B525B007-959B-CBCA-6F9F-75237F88025B}"/>
+              </a:ext>
+            </a:extLst>
+          </p:cNvPr>
+          <p:cNvSpPr/>
+          <p:nvPr/>
+        </p:nvSpPr>
+        <p:spPr>
+          <a:xfrm>
+            <a:off x="566928" y="1570983"/>
+            <a:ext cx="4764024" cy="5067562"/>
+          </a:xfrm>
+          <a:prstGeom prst="rect">
+            <a:avLst/>
+          </a:prstGeom>
+        </p:spPr>
+        <p:style>
+          <a:lnRef idx="2">
+            <a:schemeClr val="accent1">
+              <a:shade val="15000"/>
+            </a:schemeClr>
+          </a:lnRef>
+          <a:fillRef idx="1">
+            <a:schemeClr val="accent1"/>
+          </a:fillRef>
+          <a:effectRef idx="0">
+            <a:schemeClr val="accent1"/>
+          </a:effectRef>
+          <a:fontRef idx="minor">
+            <a:schemeClr val="lt1"/>
+          </a:fontRef>
+        </p:style>
+        <p:txBody>
+          <a:bodyPr rtlCol="0" anchor="ctr"/>
+          <a:lstStyle/>
+          <a:p>
+            <a:pPr algn="ctr"/>
+            <a:r>
+              <a:rPr kumimoji="1" lang="en-US" altLang="ja-JP" dirty="0"/>
+              <a:t>Figma</a:t>
+            </a:r>
+            <a:r>
+              <a:rPr kumimoji="1" lang="ja-JP" altLang="en-US" dirty="0"/>
+              <a:t>ろごなど</a:t>
+            </a:r>
+          </a:p>
+        </p:txBody>
+      </p:sp>
+      <p:sp>
+        <p:nvSpPr>
+          <p:cNvPr id="9" name="テキスト ボックス 8">
+            <a:extLst>
+              <a:ext uri="{FF2B5EF4-FFF2-40B4-BE49-F238E27FC236}">
+                <a16:creationId xmlns:a16="http://schemas.microsoft.com/office/drawing/2014/main" id="{88169F51-2546-7E76-E36F-A35CD050DCB6}"/>
+              </a:ext>
+            </a:extLst>
+          </p:cNvPr>
+          <p:cNvSpPr txBox="1"/>
+          <p:nvPr/>
+        </p:nvSpPr>
+        <p:spPr>
+          <a:xfrm>
+            <a:off x="6096000" y="2062700"/>
+            <a:ext cx="5812536" cy="1107996"/>
+          </a:xfrm>
+          <a:prstGeom prst="rect">
+            <a:avLst/>
+          </a:prstGeom>
+          <a:noFill/>
+        </p:spPr>
+        <p:txBody>
+          <a:bodyPr wrap="square">
+            <a:spAutoFit/>
+          </a:bodyPr>
+          <a:lstStyle/>
+          <a:p>
+            <a:r>
+              <a:rPr lang="ja-JP" altLang="en-US" sz="6600" dirty="0">
+                <a:latin typeface="HG創英角ｺﾞｼｯｸUB" panose="020B0909000000000000" pitchFamily="49" charset="-128"/>
+                <a:ea typeface="HG創英角ｺﾞｼｯｸUB" panose="020B0909000000000000" pitchFamily="49" charset="-128"/>
+                <a:cs typeface="ADLaM Display" panose="020F0502020204030204" pitchFamily="2" charset="0"/>
+              </a:rPr>
+              <a:t>「ホネット」</a:t>
+            </a:r>
+            <a:endParaRPr lang="en-US" altLang="ja-JP" sz="6600" dirty="0">
+              <a:latin typeface="HG創英角ｺﾞｼｯｸUB" panose="020B0909000000000000" pitchFamily="49" charset="-128"/>
+              <a:ea typeface="HG創英角ｺﾞｼｯｸUB" panose="020B0909000000000000" pitchFamily="49" charset="-128"/>
+              <a:cs typeface="ADLaM Display" panose="020F0502020204030204" pitchFamily="2" charset="0"/>
+            </a:endParaRPr>
+          </a:p>
+        </p:txBody>
+      </p:sp>
+      <p:sp>
+        <p:nvSpPr>
+          <p:cNvPr id="10" name="テキスト ボックス 9">
+            <a:extLst>
+              <a:ext uri="{FF2B5EF4-FFF2-40B4-BE49-F238E27FC236}">
+                <a16:creationId xmlns:a16="http://schemas.microsoft.com/office/drawing/2014/main" id="{1E8ED778-C9E3-CCF2-1B5F-4C6C0FC0D460}"/>
+              </a:ext>
+            </a:extLst>
+          </p:cNvPr>
+          <p:cNvSpPr txBox="1"/>
+          <p:nvPr/>
+        </p:nvSpPr>
+        <p:spPr>
+          <a:xfrm>
+            <a:off x="6024880" y="3687305"/>
+            <a:ext cx="5812536" cy="2123658"/>
+          </a:xfrm>
+          <a:prstGeom prst="rect">
+            <a:avLst/>
+          </a:prstGeom>
+          <a:noFill/>
+        </p:spPr>
+        <p:txBody>
+          <a:bodyPr wrap="square">
+            <a:spAutoFit/>
+          </a:bodyPr>
+          <a:lstStyle/>
+          <a:p>
+            <a:r>
+              <a:rPr lang="ja-JP" altLang="en-US" sz="6600" dirty="0">
+                <a:latin typeface="HG創英角ｺﾞｼｯｸUB" panose="020B0909000000000000" pitchFamily="49" charset="-128"/>
+                <a:ea typeface="HG創英角ｺﾞｼｯｸUB" panose="020B0909000000000000" pitchFamily="49" charset="-128"/>
+                <a:cs typeface="ADLaM Display" panose="020F0502020204030204" pitchFamily="2" charset="0"/>
+              </a:rPr>
+              <a:t>様々な</a:t>
+            </a:r>
+            <a:endParaRPr lang="en-US" altLang="ja-JP" sz="6600" dirty="0">
+              <a:latin typeface="HG創英角ｺﾞｼｯｸUB" panose="020B0909000000000000" pitchFamily="49" charset="-128"/>
+              <a:ea typeface="HG創英角ｺﾞｼｯｸUB" panose="020B0909000000000000" pitchFamily="49" charset="-128"/>
+              <a:cs typeface="ADLaM Display" panose="020F0502020204030204" pitchFamily="2" charset="0"/>
+            </a:endParaRPr>
+          </a:p>
+          <a:p>
+            <a:r>
+              <a:rPr lang="ja-JP" altLang="en-US" sz="6600" dirty="0">
+                <a:latin typeface="HG創英角ｺﾞｼｯｸUB" panose="020B0909000000000000" pitchFamily="49" charset="-128"/>
+                <a:ea typeface="HG創英角ｺﾞｼｯｸUB" panose="020B0909000000000000" pitchFamily="49" charset="-128"/>
+                <a:cs typeface="ADLaM Display" panose="020F0502020204030204" pitchFamily="2" charset="0"/>
+              </a:rPr>
+              <a:t>炎上シナリオ</a:t>
+            </a:r>
+            <a:endParaRPr lang="ja-JP" altLang="en-US" sz="6600" dirty="0"/>
+          </a:p>
+        </p:txBody>
+      </p:sp>
+    </p:spTree>
+    <p:extLst>
+      <p:ext uri="{BB962C8B-B14F-4D97-AF65-F5344CB8AC3E}">
+        <p14:creationId xmlns:p14="http://schemas.microsoft.com/office/powerpoint/2010/main" val="381811190"/>
+      </p:ext>
+    </p:extLst>
+  </p:cSld>
+  <p:clrMapOvr>
+    <a:masterClrMapping/>
+  </p:clrMapOvr>
+</p:sld>
+</file>
+
+<file path=ppt/slides/slide26.xml><?xml version="1.0" encoding="utf-8"?>
+<p:sld xmlns:a="http://schemas.openxmlformats.org/drawingml/2006/main" xmlns:r="http://schemas.openxmlformats.org/officeDocument/2006/relationships" xmlns:p="http://schemas.openxmlformats.org/presentationml/2006/main" show="0">
+  <p:cSld>
+    <p:spTree>
+      <p:nvGrpSpPr>
+        <p:cNvPr id="1" name=""/>
+        <p:cNvGrpSpPr/>
+        <p:nvPr/>
+      </p:nvGrpSpPr>
+      <p:grpSpPr>
+        <a:xfrm>
+          <a:off x="0" y="0"/>
+          <a:ext cx="0" cy="0"/>
+          <a:chOff x="0" y="0"/>
+          <a:chExt cx="0" cy="0"/>
+        </a:xfrm>
+      </p:grpSpPr>
+      <p:cxnSp>
+        <p:nvCxnSpPr>
+          <p:cNvPr id="4" name="直線コネクタ 3">
+            <a:extLst>
+              <a:ext uri="{FF2B5EF4-FFF2-40B4-BE49-F238E27FC236}">
+                <a16:creationId xmlns:a16="http://schemas.microsoft.com/office/drawing/2014/main" id="{31AFCFC9-C202-9051-0E3F-A9E20191B047}"/>
+              </a:ext>
+            </a:extLst>
+          </p:cNvPr>
+          <p:cNvCxnSpPr>
+            <a:cxnSpLocks/>
+          </p:cNvCxnSpPr>
+          <p:nvPr/>
+        </p:nvCxnSpPr>
+        <p:spPr>
+          <a:xfrm>
+            <a:off x="283464" y="1316736"/>
+            <a:ext cx="11649456" cy="0"/>
+          </a:xfrm>
+          <a:prstGeom prst="line">
+            <a:avLst/>
+          </a:prstGeom>
+          <a:ln w="69850">
+            <a:solidFill>
+              <a:srgbClr val="FF0000"/>
+            </a:solidFill>
+          </a:ln>
+        </p:spPr>
+        <p:style>
+          <a:lnRef idx="1">
+            <a:schemeClr val="accent1"/>
+          </a:lnRef>
+          <a:fillRef idx="0">
+            <a:schemeClr val="accent1"/>
+          </a:fillRef>
+          <a:effectRef idx="0">
+            <a:schemeClr val="accent1"/>
+          </a:effectRef>
+          <a:fontRef idx="minor">
+            <a:schemeClr val="tx1"/>
+          </a:fontRef>
+        </p:style>
+      </p:cxnSp>
+      <p:sp>
+        <p:nvSpPr>
+          <p:cNvPr id="7" name="テキスト ボックス 6">
+            <a:extLst>
+              <a:ext uri="{FF2B5EF4-FFF2-40B4-BE49-F238E27FC236}">
+                <a16:creationId xmlns:a16="http://schemas.microsoft.com/office/drawing/2014/main" id="{C6C5EB3A-FB63-FB5A-8B3F-738C6106B5DC}"/>
+              </a:ext>
+            </a:extLst>
+          </p:cNvPr>
+          <p:cNvSpPr txBox="1"/>
+          <p:nvPr/>
+        </p:nvSpPr>
+        <p:spPr>
+          <a:xfrm>
+            <a:off x="10927080" y="929116"/>
+            <a:ext cx="1107996" cy="369332"/>
+          </a:xfrm>
+          <a:prstGeom prst="rect">
+            <a:avLst/>
+          </a:prstGeom>
+          <a:noFill/>
+        </p:spPr>
+        <p:txBody>
+          <a:bodyPr wrap="none" rtlCol="0">
+            <a:spAutoFit/>
+          </a:bodyPr>
+          <a:lstStyle/>
+          <a:p>
+            <a:r>
+              <a:rPr kumimoji="1" lang="ja-JP" altLang="en-US" dirty="0">
+                <a:solidFill>
+                  <a:srgbClr val="FF0000"/>
+                </a:solidFill>
+                <a:latin typeface="HG創英角ｺﾞｼｯｸUB" panose="020B0909000000000000" pitchFamily="49" charset="-128"/>
+                <a:ea typeface="HG創英角ｺﾞｼｯｸUB" panose="020B0909000000000000" pitchFamily="49" charset="-128"/>
+                <a:cs typeface="ADLaM Display" panose="020F0502020204030204" pitchFamily="2" charset="0"/>
+              </a:rPr>
+              <a:t>ホネット</a:t>
+            </a:r>
+          </a:p>
+        </p:txBody>
+      </p:sp>
+      <p:sp>
+        <p:nvSpPr>
+          <p:cNvPr id="2" name="テキスト ボックス 1">
+            <a:extLst>
+              <a:ext uri="{FF2B5EF4-FFF2-40B4-BE49-F238E27FC236}">
+                <a16:creationId xmlns:a16="http://schemas.microsoft.com/office/drawing/2014/main" id="{38FBF9F5-4228-58A4-A265-E439175CE7D1}"/>
+              </a:ext>
+            </a:extLst>
+          </p:cNvPr>
+          <p:cNvSpPr txBox="1"/>
+          <p:nvPr/>
+        </p:nvSpPr>
+        <p:spPr>
+          <a:xfrm>
+            <a:off x="283464" y="153663"/>
+            <a:ext cx="9023096" cy="1107996"/>
+          </a:xfrm>
+          <a:prstGeom prst="rect">
+            <a:avLst/>
+          </a:prstGeom>
+          <a:noFill/>
+        </p:spPr>
+        <p:txBody>
+          <a:bodyPr wrap="square">
+            <a:spAutoFit/>
+          </a:bodyPr>
+          <a:lstStyle/>
+          <a:p>
+            <a:r>
+              <a:rPr lang="ja-JP" altLang="en-US" sz="6600" dirty="0">
+                <a:latin typeface="HG創英角ｺﾞｼｯｸUB" panose="020B0909000000000000" pitchFamily="49" charset="-128"/>
+                <a:ea typeface="HG創英角ｺﾞｼｯｸUB" panose="020B0909000000000000" pitchFamily="49" charset="-128"/>
+                <a:cs typeface="ADLaM Display" panose="020F0502020204030204" pitchFamily="2" charset="0"/>
+              </a:rPr>
+              <a:t>炎上系</a:t>
+            </a:r>
+            <a:r>
+              <a:rPr lang="en-US" altLang="ja-JP" sz="6600" dirty="0">
+                <a:latin typeface="HG創英角ｺﾞｼｯｸUB" panose="020B0909000000000000" pitchFamily="49" charset="-128"/>
+                <a:ea typeface="HG創英角ｺﾞｼｯｸUB" panose="020B0909000000000000" pitchFamily="49" charset="-128"/>
+                <a:cs typeface="ADLaM Display" panose="020F0502020204030204" pitchFamily="2" charset="0"/>
+              </a:rPr>
+              <a:t>SNS</a:t>
+            </a:r>
+            <a:r>
+              <a:rPr lang="ja-JP" altLang="en-US" sz="6600" dirty="0">
+                <a:latin typeface="HG創英角ｺﾞｼｯｸUB" panose="020B0909000000000000" pitchFamily="49" charset="-128"/>
+                <a:ea typeface="HG創英角ｺﾞｼｯｸUB" panose="020B0909000000000000" pitchFamily="49" charset="-128"/>
+                <a:cs typeface="ADLaM Display" panose="020F0502020204030204" pitchFamily="2" charset="0"/>
+              </a:rPr>
+              <a:t>「ホネット」</a:t>
+            </a:r>
+            <a:endParaRPr lang="ja-JP" altLang="en-US" sz="6600" dirty="0"/>
+          </a:p>
+        </p:txBody>
+      </p:sp>
+      <p:sp>
+        <p:nvSpPr>
+          <p:cNvPr id="8" name="正方形/長方形 7">
+            <a:extLst>
+              <a:ext uri="{FF2B5EF4-FFF2-40B4-BE49-F238E27FC236}">
+                <a16:creationId xmlns:a16="http://schemas.microsoft.com/office/drawing/2014/main" id="{B525B007-959B-CBCA-6F9F-75237F88025B}"/>
+              </a:ext>
+            </a:extLst>
+          </p:cNvPr>
+          <p:cNvSpPr/>
+          <p:nvPr/>
+        </p:nvSpPr>
+        <p:spPr>
+          <a:xfrm>
+            <a:off x="566928" y="1570983"/>
+            <a:ext cx="4764024" cy="5067562"/>
+          </a:xfrm>
+          <a:prstGeom prst="rect">
+            <a:avLst/>
+          </a:prstGeom>
+        </p:spPr>
+        <p:style>
+          <a:lnRef idx="2">
+            <a:schemeClr val="accent1">
+              <a:shade val="15000"/>
+            </a:schemeClr>
+          </a:lnRef>
+          <a:fillRef idx="1">
+            <a:schemeClr val="accent1"/>
+          </a:fillRef>
+          <a:effectRef idx="0">
+            <a:schemeClr val="accent1"/>
+          </a:effectRef>
+          <a:fontRef idx="minor">
+            <a:schemeClr val="lt1"/>
+          </a:fontRef>
+        </p:style>
+        <p:txBody>
+          <a:bodyPr rtlCol="0" anchor="ctr"/>
+          <a:lstStyle/>
+          <a:p>
+            <a:pPr algn="ctr"/>
+            <a:r>
+              <a:rPr kumimoji="1" lang="en-US" altLang="ja-JP" dirty="0"/>
+              <a:t>Figma</a:t>
+            </a:r>
+            <a:r>
+              <a:rPr kumimoji="1" lang="ja-JP" altLang="en-US" dirty="0"/>
+              <a:t>ろごなど</a:t>
+            </a:r>
+          </a:p>
+        </p:txBody>
+      </p:sp>
+      <p:sp>
+        <p:nvSpPr>
+          <p:cNvPr id="3" name="テキスト ボックス 2">
+            <a:extLst>
+              <a:ext uri="{FF2B5EF4-FFF2-40B4-BE49-F238E27FC236}">
+                <a16:creationId xmlns:a16="http://schemas.microsoft.com/office/drawing/2014/main" id="{F4903288-A808-8DC1-3044-1E106AC7E9EC}"/>
+              </a:ext>
+            </a:extLst>
+          </p:cNvPr>
+          <p:cNvSpPr txBox="1"/>
+          <p:nvPr/>
+        </p:nvSpPr>
+        <p:spPr>
+          <a:xfrm>
+            <a:off x="6096000" y="1798196"/>
+            <a:ext cx="5812536" cy="2123658"/>
+          </a:xfrm>
+          <a:prstGeom prst="rect">
+            <a:avLst/>
+          </a:prstGeom>
+          <a:noFill/>
+        </p:spPr>
+        <p:txBody>
+          <a:bodyPr wrap="square">
+            <a:spAutoFit/>
+          </a:bodyPr>
+          <a:lstStyle/>
+          <a:p>
+            <a:r>
+              <a:rPr lang="ja-JP" altLang="en-US" sz="6600" dirty="0">
+                <a:latin typeface="HG創英角ｺﾞｼｯｸUB" panose="020B0909000000000000" pitchFamily="49" charset="-128"/>
+                <a:ea typeface="HG創英角ｺﾞｼｯｸUB" panose="020B0909000000000000" pitchFamily="49" charset="-128"/>
+                <a:cs typeface="ADLaM Display" panose="020F0502020204030204" pitchFamily="2" charset="0"/>
+              </a:rPr>
+              <a:t>炎上したらどうなるか</a:t>
+            </a:r>
+            <a:endParaRPr lang="en-US" altLang="ja-JP" sz="6600" dirty="0">
+              <a:latin typeface="HG創英角ｺﾞｼｯｸUB" panose="020B0909000000000000" pitchFamily="49" charset="-128"/>
+              <a:ea typeface="HG創英角ｺﾞｼｯｸUB" panose="020B0909000000000000" pitchFamily="49" charset="-128"/>
+              <a:cs typeface="ADLaM Display" panose="020F0502020204030204" pitchFamily="2" charset="0"/>
+            </a:endParaRPr>
+          </a:p>
+        </p:txBody>
+      </p:sp>
+      <p:sp>
+        <p:nvSpPr>
+          <p:cNvPr id="5" name="テキスト ボックス 4">
+            <a:extLst>
+              <a:ext uri="{FF2B5EF4-FFF2-40B4-BE49-F238E27FC236}">
+                <a16:creationId xmlns:a16="http://schemas.microsoft.com/office/drawing/2014/main" id="{2037210C-4C87-5E48-1834-15E0B03F8C48}"/>
+              </a:ext>
+            </a:extLst>
+          </p:cNvPr>
+          <p:cNvSpPr txBox="1"/>
+          <p:nvPr/>
+        </p:nvSpPr>
+        <p:spPr>
+          <a:xfrm>
+            <a:off x="5815584" y="5059804"/>
+            <a:ext cx="6569456" cy="1107996"/>
+          </a:xfrm>
+          <a:prstGeom prst="rect">
+            <a:avLst/>
+          </a:prstGeom>
+          <a:noFill/>
+        </p:spPr>
+        <p:txBody>
+          <a:bodyPr wrap="square">
+            <a:spAutoFit/>
+          </a:bodyPr>
+          <a:lstStyle/>
+          <a:p>
+            <a:r>
+              <a:rPr lang="ja-JP" altLang="en-US" sz="6600" dirty="0">
+                <a:latin typeface="HG創英角ｺﾞｼｯｸUB" panose="020B0909000000000000" pitchFamily="49" charset="-128"/>
+                <a:ea typeface="HG創英角ｺﾞｼｯｸUB" panose="020B0909000000000000" pitchFamily="49" charset="-128"/>
+                <a:cs typeface="ADLaM Display" panose="020F0502020204030204" pitchFamily="2" charset="0"/>
+              </a:rPr>
+              <a:t>リテラシー向上</a:t>
+            </a:r>
+            <a:endParaRPr lang="en-US" altLang="ja-JP" sz="6600" dirty="0">
+              <a:latin typeface="HG創英角ｺﾞｼｯｸUB" panose="020B0909000000000000" pitchFamily="49" charset="-128"/>
+              <a:ea typeface="HG創英角ｺﾞｼｯｸUB" panose="020B0909000000000000" pitchFamily="49" charset="-128"/>
+              <a:cs typeface="ADLaM Display" panose="020F0502020204030204" pitchFamily="2" charset="0"/>
+            </a:endParaRPr>
+          </a:p>
+        </p:txBody>
+      </p:sp>
+    </p:spTree>
+    <p:extLst>
+      <p:ext uri="{BB962C8B-B14F-4D97-AF65-F5344CB8AC3E}">
+        <p14:creationId xmlns:p14="http://schemas.microsoft.com/office/powerpoint/2010/main" val="1996313775"/>
+      </p:ext>
+    </p:extLst>
+  </p:cSld>
+  <p:clrMapOvr>
+    <a:masterClrMapping/>
+  </p:clrMapOvr>
+</p:sld>
+</file>
+
 <file path=ppt/slides/slide3.xml><?xml version="1.0" encoding="utf-8"?>
 <p:sld xmlns:a="http://schemas.openxmlformats.org/drawingml/2006/main" xmlns:r="http://schemas.openxmlformats.org/officeDocument/2006/relationships" xmlns:p="http://schemas.openxmlformats.org/presentationml/2006/main">
   <p:cSld>
@@ -7096,42 +11857,6 @@
           <a:chExt cx="0" cy="0"/>
         </a:xfrm>
       </p:grpSpPr>
-      <p:pic>
-        <p:nvPicPr>
-          <p:cNvPr id="20" name="図 19" descr="携帯電話の画面&#10;&#10;自動的に生成された説明">
-            <a:extLst>
-              <a:ext uri="{FF2B5EF4-FFF2-40B4-BE49-F238E27FC236}">
-                <a16:creationId xmlns:a16="http://schemas.microsoft.com/office/drawing/2014/main" id="{D2302BC5-3492-F98C-A24A-A1F6FFD25689}"/>
-              </a:ext>
-            </a:extLst>
-          </p:cNvPr>
-          <p:cNvPicPr>
-            <a:picLocks noChangeAspect="1"/>
-          </p:cNvPicPr>
-          <p:nvPr/>
-        </p:nvPicPr>
-        <p:blipFill>
-          <a:blip r:embed="rId3">
-            <a:extLst>
-              <a:ext uri="{28A0092B-C50C-407E-A947-70E740481C1C}">
-                <a14:useLocalDpi xmlns:a14="http://schemas.microsoft.com/office/drawing/2010/main" val="0"/>
-              </a:ext>
-            </a:extLst>
-          </a:blip>
-          <a:stretch>
-            <a:fillRect/>
-          </a:stretch>
-        </p:blipFill>
-        <p:spPr>
-          <a:xfrm>
-            <a:off x="1294183" y="1371814"/>
-            <a:ext cx="2713423" cy="5157002"/>
-          </a:xfrm>
-          <a:prstGeom prst="rect">
-            <a:avLst/>
-          </a:prstGeom>
-        </p:spPr>
-      </p:pic>
       <p:cxnSp>
         <p:nvCxnSpPr>
           <p:cNvPr id="4" name="直線コネクタ 3">
@@ -7219,10 +11944,10 @@
       </p:sp>
       <p:sp>
         <p:nvSpPr>
-          <p:cNvPr id="11" name="テキスト ボックス 10">
-            <a:extLst>
-              <a:ext uri="{FF2B5EF4-FFF2-40B4-BE49-F238E27FC236}">
-                <a16:creationId xmlns:a16="http://schemas.microsoft.com/office/drawing/2014/main" id="{7ACE9048-F3BD-4B14-8DED-C4504E34B1DF}"/>
+          <p:cNvPr id="2" name="テキスト ボックス 1">
+            <a:extLst>
+              <a:ext uri="{FF2B5EF4-FFF2-40B4-BE49-F238E27FC236}">
+                <a16:creationId xmlns:a16="http://schemas.microsoft.com/office/drawing/2014/main" id="{38FBF9F5-4228-58A4-A265-E439175CE7D1}"/>
               </a:ext>
             </a:extLst>
           </p:cNvPr>
@@ -7232,7 +11957,7 @@
         <p:spPr>
           <a:xfrm>
             <a:off x="283464" y="153663"/>
-            <a:ext cx="5812536" cy="1107996"/>
+            <a:ext cx="2073656" cy="1107996"/>
           </a:xfrm>
           <a:prstGeom prst="rect">
             <a:avLst/>
@@ -7251,7 +11976,7 @@
                 <a:ea typeface="HG創英角ｺﾞｼｯｸUB" panose="020B0909000000000000" pitchFamily="49" charset="-128"/>
                 <a:cs typeface="ADLaM Display" panose="020F0502020204030204" pitchFamily="2" charset="0"/>
               </a:rPr>
-              <a:t>そこで・・・</a:t>
+              <a:t>目的</a:t>
             </a:r>
             <a:endParaRPr lang="ja-JP" altLang="en-US" sz="6600" dirty="0"/>
           </a:p>
@@ -7259,98 +11984,10 @@
       </p:sp>
       <p:sp>
         <p:nvSpPr>
-          <p:cNvPr id="17" name="四角形: 角を丸くする 16">
-            <a:extLst>
-              <a:ext uri="{FF2B5EF4-FFF2-40B4-BE49-F238E27FC236}">
-                <a16:creationId xmlns:a16="http://schemas.microsoft.com/office/drawing/2014/main" id="{E703EFF1-1F17-23EE-44D5-6E9610869312}"/>
-              </a:ext>
-            </a:extLst>
-          </p:cNvPr>
-          <p:cNvSpPr/>
-          <p:nvPr/>
-        </p:nvSpPr>
-        <p:spPr>
-          <a:xfrm>
-            <a:off x="754379" y="4914036"/>
-            <a:ext cx="1716025" cy="1728390"/>
-          </a:xfrm>
-          <a:prstGeom prst="roundRect">
-            <a:avLst/>
-          </a:prstGeom>
-          <a:solidFill>
-            <a:schemeClr val="bg1"/>
-          </a:solidFill>
-          <a:ln>
-            <a:noFill/>
-          </a:ln>
-        </p:spPr>
-        <p:style>
-          <a:lnRef idx="2">
-            <a:schemeClr val="accent1">
-              <a:shade val="15000"/>
-            </a:schemeClr>
-          </a:lnRef>
-          <a:fillRef idx="1">
-            <a:schemeClr val="accent1"/>
-          </a:fillRef>
-          <a:effectRef idx="0">
-            <a:schemeClr val="accent1"/>
-          </a:effectRef>
-          <a:fontRef idx="minor">
-            <a:schemeClr val="lt1"/>
-          </a:fontRef>
-        </p:style>
-        <p:txBody>
-          <a:bodyPr rtlCol="0" anchor="ctr"/>
-          <a:lstStyle/>
-          <a:p>
-            <a:pPr algn="ctr"/>
-            <a:endParaRPr kumimoji="1" lang="ja-JP" altLang="en-US"/>
-          </a:p>
-        </p:txBody>
-      </p:sp>
-      <p:pic>
-        <p:nvPicPr>
-          <p:cNvPr id="15" name="図 14" descr="ロゴ&#10;&#10;自動的に生成された説明">
-            <a:extLst>
-              <a:ext uri="{FF2B5EF4-FFF2-40B4-BE49-F238E27FC236}">
-                <a16:creationId xmlns:a16="http://schemas.microsoft.com/office/drawing/2014/main" id="{D0E78E92-5593-0792-C7EF-4309F2BBDE0B}"/>
-              </a:ext>
-            </a:extLst>
-          </p:cNvPr>
-          <p:cNvPicPr>
-            <a:picLocks noChangeAspect="1"/>
-          </p:cNvPicPr>
-          <p:nvPr/>
-        </p:nvPicPr>
-        <p:blipFill>
-          <a:blip r:embed="rId4">
-            <a:extLst>
-              <a:ext uri="{28A0092B-C50C-407E-A947-70E740481C1C}">
-                <a14:useLocalDpi xmlns:a14="http://schemas.microsoft.com/office/drawing/2010/main" val="0"/>
-              </a:ext>
-            </a:extLst>
-          </a:blip>
-          <a:stretch>
-            <a:fillRect/>
-          </a:stretch>
-        </p:blipFill>
-        <p:spPr>
-          <a:xfrm>
-            <a:off x="729088" y="4901110"/>
-            <a:ext cx="1741316" cy="1741316"/>
-          </a:xfrm>
-          <a:prstGeom prst="rect">
-            <a:avLst/>
-          </a:prstGeom>
-        </p:spPr>
-      </p:pic>
-      <p:sp>
-        <p:nvSpPr>
-          <p:cNvPr id="18" name="テキスト ボックス 17">
-            <a:extLst>
-              <a:ext uri="{FF2B5EF4-FFF2-40B4-BE49-F238E27FC236}">
-                <a16:creationId xmlns:a16="http://schemas.microsoft.com/office/drawing/2014/main" id="{583B488E-F5D9-F615-4C2F-2358559CA9AA}"/>
+          <p:cNvPr id="3" name="テキスト ボックス 2">
+            <a:extLst>
+              <a:ext uri="{FF2B5EF4-FFF2-40B4-BE49-F238E27FC236}">
+                <a16:creationId xmlns:a16="http://schemas.microsoft.com/office/drawing/2014/main" id="{C17D7FC7-5572-B451-5E2C-6640C34FF0B8}"/>
               </a:ext>
             </a:extLst>
           </p:cNvPr>
@@ -7359,8 +11996,8 @@
         </p:nvSpPr>
         <p:spPr>
           <a:xfrm>
-            <a:off x="5668542" y="2030474"/>
-            <a:ext cx="5812536" cy="1107996"/>
+            <a:off x="811784" y="1758943"/>
+            <a:ext cx="10475976" cy="1107996"/>
           </a:xfrm>
           <a:prstGeom prst="rect">
             <a:avLst/>
@@ -7379,22 +12016,18 @@
                 <a:ea typeface="HG創英角ｺﾞｼｯｸUB" panose="020B0909000000000000" pitchFamily="49" charset="-128"/>
                 <a:cs typeface="ADLaM Display" panose="020F0502020204030204" pitchFamily="2" charset="0"/>
               </a:rPr>
-              <a:t>「ホネット」</a:t>
-            </a:r>
-            <a:endParaRPr lang="en-US" altLang="ja-JP" sz="6600" dirty="0">
-              <a:latin typeface="HG創英角ｺﾞｼｯｸUB" panose="020B0909000000000000" pitchFamily="49" charset="-128"/>
-              <a:ea typeface="HG創英角ｺﾞｼｯｸUB" panose="020B0909000000000000" pitchFamily="49" charset="-128"/>
-              <a:cs typeface="ADLaM Display" panose="020F0502020204030204" pitchFamily="2" charset="0"/>
-            </a:endParaRPr>
-          </a:p>
-        </p:txBody>
-      </p:sp>
-      <p:sp>
-        <p:nvSpPr>
-          <p:cNvPr id="19" name="テキスト ボックス 18">
-            <a:extLst>
-              <a:ext uri="{FF2B5EF4-FFF2-40B4-BE49-F238E27FC236}">
-                <a16:creationId xmlns:a16="http://schemas.microsoft.com/office/drawing/2014/main" id="{7EEF6086-DD1F-3559-EA15-985A07DB790C}"/>
+              <a:t>デジタルタトゥー防止</a:t>
+            </a:r>
+            <a:endParaRPr lang="ja-JP" altLang="en-US" sz="6600" dirty="0"/>
+          </a:p>
+        </p:txBody>
+      </p:sp>
+      <p:sp>
+        <p:nvSpPr>
+          <p:cNvPr id="5" name="テキスト ボックス 4">
+            <a:extLst>
+              <a:ext uri="{FF2B5EF4-FFF2-40B4-BE49-F238E27FC236}">
+                <a16:creationId xmlns:a16="http://schemas.microsoft.com/office/drawing/2014/main" id="{18A3CD23-7598-BA40-054D-E89DE1A18876}"/>
               </a:ext>
             </a:extLst>
           </p:cNvPr>
@@ -7403,8 +12036,8 @@
         </p:nvSpPr>
         <p:spPr>
           <a:xfrm>
-            <a:off x="5739384" y="3839281"/>
-            <a:ext cx="5812536" cy="2123658"/>
+            <a:off x="811784" y="3437064"/>
+            <a:ext cx="6554216" cy="1107996"/>
           </a:xfrm>
           <a:prstGeom prst="rect">
             <a:avLst/>
@@ -7423,14 +12056,39 @@
                 <a:ea typeface="HG創英角ｺﾞｼｯｸUB" panose="020B0909000000000000" pitchFamily="49" charset="-128"/>
                 <a:cs typeface="ADLaM Display" panose="020F0502020204030204" pitchFamily="2" charset="0"/>
               </a:rPr>
-              <a:t>様々な</a:t>
-            </a:r>
-            <a:endParaRPr lang="en-US" altLang="ja-JP" sz="6600" dirty="0">
-              <a:latin typeface="HG創英角ｺﾞｼｯｸUB" panose="020B0909000000000000" pitchFamily="49" charset="-128"/>
-              <a:ea typeface="HG創英角ｺﾞｼｯｸUB" panose="020B0909000000000000" pitchFamily="49" charset="-128"/>
-              <a:cs typeface="ADLaM Display" panose="020F0502020204030204" pitchFamily="2" charset="0"/>
-            </a:endParaRPr>
-          </a:p>
+              <a:t>リテラシー向上</a:t>
+            </a:r>
+            <a:endParaRPr lang="ja-JP" altLang="en-US" sz="6600" dirty="0"/>
+          </a:p>
+        </p:txBody>
+      </p:sp>
+      <p:sp>
+        <p:nvSpPr>
+          <p:cNvPr id="6" name="テキスト ボックス 5">
+            <a:extLst>
+              <a:ext uri="{FF2B5EF4-FFF2-40B4-BE49-F238E27FC236}">
+                <a16:creationId xmlns:a16="http://schemas.microsoft.com/office/drawing/2014/main" id="{93EECAAB-F018-D16B-4F51-AE5DD1E6B6B4}"/>
+              </a:ext>
+            </a:extLst>
+          </p:cNvPr>
+          <p:cNvSpPr txBox="1"/>
+          <p:nvPr/>
+        </p:nvSpPr>
+        <p:spPr>
+          <a:xfrm>
+            <a:off x="811784" y="5115185"/>
+            <a:ext cx="6554216" cy="1107996"/>
+          </a:xfrm>
+          <a:prstGeom prst="rect">
+            <a:avLst/>
+          </a:prstGeom>
+          <a:noFill/>
+        </p:spPr>
+        <p:txBody>
+          <a:bodyPr wrap="square">
+            <a:spAutoFit/>
+          </a:bodyPr>
+          <a:lstStyle/>
           <a:p>
             <a:r>
               <a:rPr lang="ja-JP" altLang="en-US" sz="6600" dirty="0">
@@ -7438,7 +12096,23 @@
                 <a:ea typeface="HG創英角ｺﾞｼｯｸUB" panose="020B0909000000000000" pitchFamily="49" charset="-128"/>
                 <a:cs typeface="ADLaM Display" panose="020F0502020204030204" pitchFamily="2" charset="0"/>
               </a:rPr>
-              <a:t>炎上シナリオ</a:t>
+              <a:t>より良い</a:t>
+            </a:r>
+            <a:r>
+              <a:rPr lang="en-US" altLang="ja-JP" sz="6600" dirty="0">
+                <a:latin typeface="HG創英角ｺﾞｼｯｸUB" panose="020B0909000000000000" pitchFamily="49" charset="-128"/>
+                <a:ea typeface="HG創英角ｺﾞｼｯｸUB" panose="020B0909000000000000" pitchFamily="49" charset="-128"/>
+                <a:cs typeface="ADLaM Display" panose="020F0502020204030204" pitchFamily="2" charset="0"/>
+              </a:rPr>
+              <a:t>SNS</a:t>
+            </a:r>
+            <a:r>
+              <a:rPr lang="ja-JP" altLang="en-US" sz="6600" dirty="0">
+                <a:latin typeface="HG創英角ｺﾞｼｯｸUB" panose="020B0909000000000000" pitchFamily="49" charset="-128"/>
+                <a:ea typeface="HG創英角ｺﾞｼｯｸUB" panose="020B0909000000000000" pitchFamily="49" charset="-128"/>
+                <a:cs typeface="ADLaM Display" panose="020F0502020204030204" pitchFamily="2" charset="0"/>
+              </a:rPr>
+              <a:t>教育</a:t>
             </a:r>
             <a:endParaRPr lang="ja-JP" altLang="en-US" sz="6600" dirty="0"/>
           </a:p>
@@ -7447,7 +12121,7 @@
     </p:spTree>
     <p:extLst>
       <p:ext uri="{BB962C8B-B14F-4D97-AF65-F5344CB8AC3E}">
-        <p14:creationId xmlns:p14="http://schemas.microsoft.com/office/powerpoint/2010/main" val="4028179173"/>
+        <p14:creationId xmlns:p14="http://schemas.microsoft.com/office/powerpoint/2010/main" val="4149686902"/>
       </p:ext>
     </p:extLst>
   </p:cSld>
@@ -7474,6 +12148,42 @@
           <a:chExt cx="0" cy="0"/>
         </a:xfrm>
       </p:grpSpPr>
+      <p:pic>
+        <p:nvPicPr>
+          <p:cNvPr id="20" name="図 19" descr="携帯電話の画面&#10;&#10;自動的に生成された説明">
+            <a:extLst>
+              <a:ext uri="{FF2B5EF4-FFF2-40B4-BE49-F238E27FC236}">
+                <a16:creationId xmlns:a16="http://schemas.microsoft.com/office/drawing/2014/main" id="{D2302BC5-3492-F98C-A24A-A1F6FFD25689}"/>
+              </a:ext>
+            </a:extLst>
+          </p:cNvPr>
+          <p:cNvPicPr>
+            <a:picLocks noChangeAspect="1"/>
+          </p:cNvPicPr>
+          <p:nvPr/>
+        </p:nvPicPr>
+        <p:blipFill>
+          <a:blip r:embed="rId3">
+            <a:extLst>
+              <a:ext uri="{28A0092B-C50C-407E-A947-70E740481C1C}">
+                <a14:useLocalDpi xmlns:a14="http://schemas.microsoft.com/office/drawing/2010/main" val="0"/>
+              </a:ext>
+            </a:extLst>
+          </a:blip>
+          <a:stretch>
+            <a:fillRect/>
+          </a:stretch>
+        </p:blipFill>
+        <p:spPr>
+          <a:xfrm>
+            <a:off x="1294183" y="1371814"/>
+            <a:ext cx="2713423" cy="5157002"/>
+          </a:xfrm>
+          <a:prstGeom prst="rect">
+            <a:avLst/>
+          </a:prstGeom>
+        </p:spPr>
+      </p:pic>
       <p:cxnSp>
         <p:nvCxnSpPr>
           <p:cNvPr id="4" name="直線コネクタ 3">
@@ -7561,10 +12271,10 @@
       </p:sp>
       <p:sp>
         <p:nvSpPr>
-          <p:cNvPr id="2" name="テキスト ボックス 1">
-            <a:extLst>
-              <a:ext uri="{FF2B5EF4-FFF2-40B4-BE49-F238E27FC236}">
-                <a16:creationId xmlns:a16="http://schemas.microsoft.com/office/drawing/2014/main" id="{38FBF9F5-4228-58A4-A265-E439175CE7D1}"/>
+          <p:cNvPr id="11" name="テキスト ボックス 10">
+            <a:extLst>
+              <a:ext uri="{FF2B5EF4-FFF2-40B4-BE49-F238E27FC236}">
+                <a16:creationId xmlns:a16="http://schemas.microsoft.com/office/drawing/2014/main" id="{7ACE9048-F3BD-4B14-8DED-C4504E34B1DF}"/>
               </a:ext>
             </a:extLst>
           </p:cNvPr>
@@ -7574,7 +12284,7 @@
         <p:spPr>
           <a:xfrm>
             <a:off x="283464" y="153663"/>
-            <a:ext cx="2073656" cy="1107996"/>
+            <a:ext cx="5812536" cy="1107996"/>
           </a:xfrm>
           <a:prstGeom prst="rect">
             <a:avLst/>
@@ -7593,7 +12303,7 @@
                 <a:ea typeface="HG創英角ｺﾞｼｯｸUB" panose="020B0909000000000000" pitchFamily="49" charset="-128"/>
                 <a:cs typeface="ADLaM Display" panose="020F0502020204030204" pitchFamily="2" charset="0"/>
               </a:rPr>
-              <a:t>目的</a:t>
+              <a:t>そこで・・・</a:t>
             </a:r>
             <a:endParaRPr lang="ja-JP" altLang="en-US" sz="6600" dirty="0"/>
           </a:p>
@@ -7601,10 +12311,98 @@
       </p:sp>
       <p:sp>
         <p:nvSpPr>
-          <p:cNvPr id="3" name="テキスト ボックス 2">
-            <a:extLst>
-              <a:ext uri="{FF2B5EF4-FFF2-40B4-BE49-F238E27FC236}">
-                <a16:creationId xmlns:a16="http://schemas.microsoft.com/office/drawing/2014/main" id="{C17D7FC7-5572-B451-5E2C-6640C34FF0B8}"/>
+          <p:cNvPr id="17" name="四角形: 角を丸くする 16">
+            <a:extLst>
+              <a:ext uri="{FF2B5EF4-FFF2-40B4-BE49-F238E27FC236}">
+                <a16:creationId xmlns:a16="http://schemas.microsoft.com/office/drawing/2014/main" id="{E703EFF1-1F17-23EE-44D5-6E9610869312}"/>
+              </a:ext>
+            </a:extLst>
+          </p:cNvPr>
+          <p:cNvSpPr/>
+          <p:nvPr/>
+        </p:nvSpPr>
+        <p:spPr>
+          <a:xfrm>
+            <a:off x="754379" y="4914036"/>
+            <a:ext cx="1716025" cy="1728390"/>
+          </a:xfrm>
+          <a:prstGeom prst="roundRect">
+            <a:avLst/>
+          </a:prstGeom>
+          <a:solidFill>
+            <a:schemeClr val="bg1"/>
+          </a:solidFill>
+          <a:ln>
+            <a:noFill/>
+          </a:ln>
+        </p:spPr>
+        <p:style>
+          <a:lnRef idx="2">
+            <a:schemeClr val="accent1">
+              <a:shade val="15000"/>
+            </a:schemeClr>
+          </a:lnRef>
+          <a:fillRef idx="1">
+            <a:schemeClr val="accent1"/>
+          </a:fillRef>
+          <a:effectRef idx="0">
+            <a:schemeClr val="accent1"/>
+          </a:effectRef>
+          <a:fontRef idx="minor">
+            <a:schemeClr val="lt1"/>
+          </a:fontRef>
+        </p:style>
+        <p:txBody>
+          <a:bodyPr rtlCol="0" anchor="ctr"/>
+          <a:lstStyle/>
+          <a:p>
+            <a:pPr algn="ctr"/>
+            <a:endParaRPr kumimoji="1" lang="ja-JP" altLang="en-US"/>
+          </a:p>
+        </p:txBody>
+      </p:sp>
+      <p:pic>
+        <p:nvPicPr>
+          <p:cNvPr id="15" name="図 14" descr="ロゴ&#10;&#10;自動的に生成された説明">
+            <a:extLst>
+              <a:ext uri="{FF2B5EF4-FFF2-40B4-BE49-F238E27FC236}">
+                <a16:creationId xmlns:a16="http://schemas.microsoft.com/office/drawing/2014/main" id="{D0E78E92-5593-0792-C7EF-4309F2BBDE0B}"/>
+              </a:ext>
+            </a:extLst>
+          </p:cNvPr>
+          <p:cNvPicPr>
+            <a:picLocks noChangeAspect="1"/>
+          </p:cNvPicPr>
+          <p:nvPr/>
+        </p:nvPicPr>
+        <p:blipFill>
+          <a:blip r:embed="rId4">
+            <a:extLst>
+              <a:ext uri="{28A0092B-C50C-407E-A947-70E740481C1C}">
+                <a14:useLocalDpi xmlns:a14="http://schemas.microsoft.com/office/drawing/2010/main" val="0"/>
+              </a:ext>
+            </a:extLst>
+          </a:blip>
+          <a:stretch>
+            <a:fillRect/>
+          </a:stretch>
+        </p:blipFill>
+        <p:spPr>
+          <a:xfrm>
+            <a:off x="729088" y="4901110"/>
+            <a:ext cx="1741316" cy="1741316"/>
+          </a:xfrm>
+          <a:prstGeom prst="rect">
+            <a:avLst/>
+          </a:prstGeom>
+        </p:spPr>
+      </p:pic>
+      <p:sp>
+        <p:nvSpPr>
+          <p:cNvPr id="18" name="テキスト ボックス 17">
+            <a:extLst>
+              <a:ext uri="{FF2B5EF4-FFF2-40B4-BE49-F238E27FC236}">
+                <a16:creationId xmlns:a16="http://schemas.microsoft.com/office/drawing/2014/main" id="{583B488E-F5D9-F615-4C2F-2358559CA9AA}"/>
               </a:ext>
             </a:extLst>
           </p:cNvPr>
@@ -7613,8 +12411,8 @@
         </p:nvSpPr>
         <p:spPr>
           <a:xfrm>
-            <a:off x="283464" y="1758943"/>
-            <a:ext cx="10475976" cy="1107996"/>
+            <a:off x="5668542" y="2030474"/>
+            <a:ext cx="5812536" cy="1107996"/>
           </a:xfrm>
           <a:prstGeom prst="rect">
             <a:avLst/>
@@ -7633,18 +12431,22 @@
                 <a:ea typeface="HG創英角ｺﾞｼｯｸUB" panose="020B0909000000000000" pitchFamily="49" charset="-128"/>
                 <a:cs typeface="ADLaM Display" panose="020F0502020204030204" pitchFamily="2" charset="0"/>
               </a:rPr>
-              <a:t>デジタルタトゥー防止</a:t>
-            </a:r>
-            <a:endParaRPr lang="ja-JP" altLang="en-US" sz="6600" dirty="0"/>
-          </a:p>
-        </p:txBody>
-      </p:sp>
-      <p:sp>
-        <p:nvSpPr>
-          <p:cNvPr id="5" name="テキスト ボックス 4">
-            <a:extLst>
-              <a:ext uri="{FF2B5EF4-FFF2-40B4-BE49-F238E27FC236}">
-                <a16:creationId xmlns:a16="http://schemas.microsoft.com/office/drawing/2014/main" id="{18A3CD23-7598-BA40-054D-E89DE1A18876}"/>
+              <a:t>「ホネット」</a:t>
+            </a:r>
+            <a:endParaRPr lang="en-US" altLang="ja-JP" sz="6600" dirty="0">
+              <a:latin typeface="HG創英角ｺﾞｼｯｸUB" panose="020B0909000000000000" pitchFamily="49" charset="-128"/>
+              <a:ea typeface="HG創英角ｺﾞｼｯｸUB" panose="020B0909000000000000" pitchFamily="49" charset="-128"/>
+              <a:cs typeface="ADLaM Display" panose="020F0502020204030204" pitchFamily="2" charset="0"/>
+            </a:endParaRPr>
+          </a:p>
+        </p:txBody>
+      </p:sp>
+      <p:sp>
+        <p:nvSpPr>
+          <p:cNvPr id="19" name="テキスト ボックス 18">
+            <a:extLst>
+              <a:ext uri="{FF2B5EF4-FFF2-40B4-BE49-F238E27FC236}">
+                <a16:creationId xmlns:a16="http://schemas.microsoft.com/office/drawing/2014/main" id="{7EEF6086-DD1F-3559-EA15-985A07DB790C}"/>
               </a:ext>
             </a:extLst>
           </p:cNvPr>
@@ -7653,8 +12455,8 @@
         </p:nvSpPr>
         <p:spPr>
           <a:xfrm>
-            <a:off x="283464" y="3437064"/>
-            <a:ext cx="6554216" cy="1107996"/>
+            <a:off x="5739384" y="3839281"/>
+            <a:ext cx="5812536" cy="2123658"/>
           </a:xfrm>
           <a:prstGeom prst="rect">
             <a:avLst/>
@@ -7673,39 +12475,14 @@
                 <a:ea typeface="HG創英角ｺﾞｼｯｸUB" panose="020B0909000000000000" pitchFamily="49" charset="-128"/>
                 <a:cs typeface="ADLaM Display" panose="020F0502020204030204" pitchFamily="2" charset="0"/>
               </a:rPr>
-              <a:t>リテラシー向上</a:t>
-            </a:r>
-            <a:endParaRPr lang="ja-JP" altLang="en-US" sz="6600" dirty="0"/>
-          </a:p>
-        </p:txBody>
-      </p:sp>
-      <p:sp>
-        <p:nvSpPr>
-          <p:cNvPr id="6" name="テキスト ボックス 5">
-            <a:extLst>
-              <a:ext uri="{FF2B5EF4-FFF2-40B4-BE49-F238E27FC236}">
-                <a16:creationId xmlns:a16="http://schemas.microsoft.com/office/drawing/2014/main" id="{93EECAAB-F018-D16B-4F51-AE5DD1E6B6B4}"/>
-              </a:ext>
-            </a:extLst>
-          </p:cNvPr>
-          <p:cNvSpPr txBox="1"/>
-          <p:nvPr/>
-        </p:nvSpPr>
-        <p:spPr>
-          <a:xfrm>
-            <a:off x="283464" y="5115185"/>
-            <a:ext cx="6554216" cy="1107996"/>
-          </a:xfrm>
-          <a:prstGeom prst="rect">
-            <a:avLst/>
-          </a:prstGeom>
-          <a:noFill/>
-        </p:spPr>
-        <p:txBody>
-          <a:bodyPr wrap="square">
-            <a:spAutoFit/>
-          </a:bodyPr>
-          <a:lstStyle/>
+              <a:t>様々な</a:t>
+            </a:r>
+            <a:endParaRPr lang="en-US" altLang="ja-JP" sz="6600" dirty="0">
+              <a:latin typeface="HG創英角ｺﾞｼｯｸUB" panose="020B0909000000000000" pitchFamily="49" charset="-128"/>
+              <a:ea typeface="HG創英角ｺﾞｼｯｸUB" panose="020B0909000000000000" pitchFamily="49" charset="-128"/>
+              <a:cs typeface="ADLaM Display" panose="020F0502020204030204" pitchFamily="2" charset="0"/>
+            </a:endParaRPr>
+          </a:p>
           <a:p>
             <a:r>
               <a:rPr lang="ja-JP" altLang="en-US" sz="6600" dirty="0">
@@ -7713,23 +12490,7 @@
                 <a:ea typeface="HG創英角ｺﾞｼｯｸUB" panose="020B0909000000000000" pitchFamily="49" charset="-128"/>
                 <a:cs typeface="ADLaM Display" panose="020F0502020204030204" pitchFamily="2" charset="0"/>
               </a:rPr>
-              <a:t>より良い</a:t>
-            </a:r>
-            <a:r>
-              <a:rPr lang="en-US" altLang="ja-JP" sz="6600" dirty="0">
-                <a:latin typeface="HG創英角ｺﾞｼｯｸUB" panose="020B0909000000000000" pitchFamily="49" charset="-128"/>
-                <a:ea typeface="HG創英角ｺﾞｼｯｸUB" panose="020B0909000000000000" pitchFamily="49" charset="-128"/>
-                <a:cs typeface="ADLaM Display" panose="020F0502020204030204" pitchFamily="2" charset="0"/>
-              </a:rPr>
-              <a:t>SNS</a:t>
-            </a:r>
-            <a:r>
-              <a:rPr lang="ja-JP" altLang="en-US" sz="6600" dirty="0">
-                <a:latin typeface="HG創英角ｺﾞｼｯｸUB" panose="020B0909000000000000" pitchFamily="49" charset="-128"/>
-                <a:ea typeface="HG創英角ｺﾞｼｯｸUB" panose="020B0909000000000000" pitchFamily="49" charset="-128"/>
-                <a:cs typeface="ADLaM Display" panose="020F0502020204030204" pitchFamily="2" charset="0"/>
-              </a:rPr>
-              <a:t>教育</a:t>
+              <a:t>炎上シナリオ</a:t>
             </a:r>
             <a:endParaRPr lang="ja-JP" altLang="en-US" sz="6600" dirty="0"/>
           </a:p>
@@ -7738,7 +12499,7 @@
     </p:spTree>
     <p:extLst>
       <p:ext uri="{BB962C8B-B14F-4D97-AF65-F5344CB8AC3E}">
-        <p14:creationId xmlns:p14="http://schemas.microsoft.com/office/powerpoint/2010/main" val="4149686902"/>
+        <p14:creationId xmlns:p14="http://schemas.microsoft.com/office/powerpoint/2010/main" val="4028179173"/>
       </p:ext>
     </p:extLst>
   </p:cSld>
@@ -8356,12 +13117,86 @@
           </a:p>
         </p:txBody>
       </p:sp>
+      <p:sp>
+        <p:nvSpPr>
+          <p:cNvPr id="8" name="テキスト ボックス 7">
+            <a:extLst>
+              <a:ext uri="{FF2B5EF4-FFF2-40B4-BE49-F238E27FC236}">
+                <a16:creationId xmlns:a16="http://schemas.microsoft.com/office/drawing/2014/main" id="{70726485-8263-F1F0-4DEE-5BAFD086A3D4}"/>
+              </a:ext>
+            </a:extLst>
+          </p:cNvPr>
+          <p:cNvSpPr txBox="1"/>
+          <p:nvPr/>
+        </p:nvSpPr>
+        <p:spPr>
+          <a:xfrm>
+            <a:off x="2653205" y="1587948"/>
+            <a:ext cx="3416320" cy="646331"/>
+          </a:xfrm>
+          <a:prstGeom prst="rect">
+            <a:avLst/>
+          </a:prstGeom>
+          <a:noFill/>
+        </p:spPr>
+        <p:txBody>
+          <a:bodyPr wrap="none" rtlCol="0">
+            <a:spAutoFit/>
+          </a:bodyPr>
+          <a:lstStyle/>
+          <a:p>
+            <a:pPr algn="just"/>
+            <a:r>
+              <a:rPr lang="ja-JP" altLang="en-US" sz="3600" b="1" dirty="0"/>
+              <a:t>フロントエンド</a:t>
+            </a:r>
+            <a:endParaRPr kumimoji="1" lang="ja-JP" altLang="en-US" sz="3600" b="1" dirty="0"/>
+          </a:p>
+        </p:txBody>
+      </p:sp>
+      <p:sp>
+        <p:nvSpPr>
+          <p:cNvPr id="9" name="テキスト ボックス 8">
+            <a:extLst>
+              <a:ext uri="{FF2B5EF4-FFF2-40B4-BE49-F238E27FC236}">
+                <a16:creationId xmlns:a16="http://schemas.microsoft.com/office/drawing/2014/main" id="{C9E5180B-822E-3BE7-7B37-4F480D2F222C}"/>
+              </a:ext>
+            </a:extLst>
+          </p:cNvPr>
+          <p:cNvSpPr txBox="1"/>
+          <p:nvPr/>
+        </p:nvSpPr>
+        <p:spPr>
+          <a:xfrm>
+            <a:off x="6337936" y="1572078"/>
+            <a:ext cx="2954655" cy="646331"/>
+          </a:xfrm>
+          <a:prstGeom prst="rect">
+            <a:avLst/>
+          </a:prstGeom>
+          <a:noFill/>
+        </p:spPr>
+        <p:txBody>
+          <a:bodyPr wrap="none" rtlCol="0">
+            <a:spAutoFit/>
+          </a:bodyPr>
+          <a:lstStyle/>
+          <a:p>
+            <a:pPr algn="just"/>
+            <a:r>
+              <a:rPr lang="ja-JP" altLang="en-US" sz="3600" b="1" dirty="0"/>
+              <a:t>バックエンド</a:t>
+            </a:r>
+            <a:endParaRPr kumimoji="1" lang="ja-JP" altLang="en-US" sz="3600" b="1" dirty="0"/>
+          </a:p>
+        </p:txBody>
+      </p:sp>
       <p:pic>
         <p:nvPicPr>
-          <p:cNvPr id="6" name="図 5">
-            <a:extLst>
-              <a:ext uri="{FF2B5EF4-FFF2-40B4-BE49-F238E27FC236}">
-                <a16:creationId xmlns:a16="http://schemas.microsoft.com/office/drawing/2014/main" id="{F0E5E455-881A-E3CC-6A52-5E3181570832}"/>
+          <p:cNvPr id="5" name="図 4">
+            <a:extLst>
+              <a:ext uri="{FF2B5EF4-FFF2-40B4-BE49-F238E27FC236}">
+                <a16:creationId xmlns:a16="http://schemas.microsoft.com/office/drawing/2014/main" id="{F05C5F86-00E5-E6C1-7D1D-30EAC3C3FD52}"/>
               </a:ext>
             </a:extLst>
           </p:cNvPr>
@@ -8378,88 +13213,14 @@
         </p:blipFill>
         <p:spPr>
           <a:xfrm>
-            <a:off x="1443757" y="2202540"/>
-            <a:ext cx="9675347" cy="4362851"/>
+            <a:off x="2845249" y="2182909"/>
+            <a:ext cx="6923730" cy="4842364"/>
           </a:xfrm>
           <a:prstGeom prst="rect">
             <a:avLst/>
           </a:prstGeom>
         </p:spPr>
       </p:pic>
-      <p:sp>
-        <p:nvSpPr>
-          <p:cNvPr id="8" name="テキスト ボックス 7">
-            <a:extLst>
-              <a:ext uri="{FF2B5EF4-FFF2-40B4-BE49-F238E27FC236}">
-                <a16:creationId xmlns:a16="http://schemas.microsoft.com/office/drawing/2014/main" id="{70726485-8263-F1F0-4DEE-5BAFD086A3D4}"/>
-              </a:ext>
-            </a:extLst>
-          </p:cNvPr>
-          <p:cNvSpPr txBox="1"/>
-          <p:nvPr/>
-        </p:nvSpPr>
-        <p:spPr>
-          <a:xfrm>
-            <a:off x="947696" y="1556209"/>
-            <a:ext cx="3416320" cy="646331"/>
-          </a:xfrm>
-          <a:prstGeom prst="rect">
-            <a:avLst/>
-          </a:prstGeom>
-          <a:noFill/>
-        </p:spPr>
-        <p:txBody>
-          <a:bodyPr wrap="none" rtlCol="0">
-            <a:spAutoFit/>
-          </a:bodyPr>
-          <a:lstStyle/>
-          <a:p>
-            <a:pPr algn="just"/>
-            <a:r>
-              <a:rPr lang="ja-JP" altLang="en-US" sz="3600" b="1" dirty="0"/>
-              <a:t>フロントエンド</a:t>
-            </a:r>
-            <a:endParaRPr kumimoji="1" lang="ja-JP" altLang="en-US" sz="3600" b="1" dirty="0"/>
-          </a:p>
-        </p:txBody>
-      </p:sp>
-      <p:sp>
-        <p:nvSpPr>
-          <p:cNvPr id="9" name="テキスト ボックス 8">
-            <a:extLst>
-              <a:ext uri="{FF2B5EF4-FFF2-40B4-BE49-F238E27FC236}">
-                <a16:creationId xmlns:a16="http://schemas.microsoft.com/office/drawing/2014/main" id="{C9E5180B-822E-3BE7-7B37-4F480D2F222C}"/>
-              </a:ext>
-            </a:extLst>
-          </p:cNvPr>
-          <p:cNvSpPr txBox="1"/>
-          <p:nvPr/>
-        </p:nvSpPr>
-        <p:spPr>
-          <a:xfrm>
-            <a:off x="6216480" y="1556209"/>
-            <a:ext cx="2954655" cy="646331"/>
-          </a:xfrm>
-          <a:prstGeom prst="rect">
-            <a:avLst/>
-          </a:prstGeom>
-          <a:noFill/>
-        </p:spPr>
-        <p:txBody>
-          <a:bodyPr wrap="none" rtlCol="0">
-            <a:spAutoFit/>
-          </a:bodyPr>
-          <a:lstStyle/>
-          <a:p>
-            <a:pPr algn="just"/>
-            <a:r>
-              <a:rPr lang="ja-JP" altLang="en-US" sz="3600" b="1" dirty="0"/>
-              <a:t>バックエンド</a:t>
-            </a:r>
-            <a:endParaRPr kumimoji="1" lang="ja-JP" altLang="en-US" sz="3600" b="1" dirty="0"/>
-          </a:p>
-        </p:txBody>
-      </p:sp>
     </p:spTree>
     <p:extLst>
       <p:ext uri="{BB962C8B-B14F-4D97-AF65-F5344CB8AC3E}">
